--- a/Academic Work/presentations/prague/Evolve - Advanced.pptx
+++ b/Academic Work/presentations/prague/Evolve - Advanced.pptx
@@ -5,7 +5,7 @@
     <p:sldMasterId id="2147484032" r:id="rId1"/>
   </p:sldMasterIdLst>
   <p:notesMasterIdLst>
-    <p:notesMasterId r:id="rId11"/>
+    <p:notesMasterId r:id="rId21"/>
   </p:notesMasterIdLst>
   <p:sldIdLst>
     <p:sldId id="256" r:id="rId2"/>
@@ -13,10 +13,20 @@
     <p:sldId id="282" r:id="rId4"/>
     <p:sldId id="259" r:id="rId5"/>
     <p:sldId id="286" r:id="rId6"/>
-    <p:sldId id="285" r:id="rId7"/>
-    <p:sldId id="287" r:id="rId8"/>
-    <p:sldId id="288" r:id="rId9"/>
-    <p:sldId id="281" r:id="rId10"/>
+    <p:sldId id="289" r:id="rId7"/>
+    <p:sldId id="290" r:id="rId8"/>
+    <p:sldId id="291" r:id="rId9"/>
+    <p:sldId id="292" r:id="rId10"/>
+    <p:sldId id="293" r:id="rId11"/>
+    <p:sldId id="294" r:id="rId12"/>
+    <p:sldId id="287" r:id="rId13"/>
+    <p:sldId id="288" r:id="rId14"/>
+    <p:sldId id="297" r:id="rId15"/>
+    <p:sldId id="296" r:id="rId16"/>
+    <p:sldId id="301" r:id="rId17"/>
+    <p:sldId id="298" r:id="rId18"/>
+    <p:sldId id="299" r:id="rId19"/>
+    <p:sldId id="300" r:id="rId20"/>
   </p:sldIdLst>
   <p:sldSz cx="9144000" cy="6858000" type="screen4x3"/>
   <p:notesSz cx="9144000" cy="6858000"/>
@@ -201,7 +211,7 @@
             <a:fld id="{CC899B31-23B7-41FA-A7A8-47EAF8E80A0A}" type="datetimeFigureOut">
               <a:rPr lang="en-US" smtClean="0"/>
               <a:pPr/>
-              <a:t>1/30/2011</a:t>
+              <a:t>2/1/2011</a:t>
             </a:fld>
             <a:endParaRPr lang="en-GB"/>
           </a:p>
@@ -467,6 +477,183 @@
 </p:notesMaster>
 </file>
 
+<file path=ppt/notesSlides/notesSlide1.xml><?xml version="1.0" encoding="utf-8"?>
+<p:notes xmlns:a="http://schemas.openxmlformats.org/drawingml/2006/main" xmlns:r="http://schemas.openxmlformats.org/officeDocument/2006/relationships" xmlns:p="http://schemas.openxmlformats.org/presentationml/2006/main">
+  <p:cSld>
+    <p:spTree>
+      <p:nvGrpSpPr>
+        <p:cNvPr id="1" name=""/>
+        <p:cNvGrpSpPr/>
+        <p:nvPr/>
+      </p:nvGrpSpPr>
+      <p:grpSpPr>
+        <a:xfrm>
+          <a:off x="0" y="0"/>
+          <a:ext cx="0" cy="0"/>
+          <a:chOff x="0" y="0"/>
+          <a:chExt cx="0" cy="0"/>
+        </a:xfrm>
+      </p:grpSpPr>
+      <p:sp>
+        <p:nvSpPr>
+          <p:cNvPr id="2" name="Slide Image Placeholder 1"/>
+          <p:cNvSpPr>
+            <a:spLocks noGrp="1" noRot="1" noChangeAspect="1"/>
+          </p:cNvSpPr>
+          <p:nvPr>
+            <p:ph type="sldImg"/>
+          </p:nvPr>
+        </p:nvSpPr>
+        <p:spPr>
+          <a:xfrm>
+            <a:off x="1714500" y="142875"/>
+            <a:ext cx="5715000" cy="4286250"/>
+          </a:xfrm>
+        </p:spPr>
+      </p:sp>
+      <p:sp>
+        <p:nvSpPr>
+          <p:cNvPr id="3" name="Notes Placeholder 2"/>
+          <p:cNvSpPr>
+            <a:spLocks noGrp="1"/>
+          </p:cNvSpPr>
+          <p:nvPr>
+            <p:ph type="body" idx="1"/>
+          </p:nvPr>
+        </p:nvSpPr>
+        <p:spPr/>
+        <p:txBody>
+          <a:bodyPr>
+            <a:normAutofit/>
+          </a:bodyPr>
+          <a:lstStyle/>
+          <a:p>
+            <a:endParaRPr lang="en-GB" dirty="0"/>
+          </a:p>
+        </p:txBody>
+      </p:sp>
+      <p:sp>
+        <p:nvSpPr>
+          <p:cNvPr id="4" name="Slide Number Placeholder 3"/>
+          <p:cNvSpPr>
+            <a:spLocks noGrp="1"/>
+          </p:cNvSpPr>
+          <p:nvPr>
+            <p:ph type="sldNum" sz="quarter" idx="10"/>
+          </p:nvPr>
+        </p:nvSpPr>
+        <p:spPr/>
+        <p:txBody>
+          <a:bodyPr/>
+          <a:lstStyle/>
+          <a:p>
+            <a:fld id="{091399BD-5632-4612-98AC-0049671A5341}" type="slidenum">
+              <a:rPr lang="en-GB" smtClean="0"/>
+              <a:pPr/>
+              <a:t>2</a:t>
+            </a:fld>
+            <a:endParaRPr lang="en-GB"/>
+          </a:p>
+        </p:txBody>
+      </p:sp>
+    </p:spTree>
+  </p:cSld>
+  <p:clrMapOvr>
+    <a:masterClrMapping/>
+  </p:clrMapOvr>
+</p:notes>
+</file>
+
+<file path=ppt/notesSlides/notesSlide2.xml><?xml version="1.0" encoding="utf-8"?>
+<p:notes xmlns:a="http://schemas.openxmlformats.org/drawingml/2006/main" xmlns:r="http://schemas.openxmlformats.org/officeDocument/2006/relationships" xmlns:p="http://schemas.openxmlformats.org/presentationml/2006/main">
+  <p:cSld>
+    <p:spTree>
+      <p:nvGrpSpPr>
+        <p:cNvPr id="1" name=""/>
+        <p:cNvGrpSpPr/>
+        <p:nvPr/>
+      </p:nvGrpSpPr>
+      <p:grpSpPr>
+        <a:xfrm>
+          <a:off x="0" y="0"/>
+          <a:ext cx="0" cy="0"/>
+          <a:chOff x="0" y="0"/>
+          <a:chExt cx="0" cy="0"/>
+        </a:xfrm>
+      </p:grpSpPr>
+      <p:sp>
+        <p:nvSpPr>
+          <p:cNvPr id="2" name="Slide Image Placeholder 1"/>
+          <p:cNvSpPr>
+            <a:spLocks noGrp="1" noRot="1" noChangeAspect="1"/>
+          </p:cNvSpPr>
+          <p:nvPr>
+            <p:ph type="sldImg"/>
+          </p:nvPr>
+        </p:nvSpPr>
+        <p:spPr/>
+      </p:sp>
+      <p:sp>
+        <p:nvSpPr>
+          <p:cNvPr id="3" name="Notes Placeholder 2"/>
+          <p:cNvSpPr>
+            <a:spLocks noGrp="1"/>
+          </p:cNvSpPr>
+          <p:nvPr>
+            <p:ph type="body" idx="1"/>
+          </p:nvPr>
+        </p:nvSpPr>
+        <p:spPr/>
+        <p:txBody>
+          <a:bodyPr>
+            <a:normAutofit/>
+          </a:bodyPr>
+          <a:lstStyle/>
+          <a:p>
+            <a:r>
+              <a:rPr lang="en-GB" dirty="0" smtClean="0"/>
+              <a:t>Cost of older system is proportional to</a:t>
+            </a:r>
+            <a:r>
+              <a:rPr lang="en-GB" baseline="0" dirty="0" smtClean="0"/>
+              <a:t> age</a:t>
+            </a:r>
+            <a:endParaRPr lang="en-GB" dirty="0"/>
+          </a:p>
+        </p:txBody>
+      </p:sp>
+      <p:sp>
+        <p:nvSpPr>
+          <p:cNvPr id="4" name="Slide Number Placeholder 3"/>
+          <p:cNvSpPr>
+            <a:spLocks noGrp="1"/>
+          </p:cNvSpPr>
+          <p:nvPr>
+            <p:ph type="sldNum" sz="quarter" idx="10"/>
+          </p:nvPr>
+        </p:nvSpPr>
+        <p:spPr/>
+        <p:txBody>
+          <a:bodyPr/>
+          <a:lstStyle/>
+          <a:p>
+            <a:fld id="{091399BD-5632-4612-98AC-0049671A5341}" type="slidenum">
+              <a:rPr lang="en-GB" smtClean="0"/>
+              <a:pPr/>
+              <a:t>17</a:t>
+            </a:fld>
+            <a:endParaRPr lang="en-GB"/>
+          </a:p>
+        </p:txBody>
+      </p:sp>
+    </p:spTree>
+  </p:cSld>
+  <p:clrMapOvr>
+    <a:masterClrMapping/>
+  </p:clrMapOvr>
+</p:notes>
+</file>
+
 <file path=ppt/slideLayouts/slideLayout1.xml><?xml version="1.0" encoding="utf-8"?>
 <p:sldLayout xmlns:a="http://schemas.openxmlformats.org/drawingml/2006/main" xmlns:r="http://schemas.openxmlformats.org/officeDocument/2006/relationships" xmlns:p="http://schemas.openxmlformats.org/presentationml/2006/main" type="title" preserve="1">
   <p:cSld name="Title Slide">
@@ -810,7 +997,7 @@
             <a:fld id="{80205730-B28B-4293-938B-A508842901A8}" type="datetimeFigureOut">
               <a:rPr lang="en-US" smtClean="0"/>
               <a:pPr/>
-              <a:t>1/30/2011</a:t>
+              <a:t>2/1/2011</a:t>
             </a:fld>
             <a:endParaRPr lang="en-GB"/>
           </a:p>
@@ -995,7 +1182,7 @@
             <a:fld id="{80205730-B28B-4293-938B-A508842901A8}" type="datetimeFigureOut">
               <a:rPr lang="en-US" smtClean="0"/>
               <a:pPr/>
-              <a:t>1/30/2011</a:t>
+              <a:t>2/1/2011</a:t>
             </a:fld>
             <a:endParaRPr lang="en-GB"/>
           </a:p>
@@ -1392,7 +1579,7 @@
             <a:fld id="{80205730-B28B-4293-938B-A508842901A8}" type="datetimeFigureOut">
               <a:rPr lang="en-US" smtClean="0"/>
               <a:pPr/>
-              <a:t>1/30/2011</a:t>
+              <a:t>2/1/2011</a:t>
             </a:fld>
             <a:endParaRPr lang="en-GB"/>
           </a:p>
@@ -1666,7 +1853,7 @@
             <a:fld id="{80205730-B28B-4293-938B-A508842901A8}" type="datetimeFigureOut">
               <a:rPr lang="en-US" smtClean="0"/>
               <a:pPr/>
-              <a:t>1/30/2011</a:t>
+              <a:t>2/1/2011</a:t>
             </a:fld>
             <a:endParaRPr lang="en-GB"/>
           </a:p>
@@ -2054,7 +2241,7 @@
             <a:fld id="{80205730-B28B-4293-938B-A508842901A8}" type="datetimeFigureOut">
               <a:rPr lang="en-US" smtClean="0"/>
               <a:pPr/>
-              <a:t>1/30/2011</a:t>
+              <a:t>2/1/2011</a:t>
             </a:fld>
             <a:endParaRPr lang="en-GB"/>
           </a:p>
@@ -2214,7 +2401,7 @@
             <a:fld id="{80205730-B28B-4293-938B-A508842901A8}" type="datetimeFigureOut">
               <a:rPr lang="en-US" smtClean="0"/>
               <a:pPr/>
-              <a:t>1/30/2011</a:t>
+              <a:t>2/1/2011</a:t>
             </a:fld>
             <a:endParaRPr lang="en-GB"/>
           </a:p>
@@ -2314,7 +2501,7 @@
             <a:fld id="{80205730-B28B-4293-938B-A508842901A8}" type="datetimeFigureOut">
               <a:rPr lang="en-US" smtClean="0"/>
               <a:pPr/>
-              <a:t>1/30/2011</a:t>
+              <a:t>2/1/2011</a:t>
             </a:fld>
             <a:endParaRPr lang="en-GB"/>
           </a:p>
@@ -2585,7 +2772,7 @@
             <a:fld id="{80205730-B28B-4293-938B-A508842901A8}" type="datetimeFigureOut">
               <a:rPr lang="en-US" smtClean="0"/>
               <a:pPr/>
-              <a:t>1/30/2011</a:t>
+              <a:t>2/1/2011</a:t>
             </a:fld>
             <a:endParaRPr lang="en-GB"/>
           </a:p>
@@ -2883,7 +3070,7 @@
             <a:fld id="{80205730-B28B-4293-938B-A508842901A8}" type="datetimeFigureOut">
               <a:rPr lang="en-US" smtClean="0"/>
               <a:pPr/>
-              <a:t>1/30/2011</a:t>
+              <a:t>2/1/2011</a:t>
             </a:fld>
             <a:endParaRPr lang="en-GB"/>
           </a:p>
@@ -4051,21 +4238,80 @@
               <a:rPr lang="en-GB" dirty="0" smtClean="0"/>
               <a:t>			</a:t>
             </a:r>
-            <a:r>
-              <a:rPr lang="en-GB" dirty="0" smtClean="0"/>
-              <a:t>Overview of formal </a:t>
-            </a:r>
-            <a:r>
-              <a:rPr lang="en-GB" dirty="0" smtClean="0"/>
-              <a:t>model</a:t>
-            </a:r>
-          </a:p>
-          <a:p>
-            <a:r>
-              <a:rPr lang="en-GB" dirty="0" smtClean="0"/>
-              <a:t>&amp; advanced features</a:t>
-            </a:r>
             <a:endParaRPr lang="en-GB" dirty="0"/>
+          </a:p>
+        </p:txBody>
+      </p:sp>
+      <p:sp>
+        <p:nvSpPr>
+          <p:cNvPr id="4" name="TextBox 3"/>
+          <p:cNvSpPr txBox="1"/>
+          <p:nvPr/>
+        </p:nvSpPr>
+        <p:spPr>
+          <a:xfrm>
+            <a:off x="214282" y="4929198"/>
+            <a:ext cx="2554610" cy="1200329"/>
+          </a:xfrm>
+          <a:prstGeom prst="rect">
+            <a:avLst/>
+          </a:prstGeom>
+          <a:noFill/>
+        </p:spPr>
+        <p:txBody>
+          <a:bodyPr wrap="none" rtlCol="0">
+            <a:spAutoFit/>
+          </a:bodyPr>
+          <a:lstStyle/>
+          <a:p>
+            <a:r>
+              <a:rPr lang="en-GB" dirty="0" smtClean="0">
+                <a:solidFill>
+                  <a:schemeClr val="bg1"/>
+                </a:solidFill>
+              </a:rPr>
+              <a:t>Andrew McVeigh</a:t>
+            </a:r>
+          </a:p>
+          <a:p>
+            <a:r>
+              <a:rPr lang="en-GB" dirty="0" smtClean="0">
+                <a:solidFill>
+                  <a:schemeClr val="bg1"/>
+                </a:solidFill>
+              </a:rPr>
+              <a:t>Jeff Magee</a:t>
+            </a:r>
+          </a:p>
+          <a:p>
+            <a:r>
+              <a:rPr lang="en-GB" dirty="0" smtClean="0">
+                <a:solidFill>
+                  <a:schemeClr val="bg1"/>
+                </a:solidFill>
+              </a:rPr>
+              <a:t>Jeff Kramer</a:t>
+            </a:r>
+            <a:endParaRPr lang="en-GB" b="1" dirty="0" smtClean="0">
+              <a:solidFill>
+                <a:schemeClr val="bg1"/>
+              </a:solidFill>
+            </a:endParaRPr>
+          </a:p>
+          <a:p>
+            <a:r>
+              <a:rPr lang="en-GB" b="1" dirty="0" smtClean="0">
+                <a:solidFill>
+                  <a:schemeClr val="bg1"/>
+                </a:solidFill>
+              </a:rPr>
+              <a:t>Imperial College, London</a:t>
+            </a:r>
+            <a:endParaRPr lang="en-GB" b="1" dirty="0">
+              <a:solidFill>
+                <a:schemeClr val="bg1"/>
+              </a:solidFill>
+            </a:endParaRPr>
           </a:p>
         </p:txBody>
       </p:sp>
@@ -4081,6 +4327,899 @@
       </p:par>
     </p:tnLst>
   </p:timing>
+</p:sld>
+</file>
+
+<file path=ppt/slides/slide10.xml><?xml version="1.0" encoding="utf-8"?>
+<p:sld xmlns:a="http://schemas.openxmlformats.org/drawingml/2006/main" xmlns:r="http://schemas.openxmlformats.org/officeDocument/2006/relationships" xmlns:p="http://schemas.openxmlformats.org/presentationml/2006/main">
+  <p:cSld>
+    <p:spTree>
+      <p:nvGrpSpPr>
+        <p:cNvPr id="1" name=""/>
+        <p:cNvGrpSpPr/>
+        <p:nvPr/>
+      </p:nvGrpSpPr>
+      <p:grpSpPr>
+        <a:xfrm>
+          <a:off x="0" y="0"/>
+          <a:ext cx="0" cy="0"/>
+          <a:chOff x="0" y="0"/>
+          <a:chExt cx="0" cy="0"/>
+        </a:xfrm>
+      </p:grpSpPr>
+      <p:sp>
+        <p:nvSpPr>
+          <p:cNvPr id="4" name="Title 3"/>
+          <p:cNvSpPr>
+            <a:spLocks noGrp="1"/>
+          </p:cNvSpPr>
+          <p:nvPr>
+            <p:ph type="title"/>
+          </p:nvPr>
+        </p:nvSpPr>
+        <p:spPr/>
+        <p:txBody>
+          <a:bodyPr/>
+          <a:lstStyle/>
+          <a:p>
+            <a:r>
+              <a:rPr lang="en-GB" dirty="0" smtClean="0"/>
+              <a:t>State Machines</a:t>
+            </a:r>
+            <a:endParaRPr lang="en-GB" dirty="0"/>
+          </a:p>
+        </p:txBody>
+      </p:sp>
+      <p:sp>
+        <p:nvSpPr>
+          <p:cNvPr id="5" name="Content Placeholder 4"/>
+          <p:cNvSpPr>
+            <a:spLocks noGrp="1"/>
+          </p:cNvSpPr>
+          <p:nvPr>
+            <p:ph idx="1"/>
+          </p:nvPr>
+        </p:nvSpPr>
+        <p:spPr/>
+        <p:txBody>
+          <a:bodyPr/>
+          <a:lstStyle/>
+          <a:p>
+            <a:r>
+              <a:rPr lang="en-GB" dirty="0" smtClean="0"/>
+              <a:t>Just components with a notion of current state</a:t>
+            </a:r>
+          </a:p>
+          <a:p>
+            <a:pPr lvl="1"/>
+            <a:r>
+              <a:rPr lang="en-GB" dirty="0" smtClean="0"/>
+              <a:t>Big switch</a:t>
+            </a:r>
+          </a:p>
+          <a:p>
+            <a:pPr lvl="1"/>
+            <a:r>
+              <a:rPr lang="en-GB" dirty="0" smtClean="0"/>
+              <a:t>Different graphical presentation</a:t>
+            </a:r>
+          </a:p>
+          <a:p>
+            <a:pPr lvl="1"/>
+            <a:r>
+              <a:rPr lang="en-GB" dirty="0" smtClean="0"/>
+              <a:t>Use with resemblance and evolution</a:t>
+            </a:r>
+          </a:p>
+          <a:p>
+            <a:pPr lvl="1"/>
+            <a:r>
+              <a:rPr lang="en-GB" dirty="0" smtClean="0"/>
+              <a:t>Combine with conventional components</a:t>
+            </a:r>
+          </a:p>
+          <a:p>
+            <a:pPr lvl="1"/>
+            <a:endParaRPr lang="en-GB" dirty="0" smtClean="0"/>
+          </a:p>
+          <a:p>
+            <a:r>
+              <a:rPr lang="en-GB" dirty="0" smtClean="0"/>
+              <a:t>Advantages over OO approach</a:t>
+            </a:r>
+          </a:p>
+          <a:p>
+            <a:pPr lvl="1"/>
+            <a:r>
+              <a:rPr lang="en-GB" dirty="0" smtClean="0"/>
+              <a:t>Explicit transitions</a:t>
+            </a:r>
+          </a:p>
+          <a:p>
+            <a:pPr lvl="1"/>
+            <a:r>
+              <a:rPr lang="en-GB" dirty="0" smtClean="0"/>
+              <a:t>Extensible for states and transitions</a:t>
+            </a:r>
+          </a:p>
+          <a:p>
+            <a:pPr lvl="1"/>
+            <a:r>
+              <a:rPr lang="en-GB" dirty="0" smtClean="0"/>
+              <a:t>Rich context available for each state</a:t>
+            </a:r>
+          </a:p>
+          <a:p>
+            <a:pPr lvl="1"/>
+            <a:endParaRPr lang="en-GB" dirty="0" smtClean="0"/>
+          </a:p>
+          <a:p>
+            <a:endParaRPr lang="en-GB" dirty="0"/>
+          </a:p>
+        </p:txBody>
+      </p:sp>
+    </p:spTree>
+  </p:cSld>
+  <p:clrMapOvr>
+    <a:masterClrMapping/>
+  </p:clrMapOvr>
+</p:sld>
+</file>
+
+<file path=ppt/slides/slide11.xml><?xml version="1.0" encoding="utf-8"?>
+<p:sld xmlns:a="http://schemas.openxmlformats.org/drawingml/2006/main" xmlns:r="http://schemas.openxmlformats.org/officeDocument/2006/relationships" xmlns:p="http://schemas.openxmlformats.org/presentationml/2006/main">
+  <p:cSld>
+    <p:spTree>
+      <p:nvGrpSpPr>
+        <p:cNvPr id="1" name=""/>
+        <p:cNvGrpSpPr/>
+        <p:nvPr/>
+      </p:nvGrpSpPr>
+      <p:grpSpPr>
+        <a:xfrm>
+          <a:off x="0" y="0"/>
+          <a:ext cx="0" cy="0"/>
+          <a:chOff x="0" y="0"/>
+          <a:chExt cx="0" cy="0"/>
+        </a:xfrm>
+      </p:grpSpPr>
+      <p:sp>
+        <p:nvSpPr>
+          <p:cNvPr id="2" name="Title 1"/>
+          <p:cNvSpPr>
+            <a:spLocks noGrp="1"/>
+          </p:cNvSpPr>
+          <p:nvPr>
+            <p:ph type="title"/>
+          </p:nvPr>
+        </p:nvSpPr>
+        <p:spPr/>
+        <p:txBody>
+          <a:bodyPr/>
+          <a:lstStyle/>
+          <a:p>
+            <a:r>
+              <a:rPr lang="en-GB" dirty="0" smtClean="0"/>
+              <a:t>State machines (2)</a:t>
+            </a:r>
+            <a:endParaRPr lang="en-GB" dirty="0"/>
+          </a:p>
+        </p:txBody>
+      </p:sp>
+      <p:sp>
+        <p:nvSpPr>
+          <p:cNvPr id="3" name="Content Placeholder 2"/>
+          <p:cNvSpPr>
+            <a:spLocks noGrp="1"/>
+          </p:cNvSpPr>
+          <p:nvPr>
+            <p:ph idx="1"/>
+          </p:nvPr>
+        </p:nvSpPr>
+        <p:spPr/>
+        <p:txBody>
+          <a:bodyPr/>
+          <a:lstStyle/>
+          <a:p>
+            <a:r>
+              <a:rPr lang="en-GB" dirty="0" smtClean="0"/>
+              <a:t>Show...</a:t>
+            </a:r>
+            <a:endParaRPr lang="en-GB" dirty="0"/>
+          </a:p>
+        </p:txBody>
+      </p:sp>
+    </p:spTree>
+  </p:cSld>
+  <p:clrMapOvr>
+    <a:masterClrMapping/>
+  </p:clrMapOvr>
+</p:sld>
+</file>
+
+<file path=ppt/slides/slide12.xml><?xml version="1.0" encoding="utf-8"?>
+<p:sld xmlns:a="http://schemas.openxmlformats.org/drawingml/2006/main" xmlns:r="http://schemas.openxmlformats.org/officeDocument/2006/relationships" xmlns:p="http://schemas.openxmlformats.org/presentationml/2006/main">
+  <p:cSld>
+    <p:spTree>
+      <p:nvGrpSpPr>
+        <p:cNvPr id="1" name=""/>
+        <p:cNvGrpSpPr/>
+        <p:nvPr/>
+      </p:nvGrpSpPr>
+      <p:grpSpPr>
+        <a:xfrm>
+          <a:off x="0" y="0"/>
+          <a:ext cx="0" cy="0"/>
+          <a:chOff x="0" y="0"/>
+          <a:chExt cx="0" cy="0"/>
+        </a:xfrm>
+      </p:grpSpPr>
+      <p:sp>
+        <p:nvSpPr>
+          <p:cNvPr id="4" name="Title 3"/>
+          <p:cNvSpPr>
+            <a:spLocks noGrp="1"/>
+          </p:cNvSpPr>
+          <p:nvPr>
+            <p:ph type="title"/>
+          </p:nvPr>
+        </p:nvSpPr>
+        <p:spPr/>
+        <p:txBody>
+          <a:bodyPr/>
+          <a:lstStyle/>
+          <a:p>
+            <a:r>
+              <a:rPr lang="en-GB" dirty="0" smtClean="0"/>
+              <a:t>The Evolve Toolset</a:t>
+            </a:r>
+            <a:endParaRPr lang="en-GB" dirty="0"/>
+          </a:p>
+        </p:txBody>
+      </p:sp>
+      <p:sp>
+        <p:nvSpPr>
+          <p:cNvPr id="5" name="Text Placeholder 4"/>
+          <p:cNvSpPr>
+            <a:spLocks noGrp="1"/>
+          </p:cNvSpPr>
+          <p:nvPr>
+            <p:ph type="body" idx="1"/>
+          </p:nvPr>
+        </p:nvSpPr>
+        <p:spPr/>
+        <p:txBody>
+          <a:bodyPr/>
+          <a:lstStyle/>
+          <a:p>
+            <a:r>
+              <a:rPr lang="en-GB" dirty="0" smtClean="0"/>
+              <a:t>Evolve in practice...</a:t>
+            </a:r>
+            <a:endParaRPr lang="en-GB" dirty="0"/>
+          </a:p>
+        </p:txBody>
+      </p:sp>
+    </p:spTree>
+  </p:cSld>
+  <p:clrMapOvr>
+    <a:masterClrMapping/>
+  </p:clrMapOvr>
+</p:sld>
+</file>
+
+<file path=ppt/slides/slide13.xml><?xml version="1.0" encoding="utf-8"?>
+<p:sld xmlns:a="http://schemas.openxmlformats.org/drawingml/2006/main" xmlns:r="http://schemas.openxmlformats.org/officeDocument/2006/relationships" xmlns:p="http://schemas.openxmlformats.org/presentationml/2006/main">
+  <p:cSld>
+    <p:spTree>
+      <p:nvGrpSpPr>
+        <p:cNvPr id="1" name=""/>
+        <p:cNvGrpSpPr/>
+        <p:nvPr/>
+      </p:nvGrpSpPr>
+      <p:grpSpPr>
+        <a:xfrm>
+          <a:off x="0" y="0"/>
+          <a:ext cx="0" cy="0"/>
+          <a:chOff x="0" y="0"/>
+          <a:chExt cx="0" cy="0"/>
+        </a:xfrm>
+      </p:grpSpPr>
+      <p:sp>
+        <p:nvSpPr>
+          <p:cNvPr id="4" name="Title 3"/>
+          <p:cNvSpPr>
+            <a:spLocks noGrp="1"/>
+          </p:cNvSpPr>
+          <p:nvPr>
+            <p:ph type="title"/>
+          </p:nvPr>
+        </p:nvSpPr>
+        <p:spPr/>
+        <p:txBody>
+          <a:bodyPr/>
+          <a:lstStyle/>
+          <a:p>
+            <a:r>
+              <a:rPr lang="en-GB" dirty="0" smtClean="0"/>
+              <a:t>Evolve</a:t>
+            </a:r>
+            <a:endParaRPr lang="en-GB" dirty="0"/>
+          </a:p>
+        </p:txBody>
+      </p:sp>
+      <p:sp>
+        <p:nvSpPr>
+          <p:cNvPr id="5" name="Content Placeholder 4"/>
+          <p:cNvSpPr>
+            <a:spLocks noGrp="1"/>
+          </p:cNvSpPr>
+          <p:nvPr>
+            <p:ph idx="1"/>
+          </p:nvPr>
+        </p:nvSpPr>
+        <p:spPr/>
+        <p:txBody>
+          <a:bodyPr/>
+          <a:lstStyle/>
+          <a:p>
+            <a:r>
+              <a:rPr lang="en-GB" dirty="0" smtClean="0"/>
+              <a:t>Creating stuff</a:t>
+            </a:r>
+          </a:p>
+          <a:p>
+            <a:r>
+              <a:rPr lang="en-GB" dirty="0" smtClean="0"/>
+              <a:t>Difference </a:t>
+            </a:r>
+            <a:r>
+              <a:rPr lang="en-GB" dirty="0" smtClean="0"/>
+              <a:t>creation &amp; browser</a:t>
+            </a:r>
+            <a:endParaRPr lang="en-GB" dirty="0" smtClean="0"/>
+          </a:p>
+          <a:p>
+            <a:r>
+              <a:rPr lang="en-GB" dirty="0" smtClean="0"/>
+              <a:t>Combination </a:t>
+            </a:r>
+            <a:r>
+              <a:rPr lang="en-GB" dirty="0" smtClean="0"/>
+              <a:t>checking</a:t>
+            </a:r>
+          </a:p>
+          <a:p>
+            <a:r>
+              <a:rPr lang="en-GB" dirty="0" smtClean="0"/>
+              <a:t>Importing and exporting models</a:t>
+            </a:r>
+          </a:p>
+          <a:p>
+            <a:r>
+              <a:rPr lang="en-GB" dirty="0" smtClean="0"/>
+              <a:t>Importing beans</a:t>
+            </a:r>
+          </a:p>
+          <a:p>
+            <a:r>
+              <a:rPr lang="en-GB" dirty="0" smtClean="0"/>
+              <a:t>Generating Java code + fwd </a:t>
+            </a:r>
+            <a:r>
+              <a:rPr lang="en-GB" dirty="0" smtClean="0"/>
+              <a:t>engineering (2 types)</a:t>
+            </a:r>
+            <a:endParaRPr lang="en-GB" dirty="0" smtClean="0"/>
+          </a:p>
+          <a:p>
+            <a:r>
+              <a:rPr lang="en-GB" dirty="0" smtClean="0"/>
+              <a:t>Model scalability – lessons from UML tools</a:t>
+            </a:r>
+          </a:p>
+          <a:p>
+            <a:r>
+              <a:rPr lang="en-GB" dirty="0" smtClean="0"/>
+              <a:t>Team </a:t>
+            </a:r>
+            <a:r>
+              <a:rPr lang="en-GB" dirty="0" smtClean="0"/>
+              <a:t>edition</a:t>
+            </a:r>
+          </a:p>
+          <a:p>
+            <a:r>
+              <a:rPr lang="en-GB" dirty="0" smtClean="0"/>
+              <a:t>Internal architecture, interaction with Backbone</a:t>
+            </a:r>
+            <a:endParaRPr lang="en-GB" dirty="0" smtClean="0"/>
+          </a:p>
+        </p:txBody>
+      </p:sp>
+    </p:spTree>
+  </p:cSld>
+  <p:clrMapOvr>
+    <a:masterClrMapping/>
+  </p:clrMapOvr>
+</p:sld>
+</file>
+
+<file path=ppt/slides/slide14.xml><?xml version="1.0" encoding="utf-8"?>
+<p:sld xmlns:a="http://schemas.openxmlformats.org/drawingml/2006/main" xmlns:r="http://schemas.openxmlformats.org/officeDocument/2006/relationships" xmlns:p="http://schemas.openxmlformats.org/presentationml/2006/main">
+  <p:cSld>
+    <p:spTree>
+      <p:nvGrpSpPr>
+        <p:cNvPr id="1" name=""/>
+        <p:cNvGrpSpPr/>
+        <p:nvPr/>
+      </p:nvGrpSpPr>
+      <p:grpSpPr>
+        <a:xfrm>
+          <a:off x="0" y="0"/>
+          <a:ext cx="0" cy="0"/>
+          <a:chOff x="0" y="0"/>
+          <a:chExt cx="0" cy="0"/>
+        </a:xfrm>
+      </p:grpSpPr>
+      <p:sp>
+        <p:nvSpPr>
+          <p:cNvPr id="4" name="Title 3"/>
+          <p:cNvSpPr>
+            <a:spLocks noGrp="1"/>
+          </p:cNvSpPr>
+          <p:nvPr>
+            <p:ph type="title"/>
+          </p:nvPr>
+        </p:nvSpPr>
+        <p:spPr/>
+        <p:txBody>
+          <a:bodyPr/>
+          <a:lstStyle/>
+          <a:p>
+            <a:r>
+              <a:rPr lang="en-GB" dirty="0" smtClean="0"/>
+              <a:t>Future Work</a:t>
+            </a:r>
+            <a:endParaRPr lang="en-GB" dirty="0"/>
+          </a:p>
+        </p:txBody>
+      </p:sp>
+      <p:sp>
+        <p:nvSpPr>
+          <p:cNvPr id="5" name="Text Placeholder 4"/>
+          <p:cNvSpPr>
+            <a:spLocks noGrp="1"/>
+          </p:cNvSpPr>
+          <p:nvPr>
+            <p:ph type="body" idx="1"/>
+          </p:nvPr>
+        </p:nvSpPr>
+        <p:spPr/>
+        <p:txBody>
+          <a:bodyPr/>
+          <a:lstStyle/>
+          <a:p>
+            <a:r>
+              <a:rPr lang="en-GB" dirty="0" smtClean="0"/>
+              <a:t>Capabilities and challenges</a:t>
+            </a:r>
+            <a:endParaRPr lang="en-GB" dirty="0"/>
+          </a:p>
+        </p:txBody>
+      </p:sp>
+    </p:spTree>
+  </p:cSld>
+  <p:clrMapOvr>
+    <a:masterClrMapping/>
+  </p:clrMapOvr>
+</p:sld>
+</file>
+
+<file path=ppt/slides/slide15.xml><?xml version="1.0" encoding="utf-8"?>
+<p:sld xmlns:a="http://schemas.openxmlformats.org/drawingml/2006/main" xmlns:r="http://schemas.openxmlformats.org/officeDocument/2006/relationships" xmlns:p="http://schemas.openxmlformats.org/presentationml/2006/main">
+  <p:cSld>
+    <p:spTree>
+      <p:nvGrpSpPr>
+        <p:cNvPr id="1" name=""/>
+        <p:cNvGrpSpPr/>
+        <p:nvPr/>
+      </p:nvGrpSpPr>
+      <p:grpSpPr>
+        <a:xfrm>
+          <a:off x="0" y="0"/>
+          <a:ext cx="0" cy="0"/>
+          <a:chOff x="0" y="0"/>
+          <a:chExt cx="0" cy="0"/>
+        </a:xfrm>
+      </p:grpSpPr>
+      <p:sp>
+        <p:nvSpPr>
+          <p:cNvPr id="2" name="Title 1"/>
+          <p:cNvSpPr>
+            <a:spLocks noGrp="1"/>
+          </p:cNvSpPr>
+          <p:nvPr>
+            <p:ph type="title"/>
+          </p:nvPr>
+        </p:nvSpPr>
+        <p:spPr/>
+        <p:txBody>
+          <a:bodyPr/>
+          <a:lstStyle/>
+          <a:p>
+            <a:r>
+              <a:rPr lang="en-GB" dirty="0" smtClean="0"/>
+              <a:t>Extensible protocols</a:t>
+            </a:r>
+            <a:endParaRPr lang="en-GB" dirty="0"/>
+          </a:p>
+        </p:txBody>
+      </p:sp>
+      <p:sp>
+        <p:nvSpPr>
+          <p:cNvPr id="3" name="Content Placeholder 2"/>
+          <p:cNvSpPr>
+            <a:spLocks noGrp="1"/>
+          </p:cNvSpPr>
+          <p:nvPr>
+            <p:ph idx="1"/>
+          </p:nvPr>
+        </p:nvSpPr>
+        <p:spPr/>
+        <p:txBody>
+          <a:bodyPr/>
+          <a:lstStyle/>
+          <a:p>
+            <a:r>
+              <a:rPr lang="en-GB" dirty="0" smtClean="0"/>
+              <a:t>Based on protocols [</a:t>
+            </a:r>
+            <a:r>
+              <a:rPr lang="en-GB" dirty="0" err="1" smtClean="0"/>
+              <a:t>plasil</a:t>
+            </a:r>
+            <a:r>
+              <a:rPr lang="en-GB" dirty="0" smtClean="0"/>
+              <a:t>]</a:t>
+            </a:r>
+          </a:p>
+          <a:p>
+            <a:r>
+              <a:rPr lang="en-GB" dirty="0" smtClean="0"/>
+              <a:t>Aim: allow extension to enforce semantic guarantees</a:t>
+            </a:r>
+          </a:p>
+          <a:p>
+            <a:r>
+              <a:rPr lang="en-GB" dirty="0" smtClean="0"/>
+              <a:t>Sequence diagram, ports are actors</a:t>
+            </a:r>
+          </a:p>
+          <a:p>
+            <a:pPr lvl="1"/>
+            <a:r>
+              <a:rPr lang="en-GB" dirty="0" smtClean="0"/>
+              <a:t>Convert to LTS or another state transition system</a:t>
+            </a:r>
+          </a:p>
+          <a:p>
+            <a:pPr lvl="1"/>
+            <a:r>
+              <a:rPr lang="en-GB" dirty="0" smtClean="0"/>
+              <a:t>Need to find a way to allow extension to “extend”</a:t>
+            </a:r>
+          </a:p>
+          <a:p>
+            <a:pPr lvl="1"/>
+            <a:endParaRPr lang="en-GB" dirty="0"/>
+          </a:p>
+        </p:txBody>
+      </p:sp>
+    </p:spTree>
+  </p:cSld>
+  <p:clrMapOvr>
+    <a:masterClrMapping/>
+  </p:clrMapOvr>
+</p:sld>
+</file>
+
+<file path=ppt/slides/slide16.xml><?xml version="1.0" encoding="utf-8"?>
+<p:sld xmlns:a="http://schemas.openxmlformats.org/drawingml/2006/main" xmlns:r="http://schemas.openxmlformats.org/officeDocument/2006/relationships" xmlns:p="http://schemas.openxmlformats.org/presentationml/2006/main">
+  <p:cSld>
+    <p:spTree>
+      <p:nvGrpSpPr>
+        <p:cNvPr id="1" name=""/>
+        <p:cNvGrpSpPr/>
+        <p:nvPr/>
+      </p:nvGrpSpPr>
+      <p:grpSpPr>
+        <a:xfrm>
+          <a:off x="0" y="0"/>
+          <a:ext cx="0" cy="0"/>
+          <a:chOff x="0" y="0"/>
+          <a:chExt cx="0" cy="0"/>
+        </a:xfrm>
+      </p:grpSpPr>
+      <p:sp>
+        <p:nvSpPr>
+          <p:cNvPr id="2" name="Title 1"/>
+          <p:cNvSpPr>
+            <a:spLocks noGrp="1"/>
+          </p:cNvSpPr>
+          <p:nvPr>
+            <p:ph type="title"/>
+          </p:nvPr>
+        </p:nvSpPr>
+        <p:spPr/>
+        <p:txBody>
+          <a:bodyPr/>
+          <a:lstStyle/>
+          <a:p>
+            <a:r>
+              <a:rPr lang="en-GB" dirty="0" smtClean="0"/>
+              <a:t>Extensible protocols (2)</a:t>
+            </a:r>
+            <a:endParaRPr lang="en-GB" dirty="0"/>
+          </a:p>
+        </p:txBody>
+      </p:sp>
+      <p:sp>
+        <p:nvSpPr>
+          <p:cNvPr id="3" name="Content Placeholder 2"/>
+          <p:cNvSpPr>
+            <a:spLocks noGrp="1"/>
+          </p:cNvSpPr>
+          <p:nvPr>
+            <p:ph idx="1"/>
+          </p:nvPr>
+        </p:nvSpPr>
+        <p:spPr/>
+        <p:txBody>
+          <a:bodyPr/>
+          <a:lstStyle/>
+          <a:p>
+            <a:endParaRPr lang="en-GB" dirty="0"/>
+          </a:p>
+        </p:txBody>
+      </p:sp>
+    </p:spTree>
+  </p:cSld>
+  <p:clrMapOvr>
+    <a:masterClrMapping/>
+  </p:clrMapOvr>
+</p:sld>
+</file>
+
+<file path=ppt/slides/slide17.xml><?xml version="1.0" encoding="utf-8"?>
+<p:sld xmlns:a="http://schemas.openxmlformats.org/drawingml/2006/main" xmlns:r="http://schemas.openxmlformats.org/officeDocument/2006/relationships" xmlns:p="http://schemas.openxmlformats.org/presentationml/2006/main">
+  <p:cSld>
+    <p:spTree>
+      <p:nvGrpSpPr>
+        <p:cNvPr id="1" name=""/>
+        <p:cNvGrpSpPr/>
+        <p:nvPr/>
+      </p:nvGrpSpPr>
+      <p:grpSpPr>
+        <a:xfrm>
+          <a:off x="0" y="0"/>
+          <a:ext cx="0" cy="0"/>
+          <a:chOff x="0" y="0"/>
+          <a:chExt cx="0" cy="0"/>
+        </a:xfrm>
+      </p:grpSpPr>
+      <p:sp>
+        <p:nvSpPr>
+          <p:cNvPr id="2" name="Title 1"/>
+          <p:cNvSpPr>
+            <a:spLocks noGrp="1"/>
+          </p:cNvSpPr>
+          <p:nvPr>
+            <p:ph type="title"/>
+          </p:nvPr>
+        </p:nvSpPr>
+        <p:spPr/>
+        <p:txBody>
+          <a:bodyPr/>
+          <a:lstStyle/>
+          <a:p>
+            <a:r>
+              <a:rPr lang="en-GB" dirty="0" smtClean="0"/>
+              <a:t>Backwards compatibility</a:t>
+            </a:r>
+            <a:endParaRPr lang="en-GB" dirty="0"/>
+          </a:p>
+        </p:txBody>
+      </p:sp>
+      <p:sp>
+        <p:nvSpPr>
+          <p:cNvPr id="3" name="Content Placeholder 2"/>
+          <p:cNvSpPr>
+            <a:spLocks noGrp="1"/>
+          </p:cNvSpPr>
+          <p:nvPr>
+            <p:ph idx="1"/>
+          </p:nvPr>
+        </p:nvSpPr>
+        <p:spPr/>
+        <p:txBody>
+          <a:bodyPr/>
+          <a:lstStyle/>
+          <a:p>
+            <a:r>
+              <a:rPr lang="en-GB" dirty="0" smtClean="0"/>
+              <a:t>Reverse dependencies</a:t>
+            </a:r>
+          </a:p>
+          <a:p>
+            <a:pPr lvl="1"/>
+            <a:r>
+              <a:rPr lang="en-GB" dirty="0" smtClean="0"/>
+              <a:t>Compresses </a:t>
+            </a:r>
+            <a:r>
+              <a:rPr lang="en-GB" dirty="0" smtClean="0"/>
+              <a:t>deltas</a:t>
+            </a:r>
+          </a:p>
+          <a:p>
+            <a:pPr lvl="1"/>
+            <a:r>
+              <a:rPr lang="en-GB" dirty="0" smtClean="0"/>
+              <a:t>Older systems are now deltas against newer system</a:t>
+            </a:r>
+          </a:p>
+        </p:txBody>
+      </p:sp>
+    </p:spTree>
+  </p:cSld>
+  <p:clrMapOvr>
+    <a:masterClrMapping/>
+  </p:clrMapOvr>
+</p:sld>
+</file>
+
+<file path=ppt/slides/slide18.xml><?xml version="1.0" encoding="utf-8"?>
+<p:sld xmlns:a="http://schemas.openxmlformats.org/drawingml/2006/main" xmlns:r="http://schemas.openxmlformats.org/officeDocument/2006/relationships" xmlns:p="http://schemas.openxmlformats.org/presentationml/2006/main">
+  <p:cSld>
+    <p:spTree>
+      <p:nvGrpSpPr>
+        <p:cNvPr id="1" name=""/>
+        <p:cNvGrpSpPr/>
+        <p:nvPr/>
+      </p:nvGrpSpPr>
+      <p:grpSpPr>
+        <a:xfrm>
+          <a:off x="0" y="0"/>
+          <a:ext cx="0" cy="0"/>
+          <a:chOff x="0" y="0"/>
+          <a:chExt cx="0" cy="0"/>
+        </a:xfrm>
+      </p:grpSpPr>
+      <p:sp>
+        <p:nvSpPr>
+          <p:cNvPr id="2" name="Title 1"/>
+          <p:cNvSpPr>
+            <a:spLocks noGrp="1"/>
+          </p:cNvSpPr>
+          <p:nvPr>
+            <p:ph type="title"/>
+          </p:nvPr>
+        </p:nvSpPr>
+        <p:spPr/>
+        <p:txBody>
+          <a:bodyPr>
+            <a:normAutofit/>
+          </a:bodyPr>
+          <a:lstStyle/>
+          <a:p>
+            <a:r>
+              <a:rPr lang="en-GB" dirty="0" smtClean="0"/>
+              <a:t>Replacement for </a:t>
+            </a:r>
+            <a:r>
+              <a:rPr lang="en-GB" dirty="0" err="1" smtClean="0"/>
+              <a:t>plugin</a:t>
+            </a:r>
+            <a:r>
+              <a:rPr lang="en-GB" dirty="0" smtClean="0"/>
+              <a:t> approach</a:t>
+            </a:r>
+            <a:endParaRPr lang="en-GB" dirty="0"/>
+          </a:p>
+        </p:txBody>
+      </p:sp>
+      <p:sp>
+        <p:nvSpPr>
+          <p:cNvPr id="3" name="Content Placeholder 2"/>
+          <p:cNvSpPr>
+            <a:spLocks noGrp="1"/>
+          </p:cNvSpPr>
+          <p:nvPr>
+            <p:ph idx="1"/>
+          </p:nvPr>
+        </p:nvSpPr>
+        <p:spPr/>
+        <p:txBody>
+          <a:bodyPr/>
+          <a:lstStyle/>
+          <a:p>
+            <a:endParaRPr lang="en-GB"/>
+          </a:p>
+        </p:txBody>
+      </p:sp>
+    </p:spTree>
+  </p:cSld>
+  <p:clrMapOvr>
+    <a:masterClrMapping/>
+  </p:clrMapOvr>
+</p:sld>
+</file>
+
+<file path=ppt/slides/slide19.xml><?xml version="1.0" encoding="utf-8"?>
+<p:sld xmlns:a="http://schemas.openxmlformats.org/drawingml/2006/main" xmlns:r="http://schemas.openxmlformats.org/officeDocument/2006/relationships" xmlns:p="http://schemas.openxmlformats.org/presentationml/2006/main">
+  <p:cSld>
+    <p:spTree>
+      <p:nvGrpSpPr>
+        <p:cNvPr id="1" name=""/>
+        <p:cNvGrpSpPr/>
+        <p:nvPr/>
+      </p:nvGrpSpPr>
+      <p:grpSpPr>
+        <a:xfrm>
+          <a:off x="0" y="0"/>
+          <a:ext cx="0" cy="0"/>
+          <a:chOff x="0" y="0"/>
+          <a:chExt cx="0" cy="0"/>
+        </a:xfrm>
+      </p:grpSpPr>
+      <p:sp>
+        <p:nvSpPr>
+          <p:cNvPr id="2" name="Title 1"/>
+          <p:cNvSpPr>
+            <a:spLocks noGrp="1"/>
+          </p:cNvSpPr>
+          <p:nvPr>
+            <p:ph type="title"/>
+          </p:nvPr>
+        </p:nvSpPr>
+        <p:spPr/>
+        <p:txBody>
+          <a:bodyPr/>
+          <a:lstStyle/>
+          <a:p>
+            <a:r>
+              <a:rPr lang="en-GB" dirty="0" smtClean="0"/>
+              <a:t>Applying to Android</a:t>
+            </a:r>
+            <a:endParaRPr lang="en-GB" dirty="0"/>
+          </a:p>
+        </p:txBody>
+      </p:sp>
+      <p:sp>
+        <p:nvSpPr>
+          <p:cNvPr id="3" name="Content Placeholder 2"/>
+          <p:cNvSpPr>
+            <a:spLocks noGrp="1"/>
+          </p:cNvSpPr>
+          <p:nvPr>
+            <p:ph idx="1"/>
+          </p:nvPr>
+        </p:nvSpPr>
+        <p:spPr/>
+        <p:txBody>
+          <a:bodyPr/>
+          <a:lstStyle/>
+          <a:p>
+            <a:endParaRPr lang="en-GB"/>
+          </a:p>
+        </p:txBody>
+      </p:sp>
+    </p:spTree>
+  </p:cSld>
+  <p:clrMapOvr>
+    <a:masterClrMapping/>
+  </p:clrMapOvr>
 </p:sld>
 </file>
 
@@ -4137,17 +5276,13 @@
         <p:spPr/>
         <p:txBody>
           <a:bodyPr>
-            <a:normAutofit fontScale="92500" lnSpcReduction="20000"/>
+            <a:normAutofit/>
           </a:bodyPr>
           <a:lstStyle/>
           <a:p>
             <a:r>
               <a:rPr lang="en-GB" dirty="0" smtClean="0"/>
-              <a:t>Overview of the formal </a:t>
-            </a:r>
-            <a:r>
-              <a:rPr lang="en-GB" dirty="0" smtClean="0"/>
-              <a:t>model</a:t>
+              <a:t>Overview of the formal model</a:t>
             </a:r>
           </a:p>
           <a:p>
@@ -4184,32 +5319,10 @@
           <a:p>
             <a:r>
               <a:rPr lang="en-GB" dirty="0" smtClean="0"/>
-              <a:t>The Evolve Toolset</a:t>
-            </a:r>
-          </a:p>
-          <a:p>
-            <a:pPr lvl="1"/>
-            <a:r>
-              <a:rPr lang="en-GB" dirty="0" smtClean="0"/>
-              <a:t>Creating Java programs with Evolve</a:t>
-            </a:r>
-          </a:p>
-          <a:p>
-            <a:pPr lvl="1"/>
-            <a:r>
-              <a:rPr lang="en-GB" dirty="0" smtClean="0"/>
-              <a:t>Handling large models</a:t>
-            </a:r>
-          </a:p>
-          <a:p>
-            <a:pPr lvl="1"/>
-            <a:r>
-              <a:rPr lang="en-GB" dirty="0" smtClean="0"/>
-              <a:t>A team approach</a:t>
-            </a:r>
-          </a:p>
-          <a:p>
-            <a:pPr lvl="1"/>
+              <a:t>The Evolve toolset</a:t>
+            </a:r>
+          </a:p>
+          <a:p>
             <a:endParaRPr lang="en-GB" dirty="0" smtClean="0"/>
           </a:p>
           <a:p>
@@ -4374,11 +5487,7 @@
             </a:pPr>
             <a:r>
               <a:rPr lang="en-GB" dirty="0" smtClean="0"/>
-              <a:t>[explain that graph can be reworked at any level because elements are inserted into the expanded graph – maybe 3 slides + 1 alloy</a:t>
-            </a:r>
-            <a:r>
-              <a:rPr lang="en-GB" dirty="0" smtClean="0"/>
-              <a:t>]</a:t>
+              <a:t>[explain that graph can be reworked at any level because elements are inserted into the expanded graph – maybe 3 slides + 1 alloy]</a:t>
             </a:r>
           </a:p>
           <a:p>
@@ -4589,7 +5698,11 @@
           <a:bodyPr/>
           <a:lstStyle/>
           <a:p>
-            <a:endParaRPr lang="en-GB"/>
+            <a:r>
+              <a:rPr lang="en-GB" dirty="0" smtClean="0"/>
+              <a:t>Inferring port types</a:t>
+            </a:r>
+            <a:endParaRPr lang="en-GB" dirty="0"/>
           </a:p>
         </p:txBody>
       </p:sp>
@@ -4610,19 +5723,29 @@
           <a:p>
             <a:r>
               <a:rPr lang="en-GB" dirty="0" smtClean="0"/>
-              <a:t>Importing beans</a:t>
-            </a:r>
-          </a:p>
-          <a:p>
-            <a:r>
-              <a:rPr lang="en-GB" dirty="0" smtClean="0"/>
-              <a:t>Associating implementation classes + interfaces</a:t>
-            </a:r>
-          </a:p>
-          <a:p>
-            <a:endParaRPr lang="en-GB" dirty="0" smtClean="0"/>
-          </a:p>
-          <a:p>
+              <a:t>Why do it?</a:t>
+            </a:r>
+          </a:p>
+          <a:p>
+            <a:pPr lvl="1"/>
+            <a:r>
+              <a:rPr lang="en-GB" dirty="0" smtClean="0"/>
+              <a:t>Propagates local changes globally without further deltas</a:t>
+            </a:r>
+          </a:p>
+          <a:p>
+            <a:pPr lvl="1"/>
+            <a:r>
+              <a:rPr lang="en-GB" dirty="0" smtClean="0"/>
+              <a:t>Exposes interfaces on surface back to surface</a:t>
+            </a:r>
+          </a:p>
+          <a:p>
+            <a:pPr lvl="1"/>
+            <a:r>
+              <a:rPr lang="en-GB" dirty="0" smtClean="0"/>
+              <a:t>Intuitive</a:t>
+            </a:r>
             <a:endParaRPr lang="en-GB" dirty="0"/>
           </a:p>
         </p:txBody>
@@ -4664,12 +5787,18 @@
         </p:nvSpPr>
         <p:spPr/>
         <p:txBody>
-          <a:bodyPr/>
-          <a:lstStyle/>
-          <a:p>
-            <a:r>
-              <a:rPr lang="en-GB" dirty="0" smtClean="0"/>
-              <a:t>The Evolve Toolset</a:t>
+          <a:bodyPr>
+            <a:normAutofit fontScale="90000"/>
+          </a:bodyPr>
+          <a:lstStyle/>
+          <a:p>
+            <a:r>
+              <a:rPr lang="en-GB" dirty="0" err="1" smtClean="0"/>
+              <a:t>Hyperports</a:t>
+            </a:r>
+            <a:r>
+              <a:rPr lang="en-GB" dirty="0" smtClean="0"/>
+              <a:t>: Cutting through the hierarchy</a:t>
             </a:r>
             <a:endParaRPr lang="en-GB" dirty="0"/>
           </a:p>
@@ -4677,12 +5806,12 @@
       </p:sp>
       <p:sp>
         <p:nvSpPr>
-          <p:cNvPr id="5" name="Text Placeholder 4"/>
-          <p:cNvSpPr>
-            <a:spLocks noGrp="1"/>
-          </p:cNvSpPr>
-          <p:nvPr>
-            <p:ph type="body" idx="1"/>
+          <p:cNvPr id="5" name="Content Placeholder 4"/>
+          <p:cNvSpPr>
+            <a:spLocks noGrp="1"/>
+          </p:cNvSpPr>
+          <p:nvPr>
+            <p:ph idx="1"/>
           </p:nvPr>
         </p:nvSpPr>
         <p:spPr/>
@@ -4692,7 +5821,14 @@
           <a:p>
             <a:r>
               <a:rPr lang="en-GB" dirty="0" smtClean="0"/>
-              <a:t>Evolve in practice...</a:t>
+              <a:t>Singleton can use this</a:t>
+            </a:r>
+          </a:p>
+          <a:p>
+            <a:pPr lvl="1"/>
+            <a:r>
+              <a:rPr lang="en-GB" dirty="0" smtClean="0"/>
+              <a:t>Much more general</a:t>
             </a:r>
             <a:endParaRPr lang="en-GB" dirty="0"/>
           </a:p>
@@ -4740,7 +5876,7 @@
           <a:p>
             <a:r>
               <a:rPr lang="en-GB" dirty="0" smtClean="0"/>
-              <a:t>Evolve</a:t>
+              <a:t>Alphanumeric indices</a:t>
             </a:r>
             <a:endParaRPr lang="en-GB" dirty="0"/>
           </a:p>
@@ -4763,65 +5899,30 @@
           <a:p>
             <a:r>
               <a:rPr lang="en-GB" dirty="0" smtClean="0"/>
-              <a:t>Creating stuff</a:t>
-            </a:r>
-          </a:p>
-          <a:p>
-            <a:r>
-              <a:rPr lang="en-GB" dirty="0" smtClean="0"/>
-              <a:t>Difference creation</a:t>
-            </a:r>
-          </a:p>
-          <a:p>
-            <a:r>
-              <a:rPr lang="en-GB" dirty="0" smtClean="0"/>
-              <a:t>Browser</a:t>
-            </a:r>
-          </a:p>
-          <a:p>
-            <a:r>
-              <a:rPr lang="en-GB" dirty="0" smtClean="0"/>
-              <a:t>Combination checking</a:t>
-            </a:r>
-          </a:p>
-          <a:p>
-            <a:r>
-              <a:rPr lang="en-GB" dirty="0" smtClean="0"/>
-              <a:t>Importing and exporting models</a:t>
-            </a:r>
-          </a:p>
-          <a:p>
-            <a:r>
-              <a:rPr lang="en-GB" dirty="0" smtClean="0"/>
-              <a:t>Importing beans</a:t>
-            </a:r>
-          </a:p>
-          <a:p>
-            <a:r>
-              <a:rPr lang="en-GB" dirty="0" smtClean="0"/>
-              <a:t>Generating Java code + fwd engineering</a:t>
-            </a:r>
-          </a:p>
-          <a:p>
-            <a:r>
-              <a:rPr lang="en-GB" dirty="0" smtClean="0"/>
-              <a:t>Model s</a:t>
-            </a:r>
-            <a:r>
-              <a:rPr lang="en-GB" dirty="0" smtClean="0"/>
-              <a:t>calability </a:t>
-            </a:r>
-            <a:r>
-              <a:rPr lang="en-GB" smtClean="0"/>
-              <a:t>– lessons from UML tools</a:t>
-            </a:r>
+              <a:t>Allows an extension to always insert between existing</a:t>
+            </a:r>
+          </a:p>
+          <a:p>
+            <a:pPr lvl="1"/>
+            <a:r>
+              <a:rPr lang="en-GB" dirty="0" smtClean="0"/>
+              <a:t>Lexical ordering</a:t>
+            </a:r>
+          </a:p>
+          <a:p>
+            <a:pPr lvl="1"/>
+            <a:r>
+              <a:rPr lang="en-GB" dirty="0" smtClean="0"/>
+              <a:t>Like line numbers in BASIC ;-)</a:t>
+            </a:r>
+          </a:p>
+          <a:p>
+            <a:pPr lvl="1"/>
             <a:endParaRPr lang="en-GB" dirty="0" smtClean="0"/>
           </a:p>
           <a:p>
-            <a:r>
-              <a:rPr lang="en-GB" dirty="0" smtClean="0"/>
-              <a:t>Team edition</a:t>
-            </a:r>
+            <a:pPr lvl="1"/>
+            <a:endParaRPr lang="en-GB" dirty="0"/>
           </a:p>
         </p:txBody>
       </p:sp>
@@ -4852,7 +5953,7 @@
       </p:grpSpPr>
       <p:sp>
         <p:nvSpPr>
-          <p:cNvPr id="2" name="Title 1"/>
+          <p:cNvPr id="4" name="Title 3"/>
           <p:cNvSpPr>
             <a:spLocks noGrp="1"/>
           </p:cNvSpPr>
@@ -4867,7 +5968,7 @@
           <a:p>
             <a:r>
               <a:rPr lang="en-GB" dirty="0" smtClean="0"/>
-              <a:t>Future Work</a:t>
+              <a:t>Factories</a:t>
             </a:r>
             <a:endParaRPr lang="en-GB" dirty="0"/>
           </a:p>
@@ -4875,7 +5976,7 @@
       </p:sp>
       <p:sp>
         <p:nvSpPr>
-          <p:cNvPr id="3" name="Content Placeholder 2"/>
+          <p:cNvPr id="5" name="Content Placeholder 4"/>
           <p:cNvSpPr>
             <a:spLocks noGrp="1"/>
           </p:cNvSpPr>
@@ -4890,92 +5991,29 @@
           <a:p>
             <a:r>
               <a:rPr lang="en-GB" dirty="0" smtClean="0"/>
-              <a:t>Extensible protocols [</a:t>
-            </a:r>
-            <a:r>
-              <a:rPr lang="en-GB" dirty="0" err="1" smtClean="0"/>
-              <a:t>plasil</a:t>
-            </a:r>
-            <a:r>
-              <a:rPr lang="en-GB" dirty="0" smtClean="0"/>
-              <a:t>] + goal checking</a:t>
+              <a:t>Components with lazily instantiated insides [DARWIN]</a:t>
             </a:r>
           </a:p>
           <a:p>
             <a:pPr lvl="1"/>
             <a:r>
               <a:rPr lang="en-GB" dirty="0" smtClean="0"/>
-              <a:t>Does extension violate behavioural assumptions?</a:t>
+              <a:t>Use with resemblance and evolution</a:t>
             </a:r>
           </a:p>
           <a:p>
             <a:pPr lvl="1"/>
-            <a:endParaRPr lang="en-GB" dirty="0" smtClean="0"/>
-          </a:p>
-          <a:p>
-            <a:r>
-              <a:rPr lang="en-GB" dirty="0" smtClean="0"/>
-              <a:t>Backwards compatibility: </a:t>
-            </a:r>
-            <a:r>
-              <a:rPr lang="en-GB" smtClean="0"/>
-              <a:t>reversing dependencies</a:t>
-            </a:r>
-            <a:endParaRPr lang="en-GB" dirty="0" smtClean="0"/>
+            <a:r>
+              <a:rPr lang="en-GB" dirty="0" smtClean="0"/>
+              <a:t>Can be nested arbitrarily</a:t>
+            </a:r>
           </a:p>
           <a:p>
             <a:pPr lvl="1"/>
-            <a:endParaRPr lang="en-GB" dirty="0" smtClean="0"/>
-          </a:p>
-          <a:p>
-            <a:r>
-              <a:rPr lang="en-GB" dirty="0" smtClean="0"/>
-              <a:t>Replacement for </a:t>
-            </a:r>
-            <a:r>
-              <a:rPr lang="en-GB" dirty="0" err="1" smtClean="0"/>
-              <a:t>Plugin</a:t>
-            </a:r>
-            <a:r>
-              <a:rPr lang="en-GB" dirty="0" smtClean="0"/>
-              <a:t> Approach</a:t>
-            </a:r>
-          </a:p>
-          <a:p>
-            <a:pPr lvl="1"/>
-            <a:r>
-              <a:rPr lang="en-GB" dirty="0" smtClean="0"/>
-              <a:t>Internet-based distribution</a:t>
-            </a:r>
-          </a:p>
-          <a:p>
-            <a:pPr lvl="1"/>
-            <a:r>
-              <a:rPr lang="en-GB" dirty="0" smtClean="0"/>
-              <a:t>Runtime application + state transfer</a:t>
-            </a:r>
-          </a:p>
-          <a:p>
-            <a:pPr lvl="1"/>
-            <a:endParaRPr lang="en-GB" dirty="0" smtClean="0"/>
-          </a:p>
-          <a:p>
-            <a:r>
-              <a:rPr lang="en-GB" dirty="0" smtClean="0"/>
-              <a:t>Team version of Evolve</a:t>
-            </a:r>
-          </a:p>
-          <a:p>
-            <a:pPr lvl="1"/>
-            <a:endParaRPr lang="en-GB" dirty="0" smtClean="0"/>
-          </a:p>
-          <a:p>
-            <a:endParaRPr lang="en-GB" dirty="0" smtClean="0"/>
-          </a:p>
-          <a:p>
-            <a:endParaRPr lang="en-GB" dirty="0" smtClean="0"/>
-          </a:p>
-          <a:p>
+            <a:r>
+              <a:rPr lang="en-GB" dirty="0" smtClean="0"/>
+              <a:t>Dynamic architecture in static description</a:t>
+            </a:r>
             <a:endParaRPr lang="en-GB" dirty="0"/>
           </a:p>
         </p:txBody>

--- a/Academic Work/presentations/prague/Evolve - Advanced.pptx
+++ b/Academic Work/presentations/prague/Evolve - Advanced.pptx
@@ -5,28 +5,30 @@
     <p:sldMasterId id="2147484032" r:id="rId1"/>
   </p:sldMasterIdLst>
   <p:notesMasterIdLst>
-    <p:notesMasterId r:id="rId21"/>
+    <p:notesMasterId r:id="rId23"/>
   </p:notesMasterIdLst>
   <p:sldIdLst>
     <p:sldId id="256" r:id="rId2"/>
     <p:sldId id="283" r:id="rId3"/>
     <p:sldId id="282" r:id="rId4"/>
-    <p:sldId id="259" r:id="rId5"/>
-    <p:sldId id="286" r:id="rId6"/>
-    <p:sldId id="289" r:id="rId7"/>
-    <p:sldId id="290" r:id="rId8"/>
-    <p:sldId id="291" r:id="rId9"/>
-    <p:sldId id="292" r:id="rId10"/>
-    <p:sldId id="293" r:id="rId11"/>
-    <p:sldId id="294" r:id="rId12"/>
-    <p:sldId id="287" r:id="rId13"/>
-    <p:sldId id="288" r:id="rId14"/>
-    <p:sldId id="297" r:id="rId15"/>
-    <p:sldId id="296" r:id="rId16"/>
-    <p:sldId id="301" r:id="rId17"/>
-    <p:sldId id="298" r:id="rId18"/>
-    <p:sldId id="299" r:id="rId19"/>
-    <p:sldId id="300" r:id="rId20"/>
+    <p:sldId id="302" r:id="rId5"/>
+    <p:sldId id="303" r:id="rId6"/>
+    <p:sldId id="304" r:id="rId7"/>
+    <p:sldId id="305" r:id="rId8"/>
+    <p:sldId id="286" r:id="rId9"/>
+    <p:sldId id="289" r:id="rId10"/>
+    <p:sldId id="290" r:id="rId11"/>
+    <p:sldId id="292" r:id="rId12"/>
+    <p:sldId id="293" r:id="rId13"/>
+    <p:sldId id="294" r:id="rId14"/>
+    <p:sldId id="287" r:id="rId15"/>
+    <p:sldId id="288" r:id="rId16"/>
+    <p:sldId id="297" r:id="rId17"/>
+    <p:sldId id="296" r:id="rId18"/>
+    <p:sldId id="301" r:id="rId19"/>
+    <p:sldId id="298" r:id="rId20"/>
+    <p:sldId id="299" r:id="rId21"/>
+    <p:sldId id="300" r:id="rId22"/>
   </p:sldIdLst>
   <p:sldSz cx="9144000" cy="6858000" type="screen4x3"/>
   <p:notesSz cx="9144000" cy="6858000"/>
@@ -211,7 +213,7 @@
             <a:fld id="{CC899B31-23B7-41FA-A7A8-47EAF8E80A0A}" type="datetimeFigureOut">
               <a:rPr lang="en-US" smtClean="0"/>
               <a:pPr/>
-              <a:t>2/1/2011</a:t>
+              <a:t>2/2/2011</a:t>
             </a:fld>
             <a:endParaRPr lang="en-GB"/>
           </a:p>
@@ -528,6 +530,14 @@
           </a:bodyPr>
           <a:lstStyle/>
           <a:p>
+            <a:r>
+              <a:rPr lang="en-GB" dirty="0" smtClean="0"/>
+              <a:t>Strata are about packaging,</a:t>
+            </a:r>
+            <a:r>
+              <a:rPr lang="en-GB" baseline="0" dirty="0" smtClean="0"/>
+              <a:t> and also controlling visibility</a:t>
+            </a:r>
             <a:endParaRPr lang="en-GB" dirty="0"/>
           </a:p>
         </p:txBody>
@@ -591,7 +601,12 @@
             <p:ph type="sldImg"/>
           </p:nvPr>
         </p:nvSpPr>
-        <p:spPr/>
+        <p:spPr>
+          <a:xfrm>
+            <a:off x="1714500" y="142875"/>
+            <a:ext cx="5715000" cy="4286250"/>
+          </a:xfrm>
+        </p:spPr>
       </p:sp>
       <p:sp>
         <p:nvSpPr>
@@ -612,11 +627,20 @@
           <a:p>
             <a:r>
               <a:rPr lang="en-GB" dirty="0" smtClean="0"/>
-              <a:t>Cost of older system is proportional to</a:t>
+              <a:t>Time</a:t>
             </a:r>
             <a:r>
               <a:rPr lang="en-GB" baseline="0" dirty="0" smtClean="0"/>
-              <a:t> age</a:t>
+              <a:t> only allows model structures to be discussed in overview – the core is how strata, resemblance and replacement interact.</a:t>
+            </a:r>
+          </a:p>
+          <a:p>
+            <a:endParaRPr lang="en-GB" baseline="0" dirty="0" smtClean="0"/>
+          </a:p>
+          <a:p>
+            <a:r>
+              <a:rPr lang="en-GB" baseline="0" dirty="0" smtClean="0"/>
+              <a:t>Forming an expanded resemblance graph per stratum, for each element</a:t>
             </a:r>
             <a:endParaRPr lang="en-GB" dirty="0"/>
           </a:p>
@@ -640,7 +664,794 @@
             <a:fld id="{091399BD-5632-4612-98AC-0049671A5341}" type="slidenum">
               <a:rPr lang="en-GB" smtClean="0"/>
               <a:pPr/>
-              <a:t>17</a:t>
+              <a:t>3</a:t>
+            </a:fld>
+            <a:endParaRPr lang="en-GB"/>
+          </a:p>
+        </p:txBody>
+      </p:sp>
+    </p:spTree>
+  </p:cSld>
+  <p:clrMapOvr>
+    <a:masterClrMapping/>
+  </p:clrMapOvr>
+</p:notes>
+</file>
+
+<file path=ppt/notesSlides/notesSlide3.xml><?xml version="1.0" encoding="utf-8"?>
+<p:notes xmlns:a="http://schemas.openxmlformats.org/drawingml/2006/main" xmlns:r="http://schemas.openxmlformats.org/officeDocument/2006/relationships" xmlns:p="http://schemas.openxmlformats.org/presentationml/2006/main">
+  <p:cSld>
+    <p:spTree>
+      <p:nvGrpSpPr>
+        <p:cNvPr id="1" name=""/>
+        <p:cNvGrpSpPr/>
+        <p:nvPr/>
+      </p:nvGrpSpPr>
+      <p:grpSpPr>
+        <a:xfrm>
+          <a:off x="0" y="0"/>
+          <a:ext cx="0" cy="0"/>
+          <a:chOff x="0" y="0"/>
+          <a:chExt cx="0" cy="0"/>
+        </a:xfrm>
+      </p:grpSpPr>
+      <p:sp>
+        <p:nvSpPr>
+          <p:cNvPr id="2" name="Slide Image Placeholder 1"/>
+          <p:cNvSpPr>
+            <a:spLocks noGrp="1" noRot="1" noChangeAspect="1"/>
+          </p:cNvSpPr>
+          <p:nvPr>
+            <p:ph type="sldImg"/>
+          </p:nvPr>
+        </p:nvSpPr>
+        <p:spPr>
+          <a:xfrm>
+            <a:off x="1714500" y="142875"/>
+            <a:ext cx="5715000" cy="4286250"/>
+          </a:xfrm>
+        </p:spPr>
+      </p:sp>
+      <p:sp>
+        <p:nvSpPr>
+          <p:cNvPr id="3" name="Notes Placeholder 2"/>
+          <p:cNvSpPr>
+            <a:spLocks noGrp="1"/>
+          </p:cNvSpPr>
+          <p:nvPr>
+            <p:ph type="body" idx="1"/>
+          </p:nvPr>
+        </p:nvSpPr>
+        <p:spPr/>
+        <p:txBody>
+          <a:bodyPr>
+            <a:normAutofit/>
+          </a:bodyPr>
+          <a:lstStyle/>
+          <a:p>
+            <a:r>
+              <a:rPr lang="en-GB" dirty="0" smtClean="0"/>
+              <a:t>Core ideas are the</a:t>
+            </a:r>
+            <a:r>
+              <a:rPr lang="en-GB" baseline="0" dirty="0" smtClean="0"/>
+              <a:t> interplay between resemblance and replacement in a resemblance graph.</a:t>
+            </a:r>
+          </a:p>
+          <a:p>
+            <a:r>
+              <a:rPr lang="en-GB" baseline="0" dirty="0" smtClean="0"/>
+              <a:t>Expanded resemblance graph is formed for each stratum perspective, using strata dependencies to order.</a:t>
+            </a:r>
+          </a:p>
+          <a:p>
+            <a:endParaRPr lang="en-GB" baseline="0" dirty="0" smtClean="0"/>
+          </a:p>
+          <a:p>
+            <a:r>
+              <a:rPr lang="en-GB" baseline="0" dirty="0" smtClean="0"/>
+              <a:t>Component design is one application of these concepts.</a:t>
+            </a:r>
+          </a:p>
+          <a:p>
+            <a:endParaRPr lang="en-GB" baseline="0" dirty="0" smtClean="0"/>
+          </a:p>
+          <a:p>
+            <a:r>
+              <a:rPr lang="en-GB" baseline="0" dirty="0" smtClean="0"/>
+              <a:t>NB: layers in code are identical to layers in formal model – we expanded resemblance and replacement for each stratum perspective and then apply deltas.  Then, the rules preventing bad composition pick up any changes from perspective of each stratum</a:t>
+            </a:r>
+            <a:endParaRPr lang="en-GB" dirty="0"/>
+          </a:p>
+        </p:txBody>
+      </p:sp>
+      <p:sp>
+        <p:nvSpPr>
+          <p:cNvPr id="4" name="Slide Number Placeholder 3"/>
+          <p:cNvSpPr>
+            <a:spLocks noGrp="1"/>
+          </p:cNvSpPr>
+          <p:nvPr>
+            <p:ph type="sldNum" sz="quarter" idx="10"/>
+          </p:nvPr>
+        </p:nvSpPr>
+        <p:spPr/>
+        <p:txBody>
+          <a:bodyPr/>
+          <a:lstStyle/>
+          <a:p>
+            <a:fld id="{091399BD-5632-4612-98AC-0049671A5341}" type="slidenum">
+              <a:rPr lang="en-GB" smtClean="0"/>
+              <a:pPr/>
+              <a:t>4</a:t>
+            </a:fld>
+            <a:endParaRPr lang="en-GB"/>
+          </a:p>
+        </p:txBody>
+      </p:sp>
+    </p:spTree>
+  </p:cSld>
+  <p:clrMapOvr>
+    <a:masterClrMapping/>
+  </p:clrMapOvr>
+</p:notes>
+</file>
+
+<file path=ppt/notesSlides/notesSlide4.xml><?xml version="1.0" encoding="utf-8"?>
+<p:notes xmlns:a="http://schemas.openxmlformats.org/drawingml/2006/main" xmlns:r="http://schemas.openxmlformats.org/officeDocument/2006/relationships" xmlns:p="http://schemas.openxmlformats.org/presentationml/2006/main">
+  <p:cSld>
+    <p:spTree>
+      <p:nvGrpSpPr>
+        <p:cNvPr id="1" name=""/>
+        <p:cNvGrpSpPr/>
+        <p:nvPr/>
+      </p:nvGrpSpPr>
+      <p:grpSpPr>
+        <a:xfrm>
+          <a:off x="0" y="0"/>
+          <a:ext cx="0" cy="0"/>
+          <a:chOff x="0" y="0"/>
+          <a:chExt cx="0" cy="0"/>
+        </a:xfrm>
+      </p:grpSpPr>
+      <p:sp>
+        <p:nvSpPr>
+          <p:cNvPr id="2" name="Slide Image Placeholder 1"/>
+          <p:cNvSpPr>
+            <a:spLocks noGrp="1" noRot="1" noChangeAspect="1"/>
+          </p:cNvSpPr>
+          <p:nvPr>
+            <p:ph type="sldImg"/>
+          </p:nvPr>
+        </p:nvSpPr>
+        <p:spPr>
+          <a:xfrm>
+            <a:off x="1714500" y="142875"/>
+            <a:ext cx="5715000" cy="4286250"/>
+          </a:xfrm>
+        </p:spPr>
+      </p:sp>
+      <p:sp>
+        <p:nvSpPr>
+          <p:cNvPr id="3" name="Notes Placeholder 2"/>
+          <p:cNvSpPr>
+            <a:spLocks noGrp="1"/>
+          </p:cNvSpPr>
+          <p:nvPr>
+            <p:ph type="body" idx="1"/>
+          </p:nvPr>
+        </p:nvSpPr>
+        <p:spPr/>
+        <p:txBody>
+          <a:bodyPr>
+            <a:normAutofit/>
+          </a:bodyPr>
+          <a:lstStyle/>
+          <a:p>
+            <a:r>
+              <a:rPr lang="en-GB" dirty="0" smtClean="0"/>
+              <a:t>Note hierarchical</a:t>
+            </a:r>
+            <a:r>
+              <a:rPr lang="en-GB" baseline="0" dirty="0" smtClean="0"/>
+              <a:t> </a:t>
+            </a:r>
+            <a:r>
+              <a:rPr lang="en-GB" dirty="0" smtClean="0"/>
+              <a:t>nesting.</a:t>
+            </a:r>
+          </a:p>
+          <a:p>
+            <a:endParaRPr lang="en-GB" dirty="0" smtClean="0"/>
+          </a:p>
+          <a:p>
+            <a:r>
+              <a:rPr lang="en-GB" dirty="0" smtClean="0"/>
+              <a:t>Explain</a:t>
+            </a:r>
+            <a:r>
+              <a:rPr lang="en-GB" baseline="0" dirty="0" smtClean="0"/>
+              <a:t> module hiding behaviour:</a:t>
+            </a:r>
+            <a:endParaRPr lang="en-GB" dirty="0" smtClean="0"/>
+          </a:p>
+          <a:p>
+            <a:pPr>
+              <a:buFontTx/>
+              <a:buChar char="-"/>
+            </a:pPr>
+            <a:r>
+              <a:rPr lang="en-GB" dirty="0" smtClean="0"/>
+              <a:t>Can export nested</a:t>
+            </a:r>
+            <a:r>
+              <a:rPr lang="en-GB" baseline="0" dirty="0" smtClean="0"/>
+              <a:t> strata which makes them visible to your dependents.</a:t>
+            </a:r>
+          </a:p>
+          <a:p>
+            <a:r>
+              <a:rPr lang="en-GB" baseline="0" dirty="0" smtClean="0"/>
+              <a:t>-Alternatively, we can “reach in” and depend directly on a stratum – preserves intent of hiding but allows us to bypass it.</a:t>
+            </a:r>
+          </a:p>
+          <a:p>
+            <a:r>
+              <a:rPr lang="en-GB" baseline="0" dirty="0" smtClean="0"/>
+              <a:t>-Removes some tension between extensibility and hiding – e.g. </a:t>
+            </a:r>
+            <a:r>
+              <a:rPr lang="en-GB" baseline="0" dirty="0" err="1" smtClean="0"/>
+              <a:t>OSGi</a:t>
+            </a:r>
+            <a:r>
+              <a:rPr lang="en-GB" baseline="0" dirty="0" smtClean="0"/>
+              <a:t> “requirement-bundle” option to auto-export all packages, bypassing hiding in eclipse.</a:t>
+            </a:r>
+            <a:endParaRPr lang="en-GB" dirty="0"/>
+          </a:p>
+        </p:txBody>
+      </p:sp>
+      <p:sp>
+        <p:nvSpPr>
+          <p:cNvPr id="4" name="Slide Number Placeholder 3"/>
+          <p:cNvSpPr>
+            <a:spLocks noGrp="1"/>
+          </p:cNvSpPr>
+          <p:nvPr>
+            <p:ph type="sldNum" sz="quarter" idx="10"/>
+          </p:nvPr>
+        </p:nvSpPr>
+        <p:spPr/>
+        <p:txBody>
+          <a:bodyPr/>
+          <a:lstStyle/>
+          <a:p>
+            <a:fld id="{091399BD-5632-4612-98AC-0049671A5341}" type="slidenum">
+              <a:rPr lang="en-GB" smtClean="0"/>
+              <a:pPr/>
+              <a:t>5</a:t>
+            </a:fld>
+            <a:endParaRPr lang="en-GB"/>
+          </a:p>
+        </p:txBody>
+      </p:sp>
+    </p:spTree>
+  </p:cSld>
+  <p:clrMapOvr>
+    <a:masterClrMapping/>
+  </p:clrMapOvr>
+</p:notes>
+</file>
+
+<file path=ppt/notesSlides/notesSlide5.xml><?xml version="1.0" encoding="utf-8"?>
+<p:notes xmlns:a="http://schemas.openxmlformats.org/drawingml/2006/main" xmlns:r="http://schemas.openxmlformats.org/officeDocument/2006/relationships" xmlns:p="http://schemas.openxmlformats.org/presentationml/2006/main">
+  <p:cSld>
+    <p:spTree>
+      <p:nvGrpSpPr>
+        <p:cNvPr id="1" name=""/>
+        <p:cNvGrpSpPr/>
+        <p:nvPr/>
+      </p:nvGrpSpPr>
+      <p:grpSpPr>
+        <a:xfrm>
+          <a:off x="0" y="0"/>
+          <a:ext cx="0" cy="0"/>
+          <a:chOff x="0" y="0"/>
+          <a:chExt cx="0" cy="0"/>
+        </a:xfrm>
+      </p:grpSpPr>
+      <p:sp>
+        <p:nvSpPr>
+          <p:cNvPr id="2" name="Slide Image Placeholder 1"/>
+          <p:cNvSpPr>
+            <a:spLocks noGrp="1" noRot="1" noChangeAspect="1"/>
+          </p:cNvSpPr>
+          <p:nvPr>
+            <p:ph type="sldImg"/>
+          </p:nvPr>
+        </p:nvSpPr>
+        <p:spPr>
+          <a:xfrm>
+            <a:off x="1714500" y="142875"/>
+            <a:ext cx="5715000" cy="4286250"/>
+          </a:xfrm>
+        </p:spPr>
+      </p:sp>
+      <p:sp>
+        <p:nvSpPr>
+          <p:cNvPr id="3" name="Notes Placeholder 2"/>
+          <p:cNvSpPr>
+            <a:spLocks noGrp="1"/>
+          </p:cNvSpPr>
+          <p:nvPr>
+            <p:ph type="body" idx="1"/>
+          </p:nvPr>
+        </p:nvSpPr>
+        <p:spPr/>
+        <p:txBody>
+          <a:bodyPr>
+            <a:normAutofit/>
+          </a:bodyPr>
+          <a:lstStyle/>
+          <a:p>
+            <a:r>
+              <a:rPr lang="en-GB" dirty="0" smtClean="0"/>
+              <a:t>Concrete</a:t>
+            </a:r>
+            <a:r>
+              <a:rPr lang="en-GB" baseline="0" dirty="0" smtClean="0"/>
+              <a:t> elements have </a:t>
+            </a:r>
+            <a:endParaRPr lang="en-GB" dirty="0"/>
+          </a:p>
+        </p:txBody>
+      </p:sp>
+      <p:sp>
+        <p:nvSpPr>
+          <p:cNvPr id="4" name="Slide Number Placeholder 3"/>
+          <p:cNvSpPr>
+            <a:spLocks noGrp="1"/>
+          </p:cNvSpPr>
+          <p:nvPr>
+            <p:ph type="sldNum" sz="quarter" idx="10"/>
+          </p:nvPr>
+        </p:nvSpPr>
+        <p:spPr/>
+        <p:txBody>
+          <a:bodyPr/>
+          <a:lstStyle/>
+          <a:p>
+            <a:fld id="{091399BD-5632-4612-98AC-0049671A5341}" type="slidenum">
+              <a:rPr lang="en-GB" smtClean="0"/>
+              <a:pPr/>
+              <a:t>6</a:t>
+            </a:fld>
+            <a:endParaRPr lang="en-GB"/>
+          </a:p>
+        </p:txBody>
+      </p:sp>
+    </p:spTree>
+  </p:cSld>
+  <p:clrMapOvr>
+    <a:masterClrMapping/>
+  </p:clrMapOvr>
+</p:notes>
+</file>
+
+<file path=ppt/notesSlides/notesSlide6.xml><?xml version="1.0" encoding="utf-8"?>
+<p:notes xmlns:a="http://schemas.openxmlformats.org/drawingml/2006/main" xmlns:r="http://schemas.openxmlformats.org/officeDocument/2006/relationships" xmlns:p="http://schemas.openxmlformats.org/presentationml/2006/main">
+  <p:cSld>
+    <p:spTree>
+      <p:nvGrpSpPr>
+        <p:cNvPr id="1" name=""/>
+        <p:cNvGrpSpPr/>
+        <p:nvPr/>
+      </p:nvGrpSpPr>
+      <p:grpSpPr>
+        <a:xfrm>
+          <a:off x="0" y="0"/>
+          <a:ext cx="0" cy="0"/>
+          <a:chOff x="0" y="0"/>
+          <a:chExt cx="0" cy="0"/>
+        </a:xfrm>
+      </p:grpSpPr>
+      <p:sp>
+        <p:nvSpPr>
+          <p:cNvPr id="2" name="Slide Image Placeholder 1"/>
+          <p:cNvSpPr>
+            <a:spLocks noGrp="1" noRot="1" noChangeAspect="1"/>
+          </p:cNvSpPr>
+          <p:nvPr>
+            <p:ph type="sldImg"/>
+          </p:nvPr>
+        </p:nvSpPr>
+        <p:spPr>
+          <a:xfrm>
+            <a:off x="1714500" y="142875"/>
+            <a:ext cx="5715000" cy="4286250"/>
+          </a:xfrm>
+        </p:spPr>
+      </p:sp>
+      <p:sp>
+        <p:nvSpPr>
+          <p:cNvPr id="3" name="Notes Placeholder 2"/>
+          <p:cNvSpPr>
+            <a:spLocks noGrp="1"/>
+          </p:cNvSpPr>
+          <p:nvPr>
+            <p:ph type="body" idx="1"/>
+          </p:nvPr>
+        </p:nvSpPr>
+        <p:spPr/>
+        <p:txBody>
+          <a:bodyPr>
+            <a:normAutofit/>
+          </a:bodyPr>
+          <a:lstStyle/>
+          <a:p>
+            <a:r>
+              <a:rPr lang="en-GB" dirty="0" smtClean="0"/>
+              <a:t>We apply this to the</a:t>
+            </a:r>
+            <a:r>
+              <a:rPr lang="en-GB" baseline="0" dirty="0" smtClean="0"/>
+              <a:t> ADL...</a:t>
+            </a:r>
+            <a:endParaRPr lang="en-GB" dirty="0" smtClean="0"/>
+          </a:p>
+          <a:p>
+            <a:endParaRPr lang="en-GB" dirty="0" smtClean="0"/>
+          </a:p>
+          <a:p>
+            <a:r>
+              <a:rPr lang="en-GB" dirty="0" smtClean="0"/>
+              <a:t>Components are made up of ports, parts etc.</a:t>
+            </a:r>
+          </a:p>
+          <a:p>
+            <a:endParaRPr lang="en-GB" dirty="0" smtClean="0"/>
+          </a:p>
+          <a:p>
+            <a:r>
+              <a:rPr lang="en-GB" dirty="0" smtClean="0"/>
+              <a:t>Interfaces are made up of operations – removal or</a:t>
+            </a:r>
+            <a:r>
+              <a:rPr lang="en-GB" baseline="0" dirty="0" smtClean="0"/>
+              <a:t> replacement breaks </a:t>
+            </a:r>
+            <a:r>
+              <a:rPr lang="en-GB" baseline="0" dirty="0" err="1" smtClean="0"/>
+              <a:t>subtyping</a:t>
+            </a:r>
+            <a:endParaRPr lang="en-GB" dirty="0"/>
+          </a:p>
+        </p:txBody>
+      </p:sp>
+      <p:sp>
+        <p:nvSpPr>
+          <p:cNvPr id="4" name="Slide Number Placeholder 3"/>
+          <p:cNvSpPr>
+            <a:spLocks noGrp="1"/>
+          </p:cNvSpPr>
+          <p:nvPr>
+            <p:ph type="sldNum" sz="quarter" idx="10"/>
+          </p:nvPr>
+        </p:nvSpPr>
+        <p:spPr/>
+        <p:txBody>
+          <a:bodyPr/>
+          <a:lstStyle/>
+          <a:p>
+            <a:fld id="{091399BD-5632-4612-98AC-0049671A5341}" type="slidenum">
+              <a:rPr lang="en-GB" smtClean="0"/>
+              <a:pPr/>
+              <a:t>7</a:t>
+            </a:fld>
+            <a:endParaRPr lang="en-GB"/>
+          </a:p>
+        </p:txBody>
+      </p:sp>
+    </p:spTree>
+  </p:cSld>
+  <p:clrMapOvr>
+    <a:masterClrMapping/>
+  </p:clrMapOvr>
+</p:notes>
+</file>
+
+<file path=ppt/notesSlides/notesSlide7.xml><?xml version="1.0" encoding="utf-8"?>
+<p:notes xmlns:a="http://schemas.openxmlformats.org/drawingml/2006/main" xmlns:r="http://schemas.openxmlformats.org/officeDocument/2006/relationships" xmlns:p="http://schemas.openxmlformats.org/presentationml/2006/main">
+  <p:cSld>
+    <p:spTree>
+      <p:nvGrpSpPr>
+        <p:cNvPr id="1" name=""/>
+        <p:cNvGrpSpPr/>
+        <p:nvPr/>
+      </p:nvGrpSpPr>
+      <p:grpSpPr>
+        <a:xfrm>
+          <a:off x="0" y="0"/>
+          <a:ext cx="0" cy="0"/>
+          <a:chOff x="0" y="0"/>
+          <a:chExt cx="0" cy="0"/>
+        </a:xfrm>
+      </p:grpSpPr>
+      <p:sp>
+        <p:nvSpPr>
+          <p:cNvPr id="2" name="Slide Image Placeholder 1"/>
+          <p:cNvSpPr>
+            <a:spLocks noGrp="1" noRot="1" noChangeAspect="1"/>
+          </p:cNvSpPr>
+          <p:nvPr>
+            <p:ph type="sldImg"/>
+          </p:nvPr>
+        </p:nvSpPr>
+        <p:spPr>
+          <a:xfrm>
+            <a:off x="1714500" y="142875"/>
+            <a:ext cx="5715000" cy="4286250"/>
+          </a:xfrm>
+        </p:spPr>
+      </p:sp>
+      <p:sp>
+        <p:nvSpPr>
+          <p:cNvPr id="3" name="Notes Placeholder 2"/>
+          <p:cNvSpPr>
+            <a:spLocks noGrp="1"/>
+          </p:cNvSpPr>
+          <p:nvPr>
+            <p:ph type="body" idx="1"/>
+          </p:nvPr>
+        </p:nvSpPr>
+        <p:spPr/>
+        <p:txBody>
+          <a:bodyPr>
+            <a:normAutofit/>
+          </a:bodyPr>
+          <a:lstStyle/>
+          <a:p>
+            <a:r>
+              <a:rPr lang="en-GB" dirty="0" smtClean="0"/>
+              <a:t>We do it because it allows a local change</a:t>
+            </a:r>
+            <a:r>
+              <a:rPr lang="en-GB" baseline="0" dirty="0" smtClean="0"/>
+              <a:t> to propagate globally automatically, without further deltas.</a:t>
+            </a:r>
+            <a:endParaRPr lang="en-GB" dirty="0" smtClean="0"/>
+          </a:p>
+          <a:p>
+            <a:endParaRPr lang="en-GB" dirty="0" smtClean="0"/>
+          </a:p>
+          <a:p>
+            <a:r>
+              <a:rPr lang="en-GB" dirty="0" smtClean="0"/>
+              <a:t>Mention about links summarising internal connections of leaves</a:t>
+            </a:r>
+          </a:p>
+          <a:p>
+            <a:endParaRPr lang="en-GB" dirty="0" smtClean="0"/>
+          </a:p>
+          <a:p>
+            <a:r>
+              <a:rPr lang="en-GB" dirty="0" smtClean="0"/>
+              <a:t>Allows</a:t>
+            </a:r>
+            <a:r>
+              <a:rPr lang="en-GB" baseline="0" dirty="0" smtClean="0"/>
+              <a:t> complex frameworks to accept a provided interface on one port, and propagate this to the another port</a:t>
+            </a:r>
+            <a:endParaRPr lang="en-GB" dirty="0"/>
+          </a:p>
+        </p:txBody>
+      </p:sp>
+      <p:sp>
+        <p:nvSpPr>
+          <p:cNvPr id="4" name="Slide Number Placeholder 3"/>
+          <p:cNvSpPr>
+            <a:spLocks noGrp="1"/>
+          </p:cNvSpPr>
+          <p:nvPr>
+            <p:ph type="sldNum" sz="quarter" idx="10"/>
+          </p:nvPr>
+        </p:nvSpPr>
+        <p:spPr/>
+        <p:txBody>
+          <a:bodyPr/>
+          <a:lstStyle/>
+          <a:p>
+            <a:fld id="{091399BD-5632-4612-98AC-0049671A5341}" type="slidenum">
+              <a:rPr lang="en-GB" smtClean="0"/>
+              <a:pPr/>
+              <a:t>9</a:t>
+            </a:fld>
+            <a:endParaRPr lang="en-GB"/>
+          </a:p>
+        </p:txBody>
+      </p:sp>
+    </p:spTree>
+  </p:cSld>
+  <p:clrMapOvr>
+    <a:masterClrMapping/>
+  </p:clrMapOvr>
+</p:notes>
+</file>
+
+<file path=ppt/notesSlides/notesSlide8.xml><?xml version="1.0" encoding="utf-8"?>
+<p:notes xmlns:a="http://schemas.openxmlformats.org/drawingml/2006/main" xmlns:r="http://schemas.openxmlformats.org/officeDocument/2006/relationships" xmlns:p="http://schemas.openxmlformats.org/presentationml/2006/main">
+  <p:cSld>
+    <p:spTree>
+      <p:nvGrpSpPr>
+        <p:cNvPr id="1" name=""/>
+        <p:cNvGrpSpPr/>
+        <p:nvPr/>
+      </p:nvGrpSpPr>
+      <p:grpSpPr>
+        <a:xfrm>
+          <a:off x="0" y="0"/>
+          <a:ext cx="0" cy="0"/>
+          <a:chOff x="0" y="0"/>
+          <a:chExt cx="0" cy="0"/>
+        </a:xfrm>
+      </p:grpSpPr>
+      <p:sp>
+        <p:nvSpPr>
+          <p:cNvPr id="2" name="Slide Image Placeholder 1"/>
+          <p:cNvSpPr>
+            <a:spLocks noGrp="1" noRot="1" noChangeAspect="1"/>
+          </p:cNvSpPr>
+          <p:nvPr>
+            <p:ph type="sldImg"/>
+          </p:nvPr>
+        </p:nvSpPr>
+        <p:spPr/>
+      </p:sp>
+      <p:sp>
+        <p:nvSpPr>
+          <p:cNvPr id="3" name="Notes Placeholder 2"/>
+          <p:cNvSpPr>
+            <a:spLocks noGrp="1"/>
+          </p:cNvSpPr>
+          <p:nvPr>
+            <p:ph type="body" idx="1"/>
+          </p:nvPr>
+        </p:nvSpPr>
+        <p:spPr/>
+        <p:txBody>
+          <a:bodyPr>
+            <a:normAutofit/>
+          </a:bodyPr>
+          <a:lstStyle/>
+          <a:p>
+            <a:r>
+              <a:rPr lang="en-GB" dirty="0" smtClean="0"/>
+              <a:t>Context is much</a:t>
+            </a:r>
+            <a:r>
+              <a:rPr lang="en-GB" baseline="0" dirty="0" smtClean="0"/>
+              <a:t> less constrained than in OO</a:t>
+            </a:r>
+          </a:p>
+          <a:p>
+            <a:r>
+              <a:rPr lang="en-GB" baseline="0" dirty="0" smtClean="0"/>
+              <a:t>Point out explicit transitions</a:t>
+            </a:r>
+            <a:endParaRPr lang="en-GB" dirty="0"/>
+          </a:p>
+        </p:txBody>
+      </p:sp>
+      <p:sp>
+        <p:nvSpPr>
+          <p:cNvPr id="4" name="Slide Number Placeholder 3"/>
+          <p:cNvSpPr>
+            <a:spLocks noGrp="1"/>
+          </p:cNvSpPr>
+          <p:nvPr>
+            <p:ph type="sldNum" sz="quarter" idx="10"/>
+          </p:nvPr>
+        </p:nvSpPr>
+        <p:spPr/>
+        <p:txBody>
+          <a:bodyPr/>
+          <a:lstStyle/>
+          <a:p>
+            <a:fld id="{091399BD-5632-4612-98AC-0049671A5341}" type="slidenum">
+              <a:rPr lang="en-GB" smtClean="0"/>
+              <a:pPr/>
+              <a:t>13</a:t>
+            </a:fld>
+            <a:endParaRPr lang="en-GB"/>
+          </a:p>
+        </p:txBody>
+      </p:sp>
+    </p:spTree>
+  </p:cSld>
+  <p:clrMapOvr>
+    <a:masterClrMapping/>
+  </p:clrMapOvr>
+</p:notes>
+</file>
+
+<file path=ppt/notesSlides/notesSlide9.xml><?xml version="1.0" encoding="utf-8"?>
+<p:notes xmlns:a="http://schemas.openxmlformats.org/drawingml/2006/main" xmlns:r="http://schemas.openxmlformats.org/officeDocument/2006/relationships" xmlns:p="http://schemas.openxmlformats.org/presentationml/2006/main">
+  <p:cSld>
+    <p:spTree>
+      <p:nvGrpSpPr>
+        <p:cNvPr id="1" name=""/>
+        <p:cNvGrpSpPr/>
+        <p:nvPr/>
+      </p:nvGrpSpPr>
+      <p:grpSpPr>
+        <a:xfrm>
+          <a:off x="0" y="0"/>
+          <a:ext cx="0" cy="0"/>
+          <a:chOff x="0" y="0"/>
+          <a:chExt cx="0" cy="0"/>
+        </a:xfrm>
+      </p:grpSpPr>
+      <p:sp>
+        <p:nvSpPr>
+          <p:cNvPr id="2" name="Slide Image Placeholder 1"/>
+          <p:cNvSpPr>
+            <a:spLocks noGrp="1" noRot="1" noChangeAspect="1"/>
+          </p:cNvSpPr>
+          <p:nvPr>
+            <p:ph type="sldImg"/>
+          </p:nvPr>
+        </p:nvSpPr>
+        <p:spPr/>
+      </p:sp>
+      <p:sp>
+        <p:nvSpPr>
+          <p:cNvPr id="3" name="Notes Placeholder 2"/>
+          <p:cNvSpPr>
+            <a:spLocks noGrp="1"/>
+          </p:cNvSpPr>
+          <p:nvPr>
+            <p:ph type="body" idx="1"/>
+          </p:nvPr>
+        </p:nvSpPr>
+        <p:spPr/>
+        <p:txBody>
+          <a:bodyPr>
+            <a:normAutofit/>
+          </a:bodyPr>
+          <a:lstStyle/>
+          <a:p>
+            <a:r>
+              <a:rPr lang="en-GB" dirty="0" smtClean="0"/>
+              <a:t>Cost of older system is proportional to</a:t>
+            </a:r>
+            <a:r>
+              <a:rPr lang="en-GB" baseline="0" dirty="0" smtClean="0"/>
+              <a:t> age</a:t>
+            </a:r>
+            <a:endParaRPr lang="en-GB" dirty="0"/>
+          </a:p>
+        </p:txBody>
+      </p:sp>
+      <p:sp>
+        <p:nvSpPr>
+          <p:cNvPr id="4" name="Slide Number Placeholder 3"/>
+          <p:cNvSpPr>
+            <a:spLocks noGrp="1"/>
+          </p:cNvSpPr>
+          <p:nvPr>
+            <p:ph type="sldNum" sz="quarter" idx="10"/>
+          </p:nvPr>
+        </p:nvSpPr>
+        <p:spPr/>
+        <p:txBody>
+          <a:bodyPr/>
+          <a:lstStyle/>
+          <a:p>
+            <a:fld id="{091399BD-5632-4612-98AC-0049671A5341}" type="slidenum">
+              <a:rPr lang="en-GB" smtClean="0"/>
+              <a:pPr/>
+              <a:t>19</a:t>
             </a:fld>
             <a:endParaRPr lang="en-GB"/>
           </a:p>
@@ -997,7 +1808,7 @@
             <a:fld id="{80205730-B28B-4293-938B-A508842901A8}" type="datetimeFigureOut">
               <a:rPr lang="en-US" smtClean="0"/>
               <a:pPr/>
-              <a:t>2/1/2011</a:t>
+              <a:t>2/2/2011</a:t>
             </a:fld>
             <a:endParaRPr lang="en-GB"/>
           </a:p>
@@ -1182,7 +1993,7 @@
             <a:fld id="{80205730-B28B-4293-938B-A508842901A8}" type="datetimeFigureOut">
               <a:rPr lang="en-US" smtClean="0"/>
               <a:pPr/>
-              <a:t>2/1/2011</a:t>
+              <a:t>2/2/2011</a:t>
             </a:fld>
             <a:endParaRPr lang="en-GB"/>
           </a:p>
@@ -1579,7 +2390,7 @@
             <a:fld id="{80205730-B28B-4293-938B-A508842901A8}" type="datetimeFigureOut">
               <a:rPr lang="en-US" smtClean="0"/>
               <a:pPr/>
-              <a:t>2/1/2011</a:t>
+              <a:t>2/2/2011</a:t>
             </a:fld>
             <a:endParaRPr lang="en-GB"/>
           </a:p>
@@ -1853,7 +2664,7 @@
             <a:fld id="{80205730-B28B-4293-938B-A508842901A8}" type="datetimeFigureOut">
               <a:rPr lang="en-US" smtClean="0"/>
               <a:pPr/>
-              <a:t>2/1/2011</a:t>
+              <a:t>2/2/2011</a:t>
             </a:fld>
             <a:endParaRPr lang="en-GB"/>
           </a:p>
@@ -2241,7 +3052,7 @@
             <a:fld id="{80205730-B28B-4293-938B-A508842901A8}" type="datetimeFigureOut">
               <a:rPr lang="en-US" smtClean="0"/>
               <a:pPr/>
-              <a:t>2/1/2011</a:t>
+              <a:t>2/2/2011</a:t>
             </a:fld>
             <a:endParaRPr lang="en-GB"/>
           </a:p>
@@ -2401,7 +3212,7 @@
             <a:fld id="{80205730-B28B-4293-938B-A508842901A8}" type="datetimeFigureOut">
               <a:rPr lang="en-US" smtClean="0"/>
               <a:pPr/>
-              <a:t>2/1/2011</a:t>
+              <a:t>2/2/2011</a:t>
             </a:fld>
             <a:endParaRPr lang="en-GB"/>
           </a:p>
@@ -2501,7 +3312,7 @@
             <a:fld id="{80205730-B28B-4293-938B-A508842901A8}" type="datetimeFigureOut">
               <a:rPr lang="en-US" smtClean="0"/>
               <a:pPr/>
-              <a:t>2/1/2011</a:t>
+              <a:t>2/2/2011</a:t>
             </a:fld>
             <a:endParaRPr lang="en-GB"/>
           </a:p>
@@ -2772,7 +3583,7 @@
             <a:fld id="{80205730-B28B-4293-938B-A508842901A8}" type="datetimeFigureOut">
               <a:rPr lang="en-US" smtClean="0"/>
               <a:pPr/>
-              <a:t>2/1/2011</a:t>
+              <a:t>2/2/2011</a:t>
             </a:fld>
             <a:endParaRPr lang="en-GB"/>
           </a:p>
@@ -3070,7 +3881,7 @@
             <a:fld id="{80205730-B28B-4293-938B-A508842901A8}" type="datetimeFigureOut">
               <a:rPr lang="en-US" smtClean="0"/>
               <a:pPr/>
-              <a:t>2/1/2011</a:t>
+              <a:t>2/2/2011</a:t>
             </a:fld>
             <a:endParaRPr lang="en-GB"/>
           </a:p>
@@ -4359,102 +5170,58 @@
         </p:nvSpPr>
         <p:spPr/>
         <p:txBody>
+          <a:bodyPr>
+            <a:normAutofit/>
+          </a:bodyPr>
+          <a:lstStyle/>
+          <a:p>
+            <a:r>
+              <a:rPr lang="en-GB" dirty="0" smtClean="0"/>
+              <a:t>Cutting </a:t>
+            </a:r>
+            <a:r>
+              <a:rPr lang="en-GB" dirty="0" smtClean="0"/>
+              <a:t>through the hierarchy</a:t>
+            </a:r>
+            <a:endParaRPr lang="en-GB" dirty="0"/>
+          </a:p>
+        </p:txBody>
+      </p:sp>
+      <p:sp>
+        <p:nvSpPr>
+          <p:cNvPr id="5" name="Content Placeholder 4"/>
+          <p:cNvSpPr>
+            <a:spLocks noGrp="1"/>
+          </p:cNvSpPr>
+          <p:nvPr>
+            <p:ph idx="1"/>
+          </p:nvPr>
+        </p:nvSpPr>
+        <p:spPr/>
+        <p:txBody>
           <a:bodyPr/>
           <a:lstStyle/>
           <a:p>
             <a:r>
-              <a:rPr lang="en-GB" dirty="0" smtClean="0"/>
-              <a:t>State Machines</a:t>
-            </a:r>
-            <a:endParaRPr lang="en-GB" dirty="0"/>
-          </a:p>
-        </p:txBody>
-      </p:sp>
-      <p:sp>
-        <p:nvSpPr>
-          <p:cNvPr id="5" name="Content Placeholder 4"/>
-          <p:cNvSpPr>
-            <a:spLocks noGrp="1"/>
-          </p:cNvSpPr>
-          <p:nvPr>
-            <p:ph idx="1"/>
-          </p:nvPr>
-        </p:nvSpPr>
-        <p:spPr/>
-        <p:txBody>
-          <a:bodyPr/>
-          <a:lstStyle/>
-          <a:p>
-            <a:r>
-              <a:rPr lang="en-GB" dirty="0" smtClean="0"/>
-              <a:t>Just components with a notion of current state</a:t>
+              <a:rPr lang="en-GB" dirty="0" err="1" smtClean="0"/>
+              <a:t>Hyperports</a:t>
+            </a:r>
+            <a:r>
+              <a:rPr lang="en-GB" dirty="0" smtClean="0"/>
+              <a:t> are auto-connected down the hierarchy</a:t>
             </a:r>
           </a:p>
           <a:p>
             <a:pPr lvl="1"/>
             <a:r>
               <a:rPr lang="en-GB" dirty="0" smtClean="0"/>
-              <a:t>Big switch</a:t>
-            </a:r>
-          </a:p>
-          <a:p>
-            <a:pPr lvl="1"/>
-            <a:r>
-              <a:rPr lang="en-GB" dirty="0" smtClean="0"/>
-              <a:t>Different graphical presentation</a:t>
-            </a:r>
-          </a:p>
-          <a:p>
-            <a:pPr lvl="1"/>
-            <a:r>
-              <a:rPr lang="en-GB" dirty="0" smtClean="0"/>
-              <a:t>Use with resemblance and evolution</a:t>
-            </a:r>
-          </a:p>
-          <a:p>
-            <a:pPr lvl="1"/>
-            <a:r>
-              <a:rPr lang="en-GB" dirty="0" smtClean="0"/>
-              <a:t>Combine with conventional components</a:t>
-            </a:r>
-          </a:p>
-          <a:p>
-            <a:pPr lvl="1"/>
+              <a:t>M</a:t>
+            </a:r>
+            <a:r>
+              <a:rPr lang="en-GB" dirty="0" smtClean="0"/>
+              <a:t>ore general and flexible than singleton</a:t>
+            </a:r>
             <a:endParaRPr lang="en-GB" dirty="0" smtClean="0"/>
-          </a:p>
-          <a:p>
-            <a:r>
-              <a:rPr lang="en-GB" dirty="0" smtClean="0"/>
-              <a:t>Advantages over OO approach</a:t>
-            </a:r>
-          </a:p>
-          <a:p>
-            <a:pPr lvl="1"/>
-            <a:r>
-              <a:rPr lang="en-GB" dirty="0" smtClean="0"/>
-              <a:t>Explicit transitions</a:t>
-            </a:r>
-          </a:p>
-          <a:p>
-            <a:pPr lvl="1"/>
-            <a:r>
-              <a:rPr lang="en-GB" dirty="0" smtClean="0"/>
-              <a:t>Extensible for states and transitions</a:t>
-            </a:r>
-          </a:p>
-          <a:p>
-            <a:pPr lvl="1"/>
-            <a:r>
-              <a:rPr lang="en-GB" dirty="0" smtClean="0"/>
-              <a:t>Rich context available for each state</a:t>
-            </a:r>
-          </a:p>
-          <a:p>
-            <a:pPr lvl="1"/>
-            <a:endParaRPr lang="en-GB" dirty="0" smtClean="0"/>
-          </a:p>
-          <a:p>
-            <a:endParaRPr lang="en-GB" dirty="0"/>
           </a:p>
         </p:txBody>
       </p:sp>
@@ -4485,7 +5252,7 @@
       </p:grpSpPr>
       <p:sp>
         <p:nvSpPr>
-          <p:cNvPr id="2" name="Title 1"/>
+          <p:cNvPr id="4" name="Title 3"/>
           <p:cNvSpPr>
             <a:spLocks noGrp="1"/>
           </p:cNvSpPr>
@@ -4500,7 +5267,7 @@
           <a:p>
             <a:r>
               <a:rPr lang="en-GB" dirty="0" smtClean="0"/>
-              <a:t>State machines (2)</a:t>
+              <a:t>Factories</a:t>
             </a:r>
             <a:endParaRPr lang="en-GB" dirty="0"/>
           </a:p>
@@ -4508,7 +5275,7 @@
       </p:sp>
       <p:sp>
         <p:nvSpPr>
-          <p:cNvPr id="3" name="Content Placeholder 2"/>
+          <p:cNvPr id="5" name="Content Placeholder 4"/>
           <p:cNvSpPr>
             <a:spLocks noGrp="1"/>
           </p:cNvSpPr>
@@ -4523,7 +5290,28 @@
           <a:p>
             <a:r>
               <a:rPr lang="en-GB" dirty="0" smtClean="0"/>
-              <a:t>Show...</a:t>
+              <a:t>Components with lazily instantiated insides [DARWIN]</a:t>
+            </a:r>
+          </a:p>
+          <a:p>
+            <a:pPr lvl="1"/>
+            <a:r>
+              <a:rPr lang="en-GB" dirty="0" smtClean="0"/>
+              <a:t>Use with resemblance and evolution</a:t>
+            </a:r>
+          </a:p>
+          <a:p>
+            <a:pPr lvl="1"/>
+            <a:r>
+              <a:rPr lang="en-GB" dirty="0" smtClean="0"/>
+              <a:t>Can be nested arbitrarily</a:t>
+            </a:r>
+          </a:p>
+          <a:p>
+            <a:pPr lvl="1"/>
+            <a:r>
+              <a:rPr lang="en-GB" dirty="0" smtClean="0"/>
+              <a:t>Dynamic architecture in static description</a:t>
             </a:r>
             <a:endParaRPr lang="en-GB" dirty="0"/>
           </a:p>
@@ -4571,7 +5359,7 @@
           <a:p>
             <a:r>
               <a:rPr lang="en-GB" dirty="0" smtClean="0"/>
-              <a:t>The Evolve Toolset</a:t>
+              <a:t>State Machines</a:t>
             </a:r>
             <a:endParaRPr lang="en-GB" dirty="0"/>
           </a:p>
@@ -4579,12 +5367,12 @@
       </p:sp>
       <p:sp>
         <p:nvSpPr>
-          <p:cNvPr id="5" name="Text Placeholder 4"/>
-          <p:cNvSpPr>
-            <a:spLocks noGrp="1"/>
-          </p:cNvSpPr>
-          <p:nvPr>
-            <p:ph type="body" idx="1"/>
+          <p:cNvPr id="5" name="Content Placeholder 4"/>
+          <p:cNvSpPr>
+            <a:spLocks noGrp="1"/>
+          </p:cNvSpPr>
+          <p:nvPr>
+            <p:ph idx="1"/>
           </p:nvPr>
         </p:nvSpPr>
         <p:spPr/>
@@ -4594,8 +5382,88 @@
           <a:p>
             <a:r>
               <a:rPr lang="en-GB" dirty="0" smtClean="0"/>
-              <a:t>Evolve in practice...</a:t>
-            </a:r>
+              <a:t>Component variant of state pattern</a:t>
+            </a:r>
+            <a:endParaRPr lang="en-GB" dirty="0" smtClean="0"/>
+          </a:p>
+          <a:p>
+            <a:pPr lvl="1"/>
+            <a:r>
+              <a:rPr lang="en-GB" dirty="0" smtClean="0"/>
+              <a:t>Big </a:t>
+            </a:r>
+            <a:r>
+              <a:rPr lang="en-GB" dirty="0" smtClean="0"/>
+              <a:t>switch</a:t>
+            </a:r>
+            <a:endParaRPr lang="en-GB" dirty="0" smtClean="0"/>
+          </a:p>
+          <a:p>
+            <a:pPr lvl="1"/>
+            <a:r>
+              <a:rPr lang="en-GB" dirty="0" smtClean="0"/>
+              <a:t>Use with resemblance and evolution</a:t>
+            </a:r>
+          </a:p>
+          <a:p>
+            <a:pPr lvl="1"/>
+            <a:r>
+              <a:rPr lang="en-GB" dirty="0" smtClean="0"/>
+              <a:t>Combine with conventional components</a:t>
+            </a:r>
+          </a:p>
+          <a:p>
+            <a:pPr lvl="1"/>
+            <a:endParaRPr lang="en-GB" dirty="0" smtClean="0"/>
+          </a:p>
+          <a:p>
+            <a:r>
+              <a:rPr lang="en-GB" dirty="0" smtClean="0"/>
+              <a:t>Advantages over OO </a:t>
+            </a:r>
+            <a:r>
+              <a:rPr lang="en-GB" dirty="0" smtClean="0"/>
+              <a:t>approach</a:t>
+            </a:r>
+          </a:p>
+          <a:p>
+            <a:pPr lvl="1"/>
+            <a:r>
+              <a:rPr lang="en-GB" dirty="0" smtClean="0"/>
+              <a:t>Don’t </a:t>
+            </a:r>
+            <a:r>
+              <a:rPr lang="en-GB" dirty="0" smtClean="0"/>
+              <a:t>get me started!</a:t>
+            </a:r>
+            <a:endParaRPr lang="en-GB" dirty="0" smtClean="0"/>
+          </a:p>
+          <a:p>
+            <a:pPr lvl="1"/>
+            <a:r>
+              <a:rPr lang="en-GB" dirty="0" smtClean="0"/>
+              <a:t>Explicit transitions</a:t>
+            </a:r>
+          </a:p>
+          <a:p>
+            <a:pPr lvl="1"/>
+            <a:r>
+              <a:rPr lang="en-GB" dirty="0" smtClean="0"/>
+              <a:t>Extensible for states and transitions</a:t>
+            </a:r>
+          </a:p>
+          <a:p>
+            <a:pPr lvl="1"/>
+            <a:r>
+              <a:rPr lang="en-GB" dirty="0" smtClean="0"/>
+              <a:t>Rich context available for each state</a:t>
+            </a:r>
+          </a:p>
+          <a:p>
+            <a:pPr lvl="1"/>
+            <a:endParaRPr lang="en-GB" dirty="0" smtClean="0"/>
+          </a:p>
+          <a:p>
             <a:endParaRPr lang="en-GB" dirty="0"/>
           </a:p>
         </p:txBody>
@@ -4627,7 +5495,7 @@
       </p:grpSpPr>
       <p:sp>
         <p:nvSpPr>
-          <p:cNvPr id="4" name="Title 3"/>
+          <p:cNvPr id="2" name="Title 1"/>
           <p:cNvSpPr>
             <a:spLocks noGrp="1"/>
           </p:cNvSpPr>
@@ -4642,7 +5510,7 @@
           <a:p>
             <a:r>
               <a:rPr lang="en-GB" dirty="0" smtClean="0"/>
-              <a:t>Evolve</a:t>
+              <a:t>State machines (2)</a:t>
             </a:r>
             <a:endParaRPr lang="en-GB" dirty="0"/>
           </a:p>
@@ -4650,7 +5518,7 @@
       </p:sp>
       <p:sp>
         <p:nvSpPr>
-          <p:cNvPr id="5" name="Content Placeholder 4"/>
+          <p:cNvPr id="3" name="Content Placeholder 2"/>
           <p:cNvSpPr>
             <a:spLocks noGrp="1"/>
           </p:cNvSpPr>
@@ -4665,75 +5533,9 @@
           <a:p>
             <a:r>
               <a:rPr lang="en-GB" dirty="0" smtClean="0"/>
-              <a:t>Creating stuff</a:t>
-            </a:r>
-          </a:p>
-          <a:p>
-            <a:r>
-              <a:rPr lang="en-GB" dirty="0" smtClean="0"/>
-              <a:t>Difference </a:t>
-            </a:r>
-            <a:r>
-              <a:rPr lang="en-GB" dirty="0" smtClean="0"/>
-              <a:t>creation &amp; browser</a:t>
-            </a:r>
-            <a:endParaRPr lang="en-GB" dirty="0" smtClean="0"/>
-          </a:p>
-          <a:p>
-            <a:r>
-              <a:rPr lang="en-GB" dirty="0" smtClean="0"/>
-              <a:t>Combination </a:t>
-            </a:r>
-            <a:r>
-              <a:rPr lang="en-GB" dirty="0" smtClean="0"/>
-              <a:t>checking</a:t>
-            </a:r>
-          </a:p>
-          <a:p>
-            <a:r>
-              <a:rPr lang="en-GB" dirty="0" smtClean="0"/>
-              <a:t>Importing and exporting models</a:t>
-            </a:r>
-          </a:p>
-          <a:p>
-            <a:r>
-              <a:rPr lang="en-GB" dirty="0" smtClean="0"/>
-              <a:t>Importing beans</a:t>
-            </a:r>
-          </a:p>
-          <a:p>
-            <a:r>
-              <a:rPr lang="en-GB" dirty="0" smtClean="0"/>
-              <a:t>Generating Java code + fwd </a:t>
-            </a:r>
-            <a:r>
-              <a:rPr lang="en-GB" dirty="0" smtClean="0"/>
-              <a:t>engineering (2 types)</a:t>
-            </a:r>
-            <a:endParaRPr lang="en-GB" dirty="0" smtClean="0"/>
-          </a:p>
-          <a:p>
-            <a:r>
-              <a:rPr lang="en-GB" dirty="0" smtClean="0"/>
-              <a:t>Model scalability – lessons from UML tools</a:t>
-            </a:r>
-          </a:p>
-          <a:p>
-            <a:r>
-              <a:rPr lang="en-GB" dirty="0" smtClean="0"/>
-              <a:t>Team </a:t>
-            </a:r>
-            <a:r>
-              <a:rPr lang="en-GB" dirty="0" smtClean="0"/>
-              <a:t>edition</a:t>
-            </a:r>
-          </a:p>
-          <a:p>
-            <a:r>
-              <a:rPr lang="en-GB" dirty="0" smtClean="0"/>
-              <a:t>Internal architecture, interaction with Backbone</a:t>
-            </a:r>
-            <a:endParaRPr lang="en-GB" dirty="0" smtClean="0"/>
+              <a:t>Show...</a:t>
+            </a:r>
+            <a:endParaRPr lang="en-GB" dirty="0"/>
           </a:p>
         </p:txBody>
       </p:sp>
@@ -4779,7 +5581,7 @@
           <a:p>
             <a:r>
               <a:rPr lang="en-GB" dirty="0" smtClean="0"/>
-              <a:t>Future Work</a:t>
+              <a:t>The Evolve Toolset</a:t>
             </a:r>
             <a:endParaRPr lang="en-GB" dirty="0"/>
           </a:p>
@@ -4802,7 +5604,7 @@
           <a:p>
             <a:r>
               <a:rPr lang="en-GB" dirty="0" smtClean="0"/>
-              <a:t>Capabilities and challenges</a:t>
+              <a:t>Evolve in practice...</a:t>
             </a:r>
             <a:endParaRPr lang="en-GB" dirty="0"/>
           </a:p>
@@ -4835,7 +5637,7 @@
       </p:grpSpPr>
       <p:sp>
         <p:nvSpPr>
-          <p:cNvPr id="2" name="Title 1"/>
+          <p:cNvPr id="4" name="Title 3"/>
           <p:cNvSpPr>
             <a:spLocks noGrp="1"/>
           </p:cNvSpPr>
@@ -4850,7 +5652,7 @@
           <a:p>
             <a:r>
               <a:rPr lang="en-GB" dirty="0" smtClean="0"/>
-              <a:t>Extensible protocols</a:t>
+              <a:t>Evolve</a:t>
             </a:r>
             <a:endParaRPr lang="en-GB" dirty="0"/>
           </a:p>
@@ -4858,7 +5660,7 @@
       </p:sp>
       <p:sp>
         <p:nvSpPr>
-          <p:cNvPr id="3" name="Content Placeholder 2"/>
+          <p:cNvPr id="5" name="Content Placeholder 4"/>
           <p:cNvSpPr>
             <a:spLocks noGrp="1"/>
           </p:cNvSpPr>
@@ -4873,46 +5675,56 @@
           <a:p>
             <a:r>
               <a:rPr lang="en-GB" dirty="0" smtClean="0"/>
-              <a:t>Based on protocols [</a:t>
-            </a:r>
-            <a:r>
-              <a:rPr lang="en-GB" dirty="0" err="1" smtClean="0"/>
-              <a:t>plasil</a:t>
-            </a:r>
-            <a:r>
-              <a:rPr lang="en-GB" dirty="0" smtClean="0"/>
-              <a:t>]</a:t>
-            </a:r>
-          </a:p>
-          <a:p>
-            <a:r>
-              <a:rPr lang="en-GB" dirty="0" smtClean="0"/>
-              <a:t>Aim: allow extension to enforce semantic guarantees</a:t>
-            </a:r>
-          </a:p>
-          <a:p>
-            <a:r>
-              <a:rPr lang="en-GB" dirty="0" smtClean="0"/>
-              <a:t>Sequence diagram, ports are actors</a:t>
-            </a:r>
-          </a:p>
-          <a:p>
-            <a:pPr lvl="1"/>
-            <a:r>
-              <a:rPr lang="en-GB" dirty="0" smtClean="0"/>
-              <a:t>Convert to LTS or another state transition system</a:t>
-            </a:r>
-          </a:p>
-          <a:p>
-            <a:pPr lvl="1"/>
-            <a:r>
-              <a:rPr lang="en-GB" dirty="0" smtClean="0"/>
-              <a:t>Need to find a way to allow extension to “extend”</a:t>
-            </a:r>
-          </a:p>
-          <a:p>
-            <a:pPr lvl="1"/>
-            <a:endParaRPr lang="en-GB" dirty="0"/>
+              <a:t>Creating stuff</a:t>
+            </a:r>
+          </a:p>
+          <a:p>
+            <a:r>
+              <a:rPr lang="en-GB" dirty="0" smtClean="0"/>
+              <a:t>Difference creation &amp; browser</a:t>
+            </a:r>
+          </a:p>
+          <a:p>
+            <a:r>
+              <a:rPr lang="en-GB" dirty="0" smtClean="0"/>
+              <a:t>Combination checking</a:t>
+            </a:r>
+          </a:p>
+          <a:p>
+            <a:r>
+              <a:rPr lang="en-GB" dirty="0" smtClean="0"/>
+              <a:t>Importing and exporting models</a:t>
+            </a:r>
+          </a:p>
+          <a:p>
+            <a:r>
+              <a:rPr lang="en-GB" dirty="0" smtClean="0"/>
+              <a:t>Importing beans</a:t>
+            </a:r>
+          </a:p>
+          <a:p>
+            <a:r>
+              <a:rPr lang="en-GB" dirty="0" smtClean="0"/>
+              <a:t>Generating Java code + fwd engineering (2 types)</a:t>
+            </a:r>
+          </a:p>
+          <a:p>
+            <a:r>
+              <a:rPr lang="en-GB" dirty="0" smtClean="0"/>
+              <a:t>Model scalability – lessons from UML tools</a:t>
+            </a:r>
+          </a:p>
+          <a:p>
+            <a:r>
+              <a:rPr lang="en-GB" dirty="0" smtClean="0"/>
+              <a:t>Team edition</a:t>
+            </a:r>
+          </a:p>
+          <a:p>
+            <a:r>
+              <a:rPr lang="en-GB" dirty="0" smtClean="0"/>
+              <a:t>Internal architecture, interaction with Backbone</a:t>
+            </a:r>
           </a:p>
         </p:txBody>
       </p:sp>
@@ -4943,7 +5755,7 @@
       </p:grpSpPr>
       <p:sp>
         <p:nvSpPr>
-          <p:cNvPr id="2" name="Title 1"/>
+          <p:cNvPr id="4" name="Title 3"/>
           <p:cNvSpPr>
             <a:spLocks noGrp="1"/>
           </p:cNvSpPr>
@@ -4958,7 +5770,7 @@
           <a:p>
             <a:r>
               <a:rPr lang="en-GB" dirty="0" smtClean="0"/>
-              <a:t>Extensible protocols (2)</a:t>
+              <a:t>Future Work</a:t>
             </a:r>
             <a:endParaRPr lang="en-GB" dirty="0"/>
           </a:p>
@@ -4966,12 +5778,12 @@
       </p:sp>
       <p:sp>
         <p:nvSpPr>
-          <p:cNvPr id="3" name="Content Placeholder 2"/>
-          <p:cNvSpPr>
-            <a:spLocks noGrp="1"/>
-          </p:cNvSpPr>
-          <p:nvPr>
-            <p:ph idx="1"/>
+          <p:cNvPr id="5" name="Text Placeholder 4"/>
+          <p:cNvSpPr>
+            <a:spLocks noGrp="1"/>
+          </p:cNvSpPr>
+          <p:nvPr>
+            <p:ph type="body" idx="1"/>
           </p:nvPr>
         </p:nvSpPr>
         <p:spPr/>
@@ -4979,6 +5791,10 @@
           <a:bodyPr/>
           <a:lstStyle/>
           <a:p>
+            <a:r>
+              <a:rPr lang="en-GB" dirty="0" smtClean="0"/>
+              <a:t>Capabilities and challenges</a:t>
+            </a:r>
             <a:endParaRPr lang="en-GB" dirty="0"/>
           </a:p>
         </p:txBody>
@@ -5025,7 +5841,7 @@
           <a:p>
             <a:r>
               <a:rPr lang="en-GB" dirty="0" smtClean="0"/>
-              <a:t>Backwards compatibility</a:t>
+              <a:t>Extensible protocols</a:t>
             </a:r>
             <a:endParaRPr lang="en-GB" dirty="0"/>
           </a:p>
@@ -5048,26 +5864,46 @@
           <a:p>
             <a:r>
               <a:rPr lang="en-GB" dirty="0" smtClean="0"/>
-              <a:t>Reverse dependencies</a:t>
+              <a:t>Based on protocols [</a:t>
+            </a:r>
+            <a:r>
+              <a:rPr lang="en-GB" dirty="0" err="1" smtClean="0"/>
+              <a:t>plasil</a:t>
+            </a:r>
+            <a:r>
+              <a:rPr lang="en-GB" dirty="0" smtClean="0"/>
+              <a:t>]</a:t>
+            </a:r>
+          </a:p>
+          <a:p>
+            <a:r>
+              <a:rPr lang="en-GB" dirty="0" smtClean="0"/>
+              <a:t>Aim: allow extension to enforce semantic guarantees</a:t>
+            </a:r>
+          </a:p>
+          <a:p>
+            <a:r>
+              <a:rPr lang="en-GB" dirty="0" smtClean="0"/>
+              <a:t>Sequence diagram, ports are actors</a:t>
             </a:r>
           </a:p>
           <a:p>
             <a:pPr lvl="1"/>
             <a:r>
               <a:rPr lang="en-GB" dirty="0" smtClean="0"/>
-              <a:t>Compresses </a:t>
-            </a:r>
-            <a:r>
-              <a:rPr lang="en-GB" dirty="0" smtClean="0"/>
-              <a:t>deltas</a:t>
+              <a:t>Convert to LTS or another state transition system</a:t>
             </a:r>
           </a:p>
           <a:p>
             <a:pPr lvl="1"/>
             <a:r>
               <a:rPr lang="en-GB" dirty="0" smtClean="0"/>
-              <a:t>Older systems are now deltas against newer system</a:t>
-            </a:r>
+              <a:t>Need to find a way to allow extension to “extend”</a:t>
+            </a:r>
+          </a:p>
+          <a:p>
+            <a:pPr lvl="1"/>
+            <a:endParaRPr lang="en-GB" dirty="0"/>
           </a:p>
         </p:txBody>
       </p:sp>
@@ -5108,22 +5944,12 @@
         </p:nvSpPr>
         <p:spPr/>
         <p:txBody>
-          <a:bodyPr>
-            <a:normAutofit/>
-          </a:bodyPr>
-          <a:lstStyle/>
-          <a:p>
-            <a:r>
-              <a:rPr lang="en-GB" dirty="0" smtClean="0"/>
-              <a:t>Replacement for </a:t>
-            </a:r>
-            <a:r>
-              <a:rPr lang="en-GB" dirty="0" err="1" smtClean="0"/>
-              <a:t>plugin</a:t>
-            </a:r>
-            <a:r>
-              <a:rPr lang="en-GB" dirty="0" smtClean="0"/>
-              <a:t> approach</a:t>
+          <a:bodyPr/>
+          <a:lstStyle/>
+          <a:p>
+            <a:r>
+              <a:rPr lang="en-GB" dirty="0" smtClean="0"/>
+              <a:t>Extensible protocols (2)</a:t>
             </a:r>
             <a:endParaRPr lang="en-GB" dirty="0"/>
           </a:p>
@@ -5144,7 +5970,7 @@
           <a:bodyPr/>
           <a:lstStyle/>
           <a:p>
-            <a:endParaRPr lang="en-GB"/>
+            <a:endParaRPr lang="en-GB" dirty="0"/>
           </a:p>
         </p:txBody>
       </p:sp>
@@ -5190,7 +6016,7 @@
           <a:p>
             <a:r>
               <a:rPr lang="en-GB" dirty="0" smtClean="0"/>
-              <a:t>Applying to Android</a:t>
+              <a:t>Backwards compatibility</a:t>
             </a:r>
             <a:endParaRPr lang="en-GB" dirty="0"/>
           </a:p>
@@ -5211,7 +6037,24 @@
           <a:bodyPr/>
           <a:lstStyle/>
           <a:p>
-            <a:endParaRPr lang="en-GB"/>
+            <a:r>
+              <a:rPr lang="en-GB" dirty="0" smtClean="0"/>
+              <a:t>Reverse dependencies</a:t>
+            </a:r>
+          </a:p>
+          <a:p>
+            <a:pPr lvl="1"/>
+            <a:r>
+              <a:rPr lang="en-GB" dirty="0" smtClean="0"/>
+              <a:t>Compresses deltas</a:t>
+            </a:r>
+          </a:p>
+          <a:p>
+            <a:pPr lvl="1"/>
+            <a:r>
+              <a:rPr lang="en-GB" dirty="0" smtClean="0"/>
+              <a:t>Older systems are now deltas against newer system</a:t>
+            </a:r>
           </a:p>
         </p:txBody>
       </p:sp>
@@ -5282,8 +6125,21 @@
           <a:p>
             <a:r>
               <a:rPr lang="en-GB" dirty="0" smtClean="0"/>
-              <a:t>Overview of the formal model</a:t>
-            </a:r>
+              <a:t>Brief o</a:t>
+            </a:r>
+            <a:r>
+              <a:rPr lang="en-GB" dirty="0" smtClean="0"/>
+              <a:t>verview </a:t>
+            </a:r>
+            <a:r>
+              <a:rPr lang="en-GB" dirty="0" smtClean="0"/>
+              <a:t>of the formal </a:t>
+            </a:r>
+            <a:r>
+              <a:rPr lang="en-GB" dirty="0" smtClean="0"/>
+              <a:t>model structures</a:t>
+            </a:r>
+            <a:endParaRPr lang="en-GB" dirty="0" smtClean="0"/>
           </a:p>
           <a:p>
             <a:endParaRPr lang="en-GB" dirty="0" smtClean="0"/>
@@ -5309,8 +6165,13 @@
             </a:r>
             <a:r>
               <a:rPr lang="en-GB" dirty="0" smtClean="0"/>
-              <a:t>, alphanumeric indices, factories, state machines</a:t>
-            </a:r>
+              <a:t>, alphanumeric indices, factories, state </a:t>
+            </a:r>
+            <a:r>
+              <a:rPr lang="en-GB" dirty="0" smtClean="0"/>
+              <a:t>machines</a:t>
+            </a:r>
+            <a:endParaRPr lang="en-GB" dirty="0" smtClean="0"/>
           </a:p>
           <a:p>
             <a:pPr lvl="1"/>
@@ -5330,6 +6191,150 @@
               <a:rPr lang="en-GB" dirty="0" smtClean="0"/>
               <a:t>Future work</a:t>
             </a:r>
+          </a:p>
+        </p:txBody>
+      </p:sp>
+    </p:spTree>
+  </p:cSld>
+  <p:clrMapOvr>
+    <a:masterClrMapping/>
+  </p:clrMapOvr>
+</p:sld>
+</file>
+
+<file path=ppt/slides/slide20.xml><?xml version="1.0" encoding="utf-8"?>
+<p:sld xmlns:a="http://schemas.openxmlformats.org/drawingml/2006/main" xmlns:r="http://schemas.openxmlformats.org/officeDocument/2006/relationships" xmlns:p="http://schemas.openxmlformats.org/presentationml/2006/main">
+  <p:cSld>
+    <p:spTree>
+      <p:nvGrpSpPr>
+        <p:cNvPr id="1" name=""/>
+        <p:cNvGrpSpPr/>
+        <p:nvPr/>
+      </p:nvGrpSpPr>
+      <p:grpSpPr>
+        <a:xfrm>
+          <a:off x="0" y="0"/>
+          <a:ext cx="0" cy="0"/>
+          <a:chOff x="0" y="0"/>
+          <a:chExt cx="0" cy="0"/>
+        </a:xfrm>
+      </p:grpSpPr>
+      <p:sp>
+        <p:nvSpPr>
+          <p:cNvPr id="2" name="Title 1"/>
+          <p:cNvSpPr>
+            <a:spLocks noGrp="1"/>
+          </p:cNvSpPr>
+          <p:nvPr>
+            <p:ph type="title"/>
+          </p:nvPr>
+        </p:nvSpPr>
+        <p:spPr/>
+        <p:txBody>
+          <a:bodyPr>
+            <a:normAutofit/>
+          </a:bodyPr>
+          <a:lstStyle/>
+          <a:p>
+            <a:r>
+              <a:rPr lang="en-GB" dirty="0" smtClean="0"/>
+              <a:t>Replacement for </a:t>
+            </a:r>
+            <a:r>
+              <a:rPr lang="en-GB" dirty="0" err="1" smtClean="0"/>
+              <a:t>plugin</a:t>
+            </a:r>
+            <a:r>
+              <a:rPr lang="en-GB" dirty="0" smtClean="0"/>
+              <a:t> approach</a:t>
+            </a:r>
+            <a:endParaRPr lang="en-GB" dirty="0"/>
+          </a:p>
+        </p:txBody>
+      </p:sp>
+      <p:sp>
+        <p:nvSpPr>
+          <p:cNvPr id="3" name="Content Placeholder 2"/>
+          <p:cNvSpPr>
+            <a:spLocks noGrp="1"/>
+          </p:cNvSpPr>
+          <p:nvPr>
+            <p:ph idx="1"/>
+          </p:nvPr>
+        </p:nvSpPr>
+        <p:spPr/>
+        <p:txBody>
+          <a:bodyPr/>
+          <a:lstStyle/>
+          <a:p>
+            <a:endParaRPr lang="en-GB"/>
+          </a:p>
+        </p:txBody>
+      </p:sp>
+    </p:spTree>
+  </p:cSld>
+  <p:clrMapOvr>
+    <a:masterClrMapping/>
+  </p:clrMapOvr>
+</p:sld>
+</file>
+
+<file path=ppt/slides/slide21.xml><?xml version="1.0" encoding="utf-8"?>
+<p:sld xmlns:a="http://schemas.openxmlformats.org/drawingml/2006/main" xmlns:r="http://schemas.openxmlformats.org/officeDocument/2006/relationships" xmlns:p="http://schemas.openxmlformats.org/presentationml/2006/main">
+  <p:cSld>
+    <p:spTree>
+      <p:nvGrpSpPr>
+        <p:cNvPr id="1" name=""/>
+        <p:cNvGrpSpPr/>
+        <p:nvPr/>
+      </p:nvGrpSpPr>
+      <p:grpSpPr>
+        <a:xfrm>
+          <a:off x="0" y="0"/>
+          <a:ext cx="0" cy="0"/>
+          <a:chOff x="0" y="0"/>
+          <a:chExt cx="0" cy="0"/>
+        </a:xfrm>
+      </p:grpSpPr>
+      <p:sp>
+        <p:nvSpPr>
+          <p:cNvPr id="2" name="Title 1"/>
+          <p:cNvSpPr>
+            <a:spLocks noGrp="1"/>
+          </p:cNvSpPr>
+          <p:nvPr>
+            <p:ph type="title"/>
+          </p:nvPr>
+        </p:nvSpPr>
+        <p:spPr/>
+        <p:txBody>
+          <a:bodyPr/>
+          <a:lstStyle/>
+          <a:p>
+            <a:r>
+              <a:rPr lang="en-GB" dirty="0" smtClean="0"/>
+              <a:t>Applying to Android</a:t>
+            </a:r>
+            <a:endParaRPr lang="en-GB" dirty="0"/>
+          </a:p>
+        </p:txBody>
+      </p:sp>
+      <p:sp>
+        <p:nvSpPr>
+          <p:cNvPr id="3" name="Content Placeholder 2"/>
+          <p:cNvSpPr>
+            <a:spLocks noGrp="1"/>
+          </p:cNvSpPr>
+          <p:nvPr>
+            <p:ph idx="1"/>
+          </p:nvPr>
+        </p:nvSpPr>
+        <p:spPr/>
+        <p:txBody>
+          <a:bodyPr/>
+          <a:lstStyle/>
+          <a:p>
+            <a:endParaRPr lang="en-GB"/>
           </a:p>
         </p:txBody>
       </p:sp>
@@ -5375,7 +6380,11 @@
           <a:p>
             <a:r>
               <a:rPr lang="en-GB" dirty="0" smtClean="0"/>
-              <a:t>Overview of the</a:t>
+              <a:t>Structures </a:t>
+            </a:r>
+            <a:r>
+              <a:rPr lang="en-GB" dirty="0" smtClean="0"/>
+              <a:t>of the</a:t>
             </a:r>
             <a:br>
               <a:rPr lang="en-GB" dirty="0" smtClean="0"/>
@@ -5383,35 +6392,6 @@
             <a:r>
               <a:rPr lang="en-GB" dirty="0" smtClean="0"/>
               <a:t>Formal Model</a:t>
-            </a:r>
-            <a:endParaRPr lang="en-GB" dirty="0"/>
-          </a:p>
-        </p:txBody>
-      </p:sp>
-      <p:sp>
-        <p:nvSpPr>
-          <p:cNvPr id="5" name="Text Placeholder 4"/>
-          <p:cNvSpPr>
-            <a:spLocks noGrp="1"/>
-          </p:cNvSpPr>
-          <p:nvPr>
-            <p:ph type="body" idx="1"/>
-          </p:nvPr>
-        </p:nvSpPr>
-        <p:spPr/>
-        <p:txBody>
-          <a:bodyPr/>
-          <a:lstStyle/>
-          <a:p>
-            <a:r>
-              <a:rPr lang="en-GB" dirty="0" smtClean="0"/>
-              <a:t>...or...</a:t>
-            </a:r>
-          </a:p>
-          <a:p>
-            <a:r>
-              <a:rPr lang="en-GB" dirty="0" smtClean="0"/>
-              <a:t>How stratum, resemblance and replacement interact</a:t>
             </a:r>
             <a:endParaRPr lang="en-GB" dirty="0"/>
           </a:p>
@@ -5459,7 +6439,7 @@
           <a:p>
             <a:r>
               <a:rPr lang="en-GB" dirty="0" smtClean="0"/>
-              <a:t>The Expanded Resemblance Graph</a:t>
+              <a:t>Structure</a:t>
             </a:r>
             <a:endParaRPr lang="en-GB" dirty="0"/>
           </a:p>
@@ -5477,48 +6457,208 @@
         </p:nvSpPr>
         <p:spPr/>
         <p:txBody>
-          <a:bodyPr>
-            <a:normAutofit/>
-          </a:bodyPr>
-          <a:lstStyle/>
-          <a:p>
-            <a:pPr>
-              <a:buNone/>
-            </a:pPr>
-            <a:r>
-              <a:rPr lang="en-GB" dirty="0" smtClean="0"/>
-              <a:t>[explain that graph can be reworked at any level because elements are inserted into the expanded graph – maybe 3 slides + 1 alloy]</a:t>
-            </a:r>
-          </a:p>
-          <a:p>
-            <a:pPr>
-              <a:buNone/>
-            </a:pPr>
+          <a:bodyPr/>
+          <a:lstStyle/>
+          <a:p>
+            <a:r>
+              <a:rPr lang="en-GB" dirty="0" smtClean="0"/>
+              <a:t>Model is described in the Alloy logic language [MIT]</a:t>
+            </a:r>
             <a:endParaRPr lang="en-GB" dirty="0" smtClean="0"/>
           </a:p>
           <a:p>
-            <a:pPr>
-              <a:buNone/>
-            </a:pPr>
-            <a:r>
-              <a:rPr lang="en-GB" dirty="0" smtClean="0"/>
-              <a:t>Core is very simple</a:t>
-            </a:r>
-          </a:p>
-          <a:p>
-            <a:pPr>
-              <a:buNone/>
-            </a:pPr>
-            <a:r>
-              <a:rPr lang="en-GB" dirty="0" smtClean="0"/>
+            <a:r>
+              <a:rPr lang="en-GB" dirty="0" smtClean="0"/>
+              <a:t>Built up in layers</a:t>
+            </a:r>
+          </a:p>
+          <a:p>
+            <a:endParaRPr lang="en-GB" dirty="0" smtClean="0"/>
+          </a:p>
+          <a:p>
+            <a:endParaRPr lang="en-GB" dirty="0"/>
+          </a:p>
+        </p:txBody>
+      </p:sp>
+      <p:sp>
+        <p:nvSpPr>
+          <p:cNvPr id="4" name="Rounded Rectangle 3"/>
+          <p:cNvSpPr/>
+          <p:nvPr/>
+        </p:nvSpPr>
+        <p:spPr>
+          <a:xfrm>
+            <a:off x="2214546" y="5429264"/>
+            <a:ext cx="4429156" cy="1214446"/>
+          </a:xfrm>
+          <a:prstGeom prst="roundRect">
+            <a:avLst/>
+          </a:prstGeom>
+          <a:gradFill>
+            <a:gsLst>
+              <a:gs pos="0">
+                <a:schemeClr val="accent5">
+                  <a:lumMod val="50000"/>
+                </a:schemeClr>
+              </a:gs>
+              <a:gs pos="50000">
+                <a:srgbClr val="9CB86E"/>
+              </a:gs>
+              <a:gs pos="100000">
+                <a:srgbClr val="156B13"/>
+              </a:gs>
+            </a:gsLst>
+            <a:lin ang="5400000" scaled="0"/>
+          </a:gradFill>
+        </p:spPr>
+        <p:style>
+          <a:lnRef idx="2">
+            <a:schemeClr val="accent1">
+              <a:shade val="50000"/>
+            </a:schemeClr>
+          </a:lnRef>
+          <a:fillRef idx="1">
+            <a:schemeClr val="accent1"/>
+          </a:fillRef>
+          <a:effectRef idx="0">
+            <a:schemeClr val="accent1"/>
+          </a:effectRef>
+          <a:fontRef idx="minor">
+            <a:schemeClr val="lt1"/>
+          </a:fontRef>
+        </p:style>
+        <p:txBody>
+          <a:bodyPr rtlCol="0" anchor="ctr"/>
+          <a:lstStyle/>
+          <a:p>
+            <a:pPr algn="ctr"/>
+            <a:r>
+              <a:rPr lang="en-GB" sz="2800" b="1" dirty="0" smtClean="0"/>
+              <a:t>Stratum, resemblance, replacement, deltas</a:t>
+            </a:r>
+            <a:endParaRPr lang="en-GB" sz="2800" b="1" dirty="0"/>
+          </a:p>
+        </p:txBody>
+      </p:sp>
+      <p:sp>
+        <p:nvSpPr>
+          <p:cNvPr id="6" name="Rounded Rectangle 5"/>
+          <p:cNvSpPr/>
+          <p:nvPr/>
+        </p:nvSpPr>
+        <p:spPr>
+          <a:xfrm>
+            <a:off x="2214546" y="4143380"/>
+            <a:ext cx="4429156" cy="1214446"/>
+          </a:xfrm>
+          <a:prstGeom prst="roundRect">
+            <a:avLst/>
+          </a:prstGeom>
+          <a:gradFill>
+            <a:gsLst>
+              <a:gs pos="0">
+                <a:srgbClr val="D6B19C"/>
+              </a:gs>
+              <a:gs pos="30000">
+                <a:srgbClr val="D49E6C"/>
+              </a:gs>
+              <a:gs pos="70000">
+                <a:srgbClr val="A65528"/>
+              </a:gs>
+              <a:gs pos="100000">
+                <a:srgbClr val="663012"/>
+              </a:gs>
+            </a:gsLst>
+            <a:lin ang="5400000" scaled="0"/>
+          </a:gradFill>
+        </p:spPr>
+        <p:style>
+          <a:lnRef idx="2">
+            <a:schemeClr val="accent1">
+              <a:shade val="50000"/>
+            </a:schemeClr>
+          </a:lnRef>
+          <a:fillRef idx="1">
+            <a:schemeClr val="accent1"/>
+          </a:fillRef>
+          <a:effectRef idx="0">
+            <a:schemeClr val="accent1"/>
+          </a:effectRef>
+          <a:fontRef idx="minor">
+            <a:schemeClr val="lt1"/>
+          </a:fontRef>
+        </p:style>
+        <p:txBody>
+          <a:bodyPr rtlCol="0" anchor="ctr"/>
+          <a:lstStyle/>
+          <a:p>
+            <a:pPr algn="ctr"/>
+            <a:r>
+              <a:rPr lang="en-GB" sz="2800" b="1" dirty="0" smtClean="0"/>
+              <a:t>Components &amp; interfaces</a:t>
+            </a:r>
+            <a:endParaRPr lang="en-GB" sz="2800" b="1" dirty="0"/>
+          </a:p>
+        </p:txBody>
+      </p:sp>
+      <p:sp>
+        <p:nvSpPr>
+          <p:cNvPr id="7" name="Rounded Rectangle 6"/>
+          <p:cNvSpPr/>
+          <p:nvPr/>
+        </p:nvSpPr>
+        <p:spPr>
+          <a:xfrm>
+            <a:off x="2214546" y="2857496"/>
+            <a:ext cx="4429156" cy="1214446"/>
+          </a:xfrm>
+          <a:prstGeom prst="roundRect">
+            <a:avLst/>
+          </a:prstGeom>
+          <a:gradFill>
+            <a:gsLst>
+              <a:gs pos="0">
+                <a:srgbClr val="03D4A8"/>
+              </a:gs>
+              <a:gs pos="25000">
+                <a:srgbClr val="21D6E0"/>
+              </a:gs>
+              <a:gs pos="75000">
+                <a:srgbClr val="0087E6"/>
+              </a:gs>
+              <a:gs pos="100000">
+                <a:srgbClr val="005CBF"/>
+              </a:gs>
+            </a:gsLst>
+            <a:lin ang="5400000" scaled="0"/>
+          </a:gradFill>
+        </p:spPr>
+        <p:style>
+          <a:lnRef idx="2">
+            <a:schemeClr val="accent1">
+              <a:shade val="50000"/>
+            </a:schemeClr>
+          </a:lnRef>
+          <a:fillRef idx="1">
+            <a:schemeClr val="accent1"/>
+          </a:fillRef>
+          <a:effectRef idx="0">
+            <a:schemeClr val="accent1"/>
+          </a:effectRef>
+          <a:fontRef idx="minor">
+            <a:schemeClr val="lt1"/>
+          </a:fontRef>
+        </p:style>
+        <p:txBody>
+          <a:bodyPr rtlCol="0" anchor="ctr"/>
+          <a:lstStyle/>
+          <a:p>
+            <a:pPr algn="ctr"/>
+            <a:r>
+              <a:rPr lang="en-GB" sz="2800" b="1" dirty="0" smtClean="0"/>
               <a:t>Structural rules</a:t>
             </a:r>
-          </a:p>
-          <a:p>
-            <a:pPr>
-              <a:buNone/>
-            </a:pPr>
-            <a:endParaRPr lang="en-GB" dirty="0" smtClean="0"/>
+            <a:endParaRPr lang="en-GB" sz="2800" b="1" dirty="0"/>
           </a:p>
         </p:txBody>
       </p:sp>
@@ -5527,13 +6667,6 @@
   <p:clrMapOvr>
     <a:masterClrMapping/>
   </p:clrMapOvr>
-  <p:timing>
-    <p:tnLst>
-      <p:par>
-        <p:cTn id="1" dur="indefinite" restart="never" nodeType="tmRoot"/>
-      </p:par>
-    </p:tnLst>
-  </p:timing>
 </p:sld>
 </file>
 
@@ -5556,7 +6689,7 @@
       </p:grpSpPr>
       <p:sp>
         <p:nvSpPr>
-          <p:cNvPr id="4" name="Title 3"/>
+          <p:cNvPr id="2" name="Title 1"/>
           <p:cNvSpPr>
             <a:spLocks noGrp="1"/>
           </p:cNvSpPr>
@@ -5571,7 +6704,7 @@
           <a:p>
             <a:r>
               <a:rPr lang="en-GB" dirty="0" smtClean="0"/>
-              <a:t>Advanced Extensibility Features</a:t>
+              <a:t>Strata</a:t>
             </a:r>
             <a:endParaRPr lang="en-GB" dirty="0"/>
           </a:p>
@@ -5579,85 +6712,159 @@
       </p:sp>
       <p:sp>
         <p:nvSpPr>
-          <p:cNvPr id="5" name="Text Placeholder 4"/>
-          <p:cNvSpPr>
-            <a:spLocks noGrp="1"/>
-          </p:cNvSpPr>
-          <p:nvPr>
-            <p:ph type="body" idx="1"/>
-          </p:nvPr>
+          <p:cNvPr id="4" name="TextBox 3"/>
+          <p:cNvSpPr txBox="1"/>
+          <p:nvPr/>
         </p:nvSpPr>
         <p:spPr>
           <a:xfrm>
-            <a:off x="530352" y="3348048"/>
-            <a:ext cx="7772400" cy="2867034"/>
+            <a:off x="0" y="3749481"/>
+            <a:ext cx="6286512" cy="3108543"/>
           </a:xfrm>
+          <a:prstGeom prst="rect">
+            <a:avLst/>
+          </a:prstGeom>
+          <a:solidFill>
+            <a:schemeClr val="bg1"/>
+          </a:solidFill>
         </p:spPr>
         <p:txBody>
-          <a:bodyPr>
-            <a:normAutofit/>
+          <a:bodyPr wrap="square" rtlCol="0">
+            <a:spAutoFit/>
           </a:bodyPr>
           <a:lstStyle/>
           <a:p>
-            <a:pPr>
-              <a:buFont typeface="Arial" pitchFamily="34" charset="0"/>
-              <a:buChar char="•"/>
-            </a:pPr>
-            <a:r>
-              <a:rPr lang="en-GB" dirty="0" smtClean="0"/>
-              <a:t> Port type inference</a:t>
-            </a:r>
-          </a:p>
-          <a:p>
-            <a:pPr>
-              <a:buFont typeface="Arial" pitchFamily="34" charset="0"/>
-              <a:buChar char="•"/>
-            </a:pPr>
-            <a:r>
-              <a:rPr lang="en-GB" dirty="0" smtClean="0"/>
-              <a:t> </a:t>
-            </a:r>
-            <a:r>
-              <a:rPr lang="en-GB" dirty="0" err="1" smtClean="0"/>
-              <a:t>Hyperports</a:t>
-            </a:r>
-            <a:endParaRPr lang="en-GB" dirty="0" smtClean="0"/>
-          </a:p>
-          <a:p>
-            <a:pPr>
-              <a:buFont typeface="Arial" pitchFamily="34" charset="0"/>
-              <a:buChar char="•"/>
-            </a:pPr>
-            <a:r>
-              <a:rPr lang="en-GB" dirty="0" smtClean="0"/>
-              <a:t> Alphanumeric Indices</a:t>
-            </a:r>
-          </a:p>
-          <a:p>
-            <a:pPr>
-              <a:buFont typeface="Arial" pitchFamily="34" charset="0"/>
-              <a:buChar char="•"/>
-            </a:pPr>
-            <a:r>
-              <a:rPr lang="en-GB" dirty="0" smtClean="0"/>
-              <a:t> Factories</a:t>
-            </a:r>
-          </a:p>
-          <a:p>
-            <a:pPr>
-              <a:buFont typeface="Arial" pitchFamily="34" charset="0"/>
-              <a:buChar char="•"/>
-            </a:pPr>
-            <a:r>
-              <a:rPr lang="en-GB" dirty="0" smtClean="0"/>
-              <a:t> State Machines</a:t>
-            </a:r>
-          </a:p>
-          <a:p>
-            <a:endParaRPr lang="en-GB" dirty="0" smtClean="0"/>
-          </a:p>
-        </p:txBody>
-      </p:sp>
+            <a:r>
+              <a:rPr lang="en-GB" sz="2800" b="1" dirty="0" smtClean="0"/>
+              <a:t>sig Stratum</a:t>
+            </a:r>
+          </a:p>
+          <a:p>
+            <a:r>
+              <a:rPr lang="en-GB" sz="2800" dirty="0" smtClean="0"/>
+              <a:t>{</a:t>
+            </a:r>
+            <a:endParaRPr lang="en-GB" sz="2800" b="1" dirty="0" smtClean="0"/>
+          </a:p>
+          <a:p>
+            <a:r>
+              <a:rPr lang="en-GB" sz="2800" dirty="0" smtClean="0"/>
+              <a:t>	</a:t>
+            </a:r>
+            <a:r>
+              <a:rPr lang="en-GB" sz="2800" dirty="0" err="1" smtClean="0"/>
+              <a:t>dependsOn</a:t>
+            </a:r>
+            <a:r>
+              <a:rPr lang="en-GB" sz="2800" dirty="0" smtClean="0"/>
+              <a:t>: </a:t>
+            </a:r>
+            <a:r>
+              <a:rPr lang="en-GB" sz="2800" b="1" dirty="0" smtClean="0"/>
+              <a:t>set Stratum,</a:t>
+            </a:r>
+          </a:p>
+          <a:p>
+            <a:r>
+              <a:rPr lang="en-GB" sz="2800" dirty="0" smtClean="0"/>
+              <a:t>	</a:t>
+            </a:r>
+            <a:r>
+              <a:rPr lang="en-GB" sz="2800" dirty="0" err="1" smtClean="0"/>
+              <a:t>nestedStrata</a:t>
+            </a:r>
+            <a:r>
+              <a:rPr lang="en-GB" sz="2800" dirty="0" smtClean="0"/>
+              <a:t>: </a:t>
+            </a:r>
+            <a:r>
+              <a:rPr lang="en-GB" sz="2800" b="1" dirty="0" smtClean="0"/>
+              <a:t>set Stratum</a:t>
+            </a:r>
+            <a:r>
+              <a:rPr lang="en-GB" sz="2800" b="1" dirty="0" smtClean="0"/>
+              <a:t>,</a:t>
+            </a:r>
+          </a:p>
+          <a:p>
+            <a:r>
+              <a:rPr lang="en-GB" sz="2800" dirty="0" smtClean="0"/>
+              <a:t>	</a:t>
+            </a:r>
+            <a:r>
+              <a:rPr lang="en-GB" sz="2800" dirty="0" err="1" smtClean="0"/>
+              <a:t>exportsStrata</a:t>
+            </a:r>
+            <a:r>
+              <a:rPr lang="en-GB" sz="2800" dirty="0" smtClean="0"/>
+              <a:t>: </a:t>
+            </a:r>
+            <a:r>
+              <a:rPr lang="en-GB" sz="2800" b="1" dirty="0" smtClean="0"/>
+              <a:t>set Stratum,</a:t>
+            </a:r>
+          </a:p>
+          <a:p>
+            <a:r>
+              <a:rPr lang="en-GB" sz="2800" dirty="0" smtClean="0"/>
+              <a:t>	</a:t>
+            </a:r>
+            <a:r>
+              <a:rPr lang="en-GB" sz="2800" dirty="0" err="1" smtClean="0"/>
+              <a:t>ownedElements</a:t>
+            </a:r>
+            <a:r>
+              <a:rPr lang="en-GB" sz="2800" dirty="0" smtClean="0"/>
+              <a:t>: </a:t>
+            </a:r>
+            <a:r>
+              <a:rPr lang="en-GB" sz="2800" b="1" dirty="0" smtClean="0"/>
+              <a:t>set Element,</a:t>
+            </a:r>
+          </a:p>
+          <a:p>
+            <a:r>
+              <a:rPr lang="en-GB" sz="2800" b="1" dirty="0" smtClean="0"/>
+              <a:t>	</a:t>
+            </a:r>
+            <a:r>
+              <a:rPr lang="en-GB" sz="2800" b="1" dirty="0" smtClean="0"/>
+              <a:t>...</a:t>
+            </a:r>
+            <a:endParaRPr lang="en-GB" sz="2800" dirty="0"/>
+          </a:p>
+        </p:txBody>
+      </p:sp>
+      <p:pic>
+        <p:nvPicPr>
+          <p:cNvPr id="6" name="Picture 5"/>
+          <p:cNvPicPr/>
+          <p:nvPr/>
+        </p:nvPicPr>
+        <p:blipFill>
+          <a:blip r:embed="rId3" cstate="print"/>
+          <a:srcRect/>
+          <a:stretch>
+            <a:fillRect/>
+          </a:stretch>
+        </p:blipFill>
+        <p:spPr bwMode="auto">
+          <a:xfrm>
+            <a:off x="4357718" y="4073"/>
+            <a:ext cx="4786314" cy="4210745"/>
+          </a:xfrm>
+          <a:prstGeom prst="rect">
+            <a:avLst/>
+          </a:prstGeom>
+          <a:noFill/>
+          <a:ln w="9525">
+            <a:noFill/>
+            <a:miter lim="800000"/>
+            <a:headEnd/>
+            <a:tailEnd/>
+          </a:ln>
+        </p:spPr>
+      </p:pic>
     </p:spTree>
   </p:cSld>
   <p:clrMapOvr>
@@ -5685,7 +6892,125 @@
       </p:grpSpPr>
       <p:sp>
         <p:nvSpPr>
-          <p:cNvPr id="4" name="Title 3"/>
+          <p:cNvPr id="4" name="TextBox 3"/>
+          <p:cNvSpPr txBox="1"/>
+          <p:nvPr/>
+        </p:nvSpPr>
+        <p:spPr>
+          <a:xfrm>
+            <a:off x="0" y="4395811"/>
+            <a:ext cx="6429388" cy="2462213"/>
+          </a:xfrm>
+          <a:prstGeom prst="rect">
+            <a:avLst/>
+          </a:prstGeom>
+          <a:solidFill>
+            <a:schemeClr val="bg1"/>
+          </a:solidFill>
+        </p:spPr>
+        <p:txBody>
+          <a:bodyPr wrap="square" rtlCol="0">
+            <a:spAutoFit/>
+          </a:bodyPr>
+          <a:lstStyle/>
+          <a:p>
+            <a:r>
+              <a:rPr lang="en-GB" sz="2200" b="1" dirty="0" smtClean="0"/>
+              <a:t>abstract sig Element</a:t>
+            </a:r>
+          </a:p>
+          <a:p>
+            <a:r>
+              <a:rPr lang="en-GB" sz="2200" dirty="0" smtClean="0"/>
+              <a:t>{</a:t>
+            </a:r>
+          </a:p>
+          <a:p>
+            <a:r>
+              <a:rPr lang="en-GB" sz="2200" dirty="0" smtClean="0"/>
+              <a:t>	</a:t>
+            </a:r>
+            <a:r>
+              <a:rPr lang="en-GB" sz="2200" dirty="0" smtClean="0"/>
+              <a:t>home: </a:t>
+            </a:r>
+            <a:r>
+              <a:rPr lang="en-GB" sz="2200" b="1" dirty="0" smtClean="0"/>
+              <a:t>Stratum,</a:t>
+            </a:r>
+            <a:endParaRPr lang="en-GB" sz="2200" b="1" dirty="0" smtClean="0"/>
+          </a:p>
+          <a:p>
+            <a:r>
+              <a:rPr lang="en-GB" sz="2200" dirty="0" smtClean="0"/>
+              <a:t>	replaces</a:t>
+            </a:r>
+            <a:r>
+              <a:rPr lang="en-GB" sz="2200" dirty="0" smtClean="0"/>
+              <a:t>: </a:t>
+            </a:r>
+            <a:r>
+              <a:rPr lang="en-GB" sz="2200" b="1" dirty="0" smtClean="0"/>
+              <a:t>lone Element,</a:t>
+            </a:r>
+          </a:p>
+          <a:p>
+            <a:r>
+              <a:rPr lang="en-GB" sz="2200" dirty="0" smtClean="0"/>
+              <a:t>	resembles</a:t>
+            </a:r>
+            <a:r>
+              <a:rPr lang="en-GB" sz="2200" dirty="0" smtClean="0"/>
+              <a:t>: </a:t>
+            </a:r>
+            <a:r>
+              <a:rPr lang="en-GB" sz="2200" b="1" dirty="0" smtClean="0"/>
+              <a:t>set Element</a:t>
+            </a:r>
+            <a:r>
+              <a:rPr lang="en-GB" sz="2200" b="1" dirty="0" smtClean="0"/>
+              <a:t>,</a:t>
+            </a:r>
+            <a:endParaRPr lang="en-GB" sz="2200" dirty="0" smtClean="0"/>
+          </a:p>
+          <a:p>
+            <a:r>
+              <a:rPr lang="en-GB" sz="2200" dirty="0" smtClean="0"/>
+              <a:t>	</a:t>
+            </a:r>
+            <a:r>
+              <a:rPr lang="en-GB" sz="2200" dirty="0" err="1" smtClean="0"/>
+              <a:t>resembles_e</a:t>
+            </a:r>
+            <a:r>
+              <a:rPr lang="en-GB" sz="2200" dirty="0" smtClean="0"/>
+              <a:t>: Element -&gt; Stratum</a:t>
+            </a:r>
+            <a:r>
+              <a:rPr lang="en-GB" sz="2200" dirty="0" smtClean="0"/>
+              <a:t>,</a:t>
+            </a:r>
+          </a:p>
+          <a:p>
+            <a:r>
+              <a:rPr lang="en-GB" sz="2200" dirty="0" smtClean="0"/>
+              <a:t> </a:t>
+            </a:r>
+            <a:r>
+              <a:rPr lang="en-GB" sz="2200" b="1" dirty="0" smtClean="0"/>
+              <a:t>	</a:t>
+            </a:r>
+            <a:r>
+              <a:rPr lang="en-GB" sz="2200" b="1" dirty="0" smtClean="0"/>
+              <a:t>...</a:t>
+            </a:r>
+            <a:endParaRPr lang="en-GB" sz="2200" dirty="0"/>
+          </a:p>
+        </p:txBody>
+      </p:sp>
+      <p:sp>
+        <p:nvSpPr>
+          <p:cNvPr id="2" name="Title 1"/>
           <p:cNvSpPr>
             <a:spLocks noGrp="1"/>
           </p:cNvSpPr>
@@ -5700,61 +7025,160 @@
           <a:p>
             <a:r>
               <a:rPr lang="en-GB" dirty="0" smtClean="0"/>
-              <a:t>Inferring port types</a:t>
+              <a:t>Elements and Resemblance</a:t>
             </a:r>
             <a:endParaRPr lang="en-GB" dirty="0"/>
           </a:p>
         </p:txBody>
       </p:sp>
-      <p:sp>
-        <p:nvSpPr>
-          <p:cNvPr id="5" name="Content Placeholder 4"/>
-          <p:cNvSpPr>
-            <a:spLocks noGrp="1"/>
-          </p:cNvSpPr>
-          <p:nvPr>
-            <p:ph idx="1"/>
-          </p:nvPr>
-        </p:nvSpPr>
-        <p:spPr/>
-        <p:txBody>
-          <a:bodyPr/>
-          <a:lstStyle/>
-          <a:p>
-            <a:r>
-              <a:rPr lang="en-GB" dirty="0" smtClean="0"/>
-              <a:t>Why do it?</a:t>
-            </a:r>
-          </a:p>
-          <a:p>
-            <a:pPr lvl="1"/>
-            <a:r>
-              <a:rPr lang="en-GB" dirty="0" smtClean="0"/>
-              <a:t>Propagates local changes globally without further deltas</a:t>
-            </a:r>
-          </a:p>
-          <a:p>
-            <a:pPr lvl="1"/>
-            <a:r>
-              <a:rPr lang="en-GB" dirty="0" smtClean="0"/>
-              <a:t>Exposes interfaces on surface back to surface</a:t>
-            </a:r>
-          </a:p>
-          <a:p>
-            <a:pPr lvl="1"/>
-            <a:r>
-              <a:rPr lang="en-GB" dirty="0" smtClean="0"/>
-              <a:t>Intuitive</a:t>
-            </a:r>
-            <a:endParaRPr lang="en-GB" dirty="0"/>
-          </a:p>
-        </p:txBody>
-      </p:sp>
+      <p:pic>
+        <p:nvPicPr>
+          <p:cNvPr id="6" name="Picture 5"/>
+          <p:cNvPicPr/>
+          <p:nvPr/>
+        </p:nvPicPr>
+        <p:blipFill>
+          <a:blip r:embed="rId3" cstate="print"/>
+          <a:srcRect/>
+          <a:stretch>
+            <a:fillRect/>
+          </a:stretch>
+        </p:blipFill>
+        <p:spPr bwMode="auto">
+          <a:xfrm>
+            <a:off x="3643305" y="1571612"/>
+            <a:ext cx="5347279" cy="3714776"/>
+          </a:xfrm>
+          <a:prstGeom prst="rect">
+            <a:avLst/>
+          </a:prstGeom>
+          <a:noFill/>
+          <a:ln w="9525">
+            <a:noFill/>
+            <a:miter lim="800000"/>
+            <a:headEnd/>
+            <a:tailEnd/>
+          </a:ln>
+        </p:spPr>
+      </p:pic>
+      <p:pic>
+        <p:nvPicPr>
+          <p:cNvPr id="7" name="Picture 6"/>
+          <p:cNvPicPr/>
+          <p:nvPr/>
+        </p:nvPicPr>
+        <p:blipFill>
+          <a:blip r:embed="rId4" cstate="print"/>
+          <a:srcRect/>
+          <a:stretch>
+            <a:fillRect/>
+          </a:stretch>
+        </p:blipFill>
+        <p:spPr bwMode="auto">
+          <a:xfrm>
+            <a:off x="3214678" y="1571612"/>
+            <a:ext cx="5929322" cy="3738686"/>
+          </a:xfrm>
+          <a:prstGeom prst="rect">
+            <a:avLst/>
+          </a:prstGeom>
+          <a:noFill/>
+          <a:ln w="9525">
+            <a:noFill/>
+            <a:miter lim="800000"/>
+            <a:headEnd/>
+            <a:tailEnd/>
+          </a:ln>
+        </p:spPr>
+      </p:pic>
     </p:spTree>
   </p:cSld>
   <p:clrMapOvr>
     <a:masterClrMapping/>
   </p:clrMapOvr>
+  <p:timing>
+    <p:tnLst>
+      <p:par>
+        <p:cTn id="1" dur="indefinite" restart="never" nodeType="tmRoot">
+          <p:childTnLst>
+            <p:seq concurrent="1" nextAc="seek">
+              <p:cTn id="2" dur="indefinite" nodeType="mainSeq">
+                <p:childTnLst>
+                  <p:par>
+                    <p:cTn id="3" fill="hold">
+                      <p:stCondLst>
+                        <p:cond delay="indefinite"/>
+                      </p:stCondLst>
+                      <p:childTnLst>
+                        <p:par>
+                          <p:cTn id="4" fill="hold">
+                            <p:stCondLst>
+                              <p:cond delay="0"/>
+                            </p:stCondLst>
+                            <p:childTnLst>
+                              <p:par>
+                                <p:cTn id="5" presetID="10" presetClass="entr" presetSubtype="0" fill="hold" nodeType="clickEffect">
+                                  <p:stCondLst>
+                                    <p:cond delay="0"/>
+                                  </p:stCondLst>
+                                  <p:childTnLst>
+                                    <p:set>
+                                      <p:cBhvr>
+                                        <p:cTn id="6" dur="1" fill="hold">
+                                          <p:stCondLst>
+                                            <p:cond delay="0"/>
+                                          </p:stCondLst>
+                                        </p:cTn>
+                                        <p:tgtEl>
+                                          <p:spTgt spid="7"/>
+                                        </p:tgtEl>
+                                        <p:attrNameLst>
+                                          <p:attrName>style.visibility</p:attrName>
+                                        </p:attrNameLst>
+                                      </p:cBhvr>
+                                      <p:to>
+                                        <p:strVal val="visible"/>
+                                      </p:to>
+                                    </p:set>
+                                    <p:animEffect transition="in" filter="fade">
+                                      <p:cBhvr>
+                                        <p:cTn id="7" dur="2000"/>
+                                        <p:tgtEl>
+                                          <p:spTgt spid="7"/>
+                                        </p:tgtEl>
+                                      </p:cBhvr>
+                                    </p:animEffect>
+                                  </p:childTnLst>
+                                </p:cTn>
+                              </p:par>
+                            </p:childTnLst>
+                          </p:cTn>
+                        </p:par>
+                      </p:childTnLst>
+                    </p:cTn>
+                  </p:par>
+                </p:childTnLst>
+              </p:cTn>
+              <p:prevCondLst>
+                <p:cond evt="onPrev" delay="0">
+                  <p:tgtEl>
+                    <p:sldTgt/>
+                  </p:tgtEl>
+                </p:cond>
+              </p:prevCondLst>
+              <p:nextCondLst>
+                <p:cond evt="onNext" delay="0">
+                  <p:tgtEl>
+                    <p:sldTgt/>
+                  </p:tgtEl>
+                </p:cond>
+              </p:nextCondLst>
+            </p:seq>
+          </p:childTnLst>
+        </p:cTn>
+      </p:par>
+    </p:tnLst>
+  </p:timing>
 </p:sld>
 </file>
 
@@ -5777,7 +7201,7 @@
       </p:grpSpPr>
       <p:sp>
         <p:nvSpPr>
-          <p:cNvPr id="4" name="Title 3"/>
+          <p:cNvPr id="2" name="Title 1"/>
           <p:cNvSpPr>
             <a:spLocks noGrp="1"/>
           </p:cNvSpPr>
@@ -5787,50 +7211,208 @@
         </p:nvSpPr>
         <p:spPr/>
         <p:txBody>
-          <a:bodyPr>
-            <a:normAutofit fontScale="90000"/>
+          <a:bodyPr/>
+          <a:lstStyle/>
+          <a:p>
+            <a:r>
+              <a:rPr lang="en-GB" dirty="0" smtClean="0"/>
+              <a:t>Components &amp; Interfaces</a:t>
+            </a:r>
+            <a:endParaRPr lang="en-GB" dirty="0"/>
+          </a:p>
+        </p:txBody>
+      </p:sp>
+      <p:sp>
+        <p:nvSpPr>
+          <p:cNvPr id="5" name="Rectangle 4"/>
+          <p:cNvSpPr/>
+          <p:nvPr/>
+        </p:nvSpPr>
+        <p:spPr>
+          <a:xfrm>
+            <a:off x="500034" y="1714488"/>
+            <a:ext cx="7500990" cy="2462213"/>
+          </a:xfrm>
+          <a:prstGeom prst="rect">
+            <a:avLst/>
+          </a:prstGeom>
+        </p:spPr>
+        <p:txBody>
+          <a:bodyPr wrap="square">
+            <a:spAutoFit/>
           </a:bodyPr>
           <a:lstStyle/>
           <a:p>
             <a:r>
-              <a:rPr lang="en-GB" dirty="0" err="1" smtClean="0"/>
-              <a:t>Hyperports</a:t>
-            </a:r>
-            <a:r>
-              <a:rPr lang="en-GB" dirty="0" smtClean="0"/>
-              <a:t>: Cutting through the hierarchy</a:t>
-            </a:r>
-            <a:endParaRPr lang="en-GB" dirty="0"/>
-          </a:p>
-        </p:txBody>
-      </p:sp>
-      <p:sp>
-        <p:nvSpPr>
-          <p:cNvPr id="5" name="Content Placeholder 4"/>
-          <p:cNvSpPr>
-            <a:spLocks noGrp="1"/>
-          </p:cNvSpPr>
-          <p:nvPr>
-            <p:ph idx="1"/>
-          </p:nvPr>
-        </p:nvSpPr>
-        <p:spPr/>
-        <p:txBody>
-          <a:bodyPr/>
-          <a:lstStyle/>
-          <a:p>
-            <a:r>
-              <a:rPr lang="en-GB" dirty="0" smtClean="0"/>
-              <a:t>Singleton can use this</a:t>
-            </a:r>
-          </a:p>
-          <a:p>
-            <a:pPr lvl="1"/>
-            <a:r>
-              <a:rPr lang="en-GB" dirty="0" smtClean="0"/>
-              <a:t>Much more general</a:t>
-            </a:r>
-            <a:endParaRPr lang="en-GB" dirty="0"/>
+              <a:rPr lang="en-GB" sz="2200" b="1" dirty="0" smtClean="0"/>
+              <a:t>sig Component extends </a:t>
+            </a:r>
+            <a:r>
+              <a:rPr lang="en-GB" sz="2200" b="1" dirty="0" smtClean="0"/>
+              <a:t>Element </a:t>
+            </a:r>
+            <a:r>
+              <a:rPr lang="en-GB" sz="2200" dirty="0" smtClean="0"/>
+              <a:t>{</a:t>
+            </a:r>
+            <a:endParaRPr lang="en-GB" sz="2200" dirty="0" smtClean="0"/>
+          </a:p>
+          <a:p>
+            <a:r>
+              <a:rPr lang="en-GB" sz="2200" dirty="0" smtClean="0"/>
+              <a:t>	parts</a:t>
+            </a:r>
+            <a:r>
+              <a:rPr lang="en-GB" sz="2200" dirty="0" smtClean="0"/>
+              <a:t>: </a:t>
+            </a:r>
+            <a:r>
+              <a:rPr lang="en-GB" sz="2200" b="1" dirty="0" smtClean="0"/>
+              <a:t>lone Parts/Deltas,</a:t>
+            </a:r>
+          </a:p>
+          <a:p>
+            <a:r>
+              <a:rPr lang="en-GB" sz="2200" dirty="0" smtClean="0"/>
+              <a:t>	ports</a:t>
+            </a:r>
+            <a:r>
+              <a:rPr lang="en-GB" sz="2200" dirty="0" smtClean="0"/>
+              <a:t>: </a:t>
+            </a:r>
+            <a:r>
+              <a:rPr lang="en-GB" sz="2200" b="1" dirty="0" smtClean="0"/>
+              <a:t>lone Ports/Deltas,</a:t>
+            </a:r>
+          </a:p>
+          <a:p>
+            <a:r>
+              <a:rPr lang="en-GB" sz="2200" dirty="0" smtClean="0"/>
+              <a:t>	connectors</a:t>
+            </a:r>
+            <a:r>
+              <a:rPr lang="en-GB" sz="2200" dirty="0" smtClean="0"/>
+              <a:t>: </a:t>
+            </a:r>
+            <a:r>
+              <a:rPr lang="en-GB" sz="2200" b="1" dirty="0" smtClean="0"/>
+              <a:t>lone Connectors/Deltas,</a:t>
+            </a:r>
+          </a:p>
+          <a:p>
+            <a:r>
+              <a:rPr lang="en-GB" sz="2200" dirty="0" smtClean="0"/>
+              <a:t>	attributes</a:t>
+            </a:r>
+            <a:r>
+              <a:rPr lang="en-GB" sz="2200" dirty="0" smtClean="0"/>
+              <a:t>: </a:t>
+            </a:r>
+            <a:r>
+              <a:rPr lang="en-GB" sz="2200" b="1" dirty="0" smtClean="0"/>
+              <a:t>lone Attributes/Deltas,</a:t>
+            </a:r>
+          </a:p>
+          <a:p>
+            <a:r>
+              <a:rPr lang="en-GB" sz="2200" dirty="0" smtClean="0"/>
+              <a:t>	implementation</a:t>
+            </a:r>
+            <a:r>
+              <a:rPr lang="en-GB" sz="2200" dirty="0" smtClean="0"/>
+              <a:t>: </a:t>
+            </a:r>
+            <a:r>
+              <a:rPr lang="en-GB" sz="2200" b="1" dirty="0" smtClean="0"/>
+              <a:t>lone </a:t>
+            </a:r>
+            <a:r>
+              <a:rPr lang="en-GB" sz="2200" b="1" dirty="0" smtClean="0"/>
+              <a:t>Implementation/Deltas</a:t>
+            </a:r>
+            <a:r>
+              <a:rPr lang="en-GB" sz="2200" b="1" dirty="0" smtClean="0"/>
+              <a:t>,</a:t>
+            </a:r>
+          </a:p>
+          <a:p>
+            <a:r>
+              <a:rPr lang="en-GB" sz="2200" b="1" dirty="0" smtClean="0"/>
+              <a:t>...</a:t>
+            </a:r>
+            <a:endParaRPr lang="en-GB" sz="2200" dirty="0"/>
+          </a:p>
+        </p:txBody>
+      </p:sp>
+      <p:sp>
+        <p:nvSpPr>
+          <p:cNvPr id="6" name="Rectangle 5"/>
+          <p:cNvSpPr/>
+          <p:nvPr/>
+        </p:nvSpPr>
+        <p:spPr>
+          <a:xfrm>
+            <a:off x="428596" y="4549676"/>
+            <a:ext cx="8715404" cy="1446550"/>
+          </a:xfrm>
+          <a:prstGeom prst="rect">
+            <a:avLst/>
+          </a:prstGeom>
+        </p:spPr>
+        <p:txBody>
+          <a:bodyPr wrap="square">
+            <a:spAutoFit/>
+          </a:bodyPr>
+          <a:lstStyle/>
+          <a:p>
+            <a:r>
+              <a:rPr lang="en-GB" sz="2200" b="1" dirty="0" smtClean="0"/>
+              <a:t>sig Interface extends </a:t>
+            </a:r>
+            <a:r>
+              <a:rPr lang="en-GB" sz="2200" b="1" dirty="0" smtClean="0"/>
+              <a:t>Element </a:t>
+            </a:r>
+            <a:r>
+              <a:rPr lang="en-GB" sz="2200" dirty="0" smtClean="0"/>
+              <a:t>{</a:t>
+            </a:r>
+            <a:endParaRPr lang="en-GB" sz="2200" dirty="0" smtClean="0"/>
+          </a:p>
+          <a:p>
+            <a:r>
+              <a:rPr lang="en-GB" sz="2200" dirty="0" smtClean="0"/>
+              <a:t>	operations</a:t>
+            </a:r>
+            <a:r>
+              <a:rPr lang="en-GB" sz="2200" dirty="0" smtClean="0"/>
+              <a:t>: </a:t>
+            </a:r>
+            <a:r>
+              <a:rPr lang="en-GB" sz="2200" b="1" dirty="0" smtClean="0"/>
+              <a:t>lone Operations/Deltas,</a:t>
+            </a:r>
+          </a:p>
+          <a:p>
+            <a:r>
+              <a:rPr lang="en-GB" sz="2200" dirty="0" smtClean="0"/>
+              <a:t>	implementation</a:t>
+            </a:r>
+            <a:r>
+              <a:rPr lang="en-GB" sz="2200" dirty="0" smtClean="0"/>
+              <a:t>: </a:t>
+            </a:r>
+            <a:r>
+              <a:rPr lang="en-GB" sz="2200" b="1" dirty="0" smtClean="0"/>
+              <a:t>lone Implementation/Deltas,</a:t>
+            </a:r>
+          </a:p>
+          <a:p>
+            <a:r>
+              <a:rPr lang="en-GB" sz="2200" b="1" dirty="0" smtClean="0"/>
+              <a:t>...</a:t>
+            </a:r>
+            <a:endParaRPr lang="en-GB" sz="2200" dirty="0"/>
           </a:p>
         </p:txBody>
       </p:sp>
@@ -5839,6 +7421,13 @@
   <p:clrMapOvr>
     <a:masterClrMapping/>
   </p:clrMapOvr>
+  <p:timing>
+    <p:tnLst>
+      <p:par>
+        <p:cTn id="1" dur="indefinite" restart="never" nodeType="tmRoot"/>
+      </p:par>
+    </p:tnLst>
+  </p:timing>
 </p:sld>
 </file>
 
@@ -5876,7 +7465,7 @@
           <a:p>
             <a:r>
               <a:rPr lang="en-GB" dirty="0" smtClean="0"/>
-              <a:t>Alphanumeric indices</a:t>
+              <a:t>Advanced Extensibility Features</a:t>
             </a:r>
             <a:endParaRPr lang="en-GB" dirty="0"/>
           </a:p>
@@ -5884,45 +7473,72 @@
       </p:sp>
       <p:sp>
         <p:nvSpPr>
-          <p:cNvPr id="5" name="Content Placeholder 4"/>
-          <p:cNvSpPr>
-            <a:spLocks noGrp="1"/>
-          </p:cNvSpPr>
-          <p:nvPr>
-            <p:ph idx="1"/>
-          </p:nvPr>
-        </p:nvSpPr>
-        <p:spPr/>
-        <p:txBody>
-          <a:bodyPr/>
-          <a:lstStyle/>
-          <a:p>
-            <a:r>
-              <a:rPr lang="en-GB" dirty="0" smtClean="0"/>
-              <a:t>Allows an extension to always insert between existing</a:t>
-            </a:r>
-          </a:p>
-          <a:p>
-            <a:pPr lvl="1"/>
-            <a:r>
-              <a:rPr lang="en-GB" dirty="0" smtClean="0"/>
-              <a:t>Lexical ordering</a:t>
-            </a:r>
-          </a:p>
-          <a:p>
-            <a:pPr lvl="1"/>
-            <a:r>
-              <a:rPr lang="en-GB" dirty="0" smtClean="0"/>
-              <a:t>Like line numbers in BASIC ;-)</a:t>
-            </a:r>
-          </a:p>
-          <a:p>
-            <a:pPr lvl="1"/>
+          <p:cNvPr id="5" name="Text Placeholder 4"/>
+          <p:cNvSpPr>
+            <a:spLocks noGrp="1"/>
+          </p:cNvSpPr>
+          <p:nvPr>
+            <p:ph type="body" idx="1"/>
+          </p:nvPr>
+        </p:nvSpPr>
+        <p:spPr>
+          <a:xfrm>
+            <a:off x="530352" y="3348048"/>
+            <a:ext cx="7772400" cy="2867034"/>
+          </a:xfrm>
+        </p:spPr>
+        <p:txBody>
+          <a:bodyPr>
+            <a:normAutofit/>
+          </a:bodyPr>
+          <a:lstStyle/>
+          <a:p>
+            <a:pPr>
+              <a:buFont typeface="Arial" pitchFamily="34" charset="0"/>
+              <a:buChar char="•"/>
+            </a:pPr>
+            <a:r>
+              <a:rPr lang="en-GB" dirty="0" smtClean="0"/>
+              <a:t> Port type inference</a:t>
+            </a:r>
+          </a:p>
+          <a:p>
+            <a:pPr>
+              <a:buFont typeface="Arial" pitchFamily="34" charset="0"/>
+              <a:buChar char="•"/>
+            </a:pPr>
+            <a:r>
+              <a:rPr lang="en-GB" dirty="0" smtClean="0"/>
+              <a:t> </a:t>
+            </a:r>
+            <a:r>
+              <a:rPr lang="en-GB" dirty="0" err="1" smtClean="0"/>
+              <a:t>Hyperports</a:t>
+            </a:r>
             <a:endParaRPr lang="en-GB" dirty="0" smtClean="0"/>
           </a:p>
           <a:p>
-            <a:pPr lvl="1"/>
-            <a:endParaRPr lang="en-GB" dirty="0"/>
+            <a:pPr>
+              <a:buFont typeface="Arial" pitchFamily="34" charset="0"/>
+              <a:buChar char="•"/>
+            </a:pPr>
+            <a:r>
+              <a:rPr lang="en-GB" dirty="0" smtClean="0"/>
+              <a:t> Factories</a:t>
+            </a:r>
+          </a:p>
+          <a:p>
+            <a:pPr>
+              <a:buFont typeface="Arial" pitchFamily="34" charset="0"/>
+              <a:buChar char="•"/>
+            </a:pPr>
+            <a:r>
+              <a:rPr lang="en-GB" dirty="0" smtClean="0"/>
+              <a:t> State Machines</a:t>
+            </a:r>
+          </a:p>
+          <a:p>
+            <a:endParaRPr lang="en-GB" dirty="0" smtClean="0"/>
           </a:p>
         </p:txBody>
       </p:sp>
@@ -5968,7 +7584,7 @@
           <a:p>
             <a:r>
               <a:rPr lang="en-GB" dirty="0" smtClean="0"/>
-              <a:t>Factories</a:t>
+              <a:t>Inferring port types</a:t>
             </a:r>
             <a:endParaRPr lang="en-GB" dirty="0"/>
           </a:p>
@@ -5991,30 +7607,50 @@
           <a:p>
             <a:r>
               <a:rPr lang="en-GB" dirty="0" smtClean="0"/>
-              <a:t>Components with lazily instantiated insides [DARWIN]</a:t>
+              <a:t>Ports of all composites have their interfaces inferred</a:t>
             </a:r>
           </a:p>
           <a:p>
             <a:pPr lvl="1"/>
             <a:r>
               <a:rPr lang="en-GB" dirty="0" smtClean="0"/>
-              <a:t>Use with resemblance and evolution</a:t>
+              <a:t>Propagates local changes globally without further deltas</a:t>
             </a:r>
           </a:p>
           <a:p>
             <a:pPr lvl="1"/>
             <a:r>
               <a:rPr lang="en-GB" dirty="0" smtClean="0"/>
-              <a:t>Can be nested arbitrarily</a:t>
-            </a:r>
-          </a:p>
-          <a:p>
-            <a:pPr lvl="1"/>
-            <a:r>
-              <a:rPr lang="en-GB" dirty="0" smtClean="0"/>
-              <a:t>Dynamic architecture in static description</a:t>
-            </a:r>
-            <a:endParaRPr lang="en-GB" dirty="0"/>
+              <a:t>Exposes interfaces on </a:t>
+            </a:r>
+            <a:r>
+              <a:rPr lang="en-GB" dirty="0" smtClean="0"/>
+              <a:t>one port </a:t>
+            </a:r>
+            <a:r>
+              <a:rPr lang="en-GB" dirty="0" smtClean="0"/>
+              <a:t>back to </a:t>
+            </a:r>
+            <a:r>
+              <a:rPr lang="en-GB" dirty="0" smtClean="0"/>
+              <a:t>surface</a:t>
+            </a:r>
+            <a:endParaRPr lang="en-GB" dirty="0" smtClean="0"/>
+          </a:p>
+          <a:p>
+            <a:r>
+              <a:rPr lang="en-GB" dirty="0" smtClean="0"/>
+              <a:t>Why </a:t>
+            </a:r>
+            <a:r>
+              <a:rPr lang="en-GB" dirty="0" smtClean="0"/>
+              <a:t>do it</a:t>
+            </a:r>
+            <a:r>
+              <a:rPr lang="en-GB" dirty="0" smtClean="0"/>
+              <a:t>?</a:t>
+            </a:r>
+            <a:endParaRPr lang="en-GB" dirty="0" smtClean="0"/>
           </a:p>
         </p:txBody>
       </p:sp>

--- a/Academic Work/presentations/prague/Evolve - Advanced.pptx
+++ b/Academic Work/presentations/prague/Evolve - Advanced.pptx
@@ -5,7 +5,7 @@
     <p:sldMasterId id="2147484032" r:id="rId1"/>
   </p:sldMasterIdLst>
   <p:notesMasterIdLst>
-    <p:notesMasterId r:id="rId23"/>
+    <p:notesMasterId r:id="rId30"/>
   </p:notesMasterIdLst>
   <p:sldIdLst>
     <p:sldId id="256" r:id="rId2"/>
@@ -22,13 +22,20 @@
     <p:sldId id="293" r:id="rId13"/>
     <p:sldId id="294" r:id="rId14"/>
     <p:sldId id="287" r:id="rId15"/>
-    <p:sldId id="288" r:id="rId16"/>
-    <p:sldId id="297" r:id="rId17"/>
-    <p:sldId id="296" r:id="rId18"/>
-    <p:sldId id="301" r:id="rId19"/>
-    <p:sldId id="298" r:id="rId20"/>
-    <p:sldId id="299" r:id="rId21"/>
-    <p:sldId id="300" r:id="rId22"/>
+    <p:sldId id="306" r:id="rId16"/>
+    <p:sldId id="308" r:id="rId17"/>
+    <p:sldId id="309" r:id="rId18"/>
+    <p:sldId id="312" r:id="rId19"/>
+    <p:sldId id="310" r:id="rId20"/>
+    <p:sldId id="311" r:id="rId21"/>
+    <p:sldId id="297" r:id="rId22"/>
+    <p:sldId id="313" r:id="rId23"/>
+    <p:sldId id="296" r:id="rId24"/>
+    <p:sldId id="301" r:id="rId25"/>
+    <p:sldId id="298" r:id="rId26"/>
+    <p:sldId id="299" r:id="rId27"/>
+    <p:sldId id="300" r:id="rId28"/>
+    <p:sldId id="314" r:id="rId29"/>
   </p:sldIdLst>
   <p:sldSz cx="9144000" cy="6858000" type="screen4x3"/>
   <p:notesSz cx="9144000" cy="6858000"/>
@@ -130,6 +137,4103 @@
 </p:presentation>
 </file>
 
+<file path=ppt/diagrams/colors1.xml><?xml version="1.0" encoding="utf-8"?>
+<dgm:colorsDef xmlns:dgm="http://schemas.openxmlformats.org/drawingml/2006/diagram" xmlns:a="http://schemas.openxmlformats.org/drawingml/2006/main" uniqueId="urn:microsoft.com/office/officeart/2005/8/colors/accent0_3">
+  <dgm:title val=""/>
+  <dgm:desc val=""/>
+  <dgm:catLst>
+    <dgm:cat type="mainScheme" pri="10300"/>
+  </dgm:catLst>
+  <dgm:styleLbl name="node0">
+    <dgm:fillClrLst meth="repeat">
+      <a:schemeClr val="dk2"/>
+    </dgm:fillClrLst>
+    <dgm:linClrLst meth="repeat">
+      <a:schemeClr val="lt2"/>
+    </dgm:linClrLst>
+    <dgm:effectClrLst/>
+    <dgm:txLinClrLst/>
+    <dgm:txFillClrLst/>
+    <dgm:txEffectClrLst/>
+  </dgm:styleLbl>
+  <dgm:styleLbl name="alignNode1">
+    <dgm:fillClrLst meth="repeat">
+      <a:schemeClr val="dk2"/>
+    </dgm:fillClrLst>
+    <dgm:linClrLst meth="repeat">
+      <a:schemeClr val="dk2"/>
+    </dgm:linClrLst>
+    <dgm:effectClrLst/>
+    <dgm:txLinClrLst/>
+    <dgm:txFillClrLst/>
+    <dgm:txEffectClrLst/>
+  </dgm:styleLbl>
+  <dgm:styleLbl name="node1">
+    <dgm:fillClrLst meth="repeat">
+      <a:schemeClr val="dk2"/>
+    </dgm:fillClrLst>
+    <dgm:linClrLst meth="repeat">
+      <a:schemeClr val="lt2"/>
+    </dgm:linClrLst>
+    <dgm:effectClrLst/>
+    <dgm:txLinClrLst/>
+    <dgm:txFillClrLst/>
+    <dgm:txEffectClrLst/>
+  </dgm:styleLbl>
+  <dgm:styleLbl name="lnNode1">
+    <dgm:fillClrLst meth="repeat">
+      <a:schemeClr val="dk2"/>
+    </dgm:fillClrLst>
+    <dgm:linClrLst meth="repeat">
+      <a:schemeClr val="lt2"/>
+    </dgm:linClrLst>
+    <dgm:effectClrLst/>
+    <dgm:txLinClrLst/>
+    <dgm:txFillClrLst/>
+    <dgm:txEffectClrLst/>
+  </dgm:styleLbl>
+  <dgm:styleLbl name="vennNode1">
+    <dgm:fillClrLst meth="repeat">
+      <a:schemeClr val="dk2">
+        <a:alpha val="50000"/>
+      </a:schemeClr>
+    </dgm:fillClrLst>
+    <dgm:linClrLst meth="repeat">
+      <a:schemeClr val="lt2"/>
+    </dgm:linClrLst>
+    <dgm:effectClrLst/>
+    <dgm:txLinClrLst/>
+    <dgm:txFillClrLst/>
+    <dgm:txEffectClrLst/>
+  </dgm:styleLbl>
+  <dgm:styleLbl name="node2">
+    <dgm:fillClrLst meth="repeat">
+      <a:schemeClr val="dk2"/>
+    </dgm:fillClrLst>
+    <dgm:linClrLst meth="repeat">
+      <a:schemeClr val="lt2"/>
+    </dgm:linClrLst>
+    <dgm:effectClrLst/>
+    <dgm:txLinClrLst/>
+    <dgm:txFillClrLst/>
+    <dgm:txEffectClrLst/>
+  </dgm:styleLbl>
+  <dgm:styleLbl name="node3">
+    <dgm:fillClrLst meth="repeat">
+      <a:schemeClr val="dk2"/>
+    </dgm:fillClrLst>
+    <dgm:linClrLst meth="repeat">
+      <a:schemeClr val="lt2"/>
+    </dgm:linClrLst>
+    <dgm:effectClrLst/>
+    <dgm:txLinClrLst/>
+    <dgm:txFillClrLst/>
+    <dgm:txEffectClrLst/>
+  </dgm:styleLbl>
+  <dgm:styleLbl name="node4">
+    <dgm:fillClrLst meth="repeat">
+      <a:schemeClr val="dk2"/>
+    </dgm:fillClrLst>
+    <dgm:linClrLst meth="repeat">
+      <a:schemeClr val="lt2"/>
+    </dgm:linClrLst>
+    <dgm:effectClrLst/>
+    <dgm:txLinClrLst/>
+    <dgm:txFillClrLst/>
+    <dgm:txEffectClrLst/>
+  </dgm:styleLbl>
+  <dgm:styleLbl name="fgImgPlace1">
+    <dgm:fillClrLst meth="repeat">
+      <a:schemeClr val="dk2">
+        <a:tint val="50000"/>
+      </a:schemeClr>
+    </dgm:fillClrLst>
+    <dgm:linClrLst meth="repeat">
+      <a:schemeClr val="lt2"/>
+    </dgm:linClrLst>
+    <dgm:effectClrLst/>
+    <dgm:txLinClrLst/>
+    <dgm:txFillClrLst meth="repeat">
+      <a:schemeClr val="lt2"/>
+    </dgm:txFillClrLst>
+    <dgm:txEffectClrLst/>
+  </dgm:styleLbl>
+  <dgm:styleLbl name="alignImgPlace1">
+    <dgm:fillClrLst meth="repeat">
+      <a:schemeClr val="dk2">
+        <a:tint val="50000"/>
+      </a:schemeClr>
+    </dgm:fillClrLst>
+    <dgm:linClrLst meth="repeat">
+      <a:schemeClr val="dk2">
+        <a:shade val="80000"/>
+      </a:schemeClr>
+    </dgm:linClrLst>
+    <dgm:effectClrLst/>
+    <dgm:txLinClrLst/>
+    <dgm:txFillClrLst meth="repeat">
+      <a:schemeClr val="lt2"/>
+    </dgm:txFillClrLst>
+    <dgm:txEffectClrLst/>
+  </dgm:styleLbl>
+  <dgm:styleLbl name="bgImgPlace1">
+    <dgm:fillClrLst meth="repeat">
+      <a:schemeClr val="dk2">
+        <a:tint val="50000"/>
+      </a:schemeClr>
+    </dgm:fillClrLst>
+    <dgm:linClrLst meth="repeat">
+      <a:schemeClr val="dk2">
+        <a:shade val="80000"/>
+      </a:schemeClr>
+    </dgm:linClrLst>
+    <dgm:effectClrLst/>
+    <dgm:txLinClrLst/>
+    <dgm:txFillClrLst meth="repeat">
+      <a:schemeClr val="lt2"/>
+    </dgm:txFillClrLst>
+    <dgm:txEffectClrLst/>
+  </dgm:styleLbl>
+  <dgm:styleLbl name="sibTrans2D1">
+    <dgm:fillClrLst meth="repeat">
+      <a:schemeClr val="dk2">
+        <a:tint val="60000"/>
+      </a:schemeClr>
+    </dgm:fillClrLst>
+    <dgm:linClrLst meth="repeat">
+      <a:schemeClr val="dk2">
+        <a:tint val="60000"/>
+      </a:schemeClr>
+    </dgm:linClrLst>
+    <dgm:effectClrLst/>
+    <dgm:txLinClrLst/>
+    <dgm:txFillClrLst/>
+    <dgm:txEffectClrLst/>
+  </dgm:styleLbl>
+  <dgm:styleLbl name="fgSibTrans2D1">
+    <dgm:fillClrLst meth="repeat">
+      <a:schemeClr val="dk2">
+        <a:tint val="60000"/>
+      </a:schemeClr>
+    </dgm:fillClrLst>
+    <dgm:linClrLst meth="repeat">
+      <a:schemeClr val="dk2">
+        <a:tint val="60000"/>
+      </a:schemeClr>
+    </dgm:linClrLst>
+    <dgm:effectClrLst/>
+    <dgm:txLinClrLst/>
+    <dgm:txFillClrLst/>
+    <dgm:txEffectClrLst/>
+  </dgm:styleLbl>
+  <dgm:styleLbl name="bgSibTrans2D1">
+    <dgm:fillClrLst meth="repeat">
+      <a:schemeClr val="dk2">
+        <a:tint val="60000"/>
+      </a:schemeClr>
+    </dgm:fillClrLst>
+    <dgm:linClrLst meth="repeat">
+      <a:schemeClr val="dk2">
+        <a:tint val="60000"/>
+      </a:schemeClr>
+    </dgm:linClrLst>
+    <dgm:effectClrLst/>
+    <dgm:txLinClrLst/>
+    <dgm:txFillClrLst/>
+    <dgm:txEffectClrLst/>
+  </dgm:styleLbl>
+  <dgm:styleLbl name="sibTrans1D1">
+    <dgm:fillClrLst meth="repeat">
+      <a:schemeClr val="dk2"/>
+    </dgm:fillClrLst>
+    <dgm:linClrLst meth="repeat">
+      <a:schemeClr val="dk2"/>
+    </dgm:linClrLst>
+    <dgm:effectClrLst/>
+    <dgm:txLinClrLst/>
+    <dgm:txFillClrLst meth="repeat">
+      <a:schemeClr val="lt2"/>
+    </dgm:txFillClrLst>
+    <dgm:txEffectClrLst/>
+  </dgm:styleLbl>
+  <dgm:styleLbl name="callout">
+    <dgm:fillClrLst meth="repeat">
+      <a:schemeClr val="dk2"/>
+    </dgm:fillClrLst>
+    <dgm:linClrLst meth="repeat">
+      <a:schemeClr val="dk2">
+        <a:tint val="50000"/>
+      </a:schemeClr>
+    </dgm:linClrLst>
+    <dgm:effectClrLst/>
+    <dgm:txLinClrLst/>
+    <dgm:txFillClrLst meth="repeat">
+      <a:schemeClr val="lt2"/>
+    </dgm:txFillClrLst>
+    <dgm:txEffectClrLst/>
+  </dgm:styleLbl>
+  <dgm:styleLbl name="asst0">
+    <dgm:fillClrLst meth="repeat">
+      <a:schemeClr val="dk2"/>
+    </dgm:fillClrLst>
+    <dgm:linClrLst meth="repeat">
+      <a:schemeClr val="lt2"/>
+    </dgm:linClrLst>
+    <dgm:effectClrLst/>
+    <dgm:txLinClrLst/>
+    <dgm:txFillClrLst/>
+    <dgm:txEffectClrLst/>
+  </dgm:styleLbl>
+  <dgm:styleLbl name="asst1">
+    <dgm:fillClrLst meth="repeat">
+      <a:schemeClr val="dk2"/>
+    </dgm:fillClrLst>
+    <dgm:linClrLst meth="repeat">
+      <a:schemeClr val="lt2"/>
+    </dgm:linClrLst>
+    <dgm:effectClrLst/>
+    <dgm:txLinClrLst/>
+    <dgm:txFillClrLst/>
+    <dgm:txEffectClrLst/>
+  </dgm:styleLbl>
+  <dgm:styleLbl name="asst2">
+    <dgm:fillClrLst meth="repeat">
+      <a:schemeClr val="dk2"/>
+    </dgm:fillClrLst>
+    <dgm:linClrLst meth="repeat">
+      <a:schemeClr val="lt2"/>
+    </dgm:linClrLst>
+    <dgm:effectClrLst/>
+    <dgm:txLinClrLst/>
+    <dgm:txFillClrLst/>
+    <dgm:txEffectClrLst/>
+  </dgm:styleLbl>
+  <dgm:styleLbl name="asst3">
+    <dgm:fillClrLst meth="repeat">
+      <a:schemeClr val="dk2"/>
+    </dgm:fillClrLst>
+    <dgm:linClrLst meth="repeat">
+      <a:schemeClr val="lt2"/>
+    </dgm:linClrLst>
+    <dgm:effectClrLst/>
+    <dgm:txLinClrLst/>
+    <dgm:txFillClrLst/>
+    <dgm:txEffectClrLst/>
+  </dgm:styleLbl>
+  <dgm:styleLbl name="asst4">
+    <dgm:fillClrLst meth="repeat">
+      <a:schemeClr val="dk2"/>
+    </dgm:fillClrLst>
+    <dgm:linClrLst meth="repeat">
+      <a:schemeClr val="lt2"/>
+    </dgm:linClrLst>
+    <dgm:effectClrLst/>
+    <dgm:txLinClrLst/>
+    <dgm:txFillClrLst/>
+    <dgm:txEffectClrLst/>
+  </dgm:styleLbl>
+  <dgm:styleLbl name="parChTrans2D1">
+    <dgm:fillClrLst meth="repeat">
+      <a:schemeClr val="dk2">
+        <a:tint val="60000"/>
+      </a:schemeClr>
+    </dgm:fillClrLst>
+    <dgm:linClrLst meth="repeat">
+      <a:schemeClr val="dk2">
+        <a:tint val="60000"/>
+      </a:schemeClr>
+    </dgm:linClrLst>
+    <dgm:effectClrLst/>
+    <dgm:txLinClrLst/>
+    <dgm:txFillClrLst meth="repeat">
+      <a:schemeClr val="lt2"/>
+    </dgm:txFillClrLst>
+    <dgm:txEffectClrLst/>
+  </dgm:styleLbl>
+  <dgm:styleLbl name="parChTrans2D2">
+    <dgm:fillClrLst meth="repeat">
+      <a:schemeClr val="dk2"/>
+    </dgm:fillClrLst>
+    <dgm:linClrLst meth="repeat">
+      <a:schemeClr val="dk2"/>
+    </dgm:linClrLst>
+    <dgm:effectClrLst/>
+    <dgm:txLinClrLst/>
+    <dgm:txFillClrLst meth="repeat">
+      <a:schemeClr val="lt2"/>
+    </dgm:txFillClrLst>
+    <dgm:txEffectClrLst/>
+  </dgm:styleLbl>
+  <dgm:styleLbl name="parChTrans2D3">
+    <dgm:fillClrLst meth="repeat">
+      <a:schemeClr val="dk2"/>
+    </dgm:fillClrLst>
+    <dgm:linClrLst meth="repeat">
+      <a:schemeClr val="dk2"/>
+    </dgm:linClrLst>
+    <dgm:effectClrLst/>
+    <dgm:txLinClrLst/>
+    <dgm:txFillClrLst meth="repeat">
+      <a:schemeClr val="lt2"/>
+    </dgm:txFillClrLst>
+    <dgm:txEffectClrLst/>
+  </dgm:styleLbl>
+  <dgm:styleLbl name="parChTrans2D4">
+    <dgm:fillClrLst meth="repeat">
+      <a:schemeClr val="dk2"/>
+    </dgm:fillClrLst>
+    <dgm:linClrLst meth="repeat">
+      <a:schemeClr val="dk2"/>
+    </dgm:linClrLst>
+    <dgm:effectClrLst/>
+    <dgm:txLinClrLst/>
+    <dgm:txFillClrLst meth="repeat">
+      <a:schemeClr val="lt2"/>
+    </dgm:txFillClrLst>
+    <dgm:txEffectClrLst/>
+  </dgm:styleLbl>
+  <dgm:styleLbl name="parChTrans1D1">
+    <dgm:fillClrLst meth="repeat">
+      <a:schemeClr val="dk2"/>
+    </dgm:fillClrLst>
+    <dgm:linClrLst meth="repeat">
+      <a:schemeClr val="dk2">
+        <a:shade val="60000"/>
+      </a:schemeClr>
+    </dgm:linClrLst>
+    <dgm:effectClrLst/>
+    <dgm:txLinClrLst/>
+    <dgm:txFillClrLst meth="repeat">
+      <a:schemeClr val="tx1"/>
+    </dgm:txFillClrLst>
+    <dgm:txEffectClrLst/>
+  </dgm:styleLbl>
+  <dgm:styleLbl name="parChTrans1D2">
+    <dgm:fillClrLst meth="repeat">
+      <a:schemeClr val="dk2"/>
+    </dgm:fillClrLst>
+    <dgm:linClrLst meth="repeat">
+      <a:schemeClr val="dk2">
+        <a:shade val="60000"/>
+      </a:schemeClr>
+    </dgm:linClrLst>
+    <dgm:effectClrLst/>
+    <dgm:txLinClrLst/>
+    <dgm:txFillClrLst meth="repeat">
+      <a:schemeClr val="tx1"/>
+    </dgm:txFillClrLst>
+    <dgm:txEffectClrLst/>
+  </dgm:styleLbl>
+  <dgm:styleLbl name="parChTrans1D3">
+    <dgm:fillClrLst meth="repeat">
+      <a:schemeClr val="dk2"/>
+    </dgm:fillClrLst>
+    <dgm:linClrLst meth="repeat">
+      <a:schemeClr val="dk2">
+        <a:shade val="80000"/>
+      </a:schemeClr>
+    </dgm:linClrLst>
+    <dgm:effectClrLst/>
+    <dgm:txLinClrLst/>
+    <dgm:txFillClrLst meth="repeat">
+      <a:schemeClr val="tx1"/>
+    </dgm:txFillClrLst>
+    <dgm:txEffectClrLst/>
+  </dgm:styleLbl>
+  <dgm:styleLbl name="parChTrans1D4">
+    <dgm:fillClrLst meth="repeat">
+      <a:schemeClr val="dk2"/>
+    </dgm:fillClrLst>
+    <dgm:linClrLst meth="repeat">
+      <a:schemeClr val="dk2">
+        <a:shade val="80000"/>
+      </a:schemeClr>
+    </dgm:linClrLst>
+    <dgm:effectClrLst/>
+    <dgm:txLinClrLst/>
+    <dgm:txFillClrLst meth="repeat">
+      <a:schemeClr val="tx1"/>
+    </dgm:txFillClrLst>
+    <dgm:txEffectClrLst/>
+  </dgm:styleLbl>
+  <dgm:styleLbl name="fgAcc1">
+    <dgm:fillClrLst meth="repeat">
+      <a:schemeClr val="lt2">
+        <a:alpha val="90000"/>
+      </a:schemeClr>
+    </dgm:fillClrLst>
+    <dgm:linClrLst meth="repeat">
+      <a:schemeClr val="dk2"/>
+    </dgm:linClrLst>
+    <dgm:effectClrLst/>
+    <dgm:txLinClrLst/>
+    <dgm:txFillClrLst meth="repeat">
+      <a:schemeClr val="dk1"/>
+    </dgm:txFillClrLst>
+    <dgm:txEffectClrLst/>
+  </dgm:styleLbl>
+  <dgm:styleLbl name="conFgAcc1">
+    <dgm:fillClrLst meth="repeat">
+      <a:schemeClr val="lt2">
+        <a:alpha val="90000"/>
+      </a:schemeClr>
+    </dgm:fillClrLst>
+    <dgm:linClrLst meth="repeat">
+      <a:schemeClr val="dk2"/>
+    </dgm:linClrLst>
+    <dgm:effectClrLst/>
+    <dgm:txLinClrLst/>
+    <dgm:txFillClrLst meth="repeat">
+      <a:schemeClr val="dk1"/>
+    </dgm:txFillClrLst>
+    <dgm:txEffectClrLst/>
+  </dgm:styleLbl>
+  <dgm:styleLbl name="alignAcc1">
+    <dgm:fillClrLst meth="repeat">
+      <a:schemeClr val="lt2">
+        <a:alpha val="90000"/>
+      </a:schemeClr>
+    </dgm:fillClrLst>
+    <dgm:linClrLst meth="repeat">
+      <a:schemeClr val="dk2"/>
+    </dgm:linClrLst>
+    <dgm:effectClrLst/>
+    <dgm:txLinClrLst/>
+    <dgm:txFillClrLst meth="repeat">
+      <a:schemeClr val="dk1"/>
+    </dgm:txFillClrLst>
+    <dgm:txEffectClrLst/>
+  </dgm:styleLbl>
+  <dgm:styleLbl name="trAlignAcc1">
+    <dgm:fillClrLst meth="repeat">
+      <a:schemeClr val="lt2">
+        <a:alpha val="40000"/>
+      </a:schemeClr>
+    </dgm:fillClrLst>
+    <dgm:linClrLst meth="repeat">
+      <a:schemeClr val="dk2"/>
+    </dgm:linClrLst>
+    <dgm:effectClrLst/>
+    <dgm:txLinClrLst/>
+    <dgm:txFillClrLst meth="repeat">
+      <a:schemeClr val="dk1"/>
+    </dgm:txFillClrLst>
+    <dgm:txEffectClrLst/>
+  </dgm:styleLbl>
+  <dgm:styleLbl name="bgAcc1">
+    <dgm:fillClrLst meth="repeat">
+      <a:schemeClr val="lt2">
+        <a:alpha val="90000"/>
+      </a:schemeClr>
+    </dgm:fillClrLst>
+    <dgm:linClrLst meth="repeat">
+      <a:schemeClr val="dk2"/>
+    </dgm:linClrLst>
+    <dgm:effectClrLst/>
+    <dgm:txLinClrLst/>
+    <dgm:txFillClrLst meth="repeat">
+      <a:schemeClr val="dk1"/>
+    </dgm:txFillClrLst>
+    <dgm:txEffectClrLst/>
+  </dgm:styleLbl>
+  <dgm:styleLbl name="solidFgAcc1">
+    <dgm:fillClrLst meth="repeat">
+      <a:schemeClr val="lt2"/>
+    </dgm:fillClrLst>
+    <dgm:linClrLst meth="repeat">
+      <a:schemeClr val="dk2"/>
+    </dgm:linClrLst>
+    <dgm:effectClrLst/>
+    <dgm:txLinClrLst/>
+    <dgm:txFillClrLst meth="repeat">
+      <a:schemeClr val="dk1"/>
+    </dgm:txFillClrLst>
+    <dgm:txEffectClrLst/>
+  </dgm:styleLbl>
+  <dgm:styleLbl name="solidAlignAcc1">
+    <dgm:fillClrLst meth="repeat">
+      <a:schemeClr val="lt2"/>
+    </dgm:fillClrLst>
+    <dgm:linClrLst meth="repeat">
+      <a:schemeClr val="dk2"/>
+    </dgm:linClrLst>
+    <dgm:effectClrLst/>
+    <dgm:txLinClrLst/>
+    <dgm:txFillClrLst meth="repeat">
+      <a:schemeClr val="dk1"/>
+    </dgm:txFillClrLst>
+    <dgm:txEffectClrLst/>
+  </dgm:styleLbl>
+  <dgm:styleLbl name="solidBgAcc1">
+    <dgm:fillClrLst meth="repeat">
+      <a:schemeClr val="lt2"/>
+    </dgm:fillClrLst>
+    <dgm:linClrLst meth="repeat">
+      <a:schemeClr val="dk2"/>
+    </dgm:linClrLst>
+    <dgm:effectClrLst/>
+    <dgm:txLinClrLst/>
+    <dgm:txFillClrLst meth="repeat">
+      <a:schemeClr val="dk1"/>
+    </dgm:txFillClrLst>
+    <dgm:txEffectClrLst/>
+  </dgm:styleLbl>
+  <dgm:styleLbl name="fgAccFollowNode1">
+    <dgm:fillClrLst meth="repeat">
+      <a:schemeClr val="dk2">
+        <a:alpha val="90000"/>
+        <a:tint val="40000"/>
+      </a:schemeClr>
+    </dgm:fillClrLst>
+    <dgm:linClrLst meth="repeat">
+      <a:schemeClr val="dk2">
+        <a:alpha val="90000"/>
+        <a:tint val="40000"/>
+      </a:schemeClr>
+    </dgm:linClrLst>
+    <dgm:effectClrLst/>
+    <dgm:txLinClrLst/>
+    <dgm:txFillClrLst meth="repeat">
+      <a:schemeClr val="dk1"/>
+    </dgm:txFillClrLst>
+    <dgm:txEffectClrLst/>
+  </dgm:styleLbl>
+  <dgm:styleLbl name="alignAccFollowNode1">
+    <dgm:fillClrLst meth="repeat">
+      <a:schemeClr val="dk2">
+        <a:alpha val="90000"/>
+        <a:tint val="40000"/>
+      </a:schemeClr>
+    </dgm:fillClrLst>
+    <dgm:linClrLst meth="repeat">
+      <a:schemeClr val="dk2">
+        <a:alpha val="90000"/>
+        <a:tint val="40000"/>
+      </a:schemeClr>
+    </dgm:linClrLst>
+    <dgm:effectClrLst/>
+    <dgm:txLinClrLst/>
+    <dgm:txFillClrLst meth="repeat">
+      <a:schemeClr val="dk1"/>
+    </dgm:txFillClrLst>
+    <dgm:txEffectClrLst/>
+  </dgm:styleLbl>
+  <dgm:styleLbl name="bgAccFollowNode1">
+    <dgm:fillClrLst meth="repeat">
+      <a:schemeClr val="dk2">
+        <a:alpha val="90000"/>
+        <a:tint val="40000"/>
+      </a:schemeClr>
+    </dgm:fillClrLst>
+    <dgm:linClrLst meth="repeat">
+      <a:schemeClr val="dk2">
+        <a:alpha val="90000"/>
+        <a:tint val="40000"/>
+      </a:schemeClr>
+    </dgm:linClrLst>
+    <dgm:effectClrLst/>
+    <dgm:txLinClrLst/>
+    <dgm:txFillClrLst meth="repeat">
+      <a:schemeClr val="dk1"/>
+    </dgm:txFillClrLst>
+    <dgm:txEffectClrLst/>
+  </dgm:styleLbl>
+  <dgm:styleLbl name="fgAcc0">
+    <dgm:fillClrLst meth="repeat">
+      <a:schemeClr val="lt2">
+        <a:alpha val="90000"/>
+      </a:schemeClr>
+    </dgm:fillClrLst>
+    <dgm:linClrLst meth="repeat">
+      <a:schemeClr val="dk2"/>
+    </dgm:linClrLst>
+    <dgm:effectClrLst/>
+    <dgm:txLinClrLst/>
+    <dgm:txFillClrLst meth="repeat">
+      <a:schemeClr val="dk1"/>
+    </dgm:txFillClrLst>
+    <dgm:txEffectClrLst/>
+  </dgm:styleLbl>
+  <dgm:styleLbl name="fgAcc2">
+    <dgm:fillClrLst meth="repeat">
+      <a:schemeClr val="lt2">
+        <a:alpha val="90000"/>
+      </a:schemeClr>
+    </dgm:fillClrLst>
+    <dgm:linClrLst meth="repeat">
+      <a:schemeClr val="dk2"/>
+    </dgm:linClrLst>
+    <dgm:effectClrLst/>
+    <dgm:txLinClrLst/>
+    <dgm:txFillClrLst meth="repeat">
+      <a:schemeClr val="dk1"/>
+    </dgm:txFillClrLst>
+    <dgm:txEffectClrLst/>
+  </dgm:styleLbl>
+  <dgm:styleLbl name="fgAcc3">
+    <dgm:fillClrLst meth="repeat">
+      <a:schemeClr val="lt2">
+        <a:alpha val="90000"/>
+      </a:schemeClr>
+    </dgm:fillClrLst>
+    <dgm:linClrLst meth="repeat">
+      <a:schemeClr val="dk2"/>
+    </dgm:linClrLst>
+    <dgm:effectClrLst/>
+    <dgm:txLinClrLst/>
+    <dgm:txFillClrLst meth="repeat">
+      <a:schemeClr val="dk1"/>
+    </dgm:txFillClrLst>
+    <dgm:txEffectClrLst/>
+  </dgm:styleLbl>
+  <dgm:styleLbl name="fgAcc4">
+    <dgm:fillClrLst meth="repeat">
+      <a:schemeClr val="lt2">
+        <a:alpha val="90000"/>
+      </a:schemeClr>
+    </dgm:fillClrLst>
+    <dgm:linClrLst meth="repeat">
+      <a:schemeClr val="dk2"/>
+    </dgm:linClrLst>
+    <dgm:effectClrLst/>
+    <dgm:txLinClrLst/>
+    <dgm:txFillClrLst meth="repeat">
+      <a:schemeClr val="dk1"/>
+    </dgm:txFillClrLst>
+    <dgm:txEffectClrLst/>
+  </dgm:styleLbl>
+  <dgm:styleLbl name="bgShp">
+    <dgm:fillClrLst meth="repeat">
+      <a:schemeClr val="dk2">
+        <a:tint val="40000"/>
+      </a:schemeClr>
+    </dgm:fillClrLst>
+    <dgm:linClrLst meth="repeat">
+      <a:schemeClr val="dk2"/>
+    </dgm:linClrLst>
+    <dgm:effectClrLst/>
+    <dgm:txLinClrLst/>
+    <dgm:txFillClrLst meth="repeat">
+      <a:schemeClr val="dk1"/>
+    </dgm:txFillClrLst>
+    <dgm:txEffectClrLst/>
+  </dgm:styleLbl>
+  <dgm:styleLbl name="dkBgShp">
+    <dgm:fillClrLst meth="repeat">
+      <a:schemeClr val="dk2">
+        <a:shade val="80000"/>
+      </a:schemeClr>
+    </dgm:fillClrLst>
+    <dgm:linClrLst meth="repeat">
+      <a:schemeClr val="dk2"/>
+    </dgm:linClrLst>
+    <dgm:effectClrLst/>
+    <dgm:txLinClrLst/>
+    <dgm:txFillClrLst meth="repeat">
+      <a:schemeClr val="lt1"/>
+    </dgm:txFillClrLst>
+    <dgm:txEffectClrLst/>
+  </dgm:styleLbl>
+  <dgm:styleLbl name="trBgShp">
+    <dgm:fillClrLst meth="repeat">
+      <a:schemeClr val="dk2">
+        <a:tint val="50000"/>
+        <a:alpha val="40000"/>
+      </a:schemeClr>
+    </dgm:fillClrLst>
+    <dgm:linClrLst meth="repeat">
+      <a:schemeClr val="dk2"/>
+    </dgm:linClrLst>
+    <dgm:effectClrLst/>
+    <dgm:txLinClrLst/>
+    <dgm:txFillClrLst meth="repeat">
+      <a:schemeClr val="lt1"/>
+    </dgm:txFillClrLst>
+    <dgm:txEffectClrLst/>
+  </dgm:styleLbl>
+  <dgm:styleLbl name="fgShp">
+    <dgm:fillClrLst meth="repeat">
+      <a:schemeClr val="dk2">
+        <a:tint val="60000"/>
+      </a:schemeClr>
+    </dgm:fillClrLst>
+    <dgm:linClrLst meth="repeat">
+      <a:schemeClr val="lt2"/>
+    </dgm:linClrLst>
+    <dgm:effectClrLst/>
+    <dgm:txLinClrLst/>
+    <dgm:txFillClrLst meth="repeat">
+      <a:schemeClr val="dk1"/>
+    </dgm:txFillClrLst>
+    <dgm:txEffectClrLst/>
+  </dgm:styleLbl>
+  <dgm:styleLbl name="revTx">
+    <dgm:fillClrLst meth="repeat">
+      <a:schemeClr val="lt2">
+        <a:alpha val="0"/>
+      </a:schemeClr>
+    </dgm:fillClrLst>
+    <dgm:linClrLst meth="repeat">
+      <a:schemeClr val="dk1">
+        <a:alpha val="0"/>
+      </a:schemeClr>
+    </dgm:linClrLst>
+    <dgm:effectClrLst/>
+    <dgm:txLinClrLst/>
+    <dgm:txFillClrLst meth="repeat">
+      <a:schemeClr val="tx1"/>
+    </dgm:txFillClrLst>
+    <dgm:txEffectClrLst/>
+  </dgm:styleLbl>
+</dgm:colorsDef>
+</file>
+
+<file path=ppt/diagrams/data1.xml><?xml version="1.0" encoding="utf-8"?>
+<dgm:dataModel xmlns:dgm="http://schemas.openxmlformats.org/drawingml/2006/diagram" xmlns:a="http://schemas.openxmlformats.org/drawingml/2006/main">
+  <dgm:ptLst>
+    <dgm:pt modelId="{AFB233AD-5745-4EB2-9F6F-4F6DBB460A03}" type="doc">
+      <dgm:prSet loTypeId="urn:microsoft.com/office/officeart/2005/8/layout/hierarchy1" loCatId="hierarchy" qsTypeId="urn:microsoft.com/office/officeart/2005/8/quickstyle/simple4" qsCatId="simple" csTypeId="urn:microsoft.com/office/officeart/2005/8/colors/accent0_3" csCatId="mainScheme" phldr="1"/>
+      <dgm:spPr/>
+      <dgm:t>
+        <a:bodyPr/>
+        <a:lstStyle/>
+        <a:p>
+          <a:endParaRPr lang="en-GB"/>
+        </a:p>
+      </dgm:t>
+    </dgm:pt>
+    <dgm:pt modelId="{90BD477A-F3D2-48FB-8568-C0E74D0CB107}">
+      <dgm:prSet phldrT="[Text]"/>
+      <dgm:spPr/>
+      <dgm:t>
+        <a:bodyPr/>
+        <a:lstStyle/>
+        <a:p>
+          <a:r>
+            <a:rPr lang="en-GB" smtClean="0"/>
+            <a:t> singleton</a:t>
+          </a:r>
+          <a:endParaRPr lang="en-GB" dirty="0"/>
+        </a:p>
+      </dgm:t>
+    </dgm:pt>
+    <dgm:pt modelId="{FF987B65-30DF-4311-9AB1-B7C3460CD950}" type="parTrans" cxnId="{788728F3-6BE9-42F7-A366-C83F9D60CDBA}">
+      <dgm:prSet/>
+      <dgm:spPr/>
+      <dgm:t>
+        <a:bodyPr/>
+        <a:lstStyle/>
+        <a:p>
+          <a:endParaRPr lang="en-GB"/>
+        </a:p>
+      </dgm:t>
+    </dgm:pt>
+    <dgm:pt modelId="{FD83F9C1-E38D-427C-8750-F62452789EFC}" type="sibTrans" cxnId="{788728F3-6BE9-42F7-A366-C83F9D60CDBA}">
+      <dgm:prSet/>
+      <dgm:spPr/>
+      <dgm:t>
+        <a:bodyPr/>
+        <a:lstStyle/>
+        <a:p>
+          <a:endParaRPr lang="en-GB"/>
+        </a:p>
+      </dgm:t>
+    </dgm:pt>
+    <dgm:pt modelId="{D1AEB541-3FAB-482A-A11F-E12439F0D395}">
+      <dgm:prSet phldrT="[Text]"/>
+      <dgm:spPr/>
+      <dgm:t>
+        <a:bodyPr/>
+        <a:lstStyle/>
+        <a:p>
+          <a:endParaRPr lang="en-GB" dirty="0"/>
+        </a:p>
+      </dgm:t>
+    </dgm:pt>
+    <dgm:pt modelId="{B2C81D0C-CF25-44FE-BE6F-97865317D0C1}" type="parTrans" cxnId="{498AECEA-75E6-454F-931A-33CE95C703BD}">
+      <dgm:prSet/>
+      <dgm:spPr/>
+      <dgm:t>
+        <a:bodyPr/>
+        <a:lstStyle/>
+        <a:p>
+          <a:endParaRPr lang="en-GB"/>
+        </a:p>
+      </dgm:t>
+    </dgm:pt>
+    <dgm:pt modelId="{F4B067D1-C215-403A-8CAF-51C55EA1F17C}" type="sibTrans" cxnId="{498AECEA-75E6-454F-931A-33CE95C703BD}">
+      <dgm:prSet/>
+      <dgm:spPr/>
+      <dgm:t>
+        <a:bodyPr/>
+        <a:lstStyle/>
+        <a:p>
+          <a:endParaRPr lang="en-GB"/>
+        </a:p>
+      </dgm:t>
+    </dgm:pt>
+    <dgm:pt modelId="{18AA767B-8F13-44D0-A5B7-B66587ED9509}">
+      <dgm:prSet phldrT="[Text]"/>
+      <dgm:spPr/>
+      <dgm:t>
+        <a:bodyPr/>
+        <a:lstStyle/>
+        <a:p>
+          <a:r>
+            <a:rPr lang="en-GB" dirty="0" smtClean="0"/>
+            <a:t> </a:t>
+          </a:r>
+          <a:endParaRPr lang="en-GB" dirty="0"/>
+        </a:p>
+      </dgm:t>
+    </dgm:pt>
+    <dgm:pt modelId="{3286C7EE-EE19-4F76-8550-6C1D9933B3C8}" type="parTrans" cxnId="{94E6ED31-052F-4D6E-B9F3-D3A4C77FDBA0}">
+      <dgm:prSet/>
+      <dgm:spPr/>
+      <dgm:t>
+        <a:bodyPr/>
+        <a:lstStyle/>
+        <a:p>
+          <a:endParaRPr lang="en-GB"/>
+        </a:p>
+      </dgm:t>
+    </dgm:pt>
+    <dgm:pt modelId="{B7D2737A-716D-4126-81B3-1562CBAC0F0A}" type="sibTrans" cxnId="{94E6ED31-052F-4D6E-B9F3-D3A4C77FDBA0}">
+      <dgm:prSet/>
+      <dgm:spPr/>
+      <dgm:t>
+        <a:bodyPr/>
+        <a:lstStyle/>
+        <a:p>
+          <a:endParaRPr lang="en-GB"/>
+        </a:p>
+      </dgm:t>
+    </dgm:pt>
+    <dgm:pt modelId="{C0A597CB-F0C7-4F18-8A30-8FC905DE53CF}">
+      <dgm:prSet phldrT="[Text]"/>
+      <dgm:spPr/>
+      <dgm:t>
+        <a:bodyPr/>
+        <a:lstStyle/>
+        <a:p>
+          <a:endParaRPr lang="en-GB" dirty="0"/>
+        </a:p>
+      </dgm:t>
+    </dgm:pt>
+    <dgm:pt modelId="{3A44D7EB-8233-4838-851F-F5823DFA55C5}" type="parTrans" cxnId="{FA9243E9-9D24-4126-BCD8-757919FADFA2}">
+      <dgm:prSet/>
+      <dgm:spPr/>
+      <dgm:t>
+        <a:bodyPr/>
+        <a:lstStyle/>
+        <a:p>
+          <a:endParaRPr lang="en-GB"/>
+        </a:p>
+      </dgm:t>
+    </dgm:pt>
+    <dgm:pt modelId="{DCB1FED4-3A57-4E7F-A9C9-173595ADB782}" type="sibTrans" cxnId="{FA9243E9-9D24-4126-BCD8-757919FADFA2}">
+      <dgm:prSet/>
+      <dgm:spPr/>
+      <dgm:t>
+        <a:bodyPr/>
+        <a:lstStyle/>
+        <a:p>
+          <a:endParaRPr lang="en-GB"/>
+        </a:p>
+      </dgm:t>
+    </dgm:pt>
+    <dgm:pt modelId="{E0268EA0-469D-4359-9C06-7817EBC37373}">
+      <dgm:prSet phldrT="[Text]"/>
+      <dgm:spPr/>
+      <dgm:t>
+        <a:bodyPr/>
+        <a:lstStyle/>
+        <a:p>
+          <a:endParaRPr lang="en-GB" dirty="0"/>
+        </a:p>
+      </dgm:t>
+    </dgm:pt>
+    <dgm:pt modelId="{2CC5732E-74DA-4DF2-ACFD-6025D06A4FFE}" type="parTrans" cxnId="{EAB261AC-1D13-4239-B3F3-7AFBF6A85C66}">
+      <dgm:prSet/>
+      <dgm:spPr/>
+      <dgm:t>
+        <a:bodyPr/>
+        <a:lstStyle/>
+        <a:p>
+          <a:endParaRPr lang="en-GB"/>
+        </a:p>
+      </dgm:t>
+    </dgm:pt>
+    <dgm:pt modelId="{1561F31F-28C7-42E4-830E-D2AC302B31F9}" type="sibTrans" cxnId="{EAB261AC-1D13-4239-B3F3-7AFBF6A85C66}">
+      <dgm:prSet/>
+      <dgm:spPr/>
+      <dgm:t>
+        <a:bodyPr/>
+        <a:lstStyle/>
+        <a:p>
+          <a:endParaRPr lang="en-GB"/>
+        </a:p>
+      </dgm:t>
+    </dgm:pt>
+    <dgm:pt modelId="{5168E9A8-A195-4C76-B015-F3431E1743B8}">
+      <dgm:prSet phldrT="[Text]"/>
+      <dgm:spPr/>
+      <dgm:t>
+        <a:bodyPr/>
+        <a:lstStyle/>
+        <a:p>
+          <a:endParaRPr lang="en-GB" dirty="0"/>
+        </a:p>
+      </dgm:t>
+    </dgm:pt>
+    <dgm:pt modelId="{6C2FEDCD-F259-4536-9D33-DEF8C8AE93ED}" type="sibTrans" cxnId="{63C8D014-1640-4B62-B9BA-B0FE93AFE78F}">
+      <dgm:prSet/>
+      <dgm:spPr/>
+      <dgm:t>
+        <a:bodyPr/>
+        <a:lstStyle/>
+        <a:p>
+          <a:endParaRPr lang="en-GB"/>
+        </a:p>
+      </dgm:t>
+    </dgm:pt>
+    <dgm:pt modelId="{751581C6-31BE-4D5B-81CC-E99F9784C7F6}" type="parTrans" cxnId="{63C8D014-1640-4B62-B9BA-B0FE93AFE78F}">
+      <dgm:prSet/>
+      <dgm:spPr/>
+      <dgm:t>
+        <a:bodyPr/>
+        <a:lstStyle/>
+        <a:p>
+          <a:endParaRPr lang="en-GB"/>
+        </a:p>
+      </dgm:t>
+    </dgm:pt>
+    <dgm:pt modelId="{2E8EA0A9-8F83-4740-AB78-01294C1743E3}" type="pres">
+      <dgm:prSet presAssocID="{AFB233AD-5745-4EB2-9F6F-4F6DBB460A03}" presName="hierChild1" presStyleCnt="0">
+        <dgm:presLayoutVars>
+          <dgm:chPref val="1"/>
+          <dgm:dir/>
+          <dgm:animOne val="branch"/>
+          <dgm:animLvl val="lvl"/>
+          <dgm:resizeHandles/>
+        </dgm:presLayoutVars>
+      </dgm:prSet>
+      <dgm:spPr/>
+    </dgm:pt>
+    <dgm:pt modelId="{0E110773-D04A-4CAE-93C0-1D8F4573F109}" type="pres">
+      <dgm:prSet presAssocID="{5168E9A8-A195-4C76-B015-F3431E1743B8}" presName="hierRoot1" presStyleCnt="0"/>
+      <dgm:spPr/>
+    </dgm:pt>
+    <dgm:pt modelId="{360985DB-BD57-42E9-B7D1-FCC226271671}" type="pres">
+      <dgm:prSet presAssocID="{5168E9A8-A195-4C76-B015-F3431E1743B8}" presName="composite" presStyleCnt="0"/>
+      <dgm:spPr/>
+    </dgm:pt>
+    <dgm:pt modelId="{7F9AAAEC-D1DE-4660-99EF-4AD43ABF7720}" type="pres">
+      <dgm:prSet presAssocID="{5168E9A8-A195-4C76-B015-F3431E1743B8}" presName="background" presStyleLbl="node0" presStyleIdx="0" presStyleCnt="1"/>
+      <dgm:spPr/>
+    </dgm:pt>
+    <dgm:pt modelId="{D6A2D5BD-8614-4503-A84C-FC97E15250B3}" type="pres">
+      <dgm:prSet presAssocID="{5168E9A8-A195-4C76-B015-F3431E1743B8}" presName="text" presStyleLbl="fgAcc0" presStyleIdx="0" presStyleCnt="1">
+        <dgm:presLayoutVars>
+          <dgm:chPref val="3"/>
+        </dgm:presLayoutVars>
+      </dgm:prSet>
+      <dgm:spPr/>
+      <dgm:t>
+        <a:bodyPr/>
+        <a:lstStyle/>
+        <a:p>
+          <a:endParaRPr lang="en-GB"/>
+        </a:p>
+      </dgm:t>
+    </dgm:pt>
+    <dgm:pt modelId="{442822E8-5CD0-46A0-A247-94E39C9945E4}" type="pres">
+      <dgm:prSet presAssocID="{5168E9A8-A195-4C76-B015-F3431E1743B8}" presName="hierChild2" presStyleCnt="0"/>
+      <dgm:spPr/>
+    </dgm:pt>
+    <dgm:pt modelId="{32EED4AC-2572-49B7-A5E6-F60C8E0F41DA}" type="pres">
+      <dgm:prSet presAssocID="{FF987B65-30DF-4311-9AB1-B7C3460CD950}" presName="Name10" presStyleLbl="parChTrans1D2" presStyleIdx="0" presStyleCnt="3"/>
+      <dgm:spPr/>
+    </dgm:pt>
+    <dgm:pt modelId="{C11E4298-BDDA-4405-84E5-6D1697846265}" type="pres">
+      <dgm:prSet presAssocID="{90BD477A-F3D2-48FB-8568-C0E74D0CB107}" presName="hierRoot2" presStyleCnt="0"/>
+      <dgm:spPr/>
+    </dgm:pt>
+    <dgm:pt modelId="{DC293FAA-000A-4E2A-9AFE-95B3DBDC5ED5}" type="pres">
+      <dgm:prSet presAssocID="{90BD477A-F3D2-48FB-8568-C0E74D0CB107}" presName="composite2" presStyleCnt="0"/>
+      <dgm:spPr/>
+    </dgm:pt>
+    <dgm:pt modelId="{0CD321DA-7F72-43D7-ACC0-AF3786149819}" type="pres">
+      <dgm:prSet presAssocID="{90BD477A-F3D2-48FB-8568-C0E74D0CB107}" presName="background2" presStyleLbl="node2" presStyleIdx="0" presStyleCnt="3"/>
+      <dgm:spPr/>
+    </dgm:pt>
+    <dgm:pt modelId="{9432434E-B235-4797-99D3-187C044AB0C7}" type="pres">
+      <dgm:prSet presAssocID="{90BD477A-F3D2-48FB-8568-C0E74D0CB107}" presName="text2" presStyleLbl="fgAcc2" presStyleIdx="0" presStyleCnt="3">
+        <dgm:presLayoutVars>
+          <dgm:chPref val="3"/>
+        </dgm:presLayoutVars>
+      </dgm:prSet>
+      <dgm:spPr/>
+      <dgm:t>
+        <a:bodyPr/>
+        <a:lstStyle/>
+        <a:p>
+          <a:endParaRPr lang="en-GB"/>
+        </a:p>
+      </dgm:t>
+    </dgm:pt>
+    <dgm:pt modelId="{45547A4E-E4E1-46A7-9ABD-3842361CCA77}" type="pres">
+      <dgm:prSet presAssocID="{90BD477A-F3D2-48FB-8568-C0E74D0CB107}" presName="hierChild3" presStyleCnt="0"/>
+      <dgm:spPr/>
+    </dgm:pt>
+    <dgm:pt modelId="{E713E1F6-359C-4139-93E7-78C5DE0FBF10}" type="pres">
+      <dgm:prSet presAssocID="{B2C81D0C-CF25-44FE-BE6F-97865317D0C1}" presName="Name10" presStyleLbl="parChTrans1D2" presStyleIdx="1" presStyleCnt="3"/>
+      <dgm:spPr/>
+    </dgm:pt>
+    <dgm:pt modelId="{B5D1AD24-3F63-4841-B782-87C107C11109}" type="pres">
+      <dgm:prSet presAssocID="{D1AEB541-3FAB-482A-A11F-E12439F0D395}" presName="hierRoot2" presStyleCnt="0"/>
+      <dgm:spPr/>
+    </dgm:pt>
+    <dgm:pt modelId="{D59A3815-CE93-48D7-9771-BECBF148D0A6}" type="pres">
+      <dgm:prSet presAssocID="{D1AEB541-3FAB-482A-A11F-E12439F0D395}" presName="composite2" presStyleCnt="0"/>
+      <dgm:spPr/>
+    </dgm:pt>
+    <dgm:pt modelId="{BC9B404D-5FCF-4AD6-9466-4F1ED91510FE}" type="pres">
+      <dgm:prSet presAssocID="{D1AEB541-3FAB-482A-A11F-E12439F0D395}" presName="background2" presStyleLbl="node2" presStyleIdx="1" presStyleCnt="3"/>
+      <dgm:spPr/>
+    </dgm:pt>
+    <dgm:pt modelId="{D8246732-8807-4933-82AF-9D0C543B24EB}" type="pres">
+      <dgm:prSet presAssocID="{D1AEB541-3FAB-482A-A11F-E12439F0D395}" presName="text2" presStyleLbl="fgAcc2" presStyleIdx="1" presStyleCnt="3">
+        <dgm:presLayoutVars>
+          <dgm:chPref val="3"/>
+        </dgm:presLayoutVars>
+      </dgm:prSet>
+      <dgm:spPr/>
+    </dgm:pt>
+    <dgm:pt modelId="{1898BC07-DBF5-42B5-B5DF-4E68CEC74F42}" type="pres">
+      <dgm:prSet presAssocID="{D1AEB541-3FAB-482A-A11F-E12439F0D395}" presName="hierChild3" presStyleCnt="0"/>
+      <dgm:spPr/>
+    </dgm:pt>
+    <dgm:pt modelId="{D8ABBB7D-A378-4E12-AEF0-D8368416D56B}" type="pres">
+      <dgm:prSet presAssocID="{3286C7EE-EE19-4F76-8550-6C1D9933B3C8}" presName="Name10" presStyleLbl="parChTrans1D2" presStyleIdx="2" presStyleCnt="3"/>
+      <dgm:spPr/>
+    </dgm:pt>
+    <dgm:pt modelId="{87AD439C-52B2-4792-BA05-BCE8011AF97E}" type="pres">
+      <dgm:prSet presAssocID="{18AA767B-8F13-44D0-A5B7-B66587ED9509}" presName="hierRoot2" presStyleCnt="0"/>
+      <dgm:spPr/>
+    </dgm:pt>
+    <dgm:pt modelId="{58E3306A-39C5-40F1-8D29-39F69F03AE5E}" type="pres">
+      <dgm:prSet presAssocID="{18AA767B-8F13-44D0-A5B7-B66587ED9509}" presName="composite2" presStyleCnt="0"/>
+      <dgm:spPr/>
+    </dgm:pt>
+    <dgm:pt modelId="{D6D38F2F-D708-44E0-B464-24CF147535E7}" type="pres">
+      <dgm:prSet presAssocID="{18AA767B-8F13-44D0-A5B7-B66587ED9509}" presName="background2" presStyleLbl="node2" presStyleIdx="2" presStyleCnt="3"/>
+      <dgm:spPr/>
+    </dgm:pt>
+    <dgm:pt modelId="{FF2B1048-BE04-4258-AFC8-21AA7BB60771}" type="pres">
+      <dgm:prSet presAssocID="{18AA767B-8F13-44D0-A5B7-B66587ED9509}" presName="text2" presStyleLbl="fgAcc2" presStyleIdx="2" presStyleCnt="3">
+        <dgm:presLayoutVars>
+          <dgm:chPref val="3"/>
+        </dgm:presLayoutVars>
+      </dgm:prSet>
+      <dgm:spPr/>
+    </dgm:pt>
+    <dgm:pt modelId="{E0BAD5A8-E4BE-4F5D-BF05-6234B277C487}" type="pres">
+      <dgm:prSet presAssocID="{18AA767B-8F13-44D0-A5B7-B66587ED9509}" presName="hierChild3" presStyleCnt="0"/>
+      <dgm:spPr/>
+    </dgm:pt>
+    <dgm:pt modelId="{5F066E9E-C70C-4E62-A312-B5175E72F5A8}" type="pres">
+      <dgm:prSet presAssocID="{2CC5732E-74DA-4DF2-ACFD-6025D06A4FFE}" presName="Name17" presStyleLbl="parChTrans1D3" presStyleIdx="0" presStyleCnt="2"/>
+      <dgm:spPr/>
+    </dgm:pt>
+    <dgm:pt modelId="{BF4A9CC0-A520-451E-80CA-A55286AD7D5A}" type="pres">
+      <dgm:prSet presAssocID="{E0268EA0-469D-4359-9C06-7817EBC37373}" presName="hierRoot3" presStyleCnt="0"/>
+      <dgm:spPr/>
+    </dgm:pt>
+    <dgm:pt modelId="{796ED2E8-9106-4071-8F98-556967C6EDB0}" type="pres">
+      <dgm:prSet presAssocID="{E0268EA0-469D-4359-9C06-7817EBC37373}" presName="composite3" presStyleCnt="0"/>
+      <dgm:spPr/>
+    </dgm:pt>
+    <dgm:pt modelId="{19D14D5A-093E-4BFB-9D37-5CF14F4B6975}" type="pres">
+      <dgm:prSet presAssocID="{E0268EA0-469D-4359-9C06-7817EBC37373}" presName="background3" presStyleLbl="node3" presStyleIdx="0" presStyleCnt="2"/>
+      <dgm:spPr/>
+    </dgm:pt>
+    <dgm:pt modelId="{9C85BF28-C368-4982-9C48-6F4EEE3A77A4}" type="pres">
+      <dgm:prSet presAssocID="{E0268EA0-469D-4359-9C06-7817EBC37373}" presName="text3" presStyleLbl="fgAcc3" presStyleIdx="0" presStyleCnt="2">
+        <dgm:presLayoutVars>
+          <dgm:chPref val="3"/>
+        </dgm:presLayoutVars>
+      </dgm:prSet>
+      <dgm:spPr/>
+    </dgm:pt>
+    <dgm:pt modelId="{01DC3A08-FC88-4342-B611-E51D54ABD4DB}" type="pres">
+      <dgm:prSet presAssocID="{E0268EA0-469D-4359-9C06-7817EBC37373}" presName="hierChild4" presStyleCnt="0"/>
+      <dgm:spPr/>
+    </dgm:pt>
+    <dgm:pt modelId="{7F8508EB-5D69-4D41-86D3-5BF950A2011F}" type="pres">
+      <dgm:prSet presAssocID="{3A44D7EB-8233-4838-851F-F5823DFA55C5}" presName="Name17" presStyleLbl="parChTrans1D3" presStyleIdx="1" presStyleCnt="2"/>
+      <dgm:spPr/>
+    </dgm:pt>
+    <dgm:pt modelId="{005C105F-F70E-4B12-A6F7-072C369815EF}" type="pres">
+      <dgm:prSet presAssocID="{C0A597CB-F0C7-4F18-8A30-8FC905DE53CF}" presName="hierRoot3" presStyleCnt="0"/>
+      <dgm:spPr/>
+    </dgm:pt>
+    <dgm:pt modelId="{7DF36401-E928-446B-B73A-3937A9F81C72}" type="pres">
+      <dgm:prSet presAssocID="{C0A597CB-F0C7-4F18-8A30-8FC905DE53CF}" presName="composite3" presStyleCnt="0"/>
+      <dgm:spPr/>
+    </dgm:pt>
+    <dgm:pt modelId="{E93BBE9D-C9BE-46EF-A08F-CBBF14145CDE}" type="pres">
+      <dgm:prSet presAssocID="{C0A597CB-F0C7-4F18-8A30-8FC905DE53CF}" presName="background3" presStyleLbl="node3" presStyleIdx="1" presStyleCnt="2"/>
+      <dgm:spPr/>
+    </dgm:pt>
+    <dgm:pt modelId="{EC90F048-BC12-4DE9-9945-8C4CD46BE5FC}" type="pres">
+      <dgm:prSet presAssocID="{C0A597CB-F0C7-4F18-8A30-8FC905DE53CF}" presName="text3" presStyleLbl="fgAcc3" presStyleIdx="1" presStyleCnt="2">
+        <dgm:presLayoutVars>
+          <dgm:chPref val="3"/>
+        </dgm:presLayoutVars>
+      </dgm:prSet>
+      <dgm:spPr/>
+    </dgm:pt>
+    <dgm:pt modelId="{6C072417-1294-45B8-AB6A-06473CF06A36}" type="pres">
+      <dgm:prSet presAssocID="{C0A597CB-F0C7-4F18-8A30-8FC905DE53CF}" presName="hierChild4" presStyleCnt="0"/>
+      <dgm:spPr/>
+    </dgm:pt>
+  </dgm:ptLst>
+  <dgm:cxnLst>
+    <dgm:cxn modelId="{D55BDDA4-3F34-49C2-8876-6D2C484345DB}" type="presOf" srcId="{5168E9A8-A195-4C76-B015-F3431E1743B8}" destId="{D6A2D5BD-8614-4503-A84C-FC97E15250B3}" srcOrd="0" destOrd="0" presId="urn:microsoft.com/office/officeart/2005/8/layout/hierarchy1"/>
+    <dgm:cxn modelId="{788728F3-6BE9-42F7-A366-C83F9D60CDBA}" srcId="{5168E9A8-A195-4C76-B015-F3431E1743B8}" destId="{90BD477A-F3D2-48FB-8568-C0E74D0CB107}" srcOrd="0" destOrd="0" parTransId="{FF987B65-30DF-4311-9AB1-B7C3460CD950}" sibTransId="{FD83F9C1-E38D-427C-8750-F62452789EFC}"/>
+    <dgm:cxn modelId="{99FE5CBE-A5E3-4904-A856-6FEB65F52FC7}" type="presOf" srcId="{AFB233AD-5745-4EB2-9F6F-4F6DBB460A03}" destId="{2E8EA0A9-8F83-4740-AB78-01294C1743E3}" srcOrd="0" destOrd="0" presId="urn:microsoft.com/office/officeart/2005/8/layout/hierarchy1"/>
+    <dgm:cxn modelId="{20B1EB23-6A15-47C7-9B2C-453B36232143}" type="presOf" srcId="{18AA767B-8F13-44D0-A5B7-B66587ED9509}" destId="{FF2B1048-BE04-4258-AFC8-21AA7BB60771}" srcOrd="0" destOrd="0" presId="urn:microsoft.com/office/officeart/2005/8/layout/hierarchy1"/>
+    <dgm:cxn modelId="{94E6ED31-052F-4D6E-B9F3-D3A4C77FDBA0}" srcId="{5168E9A8-A195-4C76-B015-F3431E1743B8}" destId="{18AA767B-8F13-44D0-A5B7-B66587ED9509}" srcOrd="2" destOrd="0" parTransId="{3286C7EE-EE19-4F76-8550-6C1D9933B3C8}" sibTransId="{B7D2737A-716D-4126-81B3-1562CBAC0F0A}"/>
+    <dgm:cxn modelId="{EAB261AC-1D13-4239-B3F3-7AFBF6A85C66}" srcId="{18AA767B-8F13-44D0-A5B7-B66587ED9509}" destId="{E0268EA0-469D-4359-9C06-7817EBC37373}" srcOrd="0" destOrd="0" parTransId="{2CC5732E-74DA-4DF2-ACFD-6025D06A4FFE}" sibTransId="{1561F31F-28C7-42E4-830E-D2AC302B31F9}"/>
+    <dgm:cxn modelId="{54A339FC-295F-4953-8168-D55D675AFAD4}" type="presOf" srcId="{3286C7EE-EE19-4F76-8550-6C1D9933B3C8}" destId="{D8ABBB7D-A378-4E12-AEF0-D8368416D56B}" srcOrd="0" destOrd="0" presId="urn:microsoft.com/office/officeart/2005/8/layout/hierarchy1"/>
+    <dgm:cxn modelId="{63C8D014-1640-4B62-B9BA-B0FE93AFE78F}" srcId="{AFB233AD-5745-4EB2-9F6F-4F6DBB460A03}" destId="{5168E9A8-A195-4C76-B015-F3431E1743B8}" srcOrd="0" destOrd="0" parTransId="{751581C6-31BE-4D5B-81CC-E99F9784C7F6}" sibTransId="{6C2FEDCD-F259-4536-9D33-DEF8C8AE93ED}"/>
+    <dgm:cxn modelId="{0CC837AC-83E2-4878-826E-976C5F58F0EE}" type="presOf" srcId="{B2C81D0C-CF25-44FE-BE6F-97865317D0C1}" destId="{E713E1F6-359C-4139-93E7-78C5DE0FBF10}" srcOrd="0" destOrd="0" presId="urn:microsoft.com/office/officeart/2005/8/layout/hierarchy1"/>
+    <dgm:cxn modelId="{5003335B-661D-4048-AB79-4D65A866CB5A}" type="presOf" srcId="{FF987B65-30DF-4311-9AB1-B7C3460CD950}" destId="{32EED4AC-2572-49B7-A5E6-F60C8E0F41DA}" srcOrd="0" destOrd="0" presId="urn:microsoft.com/office/officeart/2005/8/layout/hierarchy1"/>
+    <dgm:cxn modelId="{32DABAEC-BD83-4321-93FA-4492A63D3EB3}" type="presOf" srcId="{E0268EA0-469D-4359-9C06-7817EBC37373}" destId="{9C85BF28-C368-4982-9C48-6F4EEE3A77A4}" srcOrd="0" destOrd="0" presId="urn:microsoft.com/office/officeart/2005/8/layout/hierarchy1"/>
+    <dgm:cxn modelId="{B231D615-253B-4C44-99E9-BE2281143268}" type="presOf" srcId="{3A44D7EB-8233-4838-851F-F5823DFA55C5}" destId="{7F8508EB-5D69-4D41-86D3-5BF950A2011F}" srcOrd="0" destOrd="0" presId="urn:microsoft.com/office/officeart/2005/8/layout/hierarchy1"/>
+    <dgm:cxn modelId="{4E06053E-62A1-4E7F-90C2-A3E56A536E71}" type="presOf" srcId="{2CC5732E-74DA-4DF2-ACFD-6025D06A4FFE}" destId="{5F066E9E-C70C-4E62-A312-B5175E72F5A8}" srcOrd="0" destOrd="0" presId="urn:microsoft.com/office/officeart/2005/8/layout/hierarchy1"/>
+    <dgm:cxn modelId="{635B37C7-F1F2-4F91-A9D8-750B8BAC1B22}" type="presOf" srcId="{C0A597CB-F0C7-4F18-8A30-8FC905DE53CF}" destId="{EC90F048-BC12-4DE9-9945-8C4CD46BE5FC}" srcOrd="0" destOrd="0" presId="urn:microsoft.com/office/officeart/2005/8/layout/hierarchy1"/>
+    <dgm:cxn modelId="{1BFD953B-4158-4C8C-8C17-B5061ED794DD}" type="presOf" srcId="{90BD477A-F3D2-48FB-8568-C0E74D0CB107}" destId="{9432434E-B235-4797-99D3-187C044AB0C7}" srcOrd="0" destOrd="0" presId="urn:microsoft.com/office/officeart/2005/8/layout/hierarchy1"/>
+    <dgm:cxn modelId="{FA9243E9-9D24-4126-BCD8-757919FADFA2}" srcId="{18AA767B-8F13-44D0-A5B7-B66587ED9509}" destId="{C0A597CB-F0C7-4F18-8A30-8FC905DE53CF}" srcOrd="1" destOrd="0" parTransId="{3A44D7EB-8233-4838-851F-F5823DFA55C5}" sibTransId="{DCB1FED4-3A57-4E7F-A9C9-173595ADB782}"/>
+    <dgm:cxn modelId="{498AECEA-75E6-454F-931A-33CE95C703BD}" srcId="{5168E9A8-A195-4C76-B015-F3431E1743B8}" destId="{D1AEB541-3FAB-482A-A11F-E12439F0D395}" srcOrd="1" destOrd="0" parTransId="{B2C81D0C-CF25-44FE-BE6F-97865317D0C1}" sibTransId="{F4B067D1-C215-403A-8CAF-51C55EA1F17C}"/>
+    <dgm:cxn modelId="{67B5637D-D4D9-484B-9B35-DFB7B1E1616C}" type="presOf" srcId="{D1AEB541-3FAB-482A-A11F-E12439F0D395}" destId="{D8246732-8807-4933-82AF-9D0C543B24EB}" srcOrd="0" destOrd="0" presId="urn:microsoft.com/office/officeart/2005/8/layout/hierarchy1"/>
+    <dgm:cxn modelId="{5D146620-4F16-4D6C-8067-B00F5B8291B2}" type="presParOf" srcId="{2E8EA0A9-8F83-4740-AB78-01294C1743E3}" destId="{0E110773-D04A-4CAE-93C0-1D8F4573F109}" srcOrd="0" destOrd="0" presId="urn:microsoft.com/office/officeart/2005/8/layout/hierarchy1"/>
+    <dgm:cxn modelId="{2D2B6539-1A56-453D-9F5F-3F765912BE27}" type="presParOf" srcId="{0E110773-D04A-4CAE-93C0-1D8F4573F109}" destId="{360985DB-BD57-42E9-B7D1-FCC226271671}" srcOrd="0" destOrd="0" presId="urn:microsoft.com/office/officeart/2005/8/layout/hierarchy1"/>
+    <dgm:cxn modelId="{24915D47-E415-4702-BB69-A8612BA2812C}" type="presParOf" srcId="{360985DB-BD57-42E9-B7D1-FCC226271671}" destId="{7F9AAAEC-D1DE-4660-99EF-4AD43ABF7720}" srcOrd="0" destOrd="0" presId="urn:microsoft.com/office/officeart/2005/8/layout/hierarchy1"/>
+    <dgm:cxn modelId="{074DFCFA-5E2F-42B6-9614-EFE71A424913}" type="presParOf" srcId="{360985DB-BD57-42E9-B7D1-FCC226271671}" destId="{D6A2D5BD-8614-4503-A84C-FC97E15250B3}" srcOrd="1" destOrd="0" presId="urn:microsoft.com/office/officeart/2005/8/layout/hierarchy1"/>
+    <dgm:cxn modelId="{4823755B-373F-4E23-B061-2456AB199E58}" type="presParOf" srcId="{0E110773-D04A-4CAE-93C0-1D8F4573F109}" destId="{442822E8-5CD0-46A0-A247-94E39C9945E4}" srcOrd="1" destOrd="0" presId="urn:microsoft.com/office/officeart/2005/8/layout/hierarchy1"/>
+    <dgm:cxn modelId="{3C52C549-FE3C-41D3-A6B8-32412EDF6925}" type="presParOf" srcId="{442822E8-5CD0-46A0-A247-94E39C9945E4}" destId="{32EED4AC-2572-49B7-A5E6-F60C8E0F41DA}" srcOrd="0" destOrd="0" presId="urn:microsoft.com/office/officeart/2005/8/layout/hierarchy1"/>
+    <dgm:cxn modelId="{42FCD7F5-E7B5-408A-B772-6A7582A45F95}" type="presParOf" srcId="{442822E8-5CD0-46A0-A247-94E39C9945E4}" destId="{C11E4298-BDDA-4405-84E5-6D1697846265}" srcOrd="1" destOrd="0" presId="urn:microsoft.com/office/officeart/2005/8/layout/hierarchy1"/>
+    <dgm:cxn modelId="{035D41C7-7D78-47F8-8D4A-AA736BAD864E}" type="presParOf" srcId="{C11E4298-BDDA-4405-84E5-6D1697846265}" destId="{DC293FAA-000A-4E2A-9AFE-95B3DBDC5ED5}" srcOrd="0" destOrd="0" presId="urn:microsoft.com/office/officeart/2005/8/layout/hierarchy1"/>
+    <dgm:cxn modelId="{B5936D90-C2B9-4AF4-B66E-1BD1142A654F}" type="presParOf" srcId="{DC293FAA-000A-4E2A-9AFE-95B3DBDC5ED5}" destId="{0CD321DA-7F72-43D7-ACC0-AF3786149819}" srcOrd="0" destOrd="0" presId="urn:microsoft.com/office/officeart/2005/8/layout/hierarchy1"/>
+    <dgm:cxn modelId="{FA562B19-A951-4C7E-B02C-7DCF54852C80}" type="presParOf" srcId="{DC293FAA-000A-4E2A-9AFE-95B3DBDC5ED5}" destId="{9432434E-B235-4797-99D3-187C044AB0C7}" srcOrd="1" destOrd="0" presId="urn:microsoft.com/office/officeart/2005/8/layout/hierarchy1"/>
+    <dgm:cxn modelId="{4313FAFD-C63A-45E6-821C-60A5114EE444}" type="presParOf" srcId="{C11E4298-BDDA-4405-84E5-6D1697846265}" destId="{45547A4E-E4E1-46A7-9ABD-3842361CCA77}" srcOrd="1" destOrd="0" presId="urn:microsoft.com/office/officeart/2005/8/layout/hierarchy1"/>
+    <dgm:cxn modelId="{BD297687-5C25-4B82-8C22-8665AA73017A}" type="presParOf" srcId="{442822E8-5CD0-46A0-A247-94E39C9945E4}" destId="{E713E1F6-359C-4139-93E7-78C5DE0FBF10}" srcOrd="2" destOrd="0" presId="urn:microsoft.com/office/officeart/2005/8/layout/hierarchy1"/>
+    <dgm:cxn modelId="{DAD89883-6964-401A-83F7-E75301CEE810}" type="presParOf" srcId="{442822E8-5CD0-46A0-A247-94E39C9945E4}" destId="{B5D1AD24-3F63-4841-B782-87C107C11109}" srcOrd="3" destOrd="0" presId="urn:microsoft.com/office/officeart/2005/8/layout/hierarchy1"/>
+    <dgm:cxn modelId="{89BA7F8E-7F1F-4E46-B773-7E9AB9AE7D05}" type="presParOf" srcId="{B5D1AD24-3F63-4841-B782-87C107C11109}" destId="{D59A3815-CE93-48D7-9771-BECBF148D0A6}" srcOrd="0" destOrd="0" presId="urn:microsoft.com/office/officeart/2005/8/layout/hierarchy1"/>
+    <dgm:cxn modelId="{EF697534-6972-4E59-8180-5B6F97A91746}" type="presParOf" srcId="{D59A3815-CE93-48D7-9771-BECBF148D0A6}" destId="{BC9B404D-5FCF-4AD6-9466-4F1ED91510FE}" srcOrd="0" destOrd="0" presId="urn:microsoft.com/office/officeart/2005/8/layout/hierarchy1"/>
+    <dgm:cxn modelId="{3B00EFCF-435A-45AB-BA4C-F69BCCD86645}" type="presParOf" srcId="{D59A3815-CE93-48D7-9771-BECBF148D0A6}" destId="{D8246732-8807-4933-82AF-9D0C543B24EB}" srcOrd="1" destOrd="0" presId="urn:microsoft.com/office/officeart/2005/8/layout/hierarchy1"/>
+    <dgm:cxn modelId="{05D69C1E-6F5B-4814-BA26-B637A9151D07}" type="presParOf" srcId="{B5D1AD24-3F63-4841-B782-87C107C11109}" destId="{1898BC07-DBF5-42B5-B5DF-4E68CEC74F42}" srcOrd="1" destOrd="0" presId="urn:microsoft.com/office/officeart/2005/8/layout/hierarchy1"/>
+    <dgm:cxn modelId="{33C3CEE0-735C-46CB-931A-9C66702963E3}" type="presParOf" srcId="{442822E8-5CD0-46A0-A247-94E39C9945E4}" destId="{D8ABBB7D-A378-4E12-AEF0-D8368416D56B}" srcOrd="4" destOrd="0" presId="urn:microsoft.com/office/officeart/2005/8/layout/hierarchy1"/>
+    <dgm:cxn modelId="{26C51F27-5DE9-4B4C-BEFB-5EA013768F1F}" type="presParOf" srcId="{442822E8-5CD0-46A0-A247-94E39C9945E4}" destId="{87AD439C-52B2-4792-BA05-BCE8011AF97E}" srcOrd="5" destOrd="0" presId="urn:microsoft.com/office/officeart/2005/8/layout/hierarchy1"/>
+    <dgm:cxn modelId="{0D4538A8-AB63-457C-8BAF-5416D6BAAD1C}" type="presParOf" srcId="{87AD439C-52B2-4792-BA05-BCE8011AF97E}" destId="{58E3306A-39C5-40F1-8D29-39F69F03AE5E}" srcOrd="0" destOrd="0" presId="urn:microsoft.com/office/officeart/2005/8/layout/hierarchy1"/>
+    <dgm:cxn modelId="{8147B23B-025C-487A-AA23-C563C957CD73}" type="presParOf" srcId="{58E3306A-39C5-40F1-8D29-39F69F03AE5E}" destId="{D6D38F2F-D708-44E0-B464-24CF147535E7}" srcOrd="0" destOrd="0" presId="urn:microsoft.com/office/officeart/2005/8/layout/hierarchy1"/>
+    <dgm:cxn modelId="{B2092933-2D6F-411E-9D7E-E093E3BBE4B8}" type="presParOf" srcId="{58E3306A-39C5-40F1-8D29-39F69F03AE5E}" destId="{FF2B1048-BE04-4258-AFC8-21AA7BB60771}" srcOrd="1" destOrd="0" presId="urn:microsoft.com/office/officeart/2005/8/layout/hierarchy1"/>
+    <dgm:cxn modelId="{3EE1453F-2443-4F3E-8EE3-01659657E103}" type="presParOf" srcId="{87AD439C-52B2-4792-BA05-BCE8011AF97E}" destId="{E0BAD5A8-E4BE-4F5D-BF05-6234B277C487}" srcOrd="1" destOrd="0" presId="urn:microsoft.com/office/officeart/2005/8/layout/hierarchy1"/>
+    <dgm:cxn modelId="{E569742C-1603-4152-9E4A-B624D52B5086}" type="presParOf" srcId="{E0BAD5A8-E4BE-4F5D-BF05-6234B277C487}" destId="{5F066E9E-C70C-4E62-A312-B5175E72F5A8}" srcOrd="0" destOrd="0" presId="urn:microsoft.com/office/officeart/2005/8/layout/hierarchy1"/>
+    <dgm:cxn modelId="{4C396E28-0E10-4C98-B2BB-ECB3E7532210}" type="presParOf" srcId="{E0BAD5A8-E4BE-4F5D-BF05-6234B277C487}" destId="{BF4A9CC0-A520-451E-80CA-A55286AD7D5A}" srcOrd="1" destOrd="0" presId="urn:microsoft.com/office/officeart/2005/8/layout/hierarchy1"/>
+    <dgm:cxn modelId="{E873152F-9492-4705-8452-7C350256804E}" type="presParOf" srcId="{BF4A9CC0-A520-451E-80CA-A55286AD7D5A}" destId="{796ED2E8-9106-4071-8F98-556967C6EDB0}" srcOrd="0" destOrd="0" presId="urn:microsoft.com/office/officeart/2005/8/layout/hierarchy1"/>
+    <dgm:cxn modelId="{6FC26814-1FC0-49EE-97C6-D283694B10AB}" type="presParOf" srcId="{796ED2E8-9106-4071-8F98-556967C6EDB0}" destId="{19D14D5A-093E-4BFB-9D37-5CF14F4B6975}" srcOrd="0" destOrd="0" presId="urn:microsoft.com/office/officeart/2005/8/layout/hierarchy1"/>
+    <dgm:cxn modelId="{76D774C6-0237-4B2E-B715-0FD114A1A4E3}" type="presParOf" srcId="{796ED2E8-9106-4071-8F98-556967C6EDB0}" destId="{9C85BF28-C368-4982-9C48-6F4EEE3A77A4}" srcOrd="1" destOrd="0" presId="urn:microsoft.com/office/officeart/2005/8/layout/hierarchy1"/>
+    <dgm:cxn modelId="{75820E1A-2A6C-497B-8736-C0176013BD60}" type="presParOf" srcId="{BF4A9CC0-A520-451E-80CA-A55286AD7D5A}" destId="{01DC3A08-FC88-4342-B611-E51D54ABD4DB}" srcOrd="1" destOrd="0" presId="urn:microsoft.com/office/officeart/2005/8/layout/hierarchy1"/>
+    <dgm:cxn modelId="{AC20F7D6-2143-40FB-893B-3EB832AD3FC7}" type="presParOf" srcId="{E0BAD5A8-E4BE-4F5D-BF05-6234B277C487}" destId="{7F8508EB-5D69-4D41-86D3-5BF950A2011F}" srcOrd="2" destOrd="0" presId="urn:microsoft.com/office/officeart/2005/8/layout/hierarchy1"/>
+    <dgm:cxn modelId="{372EDBC5-4DCB-4DB0-A2FA-4159D0DA5F2B}" type="presParOf" srcId="{E0BAD5A8-E4BE-4F5D-BF05-6234B277C487}" destId="{005C105F-F70E-4B12-A6F7-072C369815EF}" srcOrd="3" destOrd="0" presId="urn:microsoft.com/office/officeart/2005/8/layout/hierarchy1"/>
+    <dgm:cxn modelId="{773F4686-5F6F-4F58-A8BC-26D88CECE377}" type="presParOf" srcId="{005C105F-F70E-4B12-A6F7-072C369815EF}" destId="{7DF36401-E928-446B-B73A-3937A9F81C72}" srcOrd="0" destOrd="0" presId="urn:microsoft.com/office/officeart/2005/8/layout/hierarchy1"/>
+    <dgm:cxn modelId="{C7A7A9A1-DA69-41A0-AA25-062EFF6F440D}" type="presParOf" srcId="{7DF36401-E928-446B-B73A-3937A9F81C72}" destId="{E93BBE9D-C9BE-46EF-A08F-CBBF14145CDE}" srcOrd="0" destOrd="0" presId="urn:microsoft.com/office/officeart/2005/8/layout/hierarchy1"/>
+    <dgm:cxn modelId="{4122F019-616C-4698-8C69-12785EB1DE6C}" type="presParOf" srcId="{7DF36401-E928-446B-B73A-3937A9F81C72}" destId="{EC90F048-BC12-4DE9-9945-8C4CD46BE5FC}" srcOrd="1" destOrd="0" presId="urn:microsoft.com/office/officeart/2005/8/layout/hierarchy1"/>
+    <dgm:cxn modelId="{35302AFE-3133-49D1-9DA6-6DB0089D464E}" type="presParOf" srcId="{005C105F-F70E-4B12-A6F7-072C369815EF}" destId="{6C072417-1294-45B8-AB6A-06473CF06A36}" srcOrd="1" destOrd="0" presId="urn:microsoft.com/office/officeart/2005/8/layout/hierarchy1"/>
+  </dgm:cxnLst>
+  <dgm:bg/>
+  <dgm:whole/>
+  <dgm:extLst>
+    <a:ext uri="http://schemas.microsoft.com/office/drawing/2008/diagram">
+      <dsp:dataModelExt xmlns:dsp="http://schemas.microsoft.com/office/drawing/2008/diagram" xmlns="" relId="rId7" minVer="http://schemas.openxmlformats.org/drawingml/2006/diagram"/>
+    </a:ext>
+  </dgm:extLst>
+</dgm:dataModel>
+</file>
+
+<file path=ppt/diagrams/drawing1.xml><?xml version="1.0" encoding="utf-8"?>
+<dsp:drawing xmlns:dgm="http://schemas.openxmlformats.org/drawingml/2006/diagram" xmlns:a="http://schemas.openxmlformats.org/drawingml/2006/main" xmlns:dsp="http://schemas.microsoft.com/office/drawing/2008/diagram">
+  <dsp:spTree>
+    <dsp:nvGrpSpPr>
+      <dsp:cNvPr id="0" name=""/>
+      <dsp:cNvGrpSpPr/>
+    </dsp:nvGrpSpPr>
+    <dsp:grpSpPr/>
+    <dsp:sp modelId="{7F8508EB-5D69-4D41-86D3-5BF950A2011F}">
+      <dsp:nvSpPr>
+        <dsp:cNvPr id="0" name=""/>
+        <dsp:cNvSpPr/>
+      </dsp:nvSpPr>
+      <dsp:spPr>
+        <a:xfrm>
+          <a:off x="4307532" y="2419204"/>
+          <a:ext cx="893861" cy="425396"/>
+        </a:xfrm>
+        <a:custGeom>
+          <a:avLst/>
+          <a:gdLst/>
+          <a:ahLst/>
+          <a:cxnLst/>
+          <a:rect l="0" t="0" r="0" b="0"/>
+          <a:pathLst>
+            <a:path>
+              <a:moveTo>
+                <a:pt x="0" y="0"/>
+              </a:moveTo>
+              <a:lnTo>
+                <a:pt x="0" y="289895"/>
+              </a:lnTo>
+              <a:lnTo>
+                <a:pt x="893861" y="289895"/>
+              </a:lnTo>
+              <a:lnTo>
+                <a:pt x="893861" y="425396"/>
+              </a:lnTo>
+            </a:path>
+          </a:pathLst>
+        </a:custGeom>
+        <a:noFill/>
+        <a:ln w="9525" cap="flat" cmpd="sng" algn="ctr">
+          <a:solidFill>
+            <a:schemeClr val="dk2">
+              <a:shade val="80000"/>
+              <a:hueOff val="0"/>
+              <a:satOff val="0"/>
+              <a:lumOff val="0"/>
+              <a:alphaOff val="0"/>
+            </a:schemeClr>
+          </a:solidFill>
+          <a:prstDash val="solid"/>
+        </a:ln>
+        <a:effectLst/>
+      </dsp:spPr>
+      <dsp:style>
+        <a:lnRef idx="1">
+          <a:scrgbClr r="0" g="0" b="0"/>
+        </a:lnRef>
+        <a:fillRef idx="0">
+          <a:scrgbClr r="0" g="0" b="0"/>
+        </a:fillRef>
+        <a:effectRef idx="0">
+          <a:scrgbClr r="0" g="0" b="0"/>
+        </a:effectRef>
+        <a:fontRef idx="minor"/>
+      </dsp:style>
+    </dsp:sp>
+    <dsp:sp modelId="{5F066E9E-C70C-4E62-A312-B5175E72F5A8}">
+      <dsp:nvSpPr>
+        <dsp:cNvPr id="0" name=""/>
+        <dsp:cNvSpPr/>
+      </dsp:nvSpPr>
+      <dsp:spPr>
+        <a:xfrm>
+          <a:off x="3413670" y="2419204"/>
+          <a:ext cx="893861" cy="425396"/>
+        </a:xfrm>
+        <a:custGeom>
+          <a:avLst/>
+          <a:gdLst/>
+          <a:ahLst/>
+          <a:cxnLst/>
+          <a:rect l="0" t="0" r="0" b="0"/>
+          <a:pathLst>
+            <a:path>
+              <a:moveTo>
+                <a:pt x="893861" y="0"/>
+              </a:moveTo>
+              <a:lnTo>
+                <a:pt x="893861" y="289895"/>
+              </a:lnTo>
+              <a:lnTo>
+                <a:pt x="0" y="289895"/>
+              </a:lnTo>
+              <a:lnTo>
+                <a:pt x="0" y="425396"/>
+              </a:lnTo>
+            </a:path>
+          </a:pathLst>
+        </a:custGeom>
+        <a:noFill/>
+        <a:ln w="9525" cap="flat" cmpd="sng" algn="ctr">
+          <a:solidFill>
+            <a:schemeClr val="dk2">
+              <a:shade val="80000"/>
+              <a:hueOff val="0"/>
+              <a:satOff val="0"/>
+              <a:lumOff val="0"/>
+              <a:alphaOff val="0"/>
+            </a:schemeClr>
+          </a:solidFill>
+          <a:prstDash val="solid"/>
+        </a:ln>
+        <a:effectLst/>
+      </dsp:spPr>
+      <dsp:style>
+        <a:lnRef idx="1">
+          <a:scrgbClr r="0" g="0" b="0"/>
+        </a:lnRef>
+        <a:fillRef idx="0">
+          <a:scrgbClr r="0" g="0" b="0"/>
+        </a:fillRef>
+        <a:effectRef idx="0">
+          <a:scrgbClr r="0" g="0" b="0"/>
+        </a:effectRef>
+        <a:fontRef idx="minor"/>
+      </dsp:style>
+    </dsp:sp>
+    <dsp:sp modelId="{D8ABBB7D-A378-4E12-AEF0-D8368416D56B}">
+      <dsp:nvSpPr>
+        <dsp:cNvPr id="0" name=""/>
+        <dsp:cNvSpPr/>
+      </dsp:nvSpPr>
+      <dsp:spPr>
+        <a:xfrm>
+          <a:off x="2519808" y="1065004"/>
+          <a:ext cx="1787723" cy="425396"/>
+        </a:xfrm>
+        <a:custGeom>
+          <a:avLst/>
+          <a:gdLst/>
+          <a:ahLst/>
+          <a:cxnLst/>
+          <a:rect l="0" t="0" r="0" b="0"/>
+          <a:pathLst>
+            <a:path>
+              <a:moveTo>
+                <a:pt x="0" y="0"/>
+              </a:moveTo>
+              <a:lnTo>
+                <a:pt x="0" y="289895"/>
+              </a:lnTo>
+              <a:lnTo>
+                <a:pt x="1787723" y="289895"/>
+              </a:lnTo>
+              <a:lnTo>
+                <a:pt x="1787723" y="425396"/>
+              </a:lnTo>
+            </a:path>
+          </a:pathLst>
+        </a:custGeom>
+        <a:noFill/>
+        <a:ln w="9525" cap="flat" cmpd="sng" algn="ctr">
+          <a:solidFill>
+            <a:schemeClr val="dk2">
+              <a:shade val="60000"/>
+              <a:hueOff val="0"/>
+              <a:satOff val="0"/>
+              <a:lumOff val="0"/>
+              <a:alphaOff val="0"/>
+            </a:schemeClr>
+          </a:solidFill>
+          <a:prstDash val="solid"/>
+        </a:ln>
+        <a:effectLst/>
+      </dsp:spPr>
+      <dsp:style>
+        <a:lnRef idx="1">
+          <a:scrgbClr r="0" g="0" b="0"/>
+        </a:lnRef>
+        <a:fillRef idx="0">
+          <a:scrgbClr r="0" g="0" b="0"/>
+        </a:fillRef>
+        <a:effectRef idx="0">
+          <a:scrgbClr r="0" g="0" b="0"/>
+        </a:effectRef>
+        <a:fontRef idx="minor"/>
+      </dsp:style>
+    </dsp:sp>
+    <dsp:sp modelId="{E713E1F6-359C-4139-93E7-78C5DE0FBF10}">
+      <dsp:nvSpPr>
+        <dsp:cNvPr id="0" name=""/>
+        <dsp:cNvSpPr/>
+      </dsp:nvSpPr>
+      <dsp:spPr>
+        <a:xfrm>
+          <a:off x="2474088" y="1065004"/>
+          <a:ext cx="91440" cy="425396"/>
+        </a:xfrm>
+        <a:custGeom>
+          <a:avLst/>
+          <a:gdLst/>
+          <a:ahLst/>
+          <a:cxnLst/>
+          <a:rect l="0" t="0" r="0" b="0"/>
+          <a:pathLst>
+            <a:path>
+              <a:moveTo>
+                <a:pt x="45720" y="0"/>
+              </a:moveTo>
+              <a:lnTo>
+                <a:pt x="45720" y="425396"/>
+              </a:lnTo>
+            </a:path>
+          </a:pathLst>
+        </a:custGeom>
+        <a:noFill/>
+        <a:ln w="9525" cap="flat" cmpd="sng" algn="ctr">
+          <a:solidFill>
+            <a:schemeClr val="dk2">
+              <a:shade val="60000"/>
+              <a:hueOff val="0"/>
+              <a:satOff val="0"/>
+              <a:lumOff val="0"/>
+              <a:alphaOff val="0"/>
+            </a:schemeClr>
+          </a:solidFill>
+          <a:prstDash val="solid"/>
+        </a:ln>
+        <a:effectLst/>
+      </dsp:spPr>
+      <dsp:style>
+        <a:lnRef idx="1">
+          <a:scrgbClr r="0" g="0" b="0"/>
+        </a:lnRef>
+        <a:fillRef idx="0">
+          <a:scrgbClr r="0" g="0" b="0"/>
+        </a:fillRef>
+        <a:effectRef idx="0">
+          <a:scrgbClr r="0" g="0" b="0"/>
+        </a:effectRef>
+        <a:fontRef idx="minor"/>
+      </dsp:style>
+    </dsp:sp>
+    <dsp:sp modelId="{32EED4AC-2572-49B7-A5E6-F60C8E0F41DA}">
+      <dsp:nvSpPr>
+        <dsp:cNvPr id="0" name=""/>
+        <dsp:cNvSpPr/>
+      </dsp:nvSpPr>
+      <dsp:spPr>
+        <a:xfrm>
+          <a:off x="732085" y="1065004"/>
+          <a:ext cx="1787723" cy="425396"/>
+        </a:xfrm>
+        <a:custGeom>
+          <a:avLst/>
+          <a:gdLst/>
+          <a:ahLst/>
+          <a:cxnLst/>
+          <a:rect l="0" t="0" r="0" b="0"/>
+          <a:pathLst>
+            <a:path>
+              <a:moveTo>
+                <a:pt x="1787723" y="0"/>
+              </a:moveTo>
+              <a:lnTo>
+                <a:pt x="1787723" y="289895"/>
+              </a:lnTo>
+              <a:lnTo>
+                <a:pt x="0" y="289895"/>
+              </a:lnTo>
+              <a:lnTo>
+                <a:pt x="0" y="425396"/>
+              </a:lnTo>
+            </a:path>
+          </a:pathLst>
+        </a:custGeom>
+        <a:noFill/>
+        <a:ln w="9525" cap="flat" cmpd="sng" algn="ctr">
+          <a:solidFill>
+            <a:schemeClr val="dk2">
+              <a:shade val="60000"/>
+              <a:hueOff val="0"/>
+              <a:satOff val="0"/>
+              <a:lumOff val="0"/>
+              <a:alphaOff val="0"/>
+            </a:schemeClr>
+          </a:solidFill>
+          <a:prstDash val="solid"/>
+        </a:ln>
+        <a:effectLst/>
+      </dsp:spPr>
+      <dsp:style>
+        <a:lnRef idx="1">
+          <a:scrgbClr r="0" g="0" b="0"/>
+        </a:lnRef>
+        <a:fillRef idx="0">
+          <a:scrgbClr r="0" g="0" b="0"/>
+        </a:fillRef>
+        <a:effectRef idx="0">
+          <a:scrgbClr r="0" g="0" b="0"/>
+        </a:effectRef>
+        <a:fontRef idx="minor"/>
+      </dsp:style>
+    </dsp:sp>
+    <dsp:sp modelId="{7F9AAAEC-D1DE-4660-99EF-4AD43ABF7720}">
+      <dsp:nvSpPr>
+        <dsp:cNvPr id="0" name=""/>
+        <dsp:cNvSpPr/>
+      </dsp:nvSpPr>
+      <dsp:spPr>
+        <a:xfrm>
+          <a:off x="1788467" y="136200"/>
+          <a:ext cx="1462682" cy="928803"/>
+        </a:xfrm>
+        <a:prstGeom prst="roundRect">
+          <a:avLst>
+            <a:gd name="adj" fmla="val 10000"/>
+          </a:avLst>
+        </a:prstGeom>
+        <a:gradFill rotWithShape="0">
+          <a:gsLst>
+            <a:gs pos="0">
+              <a:schemeClr val="dk2">
+                <a:hueOff val="0"/>
+                <a:satOff val="0"/>
+                <a:lumOff val="0"/>
+                <a:alphaOff val="0"/>
+                <a:tint val="98000"/>
+                <a:shade val="25000"/>
+                <a:satMod val="250000"/>
+              </a:schemeClr>
+            </a:gs>
+            <a:gs pos="68000">
+              <a:schemeClr val="dk2">
+                <a:hueOff val="0"/>
+                <a:satOff val="0"/>
+                <a:lumOff val="0"/>
+                <a:alphaOff val="0"/>
+                <a:tint val="86000"/>
+                <a:satMod val="115000"/>
+              </a:schemeClr>
+            </a:gs>
+            <a:gs pos="100000">
+              <a:schemeClr val="dk2">
+                <a:hueOff val="0"/>
+                <a:satOff val="0"/>
+                <a:lumOff val="0"/>
+                <a:alphaOff val="0"/>
+                <a:tint val="50000"/>
+                <a:satMod val="150000"/>
+              </a:schemeClr>
+            </a:gs>
+          </a:gsLst>
+          <a:path path="circle">
+            <a:fillToRect l="50000" t="130000" r="50000" b="-30000"/>
+          </a:path>
+        </a:gradFill>
+        <a:ln>
+          <a:noFill/>
+        </a:ln>
+        <a:effectLst>
+          <a:outerShdw blurRad="57150" dist="38100" dir="5400000" algn="ctr" rotWithShape="0">
+            <a:schemeClr val="dk2">
+              <a:hueOff val="0"/>
+              <a:satOff val="0"/>
+              <a:lumOff val="0"/>
+              <a:alphaOff val="0"/>
+              <a:shade val="9000"/>
+              <a:satMod val="105000"/>
+              <a:alpha val="48000"/>
+            </a:schemeClr>
+          </a:outerShdw>
+        </a:effectLst>
+      </dsp:spPr>
+      <dsp:style>
+        <a:lnRef idx="0">
+          <a:scrgbClr r="0" g="0" b="0"/>
+        </a:lnRef>
+        <a:fillRef idx="3">
+          <a:scrgbClr r="0" g="0" b="0"/>
+        </a:fillRef>
+        <a:effectRef idx="2">
+          <a:scrgbClr r="0" g="0" b="0"/>
+        </a:effectRef>
+        <a:fontRef idx="minor">
+          <a:schemeClr val="lt1"/>
+        </a:fontRef>
+      </dsp:style>
+    </dsp:sp>
+    <dsp:sp modelId="{D6A2D5BD-8614-4503-A84C-FC97E15250B3}">
+      <dsp:nvSpPr>
+        <dsp:cNvPr id="0" name=""/>
+        <dsp:cNvSpPr/>
+      </dsp:nvSpPr>
+      <dsp:spPr>
+        <a:xfrm>
+          <a:off x="1950987" y="290594"/>
+          <a:ext cx="1462682" cy="928803"/>
+        </a:xfrm>
+        <a:prstGeom prst="roundRect">
+          <a:avLst>
+            <a:gd name="adj" fmla="val 10000"/>
+          </a:avLst>
+        </a:prstGeom>
+        <a:solidFill>
+          <a:schemeClr val="lt2">
+            <a:alpha val="90000"/>
+            <a:hueOff val="0"/>
+            <a:satOff val="0"/>
+            <a:lumOff val="0"/>
+            <a:alphaOff val="0"/>
+          </a:schemeClr>
+        </a:solidFill>
+        <a:ln w="9525" cap="flat" cmpd="sng" algn="ctr">
+          <a:solidFill>
+            <a:schemeClr val="dk2">
+              <a:hueOff val="0"/>
+              <a:satOff val="0"/>
+              <a:lumOff val="0"/>
+              <a:alphaOff val="0"/>
+            </a:schemeClr>
+          </a:solidFill>
+          <a:prstDash val="solid"/>
+        </a:ln>
+        <a:effectLst/>
+      </dsp:spPr>
+      <dsp:style>
+        <a:lnRef idx="1">
+          <a:scrgbClr r="0" g="0" b="0"/>
+        </a:lnRef>
+        <a:fillRef idx="1">
+          <a:scrgbClr r="0" g="0" b="0"/>
+        </a:fillRef>
+        <a:effectRef idx="0">
+          <a:scrgbClr r="0" g="0" b="0"/>
+        </a:effectRef>
+        <a:fontRef idx="minor"/>
+      </dsp:style>
+      <dsp:txBody>
+        <a:bodyPr spcFirstLastPara="0" vert="horz" wrap="square" lIns="91440" tIns="91440" rIns="91440" bIns="91440" numCol="1" spcCol="1270" anchor="ctr" anchorCtr="0">
+          <a:noAutofit/>
+        </a:bodyPr>
+        <a:lstStyle/>
+        <a:p>
+          <a:pPr lvl="0" algn="ctr" defTabSz="1066800">
+            <a:lnSpc>
+              <a:spcPct val="90000"/>
+            </a:lnSpc>
+            <a:spcBef>
+              <a:spcPct val="0"/>
+            </a:spcBef>
+            <a:spcAft>
+              <a:spcPct val="35000"/>
+            </a:spcAft>
+          </a:pPr>
+          <a:endParaRPr lang="en-GB" sz="2400" kern="1200" dirty="0"/>
+        </a:p>
+      </dsp:txBody>
+      <dsp:txXfrm>
+        <a:off x="1950987" y="290594"/>
+        <a:ext cx="1462682" cy="928803"/>
+      </dsp:txXfrm>
+    </dsp:sp>
+    <dsp:sp modelId="{0CD321DA-7F72-43D7-ACC0-AF3786149819}">
+      <dsp:nvSpPr>
+        <dsp:cNvPr id="0" name=""/>
+        <dsp:cNvSpPr/>
+      </dsp:nvSpPr>
+      <dsp:spPr>
+        <a:xfrm>
+          <a:off x="744" y="1490401"/>
+          <a:ext cx="1462682" cy="928803"/>
+        </a:xfrm>
+        <a:prstGeom prst="roundRect">
+          <a:avLst>
+            <a:gd name="adj" fmla="val 10000"/>
+          </a:avLst>
+        </a:prstGeom>
+        <a:gradFill rotWithShape="0">
+          <a:gsLst>
+            <a:gs pos="0">
+              <a:schemeClr val="dk2">
+                <a:hueOff val="0"/>
+                <a:satOff val="0"/>
+                <a:lumOff val="0"/>
+                <a:alphaOff val="0"/>
+                <a:tint val="98000"/>
+                <a:shade val="25000"/>
+                <a:satMod val="250000"/>
+              </a:schemeClr>
+            </a:gs>
+            <a:gs pos="68000">
+              <a:schemeClr val="dk2">
+                <a:hueOff val="0"/>
+                <a:satOff val="0"/>
+                <a:lumOff val="0"/>
+                <a:alphaOff val="0"/>
+                <a:tint val="86000"/>
+                <a:satMod val="115000"/>
+              </a:schemeClr>
+            </a:gs>
+            <a:gs pos="100000">
+              <a:schemeClr val="dk2">
+                <a:hueOff val="0"/>
+                <a:satOff val="0"/>
+                <a:lumOff val="0"/>
+                <a:alphaOff val="0"/>
+                <a:tint val="50000"/>
+                <a:satMod val="150000"/>
+              </a:schemeClr>
+            </a:gs>
+          </a:gsLst>
+          <a:path path="circle">
+            <a:fillToRect l="50000" t="130000" r="50000" b="-30000"/>
+          </a:path>
+        </a:gradFill>
+        <a:ln>
+          <a:noFill/>
+        </a:ln>
+        <a:effectLst>
+          <a:outerShdw blurRad="57150" dist="38100" dir="5400000" algn="ctr" rotWithShape="0">
+            <a:schemeClr val="dk2">
+              <a:hueOff val="0"/>
+              <a:satOff val="0"/>
+              <a:lumOff val="0"/>
+              <a:alphaOff val="0"/>
+              <a:shade val="9000"/>
+              <a:satMod val="105000"/>
+              <a:alpha val="48000"/>
+            </a:schemeClr>
+          </a:outerShdw>
+        </a:effectLst>
+      </dsp:spPr>
+      <dsp:style>
+        <a:lnRef idx="0">
+          <a:scrgbClr r="0" g="0" b="0"/>
+        </a:lnRef>
+        <a:fillRef idx="3">
+          <a:scrgbClr r="0" g="0" b="0"/>
+        </a:fillRef>
+        <a:effectRef idx="2">
+          <a:scrgbClr r="0" g="0" b="0"/>
+        </a:effectRef>
+        <a:fontRef idx="minor">
+          <a:schemeClr val="lt1"/>
+        </a:fontRef>
+      </dsp:style>
+    </dsp:sp>
+    <dsp:sp modelId="{9432434E-B235-4797-99D3-187C044AB0C7}">
+      <dsp:nvSpPr>
+        <dsp:cNvPr id="0" name=""/>
+        <dsp:cNvSpPr/>
+      </dsp:nvSpPr>
+      <dsp:spPr>
+        <a:xfrm>
+          <a:off x="163264" y="1644795"/>
+          <a:ext cx="1462682" cy="928803"/>
+        </a:xfrm>
+        <a:prstGeom prst="roundRect">
+          <a:avLst>
+            <a:gd name="adj" fmla="val 10000"/>
+          </a:avLst>
+        </a:prstGeom>
+        <a:solidFill>
+          <a:schemeClr val="lt2">
+            <a:alpha val="90000"/>
+            <a:hueOff val="0"/>
+            <a:satOff val="0"/>
+            <a:lumOff val="0"/>
+            <a:alphaOff val="0"/>
+          </a:schemeClr>
+        </a:solidFill>
+        <a:ln w="9525" cap="flat" cmpd="sng" algn="ctr">
+          <a:solidFill>
+            <a:schemeClr val="dk2">
+              <a:hueOff val="0"/>
+              <a:satOff val="0"/>
+              <a:lumOff val="0"/>
+              <a:alphaOff val="0"/>
+            </a:schemeClr>
+          </a:solidFill>
+          <a:prstDash val="solid"/>
+        </a:ln>
+        <a:effectLst/>
+      </dsp:spPr>
+      <dsp:style>
+        <a:lnRef idx="1">
+          <a:scrgbClr r="0" g="0" b="0"/>
+        </a:lnRef>
+        <a:fillRef idx="1">
+          <a:scrgbClr r="0" g="0" b="0"/>
+        </a:fillRef>
+        <a:effectRef idx="0">
+          <a:scrgbClr r="0" g="0" b="0"/>
+        </a:effectRef>
+        <a:fontRef idx="minor"/>
+      </dsp:style>
+      <dsp:txBody>
+        <a:bodyPr spcFirstLastPara="0" vert="horz" wrap="square" lIns="91440" tIns="91440" rIns="91440" bIns="91440" numCol="1" spcCol="1270" anchor="ctr" anchorCtr="0">
+          <a:noAutofit/>
+        </a:bodyPr>
+        <a:lstStyle/>
+        <a:p>
+          <a:pPr lvl="0" algn="ctr" defTabSz="1066800">
+            <a:lnSpc>
+              <a:spcPct val="90000"/>
+            </a:lnSpc>
+            <a:spcBef>
+              <a:spcPct val="0"/>
+            </a:spcBef>
+            <a:spcAft>
+              <a:spcPct val="35000"/>
+            </a:spcAft>
+          </a:pPr>
+          <a:r>
+            <a:rPr lang="en-GB" sz="2400" kern="1200" smtClean="0"/>
+            <a:t> singleton</a:t>
+          </a:r>
+          <a:endParaRPr lang="en-GB" sz="2400" kern="1200" dirty="0"/>
+        </a:p>
+      </dsp:txBody>
+      <dsp:txXfrm>
+        <a:off x="163264" y="1644795"/>
+        <a:ext cx="1462682" cy="928803"/>
+      </dsp:txXfrm>
+    </dsp:sp>
+    <dsp:sp modelId="{BC9B404D-5FCF-4AD6-9466-4F1ED91510FE}">
+      <dsp:nvSpPr>
+        <dsp:cNvPr id="0" name=""/>
+        <dsp:cNvSpPr/>
+      </dsp:nvSpPr>
+      <dsp:spPr>
+        <a:xfrm>
+          <a:off x="1788467" y="1490401"/>
+          <a:ext cx="1462682" cy="928803"/>
+        </a:xfrm>
+        <a:prstGeom prst="roundRect">
+          <a:avLst>
+            <a:gd name="adj" fmla="val 10000"/>
+          </a:avLst>
+        </a:prstGeom>
+        <a:gradFill rotWithShape="0">
+          <a:gsLst>
+            <a:gs pos="0">
+              <a:schemeClr val="dk2">
+                <a:hueOff val="0"/>
+                <a:satOff val="0"/>
+                <a:lumOff val="0"/>
+                <a:alphaOff val="0"/>
+                <a:tint val="98000"/>
+                <a:shade val="25000"/>
+                <a:satMod val="250000"/>
+              </a:schemeClr>
+            </a:gs>
+            <a:gs pos="68000">
+              <a:schemeClr val="dk2">
+                <a:hueOff val="0"/>
+                <a:satOff val="0"/>
+                <a:lumOff val="0"/>
+                <a:alphaOff val="0"/>
+                <a:tint val="86000"/>
+                <a:satMod val="115000"/>
+              </a:schemeClr>
+            </a:gs>
+            <a:gs pos="100000">
+              <a:schemeClr val="dk2">
+                <a:hueOff val="0"/>
+                <a:satOff val="0"/>
+                <a:lumOff val="0"/>
+                <a:alphaOff val="0"/>
+                <a:tint val="50000"/>
+                <a:satMod val="150000"/>
+              </a:schemeClr>
+            </a:gs>
+          </a:gsLst>
+          <a:path path="circle">
+            <a:fillToRect l="50000" t="130000" r="50000" b="-30000"/>
+          </a:path>
+        </a:gradFill>
+        <a:ln>
+          <a:noFill/>
+        </a:ln>
+        <a:effectLst>
+          <a:outerShdw blurRad="57150" dist="38100" dir="5400000" algn="ctr" rotWithShape="0">
+            <a:schemeClr val="dk2">
+              <a:hueOff val="0"/>
+              <a:satOff val="0"/>
+              <a:lumOff val="0"/>
+              <a:alphaOff val="0"/>
+              <a:shade val="9000"/>
+              <a:satMod val="105000"/>
+              <a:alpha val="48000"/>
+            </a:schemeClr>
+          </a:outerShdw>
+        </a:effectLst>
+      </dsp:spPr>
+      <dsp:style>
+        <a:lnRef idx="0">
+          <a:scrgbClr r="0" g="0" b="0"/>
+        </a:lnRef>
+        <a:fillRef idx="3">
+          <a:scrgbClr r="0" g="0" b="0"/>
+        </a:fillRef>
+        <a:effectRef idx="2">
+          <a:scrgbClr r="0" g="0" b="0"/>
+        </a:effectRef>
+        <a:fontRef idx="minor">
+          <a:schemeClr val="lt1"/>
+        </a:fontRef>
+      </dsp:style>
+    </dsp:sp>
+    <dsp:sp modelId="{D8246732-8807-4933-82AF-9D0C543B24EB}">
+      <dsp:nvSpPr>
+        <dsp:cNvPr id="0" name=""/>
+        <dsp:cNvSpPr/>
+      </dsp:nvSpPr>
+      <dsp:spPr>
+        <a:xfrm>
+          <a:off x="1950987" y="1644795"/>
+          <a:ext cx="1462682" cy="928803"/>
+        </a:xfrm>
+        <a:prstGeom prst="roundRect">
+          <a:avLst>
+            <a:gd name="adj" fmla="val 10000"/>
+          </a:avLst>
+        </a:prstGeom>
+        <a:solidFill>
+          <a:schemeClr val="lt2">
+            <a:alpha val="90000"/>
+            <a:hueOff val="0"/>
+            <a:satOff val="0"/>
+            <a:lumOff val="0"/>
+            <a:alphaOff val="0"/>
+          </a:schemeClr>
+        </a:solidFill>
+        <a:ln w="9525" cap="flat" cmpd="sng" algn="ctr">
+          <a:solidFill>
+            <a:schemeClr val="dk2">
+              <a:hueOff val="0"/>
+              <a:satOff val="0"/>
+              <a:lumOff val="0"/>
+              <a:alphaOff val="0"/>
+            </a:schemeClr>
+          </a:solidFill>
+          <a:prstDash val="solid"/>
+        </a:ln>
+        <a:effectLst/>
+      </dsp:spPr>
+      <dsp:style>
+        <a:lnRef idx="1">
+          <a:scrgbClr r="0" g="0" b="0"/>
+        </a:lnRef>
+        <a:fillRef idx="1">
+          <a:scrgbClr r="0" g="0" b="0"/>
+        </a:fillRef>
+        <a:effectRef idx="0">
+          <a:scrgbClr r="0" g="0" b="0"/>
+        </a:effectRef>
+        <a:fontRef idx="minor"/>
+      </dsp:style>
+      <dsp:txBody>
+        <a:bodyPr spcFirstLastPara="0" vert="horz" wrap="square" lIns="91440" tIns="91440" rIns="91440" bIns="91440" numCol="1" spcCol="1270" anchor="ctr" anchorCtr="0">
+          <a:noAutofit/>
+        </a:bodyPr>
+        <a:lstStyle/>
+        <a:p>
+          <a:pPr lvl="0" algn="ctr" defTabSz="1066800">
+            <a:lnSpc>
+              <a:spcPct val="90000"/>
+            </a:lnSpc>
+            <a:spcBef>
+              <a:spcPct val="0"/>
+            </a:spcBef>
+            <a:spcAft>
+              <a:spcPct val="35000"/>
+            </a:spcAft>
+          </a:pPr>
+          <a:endParaRPr lang="en-GB" sz="2400" kern="1200" dirty="0"/>
+        </a:p>
+      </dsp:txBody>
+      <dsp:txXfrm>
+        <a:off x="1950987" y="1644795"/>
+        <a:ext cx="1462682" cy="928803"/>
+      </dsp:txXfrm>
+    </dsp:sp>
+    <dsp:sp modelId="{D6D38F2F-D708-44E0-B464-24CF147535E7}">
+      <dsp:nvSpPr>
+        <dsp:cNvPr id="0" name=""/>
+        <dsp:cNvSpPr/>
+      </dsp:nvSpPr>
+      <dsp:spPr>
+        <a:xfrm>
+          <a:off x="3576191" y="1490401"/>
+          <a:ext cx="1462682" cy="928803"/>
+        </a:xfrm>
+        <a:prstGeom prst="roundRect">
+          <a:avLst>
+            <a:gd name="adj" fmla="val 10000"/>
+          </a:avLst>
+        </a:prstGeom>
+        <a:gradFill rotWithShape="0">
+          <a:gsLst>
+            <a:gs pos="0">
+              <a:schemeClr val="dk2">
+                <a:hueOff val="0"/>
+                <a:satOff val="0"/>
+                <a:lumOff val="0"/>
+                <a:alphaOff val="0"/>
+                <a:tint val="98000"/>
+                <a:shade val="25000"/>
+                <a:satMod val="250000"/>
+              </a:schemeClr>
+            </a:gs>
+            <a:gs pos="68000">
+              <a:schemeClr val="dk2">
+                <a:hueOff val="0"/>
+                <a:satOff val="0"/>
+                <a:lumOff val="0"/>
+                <a:alphaOff val="0"/>
+                <a:tint val="86000"/>
+                <a:satMod val="115000"/>
+              </a:schemeClr>
+            </a:gs>
+            <a:gs pos="100000">
+              <a:schemeClr val="dk2">
+                <a:hueOff val="0"/>
+                <a:satOff val="0"/>
+                <a:lumOff val="0"/>
+                <a:alphaOff val="0"/>
+                <a:tint val="50000"/>
+                <a:satMod val="150000"/>
+              </a:schemeClr>
+            </a:gs>
+          </a:gsLst>
+          <a:path path="circle">
+            <a:fillToRect l="50000" t="130000" r="50000" b="-30000"/>
+          </a:path>
+        </a:gradFill>
+        <a:ln>
+          <a:noFill/>
+        </a:ln>
+        <a:effectLst>
+          <a:outerShdw blurRad="57150" dist="38100" dir="5400000" algn="ctr" rotWithShape="0">
+            <a:schemeClr val="dk2">
+              <a:hueOff val="0"/>
+              <a:satOff val="0"/>
+              <a:lumOff val="0"/>
+              <a:alphaOff val="0"/>
+              <a:shade val="9000"/>
+              <a:satMod val="105000"/>
+              <a:alpha val="48000"/>
+            </a:schemeClr>
+          </a:outerShdw>
+        </a:effectLst>
+      </dsp:spPr>
+      <dsp:style>
+        <a:lnRef idx="0">
+          <a:scrgbClr r="0" g="0" b="0"/>
+        </a:lnRef>
+        <a:fillRef idx="3">
+          <a:scrgbClr r="0" g="0" b="0"/>
+        </a:fillRef>
+        <a:effectRef idx="2">
+          <a:scrgbClr r="0" g="0" b="0"/>
+        </a:effectRef>
+        <a:fontRef idx="minor">
+          <a:schemeClr val="lt1"/>
+        </a:fontRef>
+      </dsp:style>
+    </dsp:sp>
+    <dsp:sp modelId="{FF2B1048-BE04-4258-AFC8-21AA7BB60771}">
+      <dsp:nvSpPr>
+        <dsp:cNvPr id="0" name=""/>
+        <dsp:cNvSpPr/>
+      </dsp:nvSpPr>
+      <dsp:spPr>
+        <a:xfrm>
+          <a:off x="3738711" y="1644795"/>
+          <a:ext cx="1462682" cy="928803"/>
+        </a:xfrm>
+        <a:prstGeom prst="roundRect">
+          <a:avLst>
+            <a:gd name="adj" fmla="val 10000"/>
+          </a:avLst>
+        </a:prstGeom>
+        <a:solidFill>
+          <a:schemeClr val="lt2">
+            <a:alpha val="90000"/>
+            <a:hueOff val="0"/>
+            <a:satOff val="0"/>
+            <a:lumOff val="0"/>
+            <a:alphaOff val="0"/>
+          </a:schemeClr>
+        </a:solidFill>
+        <a:ln w="9525" cap="flat" cmpd="sng" algn="ctr">
+          <a:solidFill>
+            <a:schemeClr val="dk2">
+              <a:hueOff val="0"/>
+              <a:satOff val="0"/>
+              <a:lumOff val="0"/>
+              <a:alphaOff val="0"/>
+            </a:schemeClr>
+          </a:solidFill>
+          <a:prstDash val="solid"/>
+        </a:ln>
+        <a:effectLst/>
+      </dsp:spPr>
+      <dsp:style>
+        <a:lnRef idx="1">
+          <a:scrgbClr r="0" g="0" b="0"/>
+        </a:lnRef>
+        <a:fillRef idx="1">
+          <a:scrgbClr r="0" g="0" b="0"/>
+        </a:fillRef>
+        <a:effectRef idx="0">
+          <a:scrgbClr r="0" g="0" b="0"/>
+        </a:effectRef>
+        <a:fontRef idx="minor"/>
+      </dsp:style>
+      <dsp:txBody>
+        <a:bodyPr spcFirstLastPara="0" vert="horz" wrap="square" lIns="91440" tIns="91440" rIns="91440" bIns="91440" numCol="1" spcCol="1270" anchor="ctr" anchorCtr="0">
+          <a:noAutofit/>
+        </a:bodyPr>
+        <a:lstStyle/>
+        <a:p>
+          <a:pPr lvl="0" algn="ctr" defTabSz="1066800">
+            <a:lnSpc>
+              <a:spcPct val="90000"/>
+            </a:lnSpc>
+            <a:spcBef>
+              <a:spcPct val="0"/>
+            </a:spcBef>
+            <a:spcAft>
+              <a:spcPct val="35000"/>
+            </a:spcAft>
+          </a:pPr>
+          <a:r>
+            <a:rPr lang="en-GB" sz="2400" kern="1200" dirty="0" smtClean="0"/>
+            <a:t> </a:t>
+          </a:r>
+          <a:endParaRPr lang="en-GB" sz="2400" kern="1200" dirty="0"/>
+        </a:p>
+      </dsp:txBody>
+      <dsp:txXfrm>
+        <a:off x="3738711" y="1644795"/>
+        <a:ext cx="1462682" cy="928803"/>
+      </dsp:txXfrm>
+    </dsp:sp>
+    <dsp:sp modelId="{19D14D5A-093E-4BFB-9D37-5CF14F4B6975}">
+      <dsp:nvSpPr>
+        <dsp:cNvPr id="0" name=""/>
+        <dsp:cNvSpPr/>
+      </dsp:nvSpPr>
+      <dsp:spPr>
+        <a:xfrm>
+          <a:off x="2682329" y="2844601"/>
+          <a:ext cx="1462682" cy="928803"/>
+        </a:xfrm>
+        <a:prstGeom prst="roundRect">
+          <a:avLst>
+            <a:gd name="adj" fmla="val 10000"/>
+          </a:avLst>
+        </a:prstGeom>
+        <a:gradFill rotWithShape="0">
+          <a:gsLst>
+            <a:gs pos="0">
+              <a:schemeClr val="dk2">
+                <a:hueOff val="0"/>
+                <a:satOff val="0"/>
+                <a:lumOff val="0"/>
+                <a:alphaOff val="0"/>
+                <a:tint val="98000"/>
+                <a:shade val="25000"/>
+                <a:satMod val="250000"/>
+              </a:schemeClr>
+            </a:gs>
+            <a:gs pos="68000">
+              <a:schemeClr val="dk2">
+                <a:hueOff val="0"/>
+                <a:satOff val="0"/>
+                <a:lumOff val="0"/>
+                <a:alphaOff val="0"/>
+                <a:tint val="86000"/>
+                <a:satMod val="115000"/>
+              </a:schemeClr>
+            </a:gs>
+            <a:gs pos="100000">
+              <a:schemeClr val="dk2">
+                <a:hueOff val="0"/>
+                <a:satOff val="0"/>
+                <a:lumOff val="0"/>
+                <a:alphaOff val="0"/>
+                <a:tint val="50000"/>
+                <a:satMod val="150000"/>
+              </a:schemeClr>
+            </a:gs>
+          </a:gsLst>
+          <a:path path="circle">
+            <a:fillToRect l="50000" t="130000" r="50000" b="-30000"/>
+          </a:path>
+        </a:gradFill>
+        <a:ln>
+          <a:noFill/>
+        </a:ln>
+        <a:effectLst>
+          <a:outerShdw blurRad="57150" dist="38100" dir="5400000" algn="ctr" rotWithShape="0">
+            <a:schemeClr val="dk2">
+              <a:hueOff val="0"/>
+              <a:satOff val="0"/>
+              <a:lumOff val="0"/>
+              <a:alphaOff val="0"/>
+              <a:shade val="9000"/>
+              <a:satMod val="105000"/>
+              <a:alpha val="48000"/>
+            </a:schemeClr>
+          </a:outerShdw>
+        </a:effectLst>
+      </dsp:spPr>
+      <dsp:style>
+        <a:lnRef idx="0">
+          <a:scrgbClr r="0" g="0" b="0"/>
+        </a:lnRef>
+        <a:fillRef idx="3">
+          <a:scrgbClr r="0" g="0" b="0"/>
+        </a:fillRef>
+        <a:effectRef idx="2">
+          <a:scrgbClr r="0" g="0" b="0"/>
+        </a:effectRef>
+        <a:fontRef idx="minor">
+          <a:schemeClr val="lt1"/>
+        </a:fontRef>
+      </dsp:style>
+    </dsp:sp>
+    <dsp:sp modelId="{9C85BF28-C368-4982-9C48-6F4EEE3A77A4}">
+      <dsp:nvSpPr>
+        <dsp:cNvPr id="0" name=""/>
+        <dsp:cNvSpPr/>
+      </dsp:nvSpPr>
+      <dsp:spPr>
+        <a:xfrm>
+          <a:off x="2844849" y="2998995"/>
+          <a:ext cx="1462682" cy="928803"/>
+        </a:xfrm>
+        <a:prstGeom prst="roundRect">
+          <a:avLst>
+            <a:gd name="adj" fmla="val 10000"/>
+          </a:avLst>
+        </a:prstGeom>
+        <a:solidFill>
+          <a:schemeClr val="lt2">
+            <a:alpha val="90000"/>
+            <a:hueOff val="0"/>
+            <a:satOff val="0"/>
+            <a:lumOff val="0"/>
+            <a:alphaOff val="0"/>
+          </a:schemeClr>
+        </a:solidFill>
+        <a:ln w="9525" cap="flat" cmpd="sng" algn="ctr">
+          <a:solidFill>
+            <a:schemeClr val="dk2">
+              <a:hueOff val="0"/>
+              <a:satOff val="0"/>
+              <a:lumOff val="0"/>
+              <a:alphaOff val="0"/>
+            </a:schemeClr>
+          </a:solidFill>
+          <a:prstDash val="solid"/>
+        </a:ln>
+        <a:effectLst/>
+      </dsp:spPr>
+      <dsp:style>
+        <a:lnRef idx="1">
+          <a:scrgbClr r="0" g="0" b="0"/>
+        </a:lnRef>
+        <a:fillRef idx="1">
+          <a:scrgbClr r="0" g="0" b="0"/>
+        </a:fillRef>
+        <a:effectRef idx="0">
+          <a:scrgbClr r="0" g="0" b="0"/>
+        </a:effectRef>
+        <a:fontRef idx="minor"/>
+      </dsp:style>
+      <dsp:txBody>
+        <a:bodyPr spcFirstLastPara="0" vert="horz" wrap="square" lIns="91440" tIns="91440" rIns="91440" bIns="91440" numCol="1" spcCol="1270" anchor="ctr" anchorCtr="0">
+          <a:noAutofit/>
+        </a:bodyPr>
+        <a:lstStyle/>
+        <a:p>
+          <a:pPr lvl="0" algn="ctr" defTabSz="1066800">
+            <a:lnSpc>
+              <a:spcPct val="90000"/>
+            </a:lnSpc>
+            <a:spcBef>
+              <a:spcPct val="0"/>
+            </a:spcBef>
+            <a:spcAft>
+              <a:spcPct val="35000"/>
+            </a:spcAft>
+          </a:pPr>
+          <a:endParaRPr lang="en-GB" sz="2400" kern="1200" dirty="0"/>
+        </a:p>
+      </dsp:txBody>
+      <dsp:txXfrm>
+        <a:off x="2844849" y="2998995"/>
+        <a:ext cx="1462682" cy="928803"/>
+      </dsp:txXfrm>
+    </dsp:sp>
+    <dsp:sp modelId="{E93BBE9D-C9BE-46EF-A08F-CBBF14145CDE}">
+      <dsp:nvSpPr>
+        <dsp:cNvPr id="0" name=""/>
+        <dsp:cNvSpPr/>
+      </dsp:nvSpPr>
+      <dsp:spPr>
+        <a:xfrm>
+          <a:off x="4470052" y="2844601"/>
+          <a:ext cx="1462682" cy="928803"/>
+        </a:xfrm>
+        <a:prstGeom prst="roundRect">
+          <a:avLst>
+            <a:gd name="adj" fmla="val 10000"/>
+          </a:avLst>
+        </a:prstGeom>
+        <a:gradFill rotWithShape="0">
+          <a:gsLst>
+            <a:gs pos="0">
+              <a:schemeClr val="dk2">
+                <a:hueOff val="0"/>
+                <a:satOff val="0"/>
+                <a:lumOff val="0"/>
+                <a:alphaOff val="0"/>
+                <a:tint val="98000"/>
+                <a:shade val="25000"/>
+                <a:satMod val="250000"/>
+              </a:schemeClr>
+            </a:gs>
+            <a:gs pos="68000">
+              <a:schemeClr val="dk2">
+                <a:hueOff val="0"/>
+                <a:satOff val="0"/>
+                <a:lumOff val="0"/>
+                <a:alphaOff val="0"/>
+                <a:tint val="86000"/>
+                <a:satMod val="115000"/>
+              </a:schemeClr>
+            </a:gs>
+            <a:gs pos="100000">
+              <a:schemeClr val="dk2">
+                <a:hueOff val="0"/>
+                <a:satOff val="0"/>
+                <a:lumOff val="0"/>
+                <a:alphaOff val="0"/>
+                <a:tint val="50000"/>
+                <a:satMod val="150000"/>
+              </a:schemeClr>
+            </a:gs>
+          </a:gsLst>
+          <a:path path="circle">
+            <a:fillToRect l="50000" t="130000" r="50000" b="-30000"/>
+          </a:path>
+        </a:gradFill>
+        <a:ln>
+          <a:noFill/>
+        </a:ln>
+        <a:effectLst>
+          <a:outerShdw blurRad="57150" dist="38100" dir="5400000" algn="ctr" rotWithShape="0">
+            <a:schemeClr val="dk2">
+              <a:hueOff val="0"/>
+              <a:satOff val="0"/>
+              <a:lumOff val="0"/>
+              <a:alphaOff val="0"/>
+              <a:shade val="9000"/>
+              <a:satMod val="105000"/>
+              <a:alpha val="48000"/>
+            </a:schemeClr>
+          </a:outerShdw>
+        </a:effectLst>
+      </dsp:spPr>
+      <dsp:style>
+        <a:lnRef idx="0">
+          <a:scrgbClr r="0" g="0" b="0"/>
+        </a:lnRef>
+        <a:fillRef idx="3">
+          <a:scrgbClr r="0" g="0" b="0"/>
+        </a:fillRef>
+        <a:effectRef idx="2">
+          <a:scrgbClr r="0" g="0" b="0"/>
+        </a:effectRef>
+        <a:fontRef idx="minor">
+          <a:schemeClr val="lt1"/>
+        </a:fontRef>
+      </dsp:style>
+    </dsp:sp>
+    <dsp:sp modelId="{EC90F048-BC12-4DE9-9945-8C4CD46BE5FC}">
+      <dsp:nvSpPr>
+        <dsp:cNvPr id="0" name=""/>
+        <dsp:cNvSpPr/>
+      </dsp:nvSpPr>
+      <dsp:spPr>
+        <a:xfrm>
+          <a:off x="4632573" y="2998995"/>
+          <a:ext cx="1462682" cy="928803"/>
+        </a:xfrm>
+        <a:prstGeom prst="roundRect">
+          <a:avLst>
+            <a:gd name="adj" fmla="val 10000"/>
+          </a:avLst>
+        </a:prstGeom>
+        <a:solidFill>
+          <a:schemeClr val="lt2">
+            <a:alpha val="90000"/>
+            <a:hueOff val="0"/>
+            <a:satOff val="0"/>
+            <a:lumOff val="0"/>
+            <a:alphaOff val="0"/>
+          </a:schemeClr>
+        </a:solidFill>
+        <a:ln w="9525" cap="flat" cmpd="sng" algn="ctr">
+          <a:solidFill>
+            <a:schemeClr val="dk2">
+              <a:hueOff val="0"/>
+              <a:satOff val="0"/>
+              <a:lumOff val="0"/>
+              <a:alphaOff val="0"/>
+            </a:schemeClr>
+          </a:solidFill>
+          <a:prstDash val="solid"/>
+        </a:ln>
+        <a:effectLst/>
+      </dsp:spPr>
+      <dsp:style>
+        <a:lnRef idx="1">
+          <a:scrgbClr r="0" g="0" b="0"/>
+        </a:lnRef>
+        <a:fillRef idx="1">
+          <a:scrgbClr r="0" g="0" b="0"/>
+        </a:fillRef>
+        <a:effectRef idx="0">
+          <a:scrgbClr r="0" g="0" b="0"/>
+        </a:effectRef>
+        <a:fontRef idx="minor"/>
+      </dsp:style>
+      <dsp:txBody>
+        <a:bodyPr spcFirstLastPara="0" vert="horz" wrap="square" lIns="91440" tIns="91440" rIns="91440" bIns="91440" numCol="1" spcCol="1270" anchor="ctr" anchorCtr="0">
+          <a:noAutofit/>
+        </a:bodyPr>
+        <a:lstStyle/>
+        <a:p>
+          <a:pPr lvl="0" algn="ctr" defTabSz="1066800">
+            <a:lnSpc>
+              <a:spcPct val="90000"/>
+            </a:lnSpc>
+            <a:spcBef>
+              <a:spcPct val="0"/>
+            </a:spcBef>
+            <a:spcAft>
+              <a:spcPct val="35000"/>
+            </a:spcAft>
+          </a:pPr>
+          <a:endParaRPr lang="en-GB" sz="2400" kern="1200" dirty="0"/>
+        </a:p>
+      </dsp:txBody>
+      <dsp:txXfrm>
+        <a:off x="4632573" y="2998995"/>
+        <a:ext cx="1462682" cy="928803"/>
+      </dsp:txXfrm>
+    </dsp:sp>
+  </dsp:spTree>
+</dsp:drawing>
+</file>
+
+<file path=ppt/diagrams/layout1.xml><?xml version="1.0" encoding="utf-8"?>
+<dgm:layoutDef xmlns:dgm="http://schemas.openxmlformats.org/drawingml/2006/diagram" xmlns:a="http://schemas.openxmlformats.org/drawingml/2006/main" uniqueId="urn:microsoft.com/office/officeart/2005/8/layout/hierarchy1">
+  <dgm:title val=""/>
+  <dgm:desc val=""/>
+  <dgm:catLst>
+    <dgm:cat type="hierarchy" pri="2000"/>
+  </dgm:catLst>
+  <dgm:sampData>
+    <dgm:dataModel>
+      <dgm:ptLst>
+        <dgm:pt modelId="0" type="doc"/>
+        <dgm:pt modelId="1">
+          <dgm:prSet phldr="1"/>
+        </dgm:pt>
+        <dgm:pt modelId="2">
+          <dgm:prSet phldr="1"/>
+        </dgm:pt>
+        <dgm:pt modelId="21">
+          <dgm:prSet phldr="1"/>
+        </dgm:pt>
+        <dgm:pt modelId="22">
+          <dgm:prSet phldr="1"/>
+        </dgm:pt>
+        <dgm:pt modelId="3">
+          <dgm:prSet phldr="1"/>
+        </dgm:pt>
+        <dgm:pt modelId="31">
+          <dgm:prSet phldr="1"/>
+        </dgm:pt>
+      </dgm:ptLst>
+      <dgm:cxnLst>
+        <dgm:cxn modelId="4" srcId="0" destId="1" srcOrd="0" destOrd="0"/>
+        <dgm:cxn modelId="5" srcId="1" destId="2" srcOrd="0" destOrd="0"/>
+        <dgm:cxn modelId="6" srcId="1" destId="3" srcOrd="1" destOrd="0"/>
+        <dgm:cxn modelId="23" srcId="2" destId="21" srcOrd="0" destOrd="0"/>
+        <dgm:cxn modelId="24" srcId="2" destId="22" srcOrd="1" destOrd="0"/>
+        <dgm:cxn modelId="33" srcId="3" destId="31" srcOrd="0" destOrd="0"/>
+      </dgm:cxnLst>
+      <dgm:bg/>
+      <dgm:whole/>
+    </dgm:dataModel>
+  </dgm:sampData>
+  <dgm:styleData>
+    <dgm:dataModel>
+      <dgm:ptLst>
+        <dgm:pt modelId="0" type="doc"/>
+        <dgm:pt modelId="1"/>
+        <dgm:pt modelId="11"/>
+        <dgm:pt modelId="12"/>
+      </dgm:ptLst>
+      <dgm:cxnLst>
+        <dgm:cxn modelId="2" srcId="0" destId="1" srcOrd="0" destOrd="0"/>
+        <dgm:cxn modelId="13" srcId="1" destId="11" srcOrd="0" destOrd="0"/>
+        <dgm:cxn modelId="14" srcId="1" destId="12" srcOrd="1" destOrd="0"/>
+      </dgm:cxnLst>
+      <dgm:bg/>
+      <dgm:whole/>
+    </dgm:dataModel>
+  </dgm:styleData>
+  <dgm:clrData>
+    <dgm:dataModel>
+      <dgm:ptLst>
+        <dgm:pt modelId="0" type="doc"/>
+        <dgm:pt modelId="1"/>
+        <dgm:pt modelId="2"/>
+        <dgm:pt modelId="21"/>
+        <dgm:pt modelId="211"/>
+        <dgm:pt modelId="3"/>
+        <dgm:pt modelId="31"/>
+        <dgm:pt modelId="311"/>
+      </dgm:ptLst>
+      <dgm:cxnLst>
+        <dgm:cxn modelId="4" srcId="0" destId="1" srcOrd="0" destOrd="0"/>
+        <dgm:cxn modelId="5" srcId="1" destId="2" srcOrd="0" destOrd="0"/>
+        <dgm:cxn modelId="6" srcId="1" destId="3" srcOrd="1" destOrd="0"/>
+        <dgm:cxn modelId="23" srcId="2" destId="21" srcOrd="0" destOrd="0"/>
+        <dgm:cxn modelId="24" srcId="21" destId="211" srcOrd="0" destOrd="0"/>
+        <dgm:cxn modelId="33" srcId="3" destId="31" srcOrd="0" destOrd="0"/>
+        <dgm:cxn modelId="34" srcId="31" destId="311" srcOrd="0" destOrd="0"/>
+      </dgm:cxnLst>
+      <dgm:bg/>
+      <dgm:whole/>
+    </dgm:dataModel>
+  </dgm:clrData>
+  <dgm:layoutNode name="hierChild1">
+    <dgm:varLst>
+      <dgm:chPref val="1"/>
+      <dgm:dir/>
+      <dgm:animOne val="branch"/>
+      <dgm:animLvl val="lvl"/>
+      <dgm:resizeHandles/>
+    </dgm:varLst>
+    <dgm:choose name="Name0">
+      <dgm:if name="Name1" func="var" arg="dir" op="equ" val="norm">
+        <dgm:alg type="hierChild">
+          <dgm:param type="linDir" val="fromL"/>
+        </dgm:alg>
+      </dgm:if>
+      <dgm:else name="Name2">
+        <dgm:alg type="hierChild">
+          <dgm:param type="linDir" val="fromR"/>
+        </dgm:alg>
+      </dgm:else>
+    </dgm:choose>
+    <dgm:shape xmlns:r="http://schemas.openxmlformats.org/officeDocument/2006/relationships" r:blip="">
+      <dgm:adjLst/>
+    </dgm:shape>
+    <dgm:presOf/>
+    <dgm:constrLst>
+      <dgm:constr type="primFontSz" for="des" ptType="node" op="equ" val="65"/>
+      <dgm:constr type="w" for="des" forName="composite" refType="w"/>
+      <dgm:constr type="h" for="des" forName="composite" refType="w" refFor="des" refForName="composite" fact="0.667"/>
+      <dgm:constr type="w" for="des" forName="composite2" refType="w" refFor="des" refForName="composite"/>
+      <dgm:constr type="h" for="des" forName="composite2" refType="h" refFor="des" refForName="composite"/>
+      <dgm:constr type="w" for="des" forName="composite3" refType="w" refFor="des" refForName="composite"/>
+      <dgm:constr type="h" for="des" forName="composite3" refType="h" refFor="des" refForName="composite"/>
+      <dgm:constr type="w" for="des" forName="composite4" refType="w" refFor="des" refForName="composite"/>
+      <dgm:constr type="h" for="des" forName="composite4" refType="h" refFor="des" refForName="composite"/>
+      <dgm:constr type="w" for="des" forName="composite5" refType="w" refFor="des" refForName="composite"/>
+      <dgm:constr type="h" for="des" forName="composite5" refType="h" refFor="des" refForName="composite"/>
+      <dgm:constr type="sibSp" refType="w" refFor="des" refForName="composite" fact="0.1"/>
+      <dgm:constr type="sibSp" for="des" forName="hierChild2" refType="sibSp"/>
+      <dgm:constr type="sibSp" for="des" forName="hierChild3" refType="sibSp"/>
+      <dgm:constr type="sibSp" for="des" forName="hierChild4" refType="sibSp"/>
+      <dgm:constr type="sibSp" for="des" forName="hierChild5" refType="sibSp"/>
+      <dgm:constr type="sibSp" for="des" forName="hierChild6" refType="sibSp"/>
+      <dgm:constr type="sp" for="des" forName="hierRoot1" refType="h" refFor="des" refForName="composite" fact="0.25"/>
+      <dgm:constr type="sp" for="des" forName="hierRoot2" refType="sp" refFor="des" refForName="hierRoot1"/>
+      <dgm:constr type="sp" for="des" forName="hierRoot3" refType="sp" refFor="des" refForName="hierRoot1"/>
+      <dgm:constr type="sp" for="des" forName="hierRoot4" refType="sp" refFor="des" refForName="hierRoot1"/>
+      <dgm:constr type="sp" for="des" forName="hierRoot5" refType="sp" refFor="des" refForName="hierRoot1"/>
+    </dgm:constrLst>
+    <dgm:ruleLst/>
+    <dgm:forEach name="Name3" axis="ch">
+      <dgm:forEach name="Name4" axis="self" ptType="node">
+        <dgm:layoutNode name="hierRoot1">
+          <dgm:alg type="hierRoot"/>
+          <dgm:shape xmlns:r="http://schemas.openxmlformats.org/officeDocument/2006/relationships" r:blip="">
+            <dgm:adjLst/>
+          </dgm:shape>
+          <dgm:presOf/>
+          <dgm:constrLst>
+            <dgm:constr type="bendDist" for="des" ptType="parTrans" refType="sp" fact="0.5"/>
+          </dgm:constrLst>
+          <dgm:ruleLst/>
+          <dgm:layoutNode name="composite">
+            <dgm:alg type="composite"/>
+            <dgm:shape xmlns:r="http://schemas.openxmlformats.org/officeDocument/2006/relationships" r:blip="">
+              <dgm:adjLst/>
+            </dgm:shape>
+            <dgm:presOf/>
+            <dgm:constrLst>
+              <dgm:constr type="w" for="ch" forName="background" refType="w" fact="0.9"/>
+              <dgm:constr type="h" for="ch" forName="background" refType="w" refFor="ch" refForName="background" fact="0.635"/>
+              <dgm:constr type="t" for="ch" forName="background"/>
+              <dgm:constr type="l" for="ch" forName="background"/>
+              <dgm:constr type="w" for="ch" forName="text" refType="w" fact="0.9"/>
+              <dgm:constr type="h" for="ch" forName="text" refType="w" refFor="ch" refForName="text" fact="0.635"/>
+              <dgm:constr type="t" for="ch" forName="text" refType="w" fact="0.095"/>
+              <dgm:constr type="l" for="ch" forName="text" refType="w" fact="0.1"/>
+            </dgm:constrLst>
+            <dgm:ruleLst/>
+            <dgm:layoutNode name="background" styleLbl="node0" moveWith="text">
+              <dgm:alg type="sp"/>
+              <dgm:shape xmlns:r="http://schemas.openxmlformats.org/officeDocument/2006/relationships" type="roundRect" r:blip="">
+                <dgm:adjLst>
+                  <dgm:adj idx="1" val="0.1"/>
+                </dgm:adjLst>
+              </dgm:shape>
+              <dgm:presOf/>
+              <dgm:constrLst/>
+              <dgm:ruleLst/>
+            </dgm:layoutNode>
+            <dgm:layoutNode name="text" styleLbl="fgAcc0">
+              <dgm:varLst>
+                <dgm:chPref val="3"/>
+              </dgm:varLst>
+              <dgm:alg type="tx"/>
+              <dgm:shape xmlns:r="http://schemas.openxmlformats.org/officeDocument/2006/relationships" type="roundRect" r:blip="">
+                <dgm:adjLst>
+                  <dgm:adj idx="1" val="0.1"/>
+                </dgm:adjLst>
+              </dgm:shape>
+              <dgm:presOf axis="self"/>
+              <dgm:constrLst>
+                <dgm:constr type="tMarg" refType="primFontSz" fact="0.3"/>
+                <dgm:constr type="bMarg" refType="primFontSz" fact="0.3"/>
+                <dgm:constr type="lMarg" refType="primFontSz" fact="0.3"/>
+                <dgm:constr type="rMarg" refType="primFontSz" fact="0.3"/>
+              </dgm:constrLst>
+              <dgm:ruleLst>
+                <dgm:rule type="primFontSz" val="5" fact="NaN" max="NaN"/>
+              </dgm:ruleLst>
+            </dgm:layoutNode>
+          </dgm:layoutNode>
+          <dgm:layoutNode name="hierChild2">
+            <dgm:choose name="Name5">
+              <dgm:if name="Name6" func="var" arg="dir" op="equ" val="norm">
+                <dgm:alg type="hierChild">
+                  <dgm:param type="linDir" val="fromL"/>
+                </dgm:alg>
+              </dgm:if>
+              <dgm:else name="Name7">
+                <dgm:alg type="hierChild">
+                  <dgm:param type="linDir" val="fromR"/>
+                </dgm:alg>
+              </dgm:else>
+            </dgm:choose>
+            <dgm:shape xmlns:r="http://schemas.openxmlformats.org/officeDocument/2006/relationships" r:blip="">
+              <dgm:adjLst/>
+            </dgm:shape>
+            <dgm:presOf/>
+            <dgm:constrLst/>
+            <dgm:ruleLst/>
+            <dgm:forEach name="Name8" axis="ch">
+              <dgm:forEach name="Name9" axis="self" ptType="parTrans" cnt="1">
+                <dgm:layoutNode name="Name10">
+                  <dgm:alg type="conn">
+                    <dgm:param type="dim" val="1D"/>
+                    <dgm:param type="endSty" val="noArr"/>
+                    <dgm:param type="connRout" val="bend"/>
+                    <dgm:param type="bendPt" val="end"/>
+                    <dgm:param type="begPts" val="bCtr"/>
+                    <dgm:param type="endPts" val="tCtr"/>
+                    <dgm:param type="srcNode" val="background"/>
+                    <dgm:param type="dstNode" val="background2"/>
+                  </dgm:alg>
+                  <dgm:shape xmlns:r="http://schemas.openxmlformats.org/officeDocument/2006/relationships" type="conn" r:blip="" zOrderOff="-999">
+                    <dgm:adjLst/>
+                  </dgm:shape>
+                  <dgm:presOf axis="self"/>
+                  <dgm:constrLst>
+                    <dgm:constr type="begPad"/>
+                    <dgm:constr type="endPad"/>
+                  </dgm:constrLst>
+                  <dgm:ruleLst/>
+                </dgm:layoutNode>
+              </dgm:forEach>
+              <dgm:forEach name="Name11" axis="self" ptType="node">
+                <dgm:layoutNode name="hierRoot2">
+                  <dgm:alg type="hierRoot"/>
+                  <dgm:shape xmlns:r="http://schemas.openxmlformats.org/officeDocument/2006/relationships" r:blip="">
+                    <dgm:adjLst/>
+                  </dgm:shape>
+                  <dgm:presOf/>
+                  <dgm:constrLst>
+                    <dgm:constr type="bendDist" for="des" ptType="parTrans" refType="sp" fact="0.5"/>
+                  </dgm:constrLst>
+                  <dgm:ruleLst/>
+                  <dgm:layoutNode name="composite2">
+                    <dgm:alg type="composite"/>
+                    <dgm:shape xmlns:r="http://schemas.openxmlformats.org/officeDocument/2006/relationships" r:blip="">
+                      <dgm:adjLst/>
+                    </dgm:shape>
+                    <dgm:presOf/>
+                    <dgm:constrLst>
+                      <dgm:constr type="w" for="ch" forName="background2" refType="w" fact="0.9"/>
+                      <dgm:constr type="h" for="ch" forName="background2" refType="w" refFor="ch" refForName="background2" fact="0.635"/>
+                      <dgm:constr type="t" for="ch" forName="background2"/>
+                      <dgm:constr type="l" for="ch" forName="background2"/>
+                      <dgm:constr type="w" for="ch" forName="text2" refType="w" fact="0.9"/>
+                      <dgm:constr type="h" for="ch" forName="text2" refType="w" refFor="ch" refForName="text2" fact="0.635"/>
+                      <dgm:constr type="t" for="ch" forName="text2" refType="w" fact="0.095"/>
+                      <dgm:constr type="l" for="ch" forName="text2" refType="w" fact="0.1"/>
+                    </dgm:constrLst>
+                    <dgm:ruleLst/>
+                    <dgm:layoutNode name="background2" moveWith="text2">
+                      <dgm:alg type="sp"/>
+                      <dgm:shape xmlns:r="http://schemas.openxmlformats.org/officeDocument/2006/relationships" type="roundRect" r:blip="">
+                        <dgm:adjLst>
+                          <dgm:adj idx="1" val="0.1"/>
+                        </dgm:adjLst>
+                      </dgm:shape>
+                      <dgm:presOf/>
+                      <dgm:constrLst/>
+                      <dgm:ruleLst/>
+                    </dgm:layoutNode>
+                    <dgm:layoutNode name="text2" styleLbl="fgAcc2">
+                      <dgm:varLst>
+                        <dgm:chPref val="3"/>
+                      </dgm:varLst>
+                      <dgm:alg type="tx"/>
+                      <dgm:shape xmlns:r="http://schemas.openxmlformats.org/officeDocument/2006/relationships" type="roundRect" r:blip="">
+                        <dgm:adjLst>
+                          <dgm:adj idx="1" val="0.1"/>
+                        </dgm:adjLst>
+                      </dgm:shape>
+                      <dgm:presOf axis="self"/>
+                      <dgm:constrLst>
+                        <dgm:constr type="tMarg" refType="primFontSz" fact="0.3"/>
+                        <dgm:constr type="bMarg" refType="primFontSz" fact="0.3"/>
+                        <dgm:constr type="lMarg" refType="primFontSz" fact="0.3"/>
+                        <dgm:constr type="rMarg" refType="primFontSz" fact="0.3"/>
+                      </dgm:constrLst>
+                      <dgm:ruleLst>
+                        <dgm:rule type="primFontSz" val="5" fact="NaN" max="NaN"/>
+                      </dgm:ruleLst>
+                    </dgm:layoutNode>
+                  </dgm:layoutNode>
+                  <dgm:layoutNode name="hierChild3">
+                    <dgm:choose name="Name12">
+                      <dgm:if name="Name13" func="var" arg="dir" op="equ" val="norm">
+                        <dgm:alg type="hierChild">
+                          <dgm:param type="linDir" val="fromL"/>
+                        </dgm:alg>
+                      </dgm:if>
+                      <dgm:else name="Name14">
+                        <dgm:alg type="hierChild">
+                          <dgm:param type="linDir" val="fromR"/>
+                        </dgm:alg>
+                      </dgm:else>
+                    </dgm:choose>
+                    <dgm:shape xmlns:r="http://schemas.openxmlformats.org/officeDocument/2006/relationships" r:blip="">
+                      <dgm:adjLst/>
+                    </dgm:shape>
+                    <dgm:presOf/>
+                    <dgm:constrLst/>
+                    <dgm:ruleLst/>
+                    <dgm:forEach name="Name15" axis="ch">
+                      <dgm:forEach name="Name16" axis="self" ptType="parTrans" cnt="1">
+                        <dgm:layoutNode name="Name17">
+                          <dgm:alg type="conn">
+                            <dgm:param type="dim" val="1D"/>
+                            <dgm:param type="endSty" val="noArr"/>
+                            <dgm:param type="connRout" val="bend"/>
+                            <dgm:param type="bendPt" val="end"/>
+                            <dgm:param type="begPts" val="bCtr"/>
+                            <dgm:param type="endPts" val="tCtr"/>
+                            <dgm:param type="srcNode" val="background2"/>
+                            <dgm:param type="dstNode" val="background3"/>
+                          </dgm:alg>
+                          <dgm:shape xmlns:r="http://schemas.openxmlformats.org/officeDocument/2006/relationships" type="conn" r:blip="" zOrderOff="-999">
+                            <dgm:adjLst/>
+                          </dgm:shape>
+                          <dgm:presOf axis="self"/>
+                          <dgm:constrLst>
+                            <dgm:constr type="begPad"/>
+                            <dgm:constr type="endPad"/>
+                          </dgm:constrLst>
+                          <dgm:ruleLst/>
+                        </dgm:layoutNode>
+                      </dgm:forEach>
+                      <dgm:forEach name="Name18" axis="self" ptType="node">
+                        <dgm:layoutNode name="hierRoot3">
+                          <dgm:alg type="hierRoot"/>
+                          <dgm:shape xmlns:r="http://schemas.openxmlformats.org/officeDocument/2006/relationships" r:blip="">
+                            <dgm:adjLst/>
+                          </dgm:shape>
+                          <dgm:presOf/>
+                          <dgm:constrLst>
+                            <dgm:constr type="bendDist" for="des" ptType="parTrans" refType="sp" fact="0.5"/>
+                          </dgm:constrLst>
+                          <dgm:ruleLst/>
+                          <dgm:layoutNode name="composite3">
+                            <dgm:alg type="composite"/>
+                            <dgm:shape xmlns:r="http://schemas.openxmlformats.org/officeDocument/2006/relationships" r:blip="">
+                              <dgm:adjLst/>
+                            </dgm:shape>
+                            <dgm:presOf/>
+                            <dgm:constrLst>
+                              <dgm:constr type="w" for="ch" forName="background3" refType="w" fact="0.9"/>
+                              <dgm:constr type="h" for="ch" forName="background3" refType="w" refFor="ch" refForName="background3" fact="0.635"/>
+                              <dgm:constr type="t" for="ch" forName="background3"/>
+                              <dgm:constr type="l" for="ch" forName="background3"/>
+                              <dgm:constr type="w" for="ch" forName="text3" refType="w" fact="0.9"/>
+                              <dgm:constr type="h" for="ch" forName="text3" refType="w" refFor="ch" refForName="text3" fact="0.635"/>
+                              <dgm:constr type="t" for="ch" forName="text3" refType="w" fact="0.095"/>
+                              <dgm:constr type="l" for="ch" forName="text3" refType="w" fact="0.1"/>
+                            </dgm:constrLst>
+                            <dgm:ruleLst/>
+                            <dgm:layoutNode name="background3" moveWith="text3">
+                              <dgm:alg type="sp"/>
+                              <dgm:shape xmlns:r="http://schemas.openxmlformats.org/officeDocument/2006/relationships" type="roundRect" r:blip="">
+                                <dgm:adjLst>
+                                  <dgm:adj idx="1" val="0.1"/>
+                                </dgm:adjLst>
+                              </dgm:shape>
+                              <dgm:presOf/>
+                              <dgm:constrLst/>
+                              <dgm:ruleLst/>
+                            </dgm:layoutNode>
+                            <dgm:layoutNode name="text3" styleLbl="fgAcc3">
+                              <dgm:varLst>
+                                <dgm:chPref val="3"/>
+                              </dgm:varLst>
+                              <dgm:alg type="tx"/>
+                              <dgm:shape xmlns:r="http://schemas.openxmlformats.org/officeDocument/2006/relationships" type="roundRect" r:blip="">
+                                <dgm:adjLst>
+                                  <dgm:adj idx="1" val="0.1"/>
+                                </dgm:adjLst>
+                              </dgm:shape>
+                              <dgm:presOf axis="self"/>
+                              <dgm:constrLst>
+                                <dgm:constr type="tMarg" refType="primFontSz" fact="0.3"/>
+                                <dgm:constr type="bMarg" refType="primFontSz" fact="0.3"/>
+                                <dgm:constr type="lMarg" refType="primFontSz" fact="0.3"/>
+                                <dgm:constr type="rMarg" refType="primFontSz" fact="0.3"/>
+                              </dgm:constrLst>
+                              <dgm:ruleLst>
+                                <dgm:rule type="primFontSz" val="5" fact="NaN" max="NaN"/>
+                              </dgm:ruleLst>
+                            </dgm:layoutNode>
+                          </dgm:layoutNode>
+                          <dgm:layoutNode name="hierChild4">
+                            <dgm:choose name="Name19">
+                              <dgm:if name="Name20" func="var" arg="dir" op="equ" val="norm">
+                                <dgm:alg type="hierChild">
+                                  <dgm:param type="linDir" val="fromL"/>
+                                </dgm:alg>
+                              </dgm:if>
+                              <dgm:else name="Name21">
+                                <dgm:alg type="hierChild">
+                                  <dgm:param type="linDir" val="fromR"/>
+                                </dgm:alg>
+                              </dgm:else>
+                            </dgm:choose>
+                            <dgm:shape xmlns:r="http://schemas.openxmlformats.org/officeDocument/2006/relationships" r:blip="">
+                              <dgm:adjLst/>
+                            </dgm:shape>
+                            <dgm:presOf/>
+                            <dgm:constrLst/>
+                            <dgm:ruleLst/>
+                            <dgm:forEach name="repeat" axis="ch">
+                              <dgm:forEach name="Name22" axis="self" ptType="parTrans" cnt="1">
+                                <dgm:layoutNode name="Name23">
+                                  <dgm:choose name="Name24">
+                                    <dgm:if name="Name25" axis="self" func="depth" op="lte" val="4">
+                                      <dgm:alg type="conn">
+                                        <dgm:param type="dim" val="1D"/>
+                                        <dgm:param type="endSty" val="noArr"/>
+                                        <dgm:param type="connRout" val="bend"/>
+                                        <dgm:param type="bendPt" val="end"/>
+                                        <dgm:param type="begPts" val="bCtr"/>
+                                        <dgm:param type="endPts" val="tCtr"/>
+                                        <dgm:param type="srcNode" val="background3"/>
+                                        <dgm:param type="dstNode" val="background4"/>
+                                      </dgm:alg>
+                                    </dgm:if>
+                                    <dgm:else name="Name26">
+                                      <dgm:alg type="conn">
+                                        <dgm:param type="dim" val="1D"/>
+                                        <dgm:param type="endSty" val="noArr"/>
+                                        <dgm:param type="connRout" val="bend"/>
+                                        <dgm:param type="bendPt" val="end"/>
+                                        <dgm:param type="begPts" val="bCtr"/>
+                                        <dgm:param type="endPts" val="tCtr"/>
+                                        <dgm:param type="srcNode" val="background4"/>
+                                        <dgm:param type="dstNode" val="background4"/>
+                                      </dgm:alg>
+                                    </dgm:else>
+                                  </dgm:choose>
+                                  <dgm:shape xmlns:r="http://schemas.openxmlformats.org/officeDocument/2006/relationships" type="conn" r:blip="" zOrderOff="-999">
+                                    <dgm:adjLst/>
+                                  </dgm:shape>
+                                  <dgm:presOf axis="self"/>
+                                  <dgm:constrLst>
+                                    <dgm:constr type="begPad"/>
+                                    <dgm:constr type="endPad"/>
+                                  </dgm:constrLst>
+                                  <dgm:ruleLst/>
+                                </dgm:layoutNode>
+                              </dgm:forEach>
+                              <dgm:forEach name="Name27" axis="self" ptType="node">
+                                <dgm:layoutNode name="hierRoot4">
+                                  <dgm:alg type="hierRoot"/>
+                                  <dgm:shape xmlns:r="http://schemas.openxmlformats.org/officeDocument/2006/relationships" r:blip="">
+                                    <dgm:adjLst/>
+                                  </dgm:shape>
+                                  <dgm:presOf/>
+                                  <dgm:constrLst>
+                                    <dgm:constr type="bendDist" for="des" ptType="parTrans" refType="sp" fact="0.5"/>
+                                  </dgm:constrLst>
+                                  <dgm:ruleLst/>
+                                  <dgm:layoutNode name="composite4">
+                                    <dgm:alg type="composite"/>
+                                    <dgm:shape xmlns:r="http://schemas.openxmlformats.org/officeDocument/2006/relationships" r:blip="">
+                                      <dgm:adjLst/>
+                                    </dgm:shape>
+                                    <dgm:presOf/>
+                                    <dgm:constrLst>
+                                      <dgm:constr type="w" for="ch" forName="background4" refType="w" fact="0.9"/>
+                                      <dgm:constr type="h" for="ch" forName="background4" refType="w" refFor="ch" refForName="background4" fact="0.635"/>
+                                      <dgm:constr type="t" for="ch" forName="background4"/>
+                                      <dgm:constr type="l" for="ch" forName="background4"/>
+                                      <dgm:constr type="w" for="ch" forName="text4" refType="w" fact="0.9"/>
+                                      <dgm:constr type="h" for="ch" forName="text4" refType="w" refFor="ch" refForName="text4" fact="0.635"/>
+                                      <dgm:constr type="t" for="ch" forName="text4" refType="w" fact="0.095"/>
+                                      <dgm:constr type="l" for="ch" forName="text4" refType="w" fact="0.1"/>
+                                    </dgm:constrLst>
+                                    <dgm:ruleLst/>
+                                    <dgm:layoutNode name="background4" moveWith="text4">
+                                      <dgm:alg type="sp"/>
+                                      <dgm:shape xmlns:r="http://schemas.openxmlformats.org/officeDocument/2006/relationships" type="roundRect" r:blip="">
+                                        <dgm:adjLst>
+                                          <dgm:adj idx="1" val="0.1"/>
+                                        </dgm:adjLst>
+                                      </dgm:shape>
+                                      <dgm:presOf/>
+                                      <dgm:constrLst/>
+                                      <dgm:ruleLst/>
+                                    </dgm:layoutNode>
+                                    <dgm:layoutNode name="text4" styleLbl="fgAcc4">
+                                      <dgm:varLst>
+                                        <dgm:chPref val="3"/>
+                                      </dgm:varLst>
+                                      <dgm:alg type="tx"/>
+                                      <dgm:shape xmlns:r="http://schemas.openxmlformats.org/officeDocument/2006/relationships" type="roundRect" r:blip="">
+                                        <dgm:adjLst>
+                                          <dgm:adj idx="1" val="0.1"/>
+                                        </dgm:adjLst>
+                                      </dgm:shape>
+                                      <dgm:presOf axis="self"/>
+                                      <dgm:constrLst>
+                                        <dgm:constr type="tMarg" refType="primFontSz" fact="0.3"/>
+                                        <dgm:constr type="bMarg" refType="primFontSz" fact="0.3"/>
+                                        <dgm:constr type="lMarg" refType="primFontSz" fact="0.3"/>
+                                        <dgm:constr type="rMarg" refType="primFontSz" fact="0.3"/>
+                                      </dgm:constrLst>
+                                      <dgm:ruleLst>
+                                        <dgm:rule type="primFontSz" val="5" fact="NaN" max="NaN"/>
+                                      </dgm:ruleLst>
+                                    </dgm:layoutNode>
+                                  </dgm:layoutNode>
+                                  <dgm:layoutNode name="hierChild5">
+                                    <dgm:choose name="Name28">
+                                      <dgm:if name="Name29" func="var" arg="dir" op="equ" val="norm">
+                                        <dgm:alg type="hierChild">
+                                          <dgm:param type="linDir" val="fromL"/>
+                                        </dgm:alg>
+                                      </dgm:if>
+                                      <dgm:else name="Name30">
+                                        <dgm:alg type="hierChild">
+                                          <dgm:param type="linDir" val="fromR"/>
+                                        </dgm:alg>
+                                      </dgm:else>
+                                    </dgm:choose>
+                                    <dgm:shape xmlns:r="http://schemas.openxmlformats.org/officeDocument/2006/relationships" r:blip="">
+                                      <dgm:adjLst/>
+                                    </dgm:shape>
+                                    <dgm:presOf/>
+                                    <dgm:constrLst/>
+                                    <dgm:ruleLst/>
+                                    <dgm:forEach name="Name31" ref="repeat"/>
+                                  </dgm:layoutNode>
+                                </dgm:layoutNode>
+                              </dgm:forEach>
+                            </dgm:forEach>
+                          </dgm:layoutNode>
+                        </dgm:layoutNode>
+                      </dgm:forEach>
+                    </dgm:forEach>
+                  </dgm:layoutNode>
+                </dgm:layoutNode>
+              </dgm:forEach>
+            </dgm:forEach>
+          </dgm:layoutNode>
+        </dgm:layoutNode>
+      </dgm:forEach>
+    </dgm:forEach>
+  </dgm:layoutNode>
+</dgm:layoutDef>
+</file>
+
+<file path=ppt/diagrams/quickStyle1.xml><?xml version="1.0" encoding="utf-8"?>
+<dgm:styleDef xmlns:dgm="http://schemas.openxmlformats.org/drawingml/2006/diagram" xmlns:a="http://schemas.openxmlformats.org/drawingml/2006/main" uniqueId="urn:microsoft.com/office/officeart/2005/8/quickstyle/simple4">
+  <dgm:title val=""/>
+  <dgm:desc val=""/>
+  <dgm:catLst>
+    <dgm:cat type="simple" pri="10400"/>
+  </dgm:catLst>
+  <dgm:scene3d>
+    <a:camera prst="orthographicFront"/>
+    <a:lightRig rig="threePt" dir="t"/>
+  </dgm:scene3d>
+  <dgm:styleLbl name="node0">
+    <dgm:scene3d>
+      <a:camera prst="orthographicFront"/>
+      <a:lightRig rig="threePt" dir="t"/>
+    </dgm:scene3d>
+    <dgm:sp3d/>
+    <dgm:txPr/>
+    <dgm:style>
+      <a:lnRef idx="0">
+        <a:scrgbClr r="0" g="0" b="0"/>
+      </a:lnRef>
+      <a:fillRef idx="3">
+        <a:scrgbClr r="0" g="0" b="0"/>
+      </a:fillRef>
+      <a:effectRef idx="2">
+        <a:scrgbClr r="0" g="0" b="0"/>
+      </a:effectRef>
+      <a:fontRef idx="minor">
+        <a:schemeClr val="lt1"/>
+      </a:fontRef>
+    </dgm:style>
+  </dgm:styleLbl>
+  <dgm:styleLbl name="lnNode1">
+    <dgm:scene3d>
+      <a:camera prst="orthographicFront"/>
+      <a:lightRig rig="threePt" dir="t"/>
+    </dgm:scene3d>
+    <dgm:sp3d/>
+    <dgm:txPr/>
+    <dgm:style>
+      <a:lnRef idx="1">
+        <a:scrgbClr r="0" g="0" b="0"/>
+      </a:lnRef>
+      <a:fillRef idx="3">
+        <a:scrgbClr r="0" g="0" b="0"/>
+      </a:fillRef>
+      <a:effectRef idx="2">
+        <a:scrgbClr r="0" g="0" b="0"/>
+      </a:effectRef>
+      <a:fontRef idx="minor">
+        <a:schemeClr val="lt1"/>
+      </a:fontRef>
+    </dgm:style>
+  </dgm:styleLbl>
+  <dgm:styleLbl name="vennNode1">
+    <dgm:scene3d>
+      <a:camera prst="orthographicFront"/>
+      <a:lightRig rig="threePt" dir="t"/>
+    </dgm:scene3d>
+    <dgm:sp3d/>
+    <dgm:txPr/>
+    <dgm:style>
+      <a:lnRef idx="0">
+        <a:scrgbClr r="0" g="0" b="0"/>
+      </a:lnRef>
+      <a:fillRef idx="3">
+        <a:scrgbClr r="0" g="0" b="0"/>
+      </a:fillRef>
+      <a:effectRef idx="0">
+        <a:scrgbClr r="0" g="0" b="0"/>
+      </a:effectRef>
+      <a:fontRef idx="minor">
+        <a:schemeClr val="tx1"/>
+      </a:fontRef>
+    </dgm:style>
+  </dgm:styleLbl>
+  <dgm:styleLbl name="alignNode1">
+    <dgm:scene3d>
+      <a:camera prst="orthographicFront"/>
+      <a:lightRig rig="threePt" dir="t"/>
+    </dgm:scene3d>
+    <dgm:sp3d/>
+    <dgm:txPr/>
+    <dgm:style>
+      <a:lnRef idx="1">
+        <a:scrgbClr r="0" g="0" b="0"/>
+      </a:lnRef>
+      <a:fillRef idx="3">
+        <a:scrgbClr r="0" g="0" b="0"/>
+      </a:fillRef>
+      <a:effectRef idx="2">
+        <a:scrgbClr r="0" g="0" b="0"/>
+      </a:effectRef>
+      <a:fontRef idx="minor">
+        <a:schemeClr val="lt1"/>
+      </a:fontRef>
+    </dgm:style>
+  </dgm:styleLbl>
+  <dgm:styleLbl name="node1">
+    <dgm:scene3d>
+      <a:camera prst="orthographicFront"/>
+      <a:lightRig rig="threePt" dir="t"/>
+    </dgm:scene3d>
+    <dgm:sp3d/>
+    <dgm:txPr/>
+    <dgm:style>
+      <a:lnRef idx="0">
+        <a:scrgbClr r="0" g="0" b="0"/>
+      </a:lnRef>
+      <a:fillRef idx="3">
+        <a:scrgbClr r="0" g="0" b="0"/>
+      </a:fillRef>
+      <a:effectRef idx="2">
+        <a:scrgbClr r="0" g="0" b="0"/>
+      </a:effectRef>
+      <a:fontRef idx="minor">
+        <a:schemeClr val="lt1"/>
+      </a:fontRef>
+    </dgm:style>
+  </dgm:styleLbl>
+  <dgm:styleLbl name="node2">
+    <dgm:scene3d>
+      <a:camera prst="orthographicFront"/>
+      <a:lightRig rig="threePt" dir="t"/>
+    </dgm:scene3d>
+    <dgm:sp3d/>
+    <dgm:txPr/>
+    <dgm:style>
+      <a:lnRef idx="0">
+        <a:scrgbClr r="0" g="0" b="0"/>
+      </a:lnRef>
+      <a:fillRef idx="3">
+        <a:scrgbClr r="0" g="0" b="0"/>
+      </a:fillRef>
+      <a:effectRef idx="2">
+        <a:scrgbClr r="0" g="0" b="0"/>
+      </a:effectRef>
+      <a:fontRef idx="minor">
+        <a:schemeClr val="lt1"/>
+      </a:fontRef>
+    </dgm:style>
+  </dgm:styleLbl>
+  <dgm:styleLbl name="node3">
+    <dgm:scene3d>
+      <a:camera prst="orthographicFront"/>
+      <a:lightRig rig="threePt" dir="t"/>
+    </dgm:scene3d>
+    <dgm:sp3d/>
+    <dgm:txPr/>
+    <dgm:style>
+      <a:lnRef idx="0">
+        <a:scrgbClr r="0" g="0" b="0"/>
+      </a:lnRef>
+      <a:fillRef idx="3">
+        <a:scrgbClr r="0" g="0" b="0"/>
+      </a:fillRef>
+      <a:effectRef idx="2">
+        <a:scrgbClr r="0" g="0" b="0"/>
+      </a:effectRef>
+      <a:fontRef idx="minor">
+        <a:schemeClr val="lt1"/>
+      </a:fontRef>
+    </dgm:style>
+  </dgm:styleLbl>
+  <dgm:styleLbl name="node4">
+    <dgm:scene3d>
+      <a:camera prst="orthographicFront"/>
+      <a:lightRig rig="threePt" dir="t"/>
+    </dgm:scene3d>
+    <dgm:sp3d/>
+    <dgm:txPr/>
+    <dgm:style>
+      <a:lnRef idx="0">
+        <a:scrgbClr r="0" g="0" b="0"/>
+      </a:lnRef>
+      <a:fillRef idx="3">
+        <a:scrgbClr r="0" g="0" b="0"/>
+      </a:fillRef>
+      <a:effectRef idx="2">
+        <a:scrgbClr r="0" g="0" b="0"/>
+      </a:effectRef>
+      <a:fontRef idx="minor">
+        <a:schemeClr val="lt1"/>
+      </a:fontRef>
+    </dgm:style>
+  </dgm:styleLbl>
+  <dgm:styleLbl name="fgImgPlace1">
+    <dgm:scene3d>
+      <a:camera prst="orthographicFront"/>
+      <a:lightRig rig="threePt" dir="t"/>
+    </dgm:scene3d>
+    <dgm:sp3d/>
+    <dgm:txPr/>
+    <dgm:style>
+      <a:lnRef idx="0">
+        <a:scrgbClr r="0" g="0" b="0"/>
+      </a:lnRef>
+      <a:fillRef idx="1">
+        <a:scrgbClr r="0" g="0" b="0"/>
+      </a:fillRef>
+      <a:effectRef idx="2">
+        <a:scrgbClr r="0" g="0" b="0"/>
+      </a:effectRef>
+      <a:fontRef idx="minor"/>
+    </dgm:style>
+  </dgm:styleLbl>
+  <dgm:styleLbl name="alignImgPlace1">
+    <dgm:scene3d>
+      <a:camera prst="orthographicFront"/>
+      <a:lightRig rig="threePt" dir="t"/>
+    </dgm:scene3d>
+    <dgm:sp3d/>
+    <dgm:txPr/>
+    <dgm:style>
+      <a:lnRef idx="0">
+        <a:scrgbClr r="0" g="0" b="0"/>
+      </a:lnRef>
+      <a:fillRef idx="1">
+        <a:scrgbClr r="0" g="0" b="0"/>
+      </a:fillRef>
+      <a:effectRef idx="2">
+        <a:scrgbClr r="0" g="0" b="0"/>
+      </a:effectRef>
+      <a:fontRef idx="minor"/>
+    </dgm:style>
+  </dgm:styleLbl>
+  <dgm:styleLbl name="bgImgPlace1">
+    <dgm:scene3d>
+      <a:camera prst="orthographicFront"/>
+      <a:lightRig rig="threePt" dir="t"/>
+    </dgm:scene3d>
+    <dgm:sp3d/>
+    <dgm:txPr/>
+    <dgm:style>
+      <a:lnRef idx="0">
+        <a:scrgbClr r="0" g="0" b="0"/>
+      </a:lnRef>
+      <a:fillRef idx="1">
+        <a:scrgbClr r="0" g="0" b="0"/>
+      </a:fillRef>
+      <a:effectRef idx="2">
+        <a:scrgbClr r="0" g="0" b="0"/>
+      </a:effectRef>
+      <a:fontRef idx="minor"/>
+    </dgm:style>
+  </dgm:styleLbl>
+  <dgm:styleLbl name="sibTrans2D1">
+    <dgm:scene3d>
+      <a:camera prst="orthographicFront"/>
+      <a:lightRig rig="threePt" dir="t"/>
+    </dgm:scene3d>
+    <dgm:sp3d/>
+    <dgm:txPr/>
+    <dgm:style>
+      <a:lnRef idx="0">
+        <a:scrgbClr r="0" g="0" b="0"/>
+      </a:lnRef>
+      <a:fillRef idx="3">
+        <a:scrgbClr r="0" g="0" b="0"/>
+      </a:fillRef>
+      <a:effectRef idx="2">
+        <a:scrgbClr r="0" g="0" b="0"/>
+      </a:effectRef>
+      <a:fontRef idx="minor">
+        <a:schemeClr val="lt1"/>
+      </a:fontRef>
+    </dgm:style>
+  </dgm:styleLbl>
+  <dgm:styleLbl name="fgSibTrans2D1">
+    <dgm:scene3d>
+      <a:camera prst="orthographicFront"/>
+      <a:lightRig rig="threePt" dir="t"/>
+    </dgm:scene3d>
+    <dgm:sp3d/>
+    <dgm:txPr/>
+    <dgm:style>
+      <a:lnRef idx="0">
+        <a:scrgbClr r="0" g="0" b="0"/>
+      </a:lnRef>
+      <a:fillRef idx="3">
+        <a:scrgbClr r="0" g="0" b="0"/>
+      </a:fillRef>
+      <a:effectRef idx="2">
+        <a:scrgbClr r="0" g="0" b="0"/>
+      </a:effectRef>
+      <a:fontRef idx="minor">
+        <a:schemeClr val="lt1"/>
+      </a:fontRef>
+    </dgm:style>
+  </dgm:styleLbl>
+  <dgm:styleLbl name="bgSibTrans2D1">
+    <dgm:scene3d>
+      <a:camera prst="orthographicFront"/>
+      <a:lightRig rig="threePt" dir="t"/>
+    </dgm:scene3d>
+    <dgm:sp3d/>
+    <dgm:txPr/>
+    <dgm:style>
+      <a:lnRef idx="0">
+        <a:scrgbClr r="0" g="0" b="0"/>
+      </a:lnRef>
+      <a:fillRef idx="3">
+        <a:scrgbClr r="0" g="0" b="0"/>
+      </a:fillRef>
+      <a:effectRef idx="2">
+        <a:scrgbClr r="0" g="0" b="0"/>
+      </a:effectRef>
+      <a:fontRef idx="minor">
+        <a:schemeClr val="lt1"/>
+      </a:fontRef>
+    </dgm:style>
+  </dgm:styleLbl>
+  <dgm:styleLbl name="sibTrans1D1">
+    <dgm:scene3d>
+      <a:camera prst="orthographicFront"/>
+      <a:lightRig rig="threePt" dir="t"/>
+    </dgm:scene3d>
+    <dgm:sp3d/>
+    <dgm:txPr/>
+    <dgm:style>
+      <a:lnRef idx="1">
+        <a:scrgbClr r="0" g="0" b="0"/>
+      </a:lnRef>
+      <a:fillRef idx="0">
+        <a:scrgbClr r="0" g="0" b="0"/>
+      </a:fillRef>
+      <a:effectRef idx="0">
+        <a:scrgbClr r="0" g="0" b="0"/>
+      </a:effectRef>
+      <a:fontRef idx="minor"/>
+    </dgm:style>
+  </dgm:styleLbl>
+  <dgm:styleLbl name="callout">
+    <dgm:scene3d>
+      <a:camera prst="orthographicFront"/>
+      <a:lightRig rig="threePt" dir="t"/>
+    </dgm:scene3d>
+    <dgm:sp3d/>
+    <dgm:txPr/>
+    <dgm:style>
+      <a:lnRef idx="2">
+        <a:scrgbClr r="0" g="0" b="0"/>
+      </a:lnRef>
+      <a:fillRef idx="1">
+        <a:scrgbClr r="0" g="0" b="0"/>
+      </a:fillRef>
+      <a:effectRef idx="1">
+        <a:scrgbClr r="0" g="0" b="0"/>
+      </a:effectRef>
+      <a:fontRef idx="minor"/>
+    </dgm:style>
+  </dgm:styleLbl>
+  <dgm:styleLbl name="asst0">
+    <dgm:scene3d>
+      <a:camera prst="orthographicFront"/>
+      <a:lightRig rig="threePt" dir="t"/>
+    </dgm:scene3d>
+    <dgm:sp3d/>
+    <dgm:txPr/>
+    <dgm:style>
+      <a:lnRef idx="0">
+        <a:scrgbClr r="0" g="0" b="0"/>
+      </a:lnRef>
+      <a:fillRef idx="3">
+        <a:scrgbClr r="0" g="0" b="0"/>
+      </a:fillRef>
+      <a:effectRef idx="2">
+        <a:scrgbClr r="0" g="0" b="0"/>
+      </a:effectRef>
+      <a:fontRef idx="minor">
+        <a:schemeClr val="lt1"/>
+      </a:fontRef>
+    </dgm:style>
+  </dgm:styleLbl>
+  <dgm:styleLbl name="asst1">
+    <dgm:scene3d>
+      <a:camera prst="orthographicFront"/>
+      <a:lightRig rig="threePt" dir="t"/>
+    </dgm:scene3d>
+    <dgm:sp3d/>
+    <dgm:txPr/>
+    <dgm:style>
+      <a:lnRef idx="0">
+        <a:scrgbClr r="0" g="0" b="0"/>
+      </a:lnRef>
+      <a:fillRef idx="3">
+        <a:scrgbClr r="0" g="0" b="0"/>
+      </a:fillRef>
+      <a:effectRef idx="2">
+        <a:scrgbClr r="0" g="0" b="0"/>
+      </a:effectRef>
+      <a:fontRef idx="minor">
+        <a:schemeClr val="lt1"/>
+      </a:fontRef>
+    </dgm:style>
+  </dgm:styleLbl>
+  <dgm:styleLbl name="asst2">
+    <dgm:scene3d>
+      <a:camera prst="orthographicFront"/>
+      <a:lightRig rig="threePt" dir="t"/>
+    </dgm:scene3d>
+    <dgm:sp3d/>
+    <dgm:txPr/>
+    <dgm:style>
+      <a:lnRef idx="0">
+        <a:scrgbClr r="0" g="0" b="0"/>
+      </a:lnRef>
+      <a:fillRef idx="3">
+        <a:scrgbClr r="0" g="0" b="0"/>
+      </a:fillRef>
+      <a:effectRef idx="2">
+        <a:scrgbClr r="0" g="0" b="0"/>
+      </a:effectRef>
+      <a:fontRef idx="minor">
+        <a:schemeClr val="lt1"/>
+      </a:fontRef>
+    </dgm:style>
+  </dgm:styleLbl>
+  <dgm:styleLbl name="asst3">
+    <dgm:scene3d>
+      <a:camera prst="orthographicFront"/>
+      <a:lightRig rig="threePt" dir="t"/>
+    </dgm:scene3d>
+    <dgm:sp3d/>
+    <dgm:txPr/>
+    <dgm:style>
+      <a:lnRef idx="0">
+        <a:scrgbClr r="0" g="0" b="0"/>
+      </a:lnRef>
+      <a:fillRef idx="3">
+        <a:scrgbClr r="0" g="0" b="0"/>
+      </a:fillRef>
+      <a:effectRef idx="2">
+        <a:scrgbClr r="0" g="0" b="0"/>
+      </a:effectRef>
+      <a:fontRef idx="minor">
+        <a:schemeClr val="lt1"/>
+      </a:fontRef>
+    </dgm:style>
+  </dgm:styleLbl>
+  <dgm:styleLbl name="asst4">
+    <dgm:scene3d>
+      <a:camera prst="orthographicFront"/>
+      <a:lightRig rig="threePt" dir="t"/>
+    </dgm:scene3d>
+    <dgm:sp3d/>
+    <dgm:txPr/>
+    <dgm:style>
+      <a:lnRef idx="0">
+        <a:scrgbClr r="0" g="0" b="0"/>
+      </a:lnRef>
+      <a:fillRef idx="3">
+        <a:scrgbClr r="0" g="0" b="0"/>
+      </a:fillRef>
+      <a:effectRef idx="2">
+        <a:scrgbClr r="0" g="0" b="0"/>
+      </a:effectRef>
+      <a:fontRef idx="minor">
+        <a:schemeClr val="lt1"/>
+      </a:fontRef>
+    </dgm:style>
+  </dgm:styleLbl>
+  <dgm:styleLbl name="parChTrans2D1">
+    <dgm:scene3d>
+      <a:camera prst="orthographicFront"/>
+      <a:lightRig rig="threePt" dir="t"/>
+    </dgm:scene3d>
+    <dgm:sp3d/>
+    <dgm:txPr/>
+    <dgm:style>
+      <a:lnRef idx="0">
+        <a:scrgbClr r="0" g="0" b="0"/>
+      </a:lnRef>
+      <a:fillRef idx="3">
+        <a:scrgbClr r="0" g="0" b="0"/>
+      </a:fillRef>
+      <a:effectRef idx="2">
+        <a:scrgbClr r="0" g="0" b="0"/>
+      </a:effectRef>
+      <a:fontRef idx="minor">
+        <a:schemeClr val="lt1"/>
+      </a:fontRef>
+    </dgm:style>
+  </dgm:styleLbl>
+  <dgm:styleLbl name="parChTrans2D2">
+    <dgm:scene3d>
+      <a:camera prst="orthographicFront"/>
+      <a:lightRig rig="threePt" dir="t"/>
+    </dgm:scene3d>
+    <dgm:sp3d/>
+    <dgm:txPr/>
+    <dgm:style>
+      <a:lnRef idx="0">
+        <a:scrgbClr r="0" g="0" b="0"/>
+      </a:lnRef>
+      <a:fillRef idx="3">
+        <a:scrgbClr r="0" g="0" b="0"/>
+      </a:fillRef>
+      <a:effectRef idx="2">
+        <a:scrgbClr r="0" g="0" b="0"/>
+      </a:effectRef>
+      <a:fontRef idx="minor">
+        <a:schemeClr val="lt1"/>
+      </a:fontRef>
+    </dgm:style>
+  </dgm:styleLbl>
+  <dgm:styleLbl name="parChTrans2D3">
+    <dgm:scene3d>
+      <a:camera prst="orthographicFront"/>
+      <a:lightRig rig="threePt" dir="t"/>
+    </dgm:scene3d>
+    <dgm:sp3d/>
+    <dgm:txPr/>
+    <dgm:style>
+      <a:lnRef idx="1">
+        <a:scrgbClr r="0" g="0" b="0"/>
+      </a:lnRef>
+      <a:fillRef idx="3">
+        <a:scrgbClr r="0" g="0" b="0"/>
+      </a:fillRef>
+      <a:effectRef idx="2">
+        <a:scrgbClr r="0" g="0" b="0"/>
+      </a:effectRef>
+      <a:fontRef idx="minor">
+        <a:schemeClr val="lt1"/>
+      </a:fontRef>
+    </dgm:style>
+  </dgm:styleLbl>
+  <dgm:styleLbl name="parChTrans2D4">
+    <dgm:scene3d>
+      <a:camera prst="orthographicFront"/>
+      <a:lightRig rig="threePt" dir="t"/>
+    </dgm:scene3d>
+    <dgm:sp3d/>
+    <dgm:txPr/>
+    <dgm:style>
+      <a:lnRef idx="1">
+        <a:scrgbClr r="0" g="0" b="0"/>
+      </a:lnRef>
+      <a:fillRef idx="3">
+        <a:scrgbClr r="0" g="0" b="0"/>
+      </a:fillRef>
+      <a:effectRef idx="2">
+        <a:scrgbClr r="0" g="0" b="0"/>
+      </a:effectRef>
+      <a:fontRef idx="minor">
+        <a:schemeClr val="lt1"/>
+      </a:fontRef>
+    </dgm:style>
+  </dgm:styleLbl>
+  <dgm:styleLbl name="parChTrans1D1">
+    <dgm:scene3d>
+      <a:camera prst="orthographicFront"/>
+      <a:lightRig rig="threePt" dir="t"/>
+    </dgm:scene3d>
+    <dgm:sp3d/>
+    <dgm:txPr/>
+    <dgm:style>
+      <a:lnRef idx="1">
+        <a:scrgbClr r="0" g="0" b="0"/>
+      </a:lnRef>
+      <a:fillRef idx="0">
+        <a:scrgbClr r="0" g="0" b="0"/>
+      </a:fillRef>
+      <a:effectRef idx="0">
+        <a:scrgbClr r="0" g="0" b="0"/>
+      </a:effectRef>
+      <a:fontRef idx="minor"/>
+    </dgm:style>
+  </dgm:styleLbl>
+  <dgm:styleLbl name="parChTrans1D2">
+    <dgm:scene3d>
+      <a:camera prst="orthographicFront"/>
+      <a:lightRig rig="threePt" dir="t"/>
+    </dgm:scene3d>
+    <dgm:sp3d/>
+    <dgm:txPr/>
+    <dgm:style>
+      <a:lnRef idx="1">
+        <a:scrgbClr r="0" g="0" b="0"/>
+      </a:lnRef>
+      <a:fillRef idx="0">
+        <a:scrgbClr r="0" g="0" b="0"/>
+      </a:fillRef>
+      <a:effectRef idx="0">
+        <a:scrgbClr r="0" g="0" b="0"/>
+      </a:effectRef>
+      <a:fontRef idx="minor"/>
+    </dgm:style>
+  </dgm:styleLbl>
+  <dgm:styleLbl name="parChTrans1D3">
+    <dgm:scene3d>
+      <a:camera prst="orthographicFront"/>
+      <a:lightRig rig="threePt" dir="t"/>
+    </dgm:scene3d>
+    <dgm:sp3d/>
+    <dgm:txPr/>
+    <dgm:style>
+      <a:lnRef idx="1">
+        <a:scrgbClr r="0" g="0" b="0"/>
+      </a:lnRef>
+      <a:fillRef idx="0">
+        <a:scrgbClr r="0" g="0" b="0"/>
+      </a:fillRef>
+      <a:effectRef idx="0">
+        <a:scrgbClr r="0" g="0" b="0"/>
+      </a:effectRef>
+      <a:fontRef idx="minor"/>
+    </dgm:style>
+  </dgm:styleLbl>
+  <dgm:styleLbl name="parChTrans1D4">
+    <dgm:scene3d>
+      <a:camera prst="orthographicFront"/>
+      <a:lightRig rig="threePt" dir="t"/>
+    </dgm:scene3d>
+    <dgm:sp3d/>
+    <dgm:txPr/>
+    <dgm:style>
+      <a:lnRef idx="1">
+        <a:scrgbClr r="0" g="0" b="0"/>
+      </a:lnRef>
+      <a:fillRef idx="0">
+        <a:scrgbClr r="0" g="0" b="0"/>
+      </a:fillRef>
+      <a:effectRef idx="0">
+        <a:scrgbClr r="0" g="0" b="0"/>
+      </a:effectRef>
+      <a:fontRef idx="minor"/>
+    </dgm:style>
+  </dgm:styleLbl>
+  <dgm:styleLbl name="fgAcc1">
+    <dgm:scene3d>
+      <a:camera prst="orthographicFront"/>
+      <a:lightRig rig="threePt" dir="t"/>
+    </dgm:scene3d>
+    <dgm:sp3d/>
+    <dgm:txPr/>
+    <dgm:style>
+      <a:lnRef idx="1">
+        <a:scrgbClr r="0" g="0" b="0"/>
+      </a:lnRef>
+      <a:fillRef idx="1">
+        <a:scrgbClr r="0" g="0" b="0"/>
+      </a:fillRef>
+      <a:effectRef idx="0">
+        <a:scrgbClr r="0" g="0" b="0"/>
+      </a:effectRef>
+      <a:fontRef idx="minor"/>
+    </dgm:style>
+  </dgm:styleLbl>
+  <dgm:styleLbl name="conFgAcc1">
+    <dgm:scene3d>
+      <a:camera prst="orthographicFront"/>
+      <a:lightRig rig="threePt" dir="t"/>
+    </dgm:scene3d>
+    <dgm:sp3d/>
+    <dgm:txPr/>
+    <dgm:style>
+      <a:lnRef idx="1">
+        <a:scrgbClr r="0" g="0" b="0"/>
+      </a:lnRef>
+      <a:fillRef idx="1">
+        <a:scrgbClr r="0" g="0" b="0"/>
+      </a:fillRef>
+      <a:effectRef idx="0">
+        <a:scrgbClr r="0" g="0" b="0"/>
+      </a:effectRef>
+      <a:fontRef idx="minor"/>
+    </dgm:style>
+  </dgm:styleLbl>
+  <dgm:styleLbl name="alignAcc1">
+    <dgm:scene3d>
+      <a:camera prst="orthographicFront"/>
+      <a:lightRig rig="threePt" dir="t"/>
+    </dgm:scene3d>
+    <dgm:sp3d/>
+    <dgm:txPr/>
+    <dgm:style>
+      <a:lnRef idx="1">
+        <a:scrgbClr r="0" g="0" b="0"/>
+      </a:lnRef>
+      <a:fillRef idx="1">
+        <a:scrgbClr r="0" g="0" b="0"/>
+      </a:fillRef>
+      <a:effectRef idx="0">
+        <a:scrgbClr r="0" g="0" b="0"/>
+      </a:effectRef>
+      <a:fontRef idx="minor"/>
+    </dgm:style>
+  </dgm:styleLbl>
+  <dgm:styleLbl name="trAlignAcc1">
+    <dgm:scene3d>
+      <a:camera prst="orthographicFront"/>
+      <a:lightRig rig="threePt" dir="t"/>
+    </dgm:scene3d>
+    <dgm:sp3d/>
+    <dgm:txPr/>
+    <dgm:style>
+      <a:lnRef idx="1">
+        <a:scrgbClr r="0" g="0" b="0"/>
+      </a:lnRef>
+      <a:fillRef idx="1">
+        <a:scrgbClr r="0" g="0" b="0"/>
+      </a:fillRef>
+      <a:effectRef idx="0">
+        <a:scrgbClr r="0" g="0" b="0"/>
+      </a:effectRef>
+      <a:fontRef idx="minor"/>
+    </dgm:style>
+  </dgm:styleLbl>
+  <dgm:styleLbl name="bgAcc1">
+    <dgm:scene3d>
+      <a:camera prst="orthographicFront"/>
+      <a:lightRig rig="threePt" dir="t"/>
+    </dgm:scene3d>
+    <dgm:sp3d/>
+    <dgm:txPr/>
+    <dgm:style>
+      <a:lnRef idx="1">
+        <a:scrgbClr r="0" g="0" b="0"/>
+      </a:lnRef>
+      <a:fillRef idx="1">
+        <a:scrgbClr r="0" g="0" b="0"/>
+      </a:fillRef>
+      <a:effectRef idx="0">
+        <a:scrgbClr r="0" g="0" b="0"/>
+      </a:effectRef>
+      <a:fontRef idx="minor"/>
+    </dgm:style>
+  </dgm:styleLbl>
+  <dgm:styleLbl name="solidFgAcc1">
+    <dgm:scene3d>
+      <a:camera prst="orthographicFront"/>
+      <a:lightRig rig="threePt" dir="t"/>
+    </dgm:scene3d>
+    <dgm:sp3d/>
+    <dgm:txPr/>
+    <dgm:style>
+      <a:lnRef idx="1">
+        <a:scrgbClr r="0" g="0" b="0"/>
+      </a:lnRef>
+      <a:fillRef idx="1">
+        <a:scrgbClr r="0" g="0" b="0"/>
+      </a:fillRef>
+      <a:effectRef idx="0">
+        <a:scrgbClr r="0" g="0" b="0"/>
+      </a:effectRef>
+      <a:fontRef idx="minor"/>
+    </dgm:style>
+  </dgm:styleLbl>
+  <dgm:styleLbl name="solidAlignAcc1">
+    <dgm:scene3d>
+      <a:camera prst="orthographicFront"/>
+      <a:lightRig rig="threePt" dir="t"/>
+    </dgm:scene3d>
+    <dgm:sp3d/>
+    <dgm:txPr/>
+    <dgm:style>
+      <a:lnRef idx="1">
+        <a:scrgbClr r="0" g="0" b="0"/>
+      </a:lnRef>
+      <a:fillRef idx="1">
+        <a:scrgbClr r="0" g="0" b="0"/>
+      </a:fillRef>
+      <a:effectRef idx="0">
+        <a:scrgbClr r="0" g="0" b="0"/>
+      </a:effectRef>
+      <a:fontRef idx="minor"/>
+    </dgm:style>
+  </dgm:styleLbl>
+  <dgm:styleLbl name="solidBgAcc1">
+    <dgm:scene3d>
+      <a:camera prst="orthographicFront"/>
+      <a:lightRig rig="threePt" dir="t"/>
+    </dgm:scene3d>
+    <dgm:sp3d/>
+    <dgm:txPr/>
+    <dgm:style>
+      <a:lnRef idx="1">
+        <a:scrgbClr r="0" g="0" b="0"/>
+      </a:lnRef>
+      <a:fillRef idx="1">
+        <a:scrgbClr r="0" g="0" b="0"/>
+      </a:fillRef>
+      <a:effectRef idx="0">
+        <a:scrgbClr r="0" g="0" b="0"/>
+      </a:effectRef>
+      <a:fontRef idx="minor"/>
+    </dgm:style>
+  </dgm:styleLbl>
+  <dgm:styleLbl name="fgAccFollowNode1">
+    <dgm:scene3d>
+      <a:camera prst="orthographicFront"/>
+      <a:lightRig rig="threePt" dir="t"/>
+    </dgm:scene3d>
+    <dgm:sp3d/>
+    <dgm:txPr/>
+    <dgm:style>
+      <a:lnRef idx="1">
+        <a:scrgbClr r="0" g="0" b="0"/>
+      </a:lnRef>
+      <a:fillRef idx="1">
+        <a:scrgbClr r="0" g="0" b="0"/>
+      </a:fillRef>
+      <a:effectRef idx="0">
+        <a:scrgbClr r="0" g="0" b="0"/>
+      </a:effectRef>
+      <a:fontRef idx="minor"/>
+    </dgm:style>
+  </dgm:styleLbl>
+  <dgm:styleLbl name="alignAccFollowNode1">
+    <dgm:scene3d>
+      <a:camera prst="orthographicFront"/>
+      <a:lightRig rig="threePt" dir="t"/>
+    </dgm:scene3d>
+    <dgm:sp3d/>
+    <dgm:txPr/>
+    <dgm:style>
+      <a:lnRef idx="1">
+        <a:scrgbClr r="0" g="0" b="0"/>
+      </a:lnRef>
+      <a:fillRef idx="1">
+        <a:scrgbClr r="0" g="0" b="0"/>
+      </a:fillRef>
+      <a:effectRef idx="0">
+        <a:scrgbClr r="0" g="0" b="0"/>
+      </a:effectRef>
+      <a:fontRef idx="minor"/>
+    </dgm:style>
+  </dgm:styleLbl>
+  <dgm:styleLbl name="bgAccFollowNode1">
+    <dgm:scene3d>
+      <a:camera prst="orthographicFront"/>
+      <a:lightRig rig="threePt" dir="t"/>
+    </dgm:scene3d>
+    <dgm:sp3d/>
+    <dgm:txPr/>
+    <dgm:style>
+      <a:lnRef idx="1">
+        <a:scrgbClr r="0" g="0" b="0"/>
+      </a:lnRef>
+      <a:fillRef idx="1">
+        <a:scrgbClr r="0" g="0" b="0"/>
+      </a:fillRef>
+      <a:effectRef idx="0">
+        <a:scrgbClr r="0" g="0" b="0"/>
+      </a:effectRef>
+      <a:fontRef idx="minor"/>
+    </dgm:style>
+  </dgm:styleLbl>
+  <dgm:styleLbl name="fgAcc0">
+    <dgm:scene3d>
+      <a:camera prst="orthographicFront"/>
+      <a:lightRig rig="threePt" dir="t"/>
+    </dgm:scene3d>
+    <dgm:sp3d/>
+    <dgm:txPr/>
+    <dgm:style>
+      <a:lnRef idx="1">
+        <a:scrgbClr r="0" g="0" b="0"/>
+      </a:lnRef>
+      <a:fillRef idx="1">
+        <a:scrgbClr r="0" g="0" b="0"/>
+      </a:fillRef>
+      <a:effectRef idx="0">
+        <a:scrgbClr r="0" g="0" b="0"/>
+      </a:effectRef>
+      <a:fontRef idx="minor"/>
+    </dgm:style>
+  </dgm:styleLbl>
+  <dgm:styleLbl name="fgAcc2">
+    <dgm:scene3d>
+      <a:camera prst="orthographicFront"/>
+      <a:lightRig rig="threePt" dir="t"/>
+    </dgm:scene3d>
+    <dgm:sp3d/>
+    <dgm:txPr/>
+    <dgm:style>
+      <a:lnRef idx="1">
+        <a:scrgbClr r="0" g="0" b="0"/>
+      </a:lnRef>
+      <a:fillRef idx="1">
+        <a:scrgbClr r="0" g="0" b="0"/>
+      </a:fillRef>
+      <a:effectRef idx="0">
+        <a:scrgbClr r="0" g="0" b="0"/>
+      </a:effectRef>
+      <a:fontRef idx="minor"/>
+    </dgm:style>
+  </dgm:styleLbl>
+  <dgm:styleLbl name="fgAcc3">
+    <dgm:scene3d>
+      <a:camera prst="orthographicFront"/>
+      <a:lightRig rig="threePt" dir="t"/>
+    </dgm:scene3d>
+    <dgm:sp3d/>
+    <dgm:txPr/>
+    <dgm:style>
+      <a:lnRef idx="1">
+        <a:scrgbClr r="0" g="0" b="0"/>
+      </a:lnRef>
+      <a:fillRef idx="1">
+        <a:scrgbClr r="0" g="0" b="0"/>
+      </a:fillRef>
+      <a:effectRef idx="0">
+        <a:scrgbClr r="0" g="0" b="0"/>
+      </a:effectRef>
+      <a:fontRef idx="minor"/>
+    </dgm:style>
+  </dgm:styleLbl>
+  <dgm:styleLbl name="fgAcc4">
+    <dgm:scene3d>
+      <a:camera prst="orthographicFront"/>
+      <a:lightRig rig="threePt" dir="t"/>
+    </dgm:scene3d>
+    <dgm:sp3d/>
+    <dgm:txPr/>
+    <dgm:style>
+      <a:lnRef idx="1">
+        <a:scrgbClr r="0" g="0" b="0"/>
+      </a:lnRef>
+      <a:fillRef idx="1">
+        <a:scrgbClr r="0" g="0" b="0"/>
+      </a:fillRef>
+      <a:effectRef idx="0">
+        <a:scrgbClr r="0" g="0" b="0"/>
+      </a:effectRef>
+      <a:fontRef idx="minor"/>
+    </dgm:style>
+  </dgm:styleLbl>
+  <dgm:styleLbl name="bgShp">
+    <dgm:scene3d>
+      <a:camera prst="orthographicFront"/>
+      <a:lightRig rig="threePt" dir="t"/>
+    </dgm:scene3d>
+    <dgm:sp3d/>
+    <dgm:txPr/>
+    <dgm:style>
+      <a:lnRef idx="0">
+        <a:scrgbClr r="0" g="0" b="0"/>
+      </a:lnRef>
+      <a:fillRef idx="1">
+        <a:scrgbClr r="0" g="0" b="0"/>
+      </a:fillRef>
+      <a:effectRef idx="2">
+        <a:scrgbClr r="0" g="0" b="0"/>
+      </a:effectRef>
+      <a:fontRef idx="minor"/>
+    </dgm:style>
+  </dgm:styleLbl>
+  <dgm:styleLbl name="dkBgShp">
+    <dgm:scene3d>
+      <a:camera prst="orthographicFront"/>
+      <a:lightRig rig="threePt" dir="t"/>
+    </dgm:scene3d>
+    <dgm:sp3d/>
+    <dgm:txPr/>
+    <dgm:style>
+      <a:lnRef idx="0">
+        <a:scrgbClr r="0" g="0" b="0"/>
+      </a:lnRef>
+      <a:fillRef idx="1">
+        <a:scrgbClr r="0" g="0" b="0"/>
+      </a:fillRef>
+      <a:effectRef idx="2">
+        <a:scrgbClr r="0" g="0" b="0"/>
+      </a:effectRef>
+      <a:fontRef idx="minor"/>
+    </dgm:style>
+  </dgm:styleLbl>
+  <dgm:styleLbl name="trBgShp">
+    <dgm:scene3d>
+      <a:camera prst="orthographicFront"/>
+      <a:lightRig rig="threePt" dir="t"/>
+    </dgm:scene3d>
+    <dgm:sp3d/>
+    <dgm:txPr/>
+    <dgm:style>
+      <a:lnRef idx="0">
+        <a:scrgbClr r="0" g="0" b="0"/>
+      </a:lnRef>
+      <a:fillRef idx="1">
+        <a:scrgbClr r="0" g="0" b="0"/>
+      </a:fillRef>
+      <a:effectRef idx="0">
+        <a:scrgbClr r="0" g="0" b="0"/>
+      </a:effectRef>
+      <a:fontRef idx="minor"/>
+    </dgm:style>
+  </dgm:styleLbl>
+  <dgm:styleLbl name="fgShp">
+    <dgm:scene3d>
+      <a:camera prst="orthographicFront"/>
+      <a:lightRig rig="threePt" dir="t"/>
+    </dgm:scene3d>
+    <dgm:sp3d/>
+    <dgm:txPr/>
+    <dgm:style>
+      <a:lnRef idx="0">
+        <a:scrgbClr r="0" g="0" b="0"/>
+      </a:lnRef>
+      <a:fillRef idx="3">
+        <a:scrgbClr r="0" g="0" b="0"/>
+      </a:fillRef>
+      <a:effectRef idx="2">
+        <a:scrgbClr r="0" g="0" b="0"/>
+      </a:effectRef>
+      <a:fontRef idx="minor"/>
+    </dgm:style>
+  </dgm:styleLbl>
+  <dgm:styleLbl name="revTx">
+    <dgm:scene3d>
+      <a:camera prst="orthographicFront"/>
+      <a:lightRig rig="threePt" dir="t"/>
+    </dgm:scene3d>
+    <dgm:sp3d/>
+    <dgm:txPr/>
+    <dgm:style>
+      <a:lnRef idx="0">
+        <a:scrgbClr r="0" g="0" b="0"/>
+      </a:lnRef>
+      <a:fillRef idx="0">
+        <a:scrgbClr r="0" g="0" b="0"/>
+      </a:fillRef>
+      <a:effectRef idx="0">
+        <a:scrgbClr r="0" g="0" b="0"/>
+      </a:effectRef>
+      <a:fontRef idx="minor"/>
+    </dgm:style>
+  </dgm:styleLbl>
+</dgm:styleDef>
+</file>
+
 <file path=ppt/notesMasters/notesMaster1.xml><?xml version="1.0" encoding="utf-8"?>
 <p:notesMaster xmlns:a="http://schemas.openxmlformats.org/drawingml/2006/main" xmlns:r="http://schemas.openxmlformats.org/officeDocument/2006/relationships" xmlns:p="http://schemas.openxmlformats.org/presentationml/2006/main">
   <p:cSld>
@@ -213,7 +4317,7 @@
             <a:fld id="{CC899B31-23B7-41FA-A7A8-47EAF8E80A0A}" type="datetimeFigureOut">
               <a:rPr lang="en-US" smtClean="0"/>
               <a:pPr/>
-              <a:t>2/2/2011</a:t>
+              <a:t>2/3/2011</a:t>
             </a:fld>
             <a:endParaRPr lang="en-GB"/>
           </a:p>
@@ -574,6 +4678,1117 @@
 </p:notes>
 </file>
 
+<file path=ppt/notesSlides/notesSlide10.xml><?xml version="1.0" encoding="utf-8"?>
+<p:notes xmlns:a="http://schemas.openxmlformats.org/drawingml/2006/main" xmlns:r="http://schemas.openxmlformats.org/officeDocument/2006/relationships" xmlns:p="http://schemas.openxmlformats.org/presentationml/2006/main">
+  <p:cSld>
+    <p:spTree>
+      <p:nvGrpSpPr>
+        <p:cNvPr id="1" name=""/>
+        <p:cNvGrpSpPr/>
+        <p:nvPr/>
+      </p:nvGrpSpPr>
+      <p:grpSpPr>
+        <a:xfrm>
+          <a:off x="0" y="0"/>
+          <a:ext cx="0" cy="0"/>
+          <a:chOff x="0" y="0"/>
+          <a:chExt cx="0" cy="0"/>
+        </a:xfrm>
+      </p:grpSpPr>
+      <p:sp>
+        <p:nvSpPr>
+          <p:cNvPr id="2" name="Slide Image Placeholder 1"/>
+          <p:cNvSpPr>
+            <a:spLocks noGrp="1" noRot="1" noChangeAspect="1"/>
+          </p:cNvSpPr>
+          <p:nvPr>
+            <p:ph type="sldImg"/>
+          </p:nvPr>
+        </p:nvSpPr>
+        <p:spPr>
+          <a:xfrm>
+            <a:off x="1714500" y="142875"/>
+            <a:ext cx="5715000" cy="4286250"/>
+          </a:xfrm>
+        </p:spPr>
+      </p:sp>
+      <p:sp>
+        <p:nvSpPr>
+          <p:cNvPr id="3" name="Notes Placeholder 2"/>
+          <p:cNvSpPr>
+            <a:spLocks noGrp="1"/>
+          </p:cNvSpPr>
+          <p:nvPr>
+            <p:ph type="body" idx="1"/>
+          </p:nvPr>
+        </p:nvSpPr>
+        <p:spPr/>
+        <p:txBody>
+          <a:bodyPr>
+            <a:normAutofit/>
+          </a:bodyPr>
+          <a:lstStyle/>
+          <a:p>
+            <a:pPr marL="0" marR="0" indent="0" algn="l" defTabSz="914400" rtl="0" eaLnBrk="1" fontAlgn="auto" latinLnBrk="0" hangingPunct="1">
+              <a:lnSpc>
+                <a:spcPct val="100000"/>
+              </a:lnSpc>
+              <a:spcBef>
+                <a:spcPts val="0"/>
+              </a:spcBef>
+              <a:spcAft>
+                <a:spcPts val="0"/>
+              </a:spcAft>
+              <a:buClrTx/>
+              <a:buSzTx/>
+              <a:buFontTx/>
+              <a:buNone/>
+              <a:tabLst/>
+              <a:defRPr/>
+            </a:pPr>
+            <a:r>
+              <a:rPr lang="en-GB" baseline="0" dirty="0" smtClean="0"/>
+              <a:t>Designed to work in multiple ways – top-down or bottom-up</a:t>
+            </a:r>
+            <a:endParaRPr lang="en-GB" dirty="0" smtClean="0"/>
+          </a:p>
+          <a:p>
+            <a:endParaRPr lang="en-GB" dirty="0"/>
+          </a:p>
+        </p:txBody>
+      </p:sp>
+      <p:sp>
+        <p:nvSpPr>
+          <p:cNvPr id="4" name="Slide Number Placeholder 3"/>
+          <p:cNvSpPr>
+            <a:spLocks noGrp="1"/>
+          </p:cNvSpPr>
+          <p:nvPr>
+            <p:ph type="sldNum" sz="quarter" idx="10"/>
+          </p:nvPr>
+        </p:nvSpPr>
+        <p:spPr/>
+        <p:txBody>
+          <a:bodyPr/>
+          <a:lstStyle/>
+          <a:p>
+            <a:fld id="{091399BD-5632-4612-98AC-0049671A5341}" type="slidenum">
+              <a:rPr lang="en-GB" smtClean="0"/>
+              <a:pPr/>
+              <a:t>14</a:t>
+            </a:fld>
+            <a:endParaRPr lang="en-GB"/>
+          </a:p>
+        </p:txBody>
+      </p:sp>
+    </p:spTree>
+  </p:cSld>
+  <p:clrMapOvr>
+    <a:masterClrMapping/>
+  </p:clrMapOvr>
+</p:notes>
+</file>
+
+<file path=ppt/notesSlides/notesSlide11.xml><?xml version="1.0" encoding="utf-8"?>
+<p:notes xmlns:a="http://schemas.openxmlformats.org/drawingml/2006/main" xmlns:r="http://schemas.openxmlformats.org/officeDocument/2006/relationships" xmlns:p="http://schemas.openxmlformats.org/presentationml/2006/main">
+  <p:cSld>
+    <p:spTree>
+      <p:nvGrpSpPr>
+        <p:cNvPr id="1" name=""/>
+        <p:cNvGrpSpPr/>
+        <p:nvPr/>
+      </p:nvGrpSpPr>
+      <p:grpSpPr>
+        <a:xfrm>
+          <a:off x="0" y="0"/>
+          <a:ext cx="0" cy="0"/>
+          <a:chOff x="0" y="0"/>
+          <a:chExt cx="0" cy="0"/>
+        </a:xfrm>
+      </p:grpSpPr>
+      <p:sp>
+        <p:nvSpPr>
+          <p:cNvPr id="2" name="Slide Image Placeholder 1"/>
+          <p:cNvSpPr>
+            <a:spLocks noGrp="1" noRot="1" noChangeAspect="1"/>
+          </p:cNvSpPr>
+          <p:nvPr>
+            <p:ph type="sldImg"/>
+          </p:nvPr>
+        </p:nvSpPr>
+        <p:spPr/>
+      </p:sp>
+      <p:sp>
+        <p:nvSpPr>
+          <p:cNvPr id="3" name="Notes Placeholder 2"/>
+          <p:cNvSpPr>
+            <a:spLocks noGrp="1"/>
+          </p:cNvSpPr>
+          <p:nvPr>
+            <p:ph type="body" idx="1"/>
+          </p:nvPr>
+        </p:nvSpPr>
+        <p:spPr/>
+        <p:txBody>
+          <a:bodyPr>
+            <a:normAutofit/>
+          </a:bodyPr>
+          <a:lstStyle/>
+          <a:p>
+            <a:r>
+              <a:rPr lang="en-GB" dirty="0" smtClean="0"/>
+              <a:t>Multiple diagrams</a:t>
+            </a:r>
+          </a:p>
+          <a:p>
+            <a:r>
+              <a:rPr lang="en-GB" dirty="0" smtClean="0"/>
+              <a:t>Multiple views of the same diagram</a:t>
+            </a:r>
+          </a:p>
+          <a:p>
+            <a:pPr marL="0" marR="0" indent="0" algn="l" defTabSz="914400" rtl="0" eaLnBrk="1" fontAlgn="auto" latinLnBrk="0" hangingPunct="1">
+              <a:lnSpc>
+                <a:spcPct val="100000"/>
+              </a:lnSpc>
+              <a:spcBef>
+                <a:spcPts val="0"/>
+              </a:spcBef>
+              <a:spcAft>
+                <a:spcPts val="0"/>
+              </a:spcAft>
+              <a:buClrTx/>
+              <a:buSzTx/>
+              <a:buFontTx/>
+              <a:buNone/>
+              <a:tabLst/>
+              <a:defRPr/>
+            </a:pPr>
+            <a:r>
+              <a:rPr lang="en-GB" dirty="0" smtClean="0"/>
+              <a:t>Full undo/redo</a:t>
+            </a:r>
+            <a:endParaRPr lang="en-GB" dirty="0" smtClean="0"/>
+          </a:p>
+          <a:p>
+            <a:endParaRPr lang="en-GB" dirty="0" smtClean="0"/>
+          </a:p>
+          <a:p>
+            <a:r>
+              <a:rPr lang="en-GB" dirty="0" smtClean="0"/>
+              <a:t>Diagrams</a:t>
+            </a:r>
+            <a:r>
+              <a:rPr lang="en-GB" baseline="0" dirty="0" smtClean="0"/>
+              <a:t> always work with expanded structure, but record deltas</a:t>
+            </a:r>
+            <a:endParaRPr lang="en-GB" dirty="0" smtClean="0"/>
+          </a:p>
+          <a:p>
+            <a:r>
+              <a:rPr lang="en-GB" dirty="0" smtClean="0"/>
+              <a:t>Can delete deltas from the browser</a:t>
+            </a:r>
+          </a:p>
+        </p:txBody>
+      </p:sp>
+      <p:sp>
+        <p:nvSpPr>
+          <p:cNvPr id="4" name="Slide Number Placeholder 3"/>
+          <p:cNvSpPr>
+            <a:spLocks noGrp="1"/>
+          </p:cNvSpPr>
+          <p:nvPr>
+            <p:ph type="sldNum" sz="quarter" idx="10"/>
+          </p:nvPr>
+        </p:nvSpPr>
+        <p:spPr/>
+        <p:txBody>
+          <a:bodyPr/>
+          <a:lstStyle/>
+          <a:p>
+            <a:fld id="{091399BD-5632-4612-98AC-0049671A5341}" type="slidenum">
+              <a:rPr lang="en-GB" smtClean="0"/>
+              <a:pPr/>
+              <a:t>15</a:t>
+            </a:fld>
+            <a:endParaRPr lang="en-GB"/>
+          </a:p>
+        </p:txBody>
+      </p:sp>
+    </p:spTree>
+  </p:cSld>
+  <p:clrMapOvr>
+    <a:masterClrMapping/>
+  </p:clrMapOvr>
+</p:notes>
+</file>
+
+<file path=ppt/notesSlides/notesSlide12.xml><?xml version="1.0" encoding="utf-8"?>
+<p:notes xmlns:a="http://schemas.openxmlformats.org/drawingml/2006/main" xmlns:r="http://schemas.openxmlformats.org/officeDocument/2006/relationships" xmlns:p="http://schemas.openxmlformats.org/presentationml/2006/main">
+  <p:cSld>
+    <p:spTree>
+      <p:nvGrpSpPr>
+        <p:cNvPr id="1" name=""/>
+        <p:cNvGrpSpPr/>
+        <p:nvPr/>
+      </p:nvGrpSpPr>
+      <p:grpSpPr>
+        <a:xfrm>
+          <a:off x="0" y="0"/>
+          <a:ext cx="0" cy="0"/>
+          <a:chOff x="0" y="0"/>
+          <a:chExt cx="0" cy="0"/>
+        </a:xfrm>
+      </p:grpSpPr>
+      <p:sp>
+        <p:nvSpPr>
+          <p:cNvPr id="2" name="Slide Image Placeholder 1"/>
+          <p:cNvSpPr>
+            <a:spLocks noGrp="1" noRot="1" noChangeAspect="1"/>
+          </p:cNvSpPr>
+          <p:nvPr>
+            <p:ph type="sldImg"/>
+          </p:nvPr>
+        </p:nvSpPr>
+        <p:spPr>
+          <a:xfrm>
+            <a:off x="1714500" y="142875"/>
+            <a:ext cx="5715000" cy="4286250"/>
+          </a:xfrm>
+        </p:spPr>
+      </p:sp>
+      <p:sp>
+        <p:nvSpPr>
+          <p:cNvPr id="3" name="Notes Placeholder 2"/>
+          <p:cNvSpPr>
+            <a:spLocks noGrp="1"/>
+          </p:cNvSpPr>
+          <p:nvPr>
+            <p:ph type="body" idx="1"/>
+          </p:nvPr>
+        </p:nvSpPr>
+        <p:spPr/>
+        <p:txBody>
+          <a:bodyPr>
+            <a:normAutofit/>
+          </a:bodyPr>
+          <a:lstStyle/>
+          <a:p>
+            <a:r>
+              <a:rPr lang="en-GB" dirty="0" smtClean="0"/>
+              <a:t>Checking combinations</a:t>
+            </a:r>
+          </a:p>
+          <a:p>
+            <a:r>
+              <a:rPr lang="en-GB" dirty="0" smtClean="0"/>
+              <a:t>	– number of combinations</a:t>
+            </a:r>
+            <a:r>
+              <a:rPr lang="en-GB" baseline="0" dirty="0" smtClean="0"/>
+              <a:t> depends on replacements / destructive strata</a:t>
+            </a:r>
+            <a:endParaRPr lang="en-GB" dirty="0"/>
+          </a:p>
+        </p:txBody>
+      </p:sp>
+      <p:sp>
+        <p:nvSpPr>
+          <p:cNvPr id="4" name="Slide Number Placeholder 3"/>
+          <p:cNvSpPr>
+            <a:spLocks noGrp="1"/>
+          </p:cNvSpPr>
+          <p:nvPr>
+            <p:ph type="sldNum" sz="quarter" idx="10"/>
+          </p:nvPr>
+        </p:nvSpPr>
+        <p:spPr/>
+        <p:txBody>
+          <a:bodyPr/>
+          <a:lstStyle/>
+          <a:p>
+            <a:fld id="{091399BD-5632-4612-98AC-0049671A5341}" type="slidenum">
+              <a:rPr lang="en-GB" smtClean="0"/>
+              <a:pPr/>
+              <a:t>16</a:t>
+            </a:fld>
+            <a:endParaRPr lang="en-GB"/>
+          </a:p>
+        </p:txBody>
+      </p:sp>
+    </p:spTree>
+  </p:cSld>
+  <p:clrMapOvr>
+    <a:masterClrMapping/>
+  </p:clrMapOvr>
+</p:notes>
+</file>
+
+<file path=ppt/notesSlides/notesSlide13.xml><?xml version="1.0" encoding="utf-8"?>
+<p:notes xmlns:a="http://schemas.openxmlformats.org/drawingml/2006/main" xmlns:r="http://schemas.openxmlformats.org/officeDocument/2006/relationships" xmlns:p="http://schemas.openxmlformats.org/presentationml/2006/main">
+  <p:cSld>
+    <p:spTree>
+      <p:nvGrpSpPr>
+        <p:cNvPr id="1" name=""/>
+        <p:cNvGrpSpPr/>
+        <p:nvPr/>
+      </p:nvGrpSpPr>
+      <p:grpSpPr>
+        <a:xfrm>
+          <a:off x="0" y="0"/>
+          <a:ext cx="0" cy="0"/>
+          <a:chOff x="0" y="0"/>
+          <a:chExt cx="0" cy="0"/>
+        </a:xfrm>
+      </p:grpSpPr>
+      <p:sp>
+        <p:nvSpPr>
+          <p:cNvPr id="2" name="Slide Image Placeholder 1"/>
+          <p:cNvSpPr>
+            <a:spLocks noGrp="1" noRot="1" noChangeAspect="1"/>
+          </p:cNvSpPr>
+          <p:nvPr>
+            <p:ph type="sldImg"/>
+          </p:nvPr>
+        </p:nvSpPr>
+        <p:spPr/>
+      </p:sp>
+      <p:sp>
+        <p:nvSpPr>
+          <p:cNvPr id="3" name="Notes Placeholder 2"/>
+          <p:cNvSpPr>
+            <a:spLocks noGrp="1"/>
+          </p:cNvSpPr>
+          <p:nvPr>
+            <p:ph type="body" idx="1"/>
+          </p:nvPr>
+        </p:nvSpPr>
+        <p:spPr/>
+        <p:txBody>
+          <a:bodyPr>
+            <a:normAutofit/>
+          </a:bodyPr>
+          <a:lstStyle/>
+          <a:p>
+            <a:r>
+              <a:rPr lang="en-GB" dirty="0" smtClean="0"/>
+              <a:t>These</a:t>
+            </a:r>
+            <a:r>
+              <a:rPr lang="en-GB" baseline="0" dirty="0" smtClean="0"/>
+              <a:t> options are just here to help create the code faster.</a:t>
+            </a:r>
+          </a:p>
+          <a:p>
+            <a:endParaRPr lang="en-GB" baseline="0" dirty="0" smtClean="0"/>
+          </a:p>
+        </p:txBody>
+      </p:sp>
+      <p:sp>
+        <p:nvSpPr>
+          <p:cNvPr id="4" name="Slide Number Placeholder 3"/>
+          <p:cNvSpPr>
+            <a:spLocks noGrp="1"/>
+          </p:cNvSpPr>
+          <p:nvPr>
+            <p:ph type="sldNum" sz="quarter" idx="10"/>
+          </p:nvPr>
+        </p:nvSpPr>
+        <p:spPr/>
+        <p:txBody>
+          <a:bodyPr/>
+          <a:lstStyle/>
+          <a:p>
+            <a:fld id="{091399BD-5632-4612-98AC-0049671A5341}" type="slidenum">
+              <a:rPr lang="en-GB" smtClean="0"/>
+              <a:pPr/>
+              <a:t>17</a:t>
+            </a:fld>
+            <a:endParaRPr lang="en-GB"/>
+          </a:p>
+        </p:txBody>
+      </p:sp>
+    </p:spTree>
+  </p:cSld>
+  <p:clrMapOvr>
+    <a:masterClrMapping/>
+  </p:clrMapOvr>
+</p:notes>
+</file>
+
+<file path=ppt/notesSlides/notesSlide14.xml><?xml version="1.0" encoding="utf-8"?>
+<p:notes xmlns:a="http://schemas.openxmlformats.org/drawingml/2006/main" xmlns:r="http://schemas.openxmlformats.org/officeDocument/2006/relationships" xmlns:p="http://schemas.openxmlformats.org/presentationml/2006/main">
+  <p:cSld>
+    <p:spTree>
+      <p:nvGrpSpPr>
+        <p:cNvPr id="1" name=""/>
+        <p:cNvGrpSpPr/>
+        <p:nvPr/>
+      </p:nvGrpSpPr>
+      <p:grpSpPr>
+        <a:xfrm>
+          <a:off x="0" y="0"/>
+          <a:ext cx="0" cy="0"/>
+          <a:chOff x="0" y="0"/>
+          <a:chExt cx="0" cy="0"/>
+        </a:xfrm>
+      </p:grpSpPr>
+      <p:sp>
+        <p:nvSpPr>
+          <p:cNvPr id="2" name="Slide Image Placeholder 1"/>
+          <p:cNvSpPr>
+            <a:spLocks noGrp="1" noRot="1" noChangeAspect="1"/>
+          </p:cNvSpPr>
+          <p:nvPr>
+            <p:ph type="sldImg"/>
+          </p:nvPr>
+        </p:nvSpPr>
+        <p:spPr>
+          <a:xfrm>
+            <a:off x="1714500" y="142875"/>
+            <a:ext cx="5715000" cy="4286250"/>
+          </a:xfrm>
+        </p:spPr>
+      </p:sp>
+      <p:sp>
+        <p:nvSpPr>
+          <p:cNvPr id="3" name="Notes Placeholder 2"/>
+          <p:cNvSpPr>
+            <a:spLocks noGrp="1"/>
+          </p:cNvSpPr>
+          <p:nvPr>
+            <p:ph type="body" idx="1"/>
+          </p:nvPr>
+        </p:nvSpPr>
+        <p:spPr/>
+        <p:txBody>
+          <a:bodyPr>
+            <a:normAutofit/>
+          </a:bodyPr>
+          <a:lstStyle/>
+          <a:p>
+            <a:r>
+              <a:rPr lang="en-GB" dirty="0" smtClean="0"/>
+              <a:t>Works really well with standard JavaBeans.</a:t>
+            </a:r>
+          </a:p>
+          <a:p>
+            <a:endParaRPr lang="en-GB" dirty="0" smtClean="0"/>
+          </a:p>
+          <a:p>
+            <a:r>
+              <a:rPr lang="en-GB" dirty="0" smtClean="0"/>
+              <a:t>We</a:t>
+            </a:r>
+            <a:r>
+              <a:rPr lang="en-GB" baseline="0" dirty="0" smtClean="0"/>
+              <a:t> can think of evolve as a better way to join up beans!</a:t>
+            </a:r>
+            <a:endParaRPr lang="en-GB" dirty="0"/>
+          </a:p>
+        </p:txBody>
+      </p:sp>
+      <p:sp>
+        <p:nvSpPr>
+          <p:cNvPr id="4" name="Slide Number Placeholder 3"/>
+          <p:cNvSpPr>
+            <a:spLocks noGrp="1"/>
+          </p:cNvSpPr>
+          <p:nvPr>
+            <p:ph type="sldNum" sz="quarter" idx="10"/>
+          </p:nvPr>
+        </p:nvSpPr>
+        <p:spPr/>
+        <p:txBody>
+          <a:bodyPr/>
+          <a:lstStyle/>
+          <a:p>
+            <a:fld id="{091399BD-5632-4612-98AC-0049671A5341}" type="slidenum">
+              <a:rPr lang="en-GB" smtClean="0"/>
+              <a:pPr/>
+              <a:t>18</a:t>
+            </a:fld>
+            <a:endParaRPr lang="en-GB"/>
+          </a:p>
+        </p:txBody>
+      </p:sp>
+    </p:spTree>
+  </p:cSld>
+  <p:clrMapOvr>
+    <a:masterClrMapping/>
+  </p:clrMapOvr>
+</p:notes>
+</file>
+
+<file path=ppt/notesSlides/notesSlide15.xml><?xml version="1.0" encoding="utf-8"?>
+<p:notes xmlns:a="http://schemas.openxmlformats.org/drawingml/2006/main" xmlns:r="http://schemas.openxmlformats.org/officeDocument/2006/relationships" xmlns:p="http://schemas.openxmlformats.org/presentationml/2006/main">
+  <p:cSld>
+    <p:spTree>
+      <p:nvGrpSpPr>
+        <p:cNvPr id="1" name=""/>
+        <p:cNvGrpSpPr/>
+        <p:nvPr/>
+      </p:nvGrpSpPr>
+      <p:grpSpPr>
+        <a:xfrm>
+          <a:off x="0" y="0"/>
+          <a:ext cx="0" cy="0"/>
+          <a:chOff x="0" y="0"/>
+          <a:chExt cx="0" cy="0"/>
+        </a:xfrm>
+      </p:grpSpPr>
+      <p:sp>
+        <p:nvSpPr>
+          <p:cNvPr id="2" name="Slide Image Placeholder 1"/>
+          <p:cNvSpPr>
+            <a:spLocks noGrp="1" noRot="1" noChangeAspect="1"/>
+          </p:cNvSpPr>
+          <p:nvPr>
+            <p:ph type="sldImg"/>
+          </p:nvPr>
+        </p:nvSpPr>
+        <p:spPr>
+          <a:xfrm>
+            <a:off x="1714500" y="142875"/>
+            <a:ext cx="5715000" cy="4286250"/>
+          </a:xfrm>
+        </p:spPr>
+      </p:sp>
+      <p:sp>
+        <p:nvSpPr>
+          <p:cNvPr id="3" name="Notes Placeholder 2"/>
+          <p:cNvSpPr>
+            <a:spLocks noGrp="1"/>
+          </p:cNvSpPr>
+          <p:nvPr>
+            <p:ph type="body" idx="1"/>
+          </p:nvPr>
+        </p:nvSpPr>
+        <p:spPr/>
+        <p:txBody>
+          <a:bodyPr>
+            <a:normAutofit/>
+          </a:bodyPr>
+          <a:lstStyle/>
+          <a:p>
+            <a:r>
+              <a:rPr lang="en-GB" dirty="0" smtClean="0"/>
+              <a:t>Backbone interpreter is &lt;350kb – analogous</a:t>
+            </a:r>
+            <a:r>
+              <a:rPr lang="en-GB" baseline="0" dirty="0" smtClean="0"/>
+              <a:t> to spring bean factory</a:t>
+            </a:r>
+          </a:p>
+          <a:p>
+            <a:endParaRPr lang="en-GB" baseline="0" dirty="0" smtClean="0"/>
+          </a:p>
+          <a:p>
+            <a:r>
+              <a:rPr lang="en-GB" baseline="0" dirty="0" smtClean="0"/>
+              <a:t>In both cases, hierarchy is flattened into connected leaf instances.</a:t>
+            </a:r>
+          </a:p>
+        </p:txBody>
+      </p:sp>
+      <p:sp>
+        <p:nvSpPr>
+          <p:cNvPr id="4" name="Slide Number Placeholder 3"/>
+          <p:cNvSpPr>
+            <a:spLocks noGrp="1"/>
+          </p:cNvSpPr>
+          <p:nvPr>
+            <p:ph type="sldNum" sz="quarter" idx="10"/>
+          </p:nvPr>
+        </p:nvSpPr>
+        <p:spPr/>
+        <p:txBody>
+          <a:bodyPr/>
+          <a:lstStyle/>
+          <a:p>
+            <a:fld id="{091399BD-5632-4612-98AC-0049671A5341}" type="slidenum">
+              <a:rPr lang="en-GB" smtClean="0"/>
+              <a:pPr/>
+              <a:t>19</a:t>
+            </a:fld>
+            <a:endParaRPr lang="en-GB"/>
+          </a:p>
+        </p:txBody>
+      </p:sp>
+    </p:spTree>
+  </p:cSld>
+  <p:clrMapOvr>
+    <a:masterClrMapping/>
+  </p:clrMapOvr>
+</p:notes>
+</file>
+
+<file path=ppt/notesSlides/notesSlide16.xml><?xml version="1.0" encoding="utf-8"?>
+<p:notes xmlns:a="http://schemas.openxmlformats.org/drawingml/2006/main" xmlns:r="http://schemas.openxmlformats.org/officeDocument/2006/relationships" xmlns:p="http://schemas.openxmlformats.org/presentationml/2006/main">
+  <p:cSld>
+    <p:spTree>
+      <p:nvGrpSpPr>
+        <p:cNvPr id="1" name=""/>
+        <p:cNvGrpSpPr/>
+        <p:nvPr/>
+      </p:nvGrpSpPr>
+      <p:grpSpPr>
+        <a:xfrm>
+          <a:off x="0" y="0"/>
+          <a:ext cx="0" cy="0"/>
+          <a:chOff x="0" y="0"/>
+          <a:chExt cx="0" cy="0"/>
+        </a:xfrm>
+      </p:grpSpPr>
+      <p:sp>
+        <p:nvSpPr>
+          <p:cNvPr id="2" name="Slide Image Placeholder 1"/>
+          <p:cNvSpPr>
+            <a:spLocks noGrp="1" noRot="1" noChangeAspect="1"/>
+          </p:cNvSpPr>
+          <p:nvPr>
+            <p:ph type="sldImg"/>
+          </p:nvPr>
+        </p:nvSpPr>
+        <p:spPr>
+          <a:xfrm>
+            <a:off x="1714500" y="142875"/>
+            <a:ext cx="5715000" cy="4286250"/>
+          </a:xfrm>
+        </p:spPr>
+      </p:sp>
+      <p:sp>
+        <p:nvSpPr>
+          <p:cNvPr id="3" name="Notes Placeholder 2"/>
+          <p:cNvSpPr>
+            <a:spLocks noGrp="1"/>
+          </p:cNvSpPr>
+          <p:nvPr>
+            <p:ph type="body" idx="1"/>
+          </p:nvPr>
+        </p:nvSpPr>
+        <p:spPr/>
+        <p:txBody>
+          <a:bodyPr>
+            <a:normAutofit/>
+          </a:bodyPr>
+          <a:lstStyle/>
+          <a:p>
+            <a:r>
+              <a:rPr lang="en-GB" dirty="0" smtClean="0"/>
+              <a:t>Some lessons learnt</a:t>
+            </a:r>
+            <a:r>
+              <a:rPr lang="en-GB" baseline="0" dirty="0" smtClean="0"/>
+              <a:t> from UML tools</a:t>
+            </a:r>
+          </a:p>
+          <a:p>
+            <a:pPr>
+              <a:buFontTx/>
+              <a:buChar char="-"/>
+            </a:pPr>
+            <a:r>
+              <a:rPr lang="en-GB" baseline="0" dirty="0" smtClean="0"/>
+              <a:t>Scalable browser</a:t>
+            </a:r>
+          </a:p>
+          <a:p>
+            <a:pPr>
+              <a:buFontTx/>
+              <a:buChar char="-"/>
+            </a:pPr>
+            <a:r>
+              <a:rPr lang="en-GB" baseline="0" dirty="0" smtClean="0"/>
+              <a:t>Lazily updated diagrams</a:t>
+            </a:r>
+          </a:p>
+          <a:p>
+            <a:pPr>
+              <a:buFontTx/>
+              <a:buChar char="-"/>
+            </a:pPr>
+            <a:r>
+              <a:rPr lang="en-GB" baseline="0" dirty="0" smtClean="0"/>
+              <a:t>Undo/redo mechanism pushed into infrastructure</a:t>
+            </a:r>
+          </a:p>
+        </p:txBody>
+      </p:sp>
+      <p:sp>
+        <p:nvSpPr>
+          <p:cNvPr id="4" name="Slide Number Placeholder 3"/>
+          <p:cNvSpPr>
+            <a:spLocks noGrp="1"/>
+          </p:cNvSpPr>
+          <p:nvPr>
+            <p:ph type="sldNum" sz="quarter" idx="10"/>
+          </p:nvPr>
+        </p:nvSpPr>
+        <p:spPr/>
+        <p:txBody>
+          <a:bodyPr/>
+          <a:lstStyle/>
+          <a:p>
+            <a:fld id="{091399BD-5632-4612-98AC-0049671A5341}" type="slidenum">
+              <a:rPr lang="en-GB" smtClean="0"/>
+              <a:pPr/>
+              <a:t>20</a:t>
+            </a:fld>
+            <a:endParaRPr lang="en-GB"/>
+          </a:p>
+        </p:txBody>
+      </p:sp>
+    </p:spTree>
+  </p:cSld>
+  <p:clrMapOvr>
+    <a:masterClrMapping/>
+  </p:clrMapOvr>
+</p:notes>
+</file>
+
+<file path=ppt/notesSlides/notesSlide17.xml><?xml version="1.0" encoding="utf-8"?>
+<p:notes xmlns:a="http://schemas.openxmlformats.org/drawingml/2006/main" xmlns:r="http://schemas.openxmlformats.org/officeDocument/2006/relationships" xmlns:p="http://schemas.openxmlformats.org/presentationml/2006/main">
+  <p:cSld>
+    <p:spTree>
+      <p:nvGrpSpPr>
+        <p:cNvPr id="1" name=""/>
+        <p:cNvGrpSpPr/>
+        <p:nvPr/>
+      </p:nvGrpSpPr>
+      <p:grpSpPr>
+        <a:xfrm>
+          <a:off x="0" y="0"/>
+          <a:ext cx="0" cy="0"/>
+          <a:chOff x="0" y="0"/>
+          <a:chExt cx="0" cy="0"/>
+        </a:xfrm>
+      </p:grpSpPr>
+      <p:sp>
+        <p:nvSpPr>
+          <p:cNvPr id="2" name="Slide Image Placeholder 1"/>
+          <p:cNvSpPr>
+            <a:spLocks noGrp="1" noRot="1" noChangeAspect="1"/>
+          </p:cNvSpPr>
+          <p:nvPr>
+            <p:ph type="sldImg"/>
+          </p:nvPr>
+        </p:nvSpPr>
+        <p:spPr>
+          <a:xfrm>
+            <a:off x="1714500" y="142875"/>
+            <a:ext cx="5715000" cy="4286250"/>
+          </a:xfrm>
+        </p:spPr>
+      </p:sp>
+      <p:sp>
+        <p:nvSpPr>
+          <p:cNvPr id="3" name="Notes Placeholder 2"/>
+          <p:cNvSpPr>
+            <a:spLocks noGrp="1"/>
+          </p:cNvSpPr>
+          <p:nvPr>
+            <p:ph type="body" idx="1"/>
+          </p:nvPr>
+        </p:nvSpPr>
+        <p:spPr/>
+        <p:txBody>
+          <a:bodyPr>
+            <a:normAutofit/>
+          </a:bodyPr>
+          <a:lstStyle/>
+          <a:p>
+            <a:r>
+              <a:rPr lang="en-GB" dirty="0" smtClean="0"/>
+              <a:t>This is very close to being finished</a:t>
+            </a:r>
+          </a:p>
+          <a:p>
+            <a:endParaRPr lang="en-GB" dirty="0" smtClean="0"/>
+          </a:p>
+          <a:p>
+            <a:r>
+              <a:rPr lang="en-GB" dirty="0" smtClean="0"/>
+              <a:t>More of a requirements tool</a:t>
+            </a:r>
+            <a:r>
+              <a:rPr lang="en-GB" baseline="0" dirty="0" smtClean="0"/>
+              <a:t> at the moment</a:t>
+            </a:r>
+          </a:p>
+          <a:p>
+            <a:pPr>
+              <a:buFontTx/>
+              <a:buChar char="-"/>
+            </a:pPr>
+            <a:r>
+              <a:rPr lang="en-GB" baseline="0" dirty="0" smtClean="0"/>
+              <a:t>Have traceability to components supporting features</a:t>
+            </a:r>
+          </a:p>
+          <a:p>
+            <a:pPr>
+              <a:buFontTx/>
+              <a:buChar char="-"/>
+            </a:pPr>
+            <a:r>
+              <a:rPr lang="en-GB" dirty="0" smtClean="0"/>
+              <a:t>In future cross-check between features chosen</a:t>
+            </a:r>
+            <a:r>
+              <a:rPr lang="en-GB" baseline="0" dirty="0" smtClean="0"/>
+              <a:t> and features supported by components</a:t>
+            </a:r>
+            <a:endParaRPr lang="en-GB" dirty="0"/>
+          </a:p>
+        </p:txBody>
+      </p:sp>
+      <p:sp>
+        <p:nvSpPr>
+          <p:cNvPr id="4" name="Slide Number Placeholder 3"/>
+          <p:cNvSpPr>
+            <a:spLocks noGrp="1"/>
+          </p:cNvSpPr>
+          <p:nvPr>
+            <p:ph type="sldNum" sz="quarter" idx="10"/>
+          </p:nvPr>
+        </p:nvSpPr>
+        <p:spPr/>
+        <p:txBody>
+          <a:bodyPr/>
+          <a:lstStyle/>
+          <a:p>
+            <a:fld id="{091399BD-5632-4612-98AC-0049671A5341}" type="slidenum">
+              <a:rPr lang="en-GB" smtClean="0"/>
+              <a:pPr/>
+              <a:t>22</a:t>
+            </a:fld>
+            <a:endParaRPr lang="en-GB"/>
+          </a:p>
+        </p:txBody>
+      </p:sp>
+    </p:spTree>
+  </p:cSld>
+  <p:clrMapOvr>
+    <a:masterClrMapping/>
+  </p:clrMapOvr>
+</p:notes>
+</file>
+
+<file path=ppt/notesSlides/notesSlide18.xml><?xml version="1.0" encoding="utf-8"?>
+<p:notes xmlns:a="http://schemas.openxmlformats.org/drawingml/2006/main" xmlns:r="http://schemas.openxmlformats.org/officeDocument/2006/relationships" xmlns:p="http://schemas.openxmlformats.org/presentationml/2006/main">
+  <p:cSld>
+    <p:spTree>
+      <p:nvGrpSpPr>
+        <p:cNvPr id="1" name=""/>
+        <p:cNvGrpSpPr/>
+        <p:nvPr/>
+      </p:nvGrpSpPr>
+      <p:grpSpPr>
+        <a:xfrm>
+          <a:off x="0" y="0"/>
+          <a:ext cx="0" cy="0"/>
+          <a:chOff x="0" y="0"/>
+          <a:chExt cx="0" cy="0"/>
+        </a:xfrm>
+      </p:grpSpPr>
+      <p:sp>
+        <p:nvSpPr>
+          <p:cNvPr id="2" name="Slide Image Placeholder 1"/>
+          <p:cNvSpPr>
+            <a:spLocks noGrp="1" noRot="1" noChangeAspect="1"/>
+          </p:cNvSpPr>
+          <p:nvPr>
+            <p:ph type="sldImg"/>
+          </p:nvPr>
+        </p:nvSpPr>
+        <p:spPr/>
+      </p:sp>
+      <p:sp>
+        <p:nvSpPr>
+          <p:cNvPr id="3" name="Notes Placeholder 2"/>
+          <p:cNvSpPr>
+            <a:spLocks noGrp="1"/>
+          </p:cNvSpPr>
+          <p:nvPr>
+            <p:ph type="body" idx="1"/>
+          </p:nvPr>
+        </p:nvSpPr>
+        <p:spPr/>
+        <p:txBody>
+          <a:bodyPr>
+            <a:normAutofit/>
+          </a:bodyPr>
+          <a:lstStyle/>
+          <a:p>
+            <a:r>
+              <a:rPr lang="en-GB" dirty="0" smtClean="0"/>
+              <a:t>Protocols describe behaviour, provide a bound</a:t>
+            </a:r>
+          </a:p>
+          <a:p>
+            <a:endParaRPr lang="en-GB" dirty="0" smtClean="0"/>
+          </a:p>
+          <a:p>
+            <a:r>
+              <a:rPr lang="en-GB" dirty="0" smtClean="0"/>
+              <a:t>Sequence</a:t>
+            </a:r>
+            <a:r>
+              <a:rPr lang="en-GB" baseline="0" dirty="0" smtClean="0"/>
+              <a:t> for composites automatically assembled</a:t>
+            </a:r>
+          </a:p>
+          <a:p>
+            <a:endParaRPr lang="en-GB" baseline="0" dirty="0" smtClean="0"/>
+          </a:p>
+          <a:p>
+            <a:r>
+              <a:rPr lang="en-GB" baseline="0" dirty="0" smtClean="0"/>
+              <a:t>Then check using goals stated for extension and base – possibly tied to features</a:t>
+            </a:r>
+          </a:p>
+          <a:p>
+            <a:r>
+              <a:rPr lang="en-GB" baseline="0" dirty="0" smtClean="0"/>
+              <a:t>- Input and output traces at a high level?</a:t>
+            </a:r>
+            <a:endParaRPr lang="en-GB" dirty="0" smtClean="0"/>
+          </a:p>
+        </p:txBody>
+      </p:sp>
+      <p:sp>
+        <p:nvSpPr>
+          <p:cNvPr id="4" name="Slide Number Placeholder 3"/>
+          <p:cNvSpPr>
+            <a:spLocks noGrp="1"/>
+          </p:cNvSpPr>
+          <p:nvPr>
+            <p:ph type="sldNum" sz="quarter" idx="10"/>
+          </p:nvPr>
+        </p:nvSpPr>
+        <p:spPr/>
+        <p:txBody>
+          <a:bodyPr/>
+          <a:lstStyle/>
+          <a:p>
+            <a:fld id="{091399BD-5632-4612-98AC-0049671A5341}" type="slidenum">
+              <a:rPr lang="en-GB" smtClean="0"/>
+              <a:pPr/>
+              <a:t>23</a:t>
+            </a:fld>
+            <a:endParaRPr lang="en-GB"/>
+          </a:p>
+        </p:txBody>
+      </p:sp>
+    </p:spTree>
+  </p:cSld>
+  <p:clrMapOvr>
+    <a:masterClrMapping/>
+  </p:clrMapOvr>
+</p:notes>
+</file>
+
+<file path=ppt/notesSlides/notesSlide19.xml><?xml version="1.0" encoding="utf-8"?>
+<p:notes xmlns:a="http://schemas.openxmlformats.org/drawingml/2006/main" xmlns:r="http://schemas.openxmlformats.org/officeDocument/2006/relationships" xmlns:p="http://schemas.openxmlformats.org/presentationml/2006/main">
+  <p:cSld>
+    <p:spTree>
+      <p:nvGrpSpPr>
+        <p:cNvPr id="1" name=""/>
+        <p:cNvGrpSpPr/>
+        <p:nvPr/>
+      </p:nvGrpSpPr>
+      <p:grpSpPr>
+        <a:xfrm>
+          <a:off x="0" y="0"/>
+          <a:ext cx="0" cy="0"/>
+          <a:chOff x="0" y="0"/>
+          <a:chExt cx="0" cy="0"/>
+        </a:xfrm>
+      </p:grpSpPr>
+      <p:sp>
+        <p:nvSpPr>
+          <p:cNvPr id="2" name="Slide Image Placeholder 1"/>
+          <p:cNvSpPr>
+            <a:spLocks noGrp="1" noRot="1" noChangeAspect="1"/>
+          </p:cNvSpPr>
+          <p:nvPr>
+            <p:ph type="sldImg"/>
+          </p:nvPr>
+        </p:nvSpPr>
+        <p:spPr/>
+      </p:sp>
+      <p:sp>
+        <p:nvSpPr>
+          <p:cNvPr id="3" name="Notes Placeholder 2"/>
+          <p:cNvSpPr>
+            <a:spLocks noGrp="1"/>
+          </p:cNvSpPr>
+          <p:nvPr>
+            <p:ph type="body" idx="1"/>
+          </p:nvPr>
+        </p:nvSpPr>
+        <p:spPr/>
+        <p:txBody>
+          <a:bodyPr>
+            <a:normAutofit/>
+          </a:bodyPr>
+          <a:lstStyle/>
+          <a:p>
+            <a:r>
+              <a:rPr lang="en-GB" dirty="0" smtClean="0"/>
+              <a:t>Mention that UML2 has far richer</a:t>
+            </a:r>
+            <a:r>
+              <a:rPr lang="en-GB" baseline="0" dirty="0" smtClean="0"/>
+              <a:t> sequence diagrams.</a:t>
+            </a:r>
+          </a:p>
+          <a:p>
+            <a:endParaRPr lang="en-GB" baseline="0" dirty="0" smtClean="0"/>
+          </a:p>
+          <a:p>
+            <a:r>
+              <a:rPr lang="en-GB" baseline="0" dirty="0" smtClean="0"/>
+              <a:t>We use a subset for describing protocols – gives bound of behaviour</a:t>
+            </a:r>
+            <a:endParaRPr lang="en-GB" dirty="0"/>
+          </a:p>
+        </p:txBody>
+      </p:sp>
+      <p:sp>
+        <p:nvSpPr>
+          <p:cNvPr id="4" name="Slide Number Placeholder 3"/>
+          <p:cNvSpPr>
+            <a:spLocks noGrp="1"/>
+          </p:cNvSpPr>
+          <p:nvPr>
+            <p:ph type="sldNum" sz="quarter" idx="10"/>
+          </p:nvPr>
+        </p:nvSpPr>
+        <p:spPr/>
+        <p:txBody>
+          <a:bodyPr/>
+          <a:lstStyle/>
+          <a:p>
+            <a:fld id="{091399BD-5632-4612-98AC-0049671A5341}" type="slidenum">
+              <a:rPr lang="en-GB" smtClean="0"/>
+              <a:pPr/>
+              <a:t>24</a:t>
+            </a:fld>
+            <a:endParaRPr lang="en-GB"/>
+          </a:p>
+        </p:txBody>
+      </p:sp>
+    </p:spTree>
+  </p:cSld>
+  <p:clrMapOvr>
+    <a:masterClrMapping/>
+  </p:clrMapOvr>
+</p:notes>
+</file>
+
 <file path=ppt/notesSlides/notesSlide2.xml><?xml version="1.0" encoding="utf-8"?>
 <p:notes xmlns:a="http://schemas.openxmlformats.org/drawingml/2006/main" xmlns:r="http://schemas.openxmlformats.org/officeDocument/2006/relationships" xmlns:p="http://schemas.openxmlformats.org/presentationml/2006/main">
   <p:cSld>
@@ -665,6 +5880,114 @@
               <a:rPr lang="en-GB" smtClean="0"/>
               <a:pPr/>
               <a:t>3</a:t>
+            </a:fld>
+            <a:endParaRPr lang="en-GB"/>
+          </a:p>
+        </p:txBody>
+      </p:sp>
+    </p:spTree>
+  </p:cSld>
+  <p:clrMapOvr>
+    <a:masterClrMapping/>
+  </p:clrMapOvr>
+</p:notes>
+</file>
+
+<file path=ppt/notesSlides/notesSlide20.xml><?xml version="1.0" encoding="utf-8"?>
+<p:notes xmlns:a="http://schemas.openxmlformats.org/drawingml/2006/main" xmlns:r="http://schemas.openxmlformats.org/officeDocument/2006/relationships" xmlns:p="http://schemas.openxmlformats.org/presentationml/2006/main">
+  <p:cSld>
+    <p:spTree>
+      <p:nvGrpSpPr>
+        <p:cNvPr id="1" name=""/>
+        <p:cNvGrpSpPr/>
+        <p:nvPr/>
+      </p:nvGrpSpPr>
+      <p:grpSpPr>
+        <a:xfrm>
+          <a:off x="0" y="0"/>
+          <a:ext cx="0" cy="0"/>
+          <a:chOff x="0" y="0"/>
+          <a:chExt cx="0" cy="0"/>
+        </a:xfrm>
+      </p:grpSpPr>
+      <p:sp>
+        <p:nvSpPr>
+          <p:cNvPr id="2" name="Slide Image Placeholder 1"/>
+          <p:cNvSpPr>
+            <a:spLocks noGrp="1" noRot="1" noChangeAspect="1"/>
+          </p:cNvSpPr>
+          <p:nvPr>
+            <p:ph type="sldImg"/>
+          </p:nvPr>
+        </p:nvSpPr>
+        <p:spPr>
+          <a:xfrm>
+            <a:off x="1714500" y="142875"/>
+            <a:ext cx="5715000" cy="4286250"/>
+          </a:xfrm>
+        </p:spPr>
+      </p:sp>
+      <p:sp>
+        <p:nvSpPr>
+          <p:cNvPr id="3" name="Notes Placeholder 2"/>
+          <p:cNvSpPr>
+            <a:spLocks noGrp="1"/>
+          </p:cNvSpPr>
+          <p:nvPr>
+            <p:ph type="body" idx="1"/>
+          </p:nvPr>
+        </p:nvSpPr>
+        <p:spPr/>
+        <p:txBody>
+          <a:bodyPr>
+            <a:normAutofit/>
+          </a:bodyPr>
+          <a:lstStyle/>
+          <a:p>
+            <a:r>
+              <a:rPr lang="en-GB" dirty="0" smtClean="0"/>
+              <a:t>Cost of older system is proportional to</a:t>
+            </a:r>
+            <a:r>
+              <a:rPr lang="en-GB" baseline="0" dirty="0" smtClean="0"/>
+              <a:t> </a:t>
+            </a:r>
+            <a:r>
+              <a:rPr lang="en-GB" baseline="0" dirty="0" smtClean="0"/>
+              <a:t>age</a:t>
+            </a:r>
+          </a:p>
+          <a:p>
+            <a:endParaRPr lang="en-GB" baseline="0" dirty="0" smtClean="0"/>
+          </a:p>
+          <a:p>
+            <a:r>
+              <a:rPr lang="en-GB" baseline="0" dirty="0" smtClean="0"/>
+              <a:t>Can do cool things like bring a new extension back into an old version, and correct any structural issues!</a:t>
+            </a:r>
+            <a:endParaRPr lang="en-GB" dirty="0"/>
+          </a:p>
+        </p:txBody>
+      </p:sp>
+      <p:sp>
+        <p:nvSpPr>
+          <p:cNvPr id="4" name="Slide Number Placeholder 3"/>
+          <p:cNvSpPr>
+            <a:spLocks noGrp="1"/>
+          </p:cNvSpPr>
+          <p:nvPr>
+            <p:ph type="sldNum" sz="quarter" idx="10"/>
+          </p:nvPr>
+        </p:nvSpPr>
+        <p:spPr/>
+        <p:txBody>
+          <a:bodyPr/>
+          <a:lstStyle/>
+          <a:p>
+            <a:fld id="{091399BD-5632-4612-98AC-0049671A5341}" type="slidenum">
+              <a:rPr lang="en-GB" smtClean="0"/>
+              <a:pPr/>
+              <a:t>25</a:t>
             </a:fld>
             <a:endParaRPr lang="en-GB"/>
           </a:p>
@@ -1306,7 +6629,12 @@
             <p:ph type="sldImg"/>
           </p:nvPr>
         </p:nvSpPr>
-        <p:spPr/>
+        <p:spPr>
+          <a:xfrm>
+            <a:off x="1714500" y="142875"/>
+            <a:ext cx="5715000" cy="4286250"/>
+          </a:xfrm>
+        </p:spPr>
       </p:sp>
       <p:sp>
         <p:nvSpPr>
@@ -1327,18 +6655,44 @@
           <a:p>
             <a:r>
               <a:rPr lang="en-GB" dirty="0" smtClean="0"/>
-              <a:t>Context is much</a:t>
-            </a:r>
-            <a:r>
-              <a:rPr lang="en-GB" baseline="0" dirty="0" smtClean="0"/>
-              <a:t> less constrained than in OO</a:t>
-            </a:r>
-          </a:p>
-          <a:p>
-            <a:r>
-              <a:rPr lang="en-GB" baseline="0" dirty="0" smtClean="0"/>
-              <a:t>Point out explicit transitions</a:t>
-            </a:r>
+              <a:t>No limitations of conventional singletons</a:t>
+            </a:r>
+          </a:p>
+          <a:p>
+            <a:pPr>
+              <a:buFontTx/>
+              <a:buChar char="-"/>
+            </a:pPr>
+            <a:r>
+              <a:rPr lang="en-GB" dirty="0" smtClean="0"/>
+              <a:t>Can have more than 1</a:t>
+            </a:r>
+          </a:p>
+          <a:p>
+            <a:pPr>
+              <a:buFontTx/>
+              <a:buChar char="-"/>
+            </a:pPr>
+            <a:r>
+              <a:rPr lang="en-GB" dirty="0" smtClean="0"/>
+              <a:t>Covers a well defined portion of the hierarchy</a:t>
+            </a:r>
+          </a:p>
+          <a:p>
+            <a:pPr>
+              <a:buFontTx/>
+              <a:buChar char="-"/>
+            </a:pPr>
+            <a:r>
+              <a:rPr lang="en-GB" dirty="0" smtClean="0"/>
+              <a:t>Can override with manual connectors</a:t>
+            </a:r>
+          </a:p>
+          <a:p>
+            <a:pPr>
+              <a:buFontTx/>
+              <a:buChar char="-"/>
+            </a:pPr>
             <a:endParaRPr lang="en-GB" dirty="0"/>
           </a:p>
         </p:txBody>
@@ -1361,7 +6715,7 @@
             <a:fld id="{091399BD-5632-4612-98AC-0049671A5341}" type="slidenum">
               <a:rPr lang="en-GB" smtClean="0"/>
               <a:pPr/>
-              <a:t>13</a:t>
+              <a:t>10</a:t>
             </a:fld>
             <a:endParaRPr lang="en-GB"/>
           </a:p>
@@ -1402,7 +6756,12 @@
             <p:ph type="sldImg"/>
           </p:nvPr>
         </p:nvSpPr>
-        <p:spPr/>
+        <p:spPr>
+          <a:xfrm>
+            <a:off x="1714500" y="142875"/>
+            <a:ext cx="5715000" cy="4286250"/>
+          </a:xfrm>
+        </p:spPr>
       </p:sp>
       <p:sp>
         <p:nvSpPr>
@@ -1423,11 +6782,57 @@
           <a:p>
             <a:r>
               <a:rPr lang="en-GB" dirty="0" smtClean="0"/>
-              <a:t>Cost of older system is proportional to</a:t>
+              <a:t>NOTE: these are executable, like rest</a:t>
             </a:r>
             <a:r>
               <a:rPr lang="en-GB" baseline="0" dirty="0" smtClean="0"/>
-              <a:t> age</a:t>
+              <a:t> of Backbone</a:t>
+            </a:r>
+            <a:endParaRPr lang="en-GB" dirty="0" smtClean="0"/>
+          </a:p>
+          <a:p>
+            <a:endParaRPr lang="en-GB" dirty="0" smtClean="0"/>
+          </a:p>
+          <a:p>
+            <a:r>
+              <a:rPr lang="en-GB" dirty="0" smtClean="0"/>
+              <a:t>Context </a:t>
+            </a:r>
+            <a:r>
+              <a:rPr lang="en-GB" dirty="0" smtClean="0"/>
+              <a:t>is much</a:t>
+            </a:r>
+            <a:r>
+              <a:rPr lang="en-GB" baseline="0" dirty="0" smtClean="0"/>
+              <a:t> less constrained than in OO</a:t>
+            </a:r>
+          </a:p>
+          <a:p>
+            <a:r>
+              <a:rPr lang="en-GB" baseline="0" dirty="0" smtClean="0"/>
+              <a:t>Point out explicit </a:t>
+            </a:r>
+            <a:r>
+              <a:rPr lang="en-GB" baseline="0" dirty="0" smtClean="0"/>
+              <a:t>transitions</a:t>
+            </a:r>
+          </a:p>
+          <a:p>
+            <a:endParaRPr lang="en-GB" baseline="0" dirty="0" smtClean="0"/>
+          </a:p>
+          <a:p>
+            <a:r>
+              <a:rPr lang="en-GB" baseline="0" dirty="0" smtClean="0"/>
+              <a:t>Explain how resemblance and replacement can remake these</a:t>
+            </a:r>
+          </a:p>
+          <a:p>
+            <a:endParaRPr lang="en-GB" baseline="0" dirty="0" smtClean="0"/>
+          </a:p>
+          <a:p>
+            <a:r>
+              <a:rPr lang="en-GB" baseline="0" dirty="0" smtClean="0"/>
+              <a:t>Provides far nicer way to handle common state patterns than OO variant</a:t>
             </a:r>
             <a:endParaRPr lang="en-GB" dirty="0"/>
           </a:p>
@@ -1451,7 +6856,7 @@
             <a:fld id="{091399BD-5632-4612-98AC-0049671A5341}" type="slidenum">
               <a:rPr lang="en-GB" smtClean="0"/>
               <a:pPr/>
-              <a:t>19</a:t>
+              <a:t>13</a:t>
             </a:fld>
             <a:endParaRPr lang="en-GB"/>
           </a:p>
@@ -1808,7 +7213,7 @@
             <a:fld id="{80205730-B28B-4293-938B-A508842901A8}" type="datetimeFigureOut">
               <a:rPr lang="en-US" smtClean="0"/>
               <a:pPr/>
-              <a:t>2/2/2011</a:t>
+              <a:t>2/3/2011</a:t>
             </a:fld>
             <a:endParaRPr lang="en-GB"/>
           </a:p>
@@ -1993,7 +7398,7 @@
             <a:fld id="{80205730-B28B-4293-938B-A508842901A8}" type="datetimeFigureOut">
               <a:rPr lang="en-US" smtClean="0"/>
               <a:pPr/>
-              <a:t>2/2/2011</a:t>
+              <a:t>2/3/2011</a:t>
             </a:fld>
             <a:endParaRPr lang="en-GB"/>
           </a:p>
@@ -2390,7 +7795,7 @@
             <a:fld id="{80205730-B28B-4293-938B-A508842901A8}" type="datetimeFigureOut">
               <a:rPr lang="en-US" smtClean="0"/>
               <a:pPr/>
-              <a:t>2/2/2011</a:t>
+              <a:t>2/3/2011</a:t>
             </a:fld>
             <a:endParaRPr lang="en-GB"/>
           </a:p>
@@ -2664,7 +8069,7 @@
             <a:fld id="{80205730-B28B-4293-938B-A508842901A8}" type="datetimeFigureOut">
               <a:rPr lang="en-US" smtClean="0"/>
               <a:pPr/>
-              <a:t>2/2/2011</a:t>
+              <a:t>2/3/2011</a:t>
             </a:fld>
             <a:endParaRPr lang="en-GB"/>
           </a:p>
@@ -3052,7 +8457,7 @@
             <a:fld id="{80205730-B28B-4293-938B-A508842901A8}" type="datetimeFigureOut">
               <a:rPr lang="en-US" smtClean="0"/>
               <a:pPr/>
-              <a:t>2/2/2011</a:t>
+              <a:t>2/3/2011</a:t>
             </a:fld>
             <a:endParaRPr lang="en-GB"/>
           </a:p>
@@ -3212,7 +8617,7 @@
             <a:fld id="{80205730-B28B-4293-938B-A508842901A8}" type="datetimeFigureOut">
               <a:rPr lang="en-US" smtClean="0"/>
               <a:pPr/>
-              <a:t>2/2/2011</a:t>
+              <a:t>2/3/2011</a:t>
             </a:fld>
             <a:endParaRPr lang="en-GB"/>
           </a:p>
@@ -3312,7 +8717,7 @@
             <a:fld id="{80205730-B28B-4293-938B-A508842901A8}" type="datetimeFigureOut">
               <a:rPr lang="en-US" smtClean="0"/>
               <a:pPr/>
-              <a:t>2/2/2011</a:t>
+              <a:t>2/3/2011</a:t>
             </a:fld>
             <a:endParaRPr lang="en-GB"/>
           </a:p>
@@ -3583,7 +8988,7 @@
             <a:fld id="{80205730-B28B-4293-938B-A508842901A8}" type="datetimeFigureOut">
               <a:rPr lang="en-US" smtClean="0"/>
               <a:pPr/>
-              <a:t>2/2/2011</a:t>
+              <a:t>2/3/2011</a:t>
             </a:fld>
             <a:endParaRPr lang="en-GB"/>
           </a:p>
@@ -3881,7 +9286,7 @@
             <a:fld id="{80205730-B28B-4293-938B-A508842901A8}" type="datetimeFigureOut">
               <a:rPr lang="en-US" smtClean="0"/>
               <a:pPr/>
-              <a:t>2/2/2011</a:t>
+              <a:t>2/3/2011</a:t>
             </a:fld>
             <a:endParaRPr lang="en-GB"/>
           </a:p>
@@ -5177,11 +10582,7 @@
           <a:p>
             <a:r>
               <a:rPr lang="en-GB" dirty="0" smtClean="0"/>
-              <a:t>Cutting </a:t>
-            </a:r>
-            <a:r>
-              <a:rPr lang="en-GB" dirty="0" smtClean="0"/>
-              <a:t>through the hierarchy</a:t>
+              <a:t>Cutting through the hierarchy</a:t>
             </a:r>
             <a:endParaRPr lang="en-GB" dirty="0"/>
           </a:p>
@@ -5212,24 +10613,400 @@
             </a:r>
           </a:p>
           <a:p>
-            <a:pPr lvl="1"/>
-            <a:r>
-              <a:rPr lang="en-GB" dirty="0" smtClean="0"/>
-              <a:t>M</a:t>
-            </a:r>
-            <a:r>
-              <a:rPr lang="en-GB" dirty="0" smtClean="0"/>
-              <a:t>ore general and flexible than singleton</a:t>
+            <a:r>
+              <a:rPr lang="en-GB" dirty="0" smtClean="0"/>
+              <a:t>More </a:t>
+            </a:r>
+            <a:r>
+              <a:rPr lang="en-GB" dirty="0" smtClean="0"/>
+              <a:t>flexible &amp; general singleton approach [</a:t>
+            </a:r>
+            <a:r>
+              <a:rPr lang="en-GB" dirty="0" err="1" smtClean="0"/>
+              <a:t>Rumbaugh</a:t>
+            </a:r>
+            <a:r>
+              <a:rPr lang="en-GB" dirty="0" smtClean="0"/>
+              <a:t>]</a:t>
             </a:r>
             <a:endParaRPr lang="en-GB" dirty="0" smtClean="0"/>
           </a:p>
         </p:txBody>
       </p:sp>
+      <p:graphicFrame>
+        <p:nvGraphicFramePr>
+          <p:cNvPr id="7" name="Diagram 6"/>
+          <p:cNvGraphicFramePr/>
+          <p:nvPr/>
+        </p:nvGraphicFramePr>
+        <p:xfrm>
+          <a:off x="2214546" y="2722586"/>
+          <a:ext cx="6096000" cy="4064000"/>
+        </p:xfrm>
+        <a:graphic>
+          <a:graphicData uri="http://schemas.openxmlformats.org/drawingml/2006/diagram">
+            <dgm:relIds xmlns:dgm="http://schemas.openxmlformats.org/drawingml/2006/diagram" xmlns:r="http://schemas.openxmlformats.org/officeDocument/2006/relationships" r:dm="rId3" r:lo="rId4" r:qs="rId5" r:cs="rId6"/>
+          </a:graphicData>
+        </a:graphic>
+      </p:graphicFrame>
+      <p:sp>
+        <p:nvSpPr>
+          <p:cNvPr id="8" name="Rectangle 7"/>
+          <p:cNvSpPr/>
+          <p:nvPr/>
+        </p:nvSpPr>
+        <p:spPr>
+          <a:xfrm>
+            <a:off x="2285984" y="4722850"/>
+            <a:ext cx="214314" cy="214314"/>
+          </a:xfrm>
+          <a:prstGeom prst="rect">
+            <a:avLst/>
+          </a:prstGeom>
+          <a:solidFill>
+            <a:schemeClr val="bg1"/>
+          </a:solidFill>
+          <a:ln>
+            <a:solidFill>
+              <a:schemeClr val="tx1"/>
+            </a:solidFill>
+          </a:ln>
+        </p:spPr>
+        <p:style>
+          <a:lnRef idx="2">
+            <a:schemeClr val="accent1">
+              <a:shade val="50000"/>
+            </a:schemeClr>
+          </a:lnRef>
+          <a:fillRef idx="1">
+            <a:schemeClr val="accent1"/>
+          </a:fillRef>
+          <a:effectRef idx="0">
+            <a:schemeClr val="accent1"/>
+          </a:effectRef>
+          <a:fontRef idx="minor">
+            <a:schemeClr val="lt1"/>
+          </a:fontRef>
+        </p:style>
+        <p:txBody>
+          <a:bodyPr rtlCol="0" anchor="ctr"/>
+          <a:lstStyle/>
+          <a:p>
+            <a:pPr algn="ctr"/>
+            <a:endParaRPr lang="en-GB"/>
+          </a:p>
+        </p:txBody>
+      </p:sp>
+      <p:sp>
+        <p:nvSpPr>
+          <p:cNvPr id="9" name="Right Triangle 8"/>
+          <p:cNvSpPr/>
+          <p:nvPr/>
+        </p:nvSpPr>
+        <p:spPr>
+          <a:xfrm>
+            <a:off x="2285984" y="4722850"/>
+            <a:ext cx="214314" cy="214314"/>
+          </a:xfrm>
+          <a:prstGeom prst="rtTriangle">
+            <a:avLst/>
+          </a:prstGeom>
+          <a:solidFill>
+            <a:schemeClr val="tx1"/>
+          </a:solidFill>
+        </p:spPr>
+        <p:style>
+          <a:lnRef idx="2">
+            <a:schemeClr val="accent1">
+              <a:shade val="50000"/>
+            </a:schemeClr>
+          </a:lnRef>
+          <a:fillRef idx="1">
+            <a:schemeClr val="accent1"/>
+          </a:fillRef>
+          <a:effectRef idx="0">
+            <a:schemeClr val="accent1"/>
+          </a:effectRef>
+          <a:fontRef idx="minor">
+            <a:schemeClr val="lt1"/>
+          </a:fontRef>
+        </p:style>
+        <p:txBody>
+          <a:bodyPr rtlCol="0" anchor="ctr"/>
+          <a:lstStyle/>
+          <a:p>
+            <a:pPr algn="ctr"/>
+            <a:endParaRPr lang="en-GB"/>
+          </a:p>
+        </p:txBody>
+      </p:sp>
+      <p:sp>
+        <p:nvSpPr>
+          <p:cNvPr id="10" name="Rectangle 9"/>
+          <p:cNvSpPr/>
+          <p:nvPr/>
+        </p:nvSpPr>
+        <p:spPr>
+          <a:xfrm>
+            <a:off x="4929190" y="6008734"/>
+            <a:ext cx="214314" cy="214314"/>
+          </a:xfrm>
+          <a:prstGeom prst="rect">
+            <a:avLst/>
+          </a:prstGeom>
+          <a:solidFill>
+            <a:schemeClr val="bg1"/>
+          </a:solidFill>
+          <a:ln>
+            <a:solidFill>
+              <a:schemeClr val="tx1"/>
+            </a:solidFill>
+          </a:ln>
+        </p:spPr>
+        <p:style>
+          <a:lnRef idx="2">
+            <a:schemeClr val="accent1">
+              <a:shade val="50000"/>
+            </a:schemeClr>
+          </a:lnRef>
+          <a:fillRef idx="1">
+            <a:schemeClr val="accent1"/>
+          </a:fillRef>
+          <a:effectRef idx="0">
+            <a:schemeClr val="accent1"/>
+          </a:effectRef>
+          <a:fontRef idx="minor">
+            <a:schemeClr val="lt1"/>
+          </a:fontRef>
+        </p:style>
+        <p:txBody>
+          <a:bodyPr rtlCol="0" anchor="ctr"/>
+          <a:lstStyle/>
+          <a:p>
+            <a:pPr algn="ctr"/>
+            <a:endParaRPr lang="en-GB"/>
+          </a:p>
+        </p:txBody>
+      </p:sp>
+      <p:sp>
+        <p:nvSpPr>
+          <p:cNvPr id="14" name="Rectangle 13"/>
+          <p:cNvSpPr/>
+          <p:nvPr/>
+        </p:nvSpPr>
+        <p:spPr>
+          <a:xfrm>
+            <a:off x="6715140" y="6008734"/>
+            <a:ext cx="214314" cy="214314"/>
+          </a:xfrm>
+          <a:prstGeom prst="rect">
+            <a:avLst/>
+          </a:prstGeom>
+          <a:solidFill>
+            <a:schemeClr val="bg1"/>
+          </a:solidFill>
+          <a:ln>
+            <a:solidFill>
+              <a:schemeClr val="tx1"/>
+            </a:solidFill>
+          </a:ln>
+        </p:spPr>
+        <p:style>
+          <a:lnRef idx="2">
+            <a:schemeClr val="accent1">
+              <a:shade val="50000"/>
+            </a:schemeClr>
+          </a:lnRef>
+          <a:fillRef idx="1">
+            <a:schemeClr val="accent1"/>
+          </a:fillRef>
+          <a:effectRef idx="0">
+            <a:schemeClr val="accent1"/>
+          </a:effectRef>
+          <a:fontRef idx="minor">
+            <a:schemeClr val="lt1"/>
+          </a:fontRef>
+        </p:style>
+        <p:txBody>
+          <a:bodyPr rtlCol="0" anchor="ctr"/>
+          <a:lstStyle/>
+          <a:p>
+            <a:pPr algn="ctr"/>
+            <a:endParaRPr lang="en-GB"/>
+          </a:p>
+        </p:txBody>
+      </p:sp>
+      <p:grpSp>
+        <p:nvGrpSpPr>
+          <p:cNvPr id="19" name="Group 18"/>
+          <p:cNvGrpSpPr/>
+          <p:nvPr/>
+        </p:nvGrpSpPr>
+        <p:grpSpPr>
+          <a:xfrm>
+            <a:off x="2571736" y="5080040"/>
+            <a:ext cx="4000528" cy="1000132"/>
+            <a:chOff x="2571736" y="5000636"/>
+            <a:chExt cx="4000528" cy="1000132"/>
+          </a:xfrm>
+        </p:grpSpPr>
+        <p:cxnSp>
+          <p:nvCxnSpPr>
+            <p:cNvPr id="13" name="Straight Arrow Connector 12"/>
+            <p:cNvCxnSpPr/>
+            <p:nvPr/>
+          </p:nvCxnSpPr>
+          <p:spPr>
+            <a:xfrm>
+              <a:off x="2571736" y="5000636"/>
+              <a:ext cx="2286016" cy="1000132"/>
+            </a:xfrm>
+            <a:prstGeom prst="straightConnector1">
+              <a:avLst/>
+            </a:prstGeom>
+            <a:ln w="101600">
+              <a:headEnd type="oval"/>
+              <a:tailEnd type="arrow"/>
+            </a:ln>
+          </p:spPr>
+          <p:style>
+            <a:lnRef idx="1">
+              <a:schemeClr val="accent1"/>
+            </a:lnRef>
+            <a:fillRef idx="0">
+              <a:schemeClr val="accent1"/>
+            </a:fillRef>
+            <a:effectRef idx="0">
+              <a:schemeClr val="accent1"/>
+            </a:effectRef>
+            <a:fontRef idx="minor">
+              <a:schemeClr val="tx1"/>
+            </a:fontRef>
+          </p:style>
+        </p:cxnSp>
+        <p:cxnSp>
+          <p:nvCxnSpPr>
+            <p:cNvPr id="15" name="Straight Arrow Connector 14"/>
+            <p:cNvCxnSpPr/>
+            <p:nvPr/>
+          </p:nvCxnSpPr>
+          <p:spPr>
+            <a:xfrm>
+              <a:off x="2571736" y="5000636"/>
+              <a:ext cx="4000528" cy="857256"/>
+            </a:xfrm>
+            <a:prstGeom prst="straightConnector1">
+              <a:avLst/>
+            </a:prstGeom>
+            <a:ln w="101600">
+              <a:headEnd type="oval"/>
+              <a:tailEnd type="arrow"/>
+            </a:ln>
+          </p:spPr>
+          <p:style>
+            <a:lnRef idx="1">
+              <a:schemeClr val="accent1"/>
+            </a:lnRef>
+            <a:fillRef idx="0">
+              <a:schemeClr val="accent1"/>
+            </a:fillRef>
+            <a:effectRef idx="0">
+              <a:schemeClr val="accent1"/>
+            </a:effectRef>
+            <a:fontRef idx="minor">
+              <a:schemeClr val="tx1"/>
+            </a:fontRef>
+          </p:style>
+        </p:cxnSp>
+      </p:grpSp>
     </p:spTree>
   </p:cSld>
   <p:clrMapOvr>
     <a:masterClrMapping/>
   </p:clrMapOvr>
+  <p:timing>
+    <p:tnLst>
+      <p:par>
+        <p:cTn id="1" dur="indefinite" restart="never" nodeType="tmRoot">
+          <p:childTnLst>
+            <p:seq concurrent="1" nextAc="seek">
+              <p:cTn id="2" dur="indefinite" nodeType="mainSeq">
+                <p:childTnLst>
+                  <p:par>
+                    <p:cTn id="3" fill="hold">
+                      <p:stCondLst>
+                        <p:cond delay="indefinite"/>
+                      </p:stCondLst>
+                      <p:childTnLst>
+                        <p:par>
+                          <p:cTn id="4" fill="hold">
+                            <p:stCondLst>
+                              <p:cond delay="0"/>
+                            </p:stCondLst>
+                            <p:childTnLst>
+                              <p:par>
+                                <p:cTn id="5" presetID="10" presetClass="entr" presetSubtype="0" fill="hold" nodeType="clickEffect">
+                                  <p:stCondLst>
+                                    <p:cond delay="0"/>
+                                  </p:stCondLst>
+                                  <p:childTnLst>
+                                    <p:set>
+                                      <p:cBhvr>
+                                        <p:cTn id="6" dur="1" fill="hold">
+                                          <p:stCondLst>
+                                            <p:cond delay="0"/>
+                                          </p:stCondLst>
+                                        </p:cTn>
+                                        <p:tgtEl>
+                                          <p:spTgt spid="19"/>
+                                        </p:tgtEl>
+                                        <p:attrNameLst>
+                                          <p:attrName>style.visibility</p:attrName>
+                                        </p:attrNameLst>
+                                      </p:cBhvr>
+                                      <p:to>
+                                        <p:strVal val="visible"/>
+                                      </p:to>
+                                    </p:set>
+                                    <p:animEffect transition="in" filter="fade">
+                                      <p:cBhvr>
+                                        <p:cTn id="7" dur="2000"/>
+                                        <p:tgtEl>
+                                          <p:spTgt spid="19"/>
+                                        </p:tgtEl>
+                                      </p:cBhvr>
+                                    </p:animEffect>
+                                  </p:childTnLst>
+                                </p:cTn>
+                              </p:par>
+                            </p:childTnLst>
+                          </p:cTn>
+                        </p:par>
+                      </p:childTnLst>
+                    </p:cTn>
+                  </p:par>
+                </p:childTnLst>
+              </p:cTn>
+              <p:prevCondLst>
+                <p:cond evt="onPrev" delay="0">
+                  <p:tgtEl>
+                    <p:sldTgt/>
+                  </p:tgtEl>
+                </p:cond>
+              </p:prevCondLst>
+              <p:nextCondLst>
+                <p:cond evt="onNext" delay="0">
+                  <p:tgtEl>
+                    <p:sldTgt/>
+                  </p:tgtEl>
+                </p:cond>
+              </p:nextCondLst>
+            </p:seq>
+          </p:childTnLst>
+        </p:cTn>
+      </p:par>
+    </p:tnLst>
+  </p:timing>
 </p:sld>
 </file>
 
@@ -5267,7 +11044,7 @@
           <a:p>
             <a:r>
               <a:rPr lang="en-GB" dirty="0" smtClean="0"/>
-              <a:t>Factories</a:t>
+              <a:t>Isomorphic factories</a:t>
             </a:r>
             <a:endParaRPr lang="en-GB" dirty="0"/>
           </a:p>
@@ -5304,19 +11081,46 @@
             <a:pPr lvl="1"/>
             <a:r>
               <a:rPr lang="en-GB" dirty="0" smtClean="0"/>
-              <a:t>Can be nested arbitrarily</a:t>
-            </a:r>
-          </a:p>
-          <a:p>
-            <a:pPr lvl="1"/>
-            <a:r>
-              <a:rPr lang="en-GB" dirty="0" smtClean="0"/>
-              <a:t>Dynamic architecture in static description</a:t>
-            </a:r>
-            <a:endParaRPr lang="en-GB" dirty="0"/>
-          </a:p>
-        </p:txBody>
-      </p:sp>
+              <a:t>Can be nested </a:t>
+            </a:r>
+            <a:r>
+              <a:rPr lang="en-GB" dirty="0" smtClean="0"/>
+              <a:t>arbitrarily</a:t>
+            </a:r>
+            <a:endParaRPr lang="en-GB" dirty="0" smtClean="0"/>
+          </a:p>
+        </p:txBody>
+      </p:sp>
+      <p:pic>
+        <p:nvPicPr>
+          <p:cNvPr id="7" name="Picture 6"/>
+          <p:cNvPicPr/>
+          <p:nvPr/>
+        </p:nvPicPr>
+        <p:blipFill>
+          <a:blip r:embed="rId2" cstate="print"/>
+          <a:srcRect/>
+          <a:stretch>
+            <a:fillRect/>
+          </a:stretch>
+        </p:blipFill>
+        <p:spPr bwMode="auto">
+          <a:xfrm>
+            <a:off x="2285984" y="3302744"/>
+            <a:ext cx="4643470" cy="3483842"/>
+          </a:xfrm>
+          <a:prstGeom prst="rect">
+            <a:avLst/>
+          </a:prstGeom>
+          <a:noFill/>
+          <a:ln w="9525">
+            <a:noFill/>
+            <a:miter lim="800000"/>
+            <a:headEnd/>
+            <a:tailEnd/>
+          </a:ln>
+        </p:spPr>
+      </p:pic>
     </p:spTree>
   </p:cSld>
   <p:clrMapOvr>
@@ -5359,7 +11163,15 @@
           <a:p>
             <a:r>
               <a:rPr lang="en-GB" dirty="0" smtClean="0"/>
-              <a:t>State Machines</a:t>
+              <a:t>Executable state </a:t>
+            </a:r>
+            <a:r>
+              <a:rPr lang="en-GB" dirty="0" smtClean="0"/>
+              <a:t>m</a:t>
+            </a:r>
+            <a:r>
+              <a:rPr lang="en-GB" dirty="0" smtClean="0"/>
+              <a:t>achines</a:t>
             </a:r>
             <a:endParaRPr lang="en-GB" dirty="0"/>
           </a:p>
@@ -5384,7 +11196,6 @@
               <a:rPr lang="en-GB" dirty="0" smtClean="0"/>
               <a:t>Component variant of state pattern</a:t>
             </a:r>
-            <a:endParaRPr lang="en-GB" dirty="0" smtClean="0"/>
           </a:p>
           <a:p>
             <a:pPr lvl="1"/>
@@ -5394,7 +11205,7 @@
             </a:r>
             <a:r>
               <a:rPr lang="en-GB" dirty="0" smtClean="0"/>
-              <a:t>switch</a:t>
+              <a:t>switch component</a:t>
             </a:r>
             <a:endParaRPr lang="en-GB" dirty="0" smtClean="0"/>
           </a:p>
@@ -5419,24 +11230,15 @@
           <a:p>
             <a:r>
               <a:rPr lang="en-GB" dirty="0" smtClean="0"/>
-              <a:t>Advantages over OO </a:t>
-            </a:r>
-            <a:r>
-              <a:rPr lang="en-GB" dirty="0" smtClean="0"/>
-              <a:t>approach</a:t>
+              <a:t>Advantages over OO approach</a:t>
             </a:r>
           </a:p>
           <a:p>
             <a:pPr lvl="1"/>
             <a:r>
               <a:rPr lang="en-GB" dirty="0" smtClean="0"/>
-              <a:t>Don’t </a:t>
-            </a:r>
-            <a:r>
-              <a:rPr lang="en-GB" dirty="0" smtClean="0"/>
-              <a:t>get me started!</a:t>
-            </a:r>
-            <a:endParaRPr lang="en-GB" dirty="0" smtClean="0"/>
+              <a:t>Don’t get me started!</a:t>
+            </a:r>
           </a:p>
           <a:p>
             <a:pPr lvl="1"/>
@@ -5510,35 +11312,50 @@
           <a:p>
             <a:r>
               <a:rPr lang="en-GB" dirty="0" smtClean="0"/>
-              <a:t>State machines (2)</a:t>
+              <a:t>Executable s</a:t>
+            </a:r>
+            <a:r>
+              <a:rPr lang="en-GB" dirty="0" smtClean="0"/>
+              <a:t>tate </a:t>
+            </a:r>
+            <a:r>
+              <a:rPr lang="en-GB" dirty="0" smtClean="0"/>
+              <a:t>machines (2)</a:t>
             </a:r>
             <a:endParaRPr lang="en-GB" dirty="0"/>
           </a:p>
         </p:txBody>
       </p:sp>
-      <p:sp>
-        <p:nvSpPr>
-          <p:cNvPr id="3" name="Content Placeholder 2"/>
-          <p:cNvSpPr>
-            <a:spLocks noGrp="1"/>
-          </p:cNvSpPr>
-          <p:nvPr>
-            <p:ph idx="1"/>
-          </p:nvPr>
-        </p:nvSpPr>
-        <p:spPr/>
-        <p:txBody>
-          <a:bodyPr/>
-          <a:lstStyle/>
-          <a:p>
-            <a:r>
-              <a:rPr lang="en-GB" dirty="0" smtClean="0"/>
-              <a:t>Show...</a:t>
-            </a:r>
-            <a:endParaRPr lang="en-GB" dirty="0"/>
-          </a:p>
-        </p:txBody>
-      </p:sp>
+      <p:pic>
+        <p:nvPicPr>
+          <p:cNvPr id="4" name="Picture 3"/>
+          <p:cNvPicPr/>
+          <p:nvPr/>
+        </p:nvPicPr>
+        <p:blipFill>
+          <a:blip r:embed="rId3" cstate="print"/>
+          <a:srcRect/>
+          <a:stretch>
+            <a:fillRect/>
+          </a:stretch>
+        </p:blipFill>
+        <p:spPr bwMode="auto">
+          <a:xfrm>
+            <a:off x="142844" y="1857364"/>
+            <a:ext cx="8866676" cy="4071966"/>
+          </a:xfrm>
+          <a:prstGeom prst="rect">
+            <a:avLst/>
+          </a:prstGeom>
+          <a:noFill/>
+          <a:ln w="9525">
+            <a:noFill/>
+            <a:miter lim="800000"/>
+            <a:headEnd/>
+            <a:tailEnd/>
+          </a:ln>
+        </p:spPr>
+      </p:pic>
     </p:spTree>
   </p:cSld>
   <p:clrMapOvr>
@@ -5581,7 +11398,11 @@
           <a:p>
             <a:r>
               <a:rPr lang="en-GB" dirty="0" smtClean="0"/>
-              <a:t>The Evolve Toolset</a:t>
+              <a:t>The Evolve </a:t>
+            </a:r>
+            <a:r>
+              <a:rPr lang="en-GB" dirty="0" smtClean="0"/>
+              <a:t>Toolset</a:t>
             </a:r>
             <a:endParaRPr lang="en-GB" dirty="0"/>
           </a:p>
@@ -5589,7 +11410,7 @@
       </p:sp>
       <p:sp>
         <p:nvSpPr>
-          <p:cNvPr id="5" name="Text Placeholder 4"/>
+          <p:cNvPr id="8" name="Text Placeholder 4"/>
           <p:cNvSpPr>
             <a:spLocks noGrp="1"/>
           </p:cNvSpPr>
@@ -5597,16 +11418,26 @@
             <p:ph type="body" idx="1"/>
           </p:nvPr>
         </p:nvSpPr>
-        <p:spPr/>
-        <p:txBody>
-          <a:bodyPr/>
-          <a:lstStyle/>
-          <a:p>
-            <a:r>
-              <a:rPr lang="en-GB" dirty="0" smtClean="0"/>
-              <a:t>Evolve in practice...</a:t>
-            </a:r>
-            <a:endParaRPr lang="en-GB" dirty="0"/>
+        <p:spPr>
+          <a:xfrm>
+            <a:off x="530352" y="3348048"/>
+            <a:ext cx="7772400" cy="2867034"/>
+          </a:xfrm>
+        </p:spPr>
+        <p:txBody>
+          <a:bodyPr>
+            <a:normAutofit/>
+          </a:bodyPr>
+          <a:lstStyle/>
+          <a:p>
+            <a:r>
+              <a:rPr lang="en-GB" dirty="0" smtClean="0"/>
+              <a:t>(+ current focus on Java)</a:t>
+            </a:r>
+            <a:endParaRPr lang="en-GB" dirty="0" smtClean="0"/>
+          </a:p>
+          <a:p>
+            <a:endParaRPr lang="en-GB" dirty="0" smtClean="0"/>
           </a:p>
         </p:txBody>
       </p:sp>
@@ -5650,10 +11481,6 @@
           <a:bodyPr/>
           <a:lstStyle/>
           <a:p>
-            <a:r>
-              <a:rPr lang="en-GB" dirty="0" smtClean="0"/>
-              <a:t>Evolve</a:t>
-            </a:r>
             <a:endParaRPr lang="en-GB" dirty="0"/>
           </a:p>
         </p:txBody>
@@ -5673,66 +11500,288 @@
           <a:bodyPr/>
           <a:lstStyle/>
           <a:p>
-            <a:r>
-              <a:rPr lang="en-GB" dirty="0" smtClean="0"/>
-              <a:t>Creating stuff</a:t>
-            </a:r>
-          </a:p>
-          <a:p>
-            <a:r>
-              <a:rPr lang="en-GB" dirty="0" smtClean="0"/>
-              <a:t>Difference creation &amp; browser</a:t>
-            </a:r>
-          </a:p>
-          <a:p>
-            <a:r>
-              <a:rPr lang="en-GB" dirty="0" smtClean="0"/>
-              <a:t>Combination checking</a:t>
-            </a:r>
-          </a:p>
-          <a:p>
-            <a:r>
-              <a:rPr lang="en-GB" dirty="0" smtClean="0"/>
-              <a:t>Importing and exporting models</a:t>
-            </a:r>
-          </a:p>
-          <a:p>
-            <a:r>
-              <a:rPr lang="en-GB" dirty="0" smtClean="0"/>
-              <a:t>Importing beans</a:t>
-            </a:r>
-          </a:p>
-          <a:p>
-            <a:r>
-              <a:rPr lang="en-GB" dirty="0" smtClean="0"/>
-              <a:t>Generating Java code + fwd engineering (2 types)</a:t>
-            </a:r>
-          </a:p>
-          <a:p>
-            <a:r>
-              <a:rPr lang="en-GB" dirty="0" smtClean="0"/>
-              <a:t>Model scalability – lessons from UML tools</a:t>
-            </a:r>
-          </a:p>
-          <a:p>
-            <a:r>
-              <a:rPr lang="en-GB" dirty="0" smtClean="0"/>
-              <a:t>Team edition</a:t>
-            </a:r>
-          </a:p>
-          <a:p>
-            <a:r>
-              <a:rPr lang="en-GB" dirty="0" smtClean="0"/>
-              <a:t>Internal architecture, interaction with Backbone</a:t>
-            </a:r>
-          </a:p>
-        </p:txBody>
-      </p:sp>
+            <a:endParaRPr lang="en-GB"/>
+          </a:p>
+        </p:txBody>
+      </p:sp>
+      <p:pic>
+        <p:nvPicPr>
+          <p:cNvPr id="2052" name="Picture 4"/>
+          <p:cNvPicPr>
+            <a:picLocks noChangeAspect="1" noChangeArrowheads="1"/>
+          </p:cNvPicPr>
+          <p:nvPr/>
+        </p:nvPicPr>
+        <p:blipFill>
+          <a:blip r:embed="rId3" cstate="print"/>
+          <a:srcRect/>
+          <a:stretch>
+            <a:fillRect/>
+          </a:stretch>
+        </p:blipFill>
+        <p:spPr bwMode="auto">
+          <a:xfrm>
+            <a:off x="0" y="0"/>
+            <a:ext cx="9144000" cy="6902515"/>
+          </a:xfrm>
+          <a:prstGeom prst="rect">
+            <a:avLst/>
+          </a:prstGeom>
+          <a:noFill/>
+          <a:ln w="9525">
+            <a:noFill/>
+            <a:miter lim="800000"/>
+            <a:headEnd/>
+            <a:tailEnd/>
+          </a:ln>
+          <a:effectLst/>
+        </p:spPr>
+      </p:pic>
+      <p:pic>
+        <p:nvPicPr>
+          <p:cNvPr id="2053" name="Picture 5"/>
+          <p:cNvPicPr>
+            <a:picLocks noChangeAspect="1" noChangeArrowheads="1"/>
+          </p:cNvPicPr>
+          <p:nvPr/>
+        </p:nvPicPr>
+        <p:blipFill>
+          <a:blip r:embed="rId4" cstate="print"/>
+          <a:srcRect/>
+          <a:stretch>
+            <a:fillRect/>
+          </a:stretch>
+        </p:blipFill>
+        <p:spPr bwMode="auto">
+          <a:xfrm>
+            <a:off x="0" y="0"/>
+            <a:ext cx="9144000" cy="6902515"/>
+          </a:xfrm>
+          <a:prstGeom prst="rect">
+            <a:avLst/>
+          </a:prstGeom>
+          <a:noFill/>
+          <a:ln w="9525">
+            <a:noFill/>
+            <a:miter lim="800000"/>
+            <a:headEnd/>
+            <a:tailEnd/>
+          </a:ln>
+          <a:effectLst/>
+        </p:spPr>
+      </p:pic>
+      <p:pic>
+        <p:nvPicPr>
+          <p:cNvPr id="2054" name="Picture 6"/>
+          <p:cNvPicPr>
+            <a:picLocks noChangeAspect="1" noChangeArrowheads="1"/>
+          </p:cNvPicPr>
+          <p:nvPr/>
+        </p:nvPicPr>
+        <p:blipFill>
+          <a:blip r:embed="rId5" cstate="print"/>
+          <a:srcRect/>
+          <a:stretch>
+            <a:fillRect/>
+          </a:stretch>
+        </p:blipFill>
+        <p:spPr bwMode="auto">
+          <a:xfrm>
+            <a:off x="357158" y="1857364"/>
+            <a:ext cx="8429684" cy="4214842"/>
+          </a:xfrm>
+          <a:prstGeom prst="rect">
+            <a:avLst/>
+          </a:prstGeom>
+          <a:noFill/>
+          <a:ln w="9525">
+            <a:noFill/>
+            <a:miter lim="800000"/>
+            <a:headEnd/>
+            <a:tailEnd/>
+          </a:ln>
+          <a:effectLst/>
+        </p:spPr>
+      </p:pic>
     </p:spTree>
   </p:cSld>
   <p:clrMapOvr>
     <a:masterClrMapping/>
   </p:clrMapOvr>
+  <p:timing>
+    <p:tnLst>
+      <p:par>
+        <p:cTn id="1" dur="indefinite" restart="never" nodeType="tmRoot">
+          <p:childTnLst>
+            <p:seq concurrent="1" nextAc="seek">
+              <p:cTn id="2" dur="indefinite" nodeType="mainSeq">
+                <p:childTnLst>
+                  <p:par>
+                    <p:cTn id="3" fill="hold">
+                      <p:stCondLst>
+                        <p:cond delay="indefinite"/>
+                      </p:stCondLst>
+                      <p:childTnLst>
+                        <p:par>
+                          <p:cTn id="4" fill="hold">
+                            <p:stCondLst>
+                              <p:cond delay="0"/>
+                            </p:stCondLst>
+                            <p:childTnLst>
+                              <p:par>
+                                <p:cTn id="5" presetID="10" presetClass="entr" presetSubtype="0" fill="hold" nodeType="clickEffect">
+                                  <p:stCondLst>
+                                    <p:cond delay="0"/>
+                                  </p:stCondLst>
+                                  <p:childTnLst>
+                                    <p:set>
+                                      <p:cBhvr>
+                                        <p:cTn id="6" dur="1" fill="hold">
+                                          <p:stCondLst>
+                                            <p:cond delay="0"/>
+                                          </p:stCondLst>
+                                        </p:cTn>
+                                        <p:tgtEl>
+                                          <p:spTgt spid="2053"/>
+                                        </p:tgtEl>
+                                        <p:attrNameLst>
+                                          <p:attrName>style.visibility</p:attrName>
+                                        </p:attrNameLst>
+                                      </p:cBhvr>
+                                      <p:to>
+                                        <p:strVal val="visible"/>
+                                      </p:to>
+                                    </p:set>
+                                    <p:animEffect transition="in" filter="fade">
+                                      <p:cBhvr>
+                                        <p:cTn id="7" dur="2000"/>
+                                        <p:tgtEl>
+                                          <p:spTgt spid="2053"/>
+                                        </p:tgtEl>
+                                      </p:cBhvr>
+                                    </p:animEffect>
+                                  </p:childTnLst>
+                                </p:cTn>
+                              </p:par>
+                            </p:childTnLst>
+                          </p:cTn>
+                        </p:par>
+                      </p:childTnLst>
+                    </p:cTn>
+                  </p:par>
+                  <p:par>
+                    <p:cTn id="8" fill="hold">
+                      <p:stCondLst>
+                        <p:cond delay="indefinite"/>
+                      </p:stCondLst>
+                      <p:childTnLst>
+                        <p:par>
+                          <p:cTn id="9" fill="hold">
+                            <p:stCondLst>
+                              <p:cond delay="0"/>
+                            </p:stCondLst>
+                            <p:childTnLst>
+                              <p:par>
+                                <p:cTn id="10" presetID="2" presetClass="entr" presetSubtype="4" fill="hold" nodeType="clickEffect">
+                                  <p:stCondLst>
+                                    <p:cond delay="0"/>
+                                  </p:stCondLst>
+                                  <p:childTnLst>
+                                    <p:set>
+                                      <p:cBhvr>
+                                        <p:cTn id="11" dur="1" fill="hold">
+                                          <p:stCondLst>
+                                            <p:cond delay="0"/>
+                                          </p:stCondLst>
+                                        </p:cTn>
+                                        <p:tgtEl>
+                                          <p:spTgt spid="2054"/>
+                                        </p:tgtEl>
+                                        <p:attrNameLst>
+                                          <p:attrName>style.visibility</p:attrName>
+                                        </p:attrNameLst>
+                                      </p:cBhvr>
+                                      <p:to>
+                                        <p:strVal val="visible"/>
+                                      </p:to>
+                                    </p:set>
+                                    <p:anim calcmode="lin" valueType="num">
+                                      <p:cBhvr additive="base">
+                                        <p:cTn id="12" dur="500" fill="hold"/>
+                                        <p:tgtEl>
+                                          <p:spTgt spid="2054"/>
+                                        </p:tgtEl>
+                                        <p:attrNameLst>
+                                          <p:attrName>ppt_x</p:attrName>
+                                        </p:attrNameLst>
+                                      </p:cBhvr>
+                                      <p:tavLst>
+                                        <p:tav tm="0">
+                                          <p:val>
+                                            <p:strVal val="#ppt_x"/>
+                                          </p:val>
+                                        </p:tav>
+                                        <p:tav tm="100000">
+                                          <p:val>
+                                            <p:strVal val="#ppt_x"/>
+                                          </p:val>
+                                        </p:tav>
+                                      </p:tavLst>
+                                    </p:anim>
+                                    <p:anim calcmode="lin" valueType="num">
+                                      <p:cBhvr additive="base">
+                                        <p:cTn id="13" dur="500" fill="hold"/>
+                                        <p:tgtEl>
+                                          <p:spTgt spid="2054"/>
+                                        </p:tgtEl>
+                                        <p:attrNameLst>
+                                          <p:attrName>ppt_y</p:attrName>
+                                        </p:attrNameLst>
+                                      </p:cBhvr>
+                                      <p:tavLst>
+                                        <p:tav tm="0">
+                                          <p:val>
+                                            <p:strVal val="1+#ppt_h/2"/>
+                                          </p:val>
+                                        </p:tav>
+                                        <p:tav tm="100000">
+                                          <p:val>
+                                            <p:strVal val="#ppt_y"/>
+                                          </p:val>
+                                        </p:tav>
+                                      </p:tavLst>
+                                    </p:anim>
+                                  </p:childTnLst>
+                                </p:cTn>
+                              </p:par>
+                            </p:childTnLst>
+                          </p:cTn>
+                        </p:par>
+                      </p:childTnLst>
+                    </p:cTn>
+                  </p:par>
+                </p:childTnLst>
+              </p:cTn>
+              <p:prevCondLst>
+                <p:cond evt="onPrev" delay="0">
+                  <p:tgtEl>
+                    <p:sldTgt/>
+                  </p:tgtEl>
+                </p:cond>
+              </p:prevCondLst>
+              <p:nextCondLst>
+                <p:cond evt="onNext" delay="0">
+                  <p:tgtEl>
+                    <p:sldTgt/>
+                  </p:tgtEl>
+                </p:cond>
+              </p:nextCondLst>
+            </p:seq>
+          </p:childTnLst>
+        </p:cTn>
+      </p:par>
+    </p:tnLst>
+  </p:timing>
 </p:sld>
 </file>
 
@@ -5770,7 +11819,7 @@
           <a:p>
             <a:r>
               <a:rPr lang="en-GB" dirty="0" smtClean="0"/>
-              <a:t>Future Work</a:t>
+              <a:t>Diagrams versus underlying models</a:t>
             </a:r>
             <a:endParaRPr lang="en-GB" dirty="0"/>
           </a:p>
@@ -5778,12 +11827,12 @@
       </p:sp>
       <p:sp>
         <p:nvSpPr>
-          <p:cNvPr id="5" name="Text Placeholder 4"/>
+          <p:cNvPr id="5" name="Content Placeholder 4"/>
           <p:cNvSpPr>
             <a:spLocks noGrp="1"/>
           </p:cNvSpPr>
           <p:nvPr>
-            <p:ph type="body" idx="1"/>
+            <p:ph idx="1"/>
           </p:nvPr>
         </p:nvSpPr>
         <p:spPr/>
@@ -5791,19 +11840,55 @@
           <a:bodyPr/>
           <a:lstStyle/>
           <a:p>
-            <a:r>
-              <a:rPr lang="en-GB" dirty="0" smtClean="0"/>
-              <a:t>Capabilities and challenges</a:t>
-            </a:r>
-            <a:endParaRPr lang="en-GB" dirty="0"/>
-          </a:p>
-        </p:txBody>
-      </p:sp>
+            <a:endParaRPr lang="en-GB"/>
+          </a:p>
+        </p:txBody>
+      </p:sp>
+      <p:pic>
+        <p:nvPicPr>
+          <p:cNvPr id="3075" name="Picture 3"/>
+          <p:cNvPicPr>
+            <a:picLocks noChangeAspect="1" noChangeArrowheads="1"/>
+          </p:cNvPicPr>
+          <p:nvPr/>
+        </p:nvPicPr>
+        <p:blipFill>
+          <a:blip r:embed="rId3" cstate="print"/>
+          <a:srcRect/>
+          <a:stretch>
+            <a:fillRect/>
+          </a:stretch>
+        </p:blipFill>
+        <p:spPr bwMode="auto">
+          <a:xfrm>
+            <a:off x="-32" y="-24"/>
+            <a:ext cx="9144032" cy="6858024"/>
+          </a:xfrm>
+          <a:prstGeom prst="rect">
+            <a:avLst/>
+          </a:prstGeom>
+          <a:noFill/>
+          <a:ln w="9525">
+            <a:noFill/>
+            <a:miter lim="800000"/>
+            <a:headEnd/>
+            <a:tailEnd/>
+          </a:ln>
+          <a:effectLst/>
+        </p:spPr>
+      </p:pic>
     </p:spTree>
   </p:cSld>
   <p:clrMapOvr>
     <a:masterClrMapping/>
   </p:clrMapOvr>
+  <p:timing>
+    <p:tnLst>
+      <p:par>
+        <p:cTn id="1" dur="indefinite" restart="never" nodeType="tmRoot"/>
+      </p:par>
+    </p:tnLst>
+  </p:timing>
 </p:sld>
 </file>
 
@@ -5841,7 +11926,7 @@
           <a:p>
             <a:r>
               <a:rPr lang="en-GB" dirty="0" smtClean="0"/>
-              <a:t>Extensible protocols</a:t>
+              <a:t>Code generation</a:t>
             </a:r>
             <a:endParaRPr lang="en-GB" dirty="0"/>
           </a:p>
@@ -5864,45 +11949,209 @@
           <a:p>
             <a:r>
               <a:rPr lang="en-GB" dirty="0" smtClean="0"/>
-              <a:t>Based on protocols [</a:t>
-            </a:r>
-            <a:r>
-              <a:rPr lang="en-GB" dirty="0" err="1" smtClean="0"/>
-              <a:t>plasil</a:t>
-            </a:r>
-            <a:r>
-              <a:rPr lang="en-GB" dirty="0" smtClean="0"/>
-              <a:t>]</a:t>
-            </a:r>
-          </a:p>
-          <a:p>
-            <a:r>
-              <a:rPr lang="en-GB" dirty="0" smtClean="0"/>
-              <a:t>Aim: allow extension to enforce semantic guarantees</a:t>
-            </a:r>
-          </a:p>
-          <a:p>
-            <a:r>
-              <a:rPr lang="en-GB" dirty="0" smtClean="0"/>
-              <a:t>Sequence diagram, ports are actors</a:t>
+              <a:t>Lossless forward generation</a:t>
             </a:r>
           </a:p>
           <a:p>
             <a:pPr lvl="1"/>
             <a:r>
               <a:rPr lang="en-GB" dirty="0" smtClean="0"/>
-              <a:t>Convert to LTS or another state transition system</a:t>
+              <a:t>Create bean setters and getters (ports too)</a:t>
+            </a:r>
+          </a:p>
+          <a:p>
+            <a:r>
+              <a:rPr lang="en-GB" dirty="0" smtClean="0"/>
+              <a:t>Reverse generation</a:t>
             </a:r>
           </a:p>
           <a:p>
             <a:pPr lvl="1"/>
             <a:r>
               <a:rPr lang="en-GB" dirty="0" smtClean="0"/>
-              <a:t>Need to find a way to allow extension to “extend”</a:t>
-            </a:r>
-          </a:p>
-          <a:p>
-            <a:pPr lvl="1"/>
+              <a:t>Import beans as full components</a:t>
+            </a:r>
+          </a:p>
+          <a:p>
+            <a:r>
+              <a:rPr lang="en-GB" dirty="0" smtClean="0"/>
+              <a:t>None of this is mandatory ;-)</a:t>
+            </a:r>
+          </a:p>
+          <a:p>
+            <a:endParaRPr lang="en-GB" dirty="0"/>
+          </a:p>
+        </p:txBody>
+      </p:sp>
+      <p:pic>
+        <p:nvPicPr>
+          <p:cNvPr id="6146" name="Picture 2"/>
+          <p:cNvPicPr>
+            <a:picLocks noChangeAspect="1" noChangeArrowheads="1"/>
+          </p:cNvPicPr>
+          <p:nvPr/>
+        </p:nvPicPr>
+        <p:blipFill>
+          <a:blip r:embed="rId3" cstate="print"/>
+          <a:srcRect/>
+          <a:stretch>
+            <a:fillRect/>
+          </a:stretch>
+        </p:blipFill>
+        <p:spPr bwMode="auto">
+          <a:xfrm>
+            <a:off x="5143504" y="4067005"/>
+            <a:ext cx="3400571" cy="2566983"/>
+          </a:xfrm>
+          <a:prstGeom prst="rect">
+            <a:avLst/>
+          </a:prstGeom>
+          <a:noFill/>
+          <a:ln w="9525">
+            <a:noFill/>
+            <a:miter lim="800000"/>
+            <a:headEnd/>
+            <a:tailEnd/>
+          </a:ln>
+          <a:effectLst/>
+        </p:spPr>
+      </p:pic>
+      <p:sp>
+        <p:nvSpPr>
+          <p:cNvPr id="5" name="Right Arrow 4"/>
+          <p:cNvSpPr/>
+          <p:nvPr/>
+        </p:nvSpPr>
+        <p:spPr>
+          <a:xfrm rot="9688838">
+            <a:off x="3958372" y="4479899"/>
+            <a:ext cx="928694" cy="785818"/>
+          </a:xfrm>
+          <a:prstGeom prst="rightArrow">
+            <a:avLst/>
+          </a:prstGeom>
+        </p:spPr>
+        <p:style>
+          <a:lnRef idx="2">
+            <a:schemeClr val="accent1">
+              <a:shade val="50000"/>
+            </a:schemeClr>
+          </a:lnRef>
+          <a:fillRef idx="1">
+            <a:schemeClr val="accent1"/>
+          </a:fillRef>
+          <a:effectRef idx="0">
+            <a:schemeClr val="accent1"/>
+          </a:effectRef>
+          <a:fontRef idx="minor">
+            <a:schemeClr val="lt1"/>
+          </a:fontRef>
+        </p:style>
+        <p:txBody>
+          <a:bodyPr rtlCol="0" anchor="ctr"/>
+          <a:lstStyle/>
+          <a:p>
+            <a:pPr algn="ctr"/>
+            <a:endParaRPr lang="en-GB"/>
+          </a:p>
+        </p:txBody>
+      </p:sp>
+      <p:sp>
+        <p:nvSpPr>
+          <p:cNvPr id="6" name="Right Arrow 5"/>
+          <p:cNvSpPr/>
+          <p:nvPr/>
+        </p:nvSpPr>
+        <p:spPr>
+          <a:xfrm rot="20279915">
+            <a:off x="4042438" y="5712547"/>
+            <a:ext cx="928694" cy="785818"/>
+          </a:xfrm>
+          <a:prstGeom prst="rightArrow">
+            <a:avLst/>
+          </a:prstGeom>
+        </p:spPr>
+        <p:style>
+          <a:lnRef idx="2">
+            <a:schemeClr val="accent1">
+              <a:shade val="50000"/>
+            </a:schemeClr>
+          </a:lnRef>
+          <a:fillRef idx="1">
+            <a:schemeClr val="accent1"/>
+          </a:fillRef>
+          <a:effectRef idx="0">
+            <a:schemeClr val="accent1"/>
+          </a:effectRef>
+          <a:fontRef idx="minor">
+            <a:schemeClr val="lt1"/>
+          </a:fontRef>
+        </p:style>
+        <p:txBody>
+          <a:bodyPr rtlCol="0" anchor="ctr"/>
+          <a:lstStyle/>
+          <a:p>
+            <a:pPr algn="ctr"/>
+            <a:endParaRPr lang="en-GB"/>
+          </a:p>
+        </p:txBody>
+      </p:sp>
+      <p:sp>
+        <p:nvSpPr>
+          <p:cNvPr id="7" name="TextBox 6"/>
+          <p:cNvSpPr txBox="1"/>
+          <p:nvPr/>
+        </p:nvSpPr>
+        <p:spPr>
+          <a:xfrm>
+            <a:off x="2786050" y="4852823"/>
+            <a:ext cx="1087927" cy="369332"/>
+          </a:xfrm>
+          <a:prstGeom prst="rect">
+            <a:avLst/>
+          </a:prstGeom>
+          <a:noFill/>
+        </p:spPr>
+        <p:txBody>
+          <a:bodyPr wrap="none" rtlCol="0">
+            <a:spAutoFit/>
+          </a:bodyPr>
+          <a:lstStyle/>
+          <a:p>
+            <a:r>
+              <a:rPr lang="en-GB" dirty="0" smtClean="0"/>
+              <a:t>Bean.java</a:t>
+            </a:r>
+            <a:endParaRPr lang="en-GB" dirty="0"/>
+          </a:p>
+        </p:txBody>
+      </p:sp>
+      <p:sp>
+        <p:nvSpPr>
+          <p:cNvPr id="8" name="TextBox 7"/>
+          <p:cNvSpPr txBox="1"/>
+          <p:nvPr/>
+        </p:nvSpPr>
+        <p:spPr>
+          <a:xfrm>
+            <a:off x="2857488" y="5995831"/>
+            <a:ext cx="1050288" cy="369332"/>
+          </a:xfrm>
+          <a:prstGeom prst="rect">
+            <a:avLst/>
+          </a:prstGeom>
+          <a:noFill/>
+        </p:spPr>
+        <p:txBody>
+          <a:bodyPr wrap="none" rtlCol="0">
+            <a:spAutoFit/>
+          </a:bodyPr>
+          <a:lstStyle/>
+          <a:p>
+            <a:r>
+              <a:rPr lang="en-GB" dirty="0" smtClean="0"/>
+              <a:t>Beans.jar</a:t>
+            </a:r>
             <a:endParaRPr lang="en-GB" dirty="0"/>
           </a:p>
         </p:txBody>
@@ -5912,6 +12161,13 @@
   <p:clrMapOvr>
     <a:masterClrMapping/>
   </p:clrMapOvr>
+  <p:timing>
+    <p:tnLst>
+      <p:par>
+        <p:cTn id="1" dur="indefinite" restart="never" nodeType="tmRoot"/>
+      </p:par>
+    </p:tnLst>
+  </p:timing>
 </p:sld>
 </file>
 
@@ -5934,6 +12190,52 @@
       </p:grpSpPr>
       <p:sp>
         <p:nvSpPr>
+          <p:cNvPr id="10" name="Rectangle 9"/>
+          <p:cNvSpPr/>
+          <p:nvPr/>
+        </p:nvSpPr>
+        <p:spPr>
+          <a:xfrm>
+            <a:off x="0" y="6143644"/>
+            <a:ext cx="2357422" cy="714356"/>
+          </a:xfrm>
+          <a:prstGeom prst="rect">
+            <a:avLst/>
+          </a:prstGeom>
+          <a:solidFill>
+            <a:schemeClr val="bg1"/>
+          </a:solidFill>
+          <a:ln>
+            <a:noFill/>
+          </a:ln>
+        </p:spPr>
+        <p:style>
+          <a:lnRef idx="2">
+            <a:schemeClr val="accent1">
+              <a:shade val="50000"/>
+            </a:schemeClr>
+          </a:lnRef>
+          <a:fillRef idx="1">
+            <a:schemeClr val="accent1"/>
+          </a:fillRef>
+          <a:effectRef idx="0">
+            <a:schemeClr val="accent1"/>
+          </a:effectRef>
+          <a:fontRef idx="minor">
+            <a:schemeClr val="lt1"/>
+          </a:fontRef>
+        </p:style>
+        <p:txBody>
+          <a:bodyPr rtlCol="0" anchor="ctr"/>
+          <a:lstStyle/>
+          <a:p>
+            <a:pPr algn="ctr"/>
+            <a:endParaRPr lang="en-GB"/>
+          </a:p>
+        </p:txBody>
+      </p:sp>
+      <p:sp>
+        <p:nvSpPr>
           <p:cNvPr id="2" name="Title 1"/>
           <p:cNvSpPr>
             <a:spLocks noGrp="1"/>
@@ -5942,35 +12244,230 @@
             <p:ph type="title"/>
           </p:nvPr>
         </p:nvSpPr>
-        <p:spPr/>
-        <p:txBody>
-          <a:bodyPr/>
-          <a:lstStyle/>
-          <a:p>
-            <a:r>
-              <a:rPr lang="en-GB" dirty="0" smtClean="0"/>
-              <a:t>Extensible protocols (2)</a:t>
+        <p:spPr>
+          <a:xfrm>
+            <a:off x="357158" y="0"/>
+            <a:ext cx="8229600" cy="642934"/>
+          </a:xfrm>
+        </p:spPr>
+        <p:txBody>
+          <a:bodyPr>
+            <a:normAutofit fontScale="90000"/>
+          </a:bodyPr>
+          <a:lstStyle/>
+          <a:p>
+            <a:r>
+              <a:rPr lang="en-GB" dirty="0" smtClean="0"/>
+              <a:t>Importing beans as components</a:t>
             </a:r>
             <a:endParaRPr lang="en-GB" dirty="0"/>
           </a:p>
         </p:txBody>
       </p:sp>
-      <p:sp>
-        <p:nvSpPr>
-          <p:cNvPr id="3" name="Content Placeholder 2"/>
-          <p:cNvSpPr>
-            <a:spLocks noGrp="1"/>
-          </p:cNvSpPr>
-          <p:nvPr>
-            <p:ph idx="1"/>
-          </p:nvPr>
-        </p:nvSpPr>
-        <p:spPr/>
-        <p:txBody>
-          <a:bodyPr/>
-          <a:lstStyle/>
-          <a:p>
+      <p:pic>
+        <p:nvPicPr>
+          <p:cNvPr id="4" name="Picture 2" descr="C:\Users\andrew\Desktop\CoffeeBeanFT__18745_zoom.jpg"/>
+          <p:cNvPicPr>
+            <a:picLocks noChangeAspect="1" noChangeArrowheads="1"/>
+          </p:cNvPicPr>
+          <p:nvPr/>
+        </p:nvPicPr>
+        <p:blipFill>
+          <a:blip r:embed="rId3" cstate="print"/>
+          <a:srcRect/>
+          <a:stretch>
+            <a:fillRect/>
+          </a:stretch>
+        </p:blipFill>
+        <p:spPr bwMode="auto">
+          <a:xfrm>
+            <a:off x="339703" y="5000636"/>
+            <a:ext cx="1017587" cy="1524000"/>
+          </a:xfrm>
+          <a:prstGeom prst="rect">
+            <a:avLst/>
+          </a:prstGeom>
+          <a:noFill/>
+        </p:spPr>
+      </p:pic>
+      <p:sp>
+        <p:nvSpPr>
+          <p:cNvPr id="5" name="TextBox 4"/>
+          <p:cNvSpPr txBox="1"/>
+          <p:nvPr/>
+        </p:nvSpPr>
+        <p:spPr>
+          <a:xfrm>
+            <a:off x="0" y="6488668"/>
+            <a:ext cx="2571768" cy="369332"/>
+          </a:xfrm>
+          <a:prstGeom prst="rect">
+            <a:avLst/>
+          </a:prstGeom>
+          <a:noFill/>
+        </p:spPr>
+        <p:txBody>
+          <a:bodyPr wrap="square" rtlCol="0">
+            <a:spAutoFit/>
+          </a:bodyPr>
+          <a:lstStyle/>
+          <a:p>
+            <a:r>
+              <a:rPr lang="en-GB" dirty="0" smtClean="0"/>
+              <a:t>RentalCarDetails.java</a:t>
+            </a:r>
             <a:endParaRPr lang="en-GB" dirty="0"/>
+          </a:p>
+        </p:txBody>
+      </p:sp>
+      <p:pic>
+        <p:nvPicPr>
+          <p:cNvPr id="6" name="Picture 5"/>
+          <p:cNvPicPr/>
+          <p:nvPr/>
+        </p:nvPicPr>
+        <p:blipFill>
+          <a:blip r:embed="rId4" cstate="print"/>
+          <a:srcRect/>
+          <a:stretch>
+            <a:fillRect/>
+          </a:stretch>
+        </p:blipFill>
+        <p:spPr bwMode="auto">
+          <a:xfrm>
+            <a:off x="5738158" y="4857760"/>
+            <a:ext cx="3405842" cy="2199639"/>
+          </a:xfrm>
+          <a:prstGeom prst="rect">
+            <a:avLst/>
+          </a:prstGeom>
+          <a:noFill/>
+          <a:ln w="9525">
+            <a:noFill/>
+            <a:miter lim="800000"/>
+            <a:headEnd/>
+            <a:tailEnd/>
+          </a:ln>
+        </p:spPr>
+      </p:pic>
+      <p:pic>
+        <p:nvPicPr>
+          <p:cNvPr id="5122" name="Picture 2"/>
+          <p:cNvPicPr>
+            <a:picLocks noChangeAspect="1" noChangeArrowheads="1"/>
+          </p:cNvPicPr>
+          <p:nvPr/>
+        </p:nvPicPr>
+        <p:blipFill>
+          <a:blip r:embed="rId5" cstate="print"/>
+          <a:srcRect/>
+          <a:stretch>
+            <a:fillRect/>
+          </a:stretch>
+        </p:blipFill>
+        <p:spPr bwMode="auto">
+          <a:xfrm>
+            <a:off x="1571604" y="642918"/>
+            <a:ext cx="6271332" cy="4143404"/>
+          </a:xfrm>
+          <a:prstGeom prst="rect">
+            <a:avLst/>
+          </a:prstGeom>
+          <a:noFill/>
+          <a:ln w="9525">
+            <a:noFill/>
+            <a:miter lim="800000"/>
+            <a:headEnd/>
+            <a:tailEnd/>
+          </a:ln>
+          <a:effectLst/>
+        </p:spPr>
+      </p:pic>
+      <p:sp>
+        <p:nvSpPr>
+          <p:cNvPr id="9" name="Bent Arrow 8"/>
+          <p:cNvSpPr/>
+          <p:nvPr/>
+        </p:nvSpPr>
+        <p:spPr>
+          <a:xfrm>
+            <a:off x="285720" y="3500438"/>
+            <a:ext cx="1214446" cy="1000132"/>
+          </a:xfrm>
+          <a:prstGeom prst="bentArrow">
+            <a:avLst/>
+          </a:prstGeom>
+        </p:spPr>
+        <p:style>
+          <a:lnRef idx="2">
+            <a:schemeClr val="accent1">
+              <a:shade val="50000"/>
+            </a:schemeClr>
+          </a:lnRef>
+          <a:fillRef idx="1">
+            <a:schemeClr val="accent1"/>
+          </a:fillRef>
+          <a:effectRef idx="0">
+            <a:schemeClr val="accent1"/>
+          </a:effectRef>
+          <a:fontRef idx="minor">
+            <a:schemeClr val="lt1"/>
+          </a:fontRef>
+        </p:style>
+        <p:txBody>
+          <a:bodyPr rtlCol="0" anchor="ctr"/>
+          <a:lstStyle/>
+          <a:p>
+            <a:pPr algn="ctr"/>
+            <a:endParaRPr lang="en-GB">
+              <a:solidFill>
+                <a:schemeClr val="tx1"/>
+              </a:solidFill>
+            </a:endParaRPr>
+          </a:p>
+        </p:txBody>
+      </p:sp>
+      <p:sp>
+        <p:nvSpPr>
+          <p:cNvPr id="11" name="Bent Arrow 10"/>
+          <p:cNvSpPr/>
+          <p:nvPr/>
+        </p:nvSpPr>
+        <p:spPr>
+          <a:xfrm rot="5400000">
+            <a:off x="7822429" y="3607595"/>
+            <a:ext cx="1214446" cy="1000132"/>
+          </a:xfrm>
+          <a:prstGeom prst="bentArrow">
+            <a:avLst/>
+          </a:prstGeom>
+        </p:spPr>
+        <p:style>
+          <a:lnRef idx="2">
+            <a:schemeClr val="accent1">
+              <a:shade val="50000"/>
+            </a:schemeClr>
+          </a:lnRef>
+          <a:fillRef idx="1">
+            <a:schemeClr val="accent1"/>
+          </a:fillRef>
+          <a:effectRef idx="0">
+            <a:schemeClr val="accent1"/>
+          </a:effectRef>
+          <a:fontRef idx="minor">
+            <a:schemeClr val="lt1"/>
+          </a:fontRef>
+        </p:style>
+        <p:txBody>
+          <a:bodyPr rtlCol="0" anchor="ctr"/>
+          <a:lstStyle/>
+          <a:p>
+            <a:pPr algn="ctr"/>
+            <a:endParaRPr lang="en-GB">
+              <a:solidFill>
+                <a:schemeClr val="tx1"/>
+              </a:solidFill>
+            </a:endParaRPr>
           </a:p>
         </p:txBody>
       </p:sp>
@@ -5979,6 +12476,13 @@
   <p:clrMapOvr>
     <a:masterClrMapping/>
   </p:clrMapOvr>
+  <p:timing>
+    <p:tnLst>
+      <p:par>
+        <p:cTn id="1" dur="indefinite" restart="never" nodeType="tmRoot"/>
+      </p:par>
+    </p:tnLst>
+  </p:timing>
 </p:sld>
 </file>
 
@@ -6016,45 +12520,222 @@
           <a:p>
             <a:r>
               <a:rPr lang="en-GB" dirty="0" smtClean="0"/>
-              <a:t>Backwards compatibility</a:t>
+              <a:t>Running an Evolve application</a:t>
             </a:r>
             <a:endParaRPr lang="en-GB" dirty="0"/>
           </a:p>
         </p:txBody>
       </p:sp>
-      <p:sp>
-        <p:nvSpPr>
-          <p:cNvPr id="3" name="Content Placeholder 2"/>
-          <p:cNvSpPr>
-            <a:spLocks noGrp="1"/>
-          </p:cNvSpPr>
-          <p:nvPr>
-            <p:ph idx="1"/>
-          </p:nvPr>
-        </p:nvSpPr>
-        <p:spPr/>
-        <p:txBody>
-          <a:bodyPr/>
-          <a:lstStyle/>
-          <a:p>
-            <a:r>
-              <a:rPr lang="en-GB" dirty="0" smtClean="0"/>
-              <a:t>Reverse dependencies</a:t>
-            </a:r>
-          </a:p>
-          <a:p>
-            <a:pPr lvl="1"/>
-            <a:r>
-              <a:rPr lang="en-GB" dirty="0" smtClean="0"/>
-              <a:t>Compresses deltas</a:t>
-            </a:r>
-          </a:p>
-          <a:p>
-            <a:pPr lvl="1"/>
-            <a:r>
-              <a:rPr lang="en-GB" dirty="0" smtClean="0"/>
-              <a:t>Older systems are now deltas against newer system</a:t>
-            </a:r>
+      <p:pic>
+        <p:nvPicPr>
+          <p:cNvPr id="5" name="Picture 2"/>
+          <p:cNvPicPr>
+            <a:picLocks noChangeAspect="1" noChangeArrowheads="1"/>
+          </p:cNvPicPr>
+          <p:nvPr/>
+        </p:nvPicPr>
+        <p:blipFill>
+          <a:blip r:embed="rId3" cstate="print"/>
+          <a:srcRect/>
+          <a:stretch>
+            <a:fillRect/>
+          </a:stretch>
+        </p:blipFill>
+        <p:spPr bwMode="auto">
+          <a:xfrm>
+            <a:off x="2571736" y="1500174"/>
+            <a:ext cx="3400571" cy="2566983"/>
+          </a:xfrm>
+          <a:prstGeom prst="rect">
+            <a:avLst/>
+          </a:prstGeom>
+          <a:noFill/>
+          <a:ln w="9525">
+            <a:noFill/>
+            <a:miter lim="800000"/>
+            <a:headEnd/>
+            <a:tailEnd/>
+          </a:ln>
+          <a:effectLst/>
+        </p:spPr>
+      </p:pic>
+      <p:sp>
+        <p:nvSpPr>
+          <p:cNvPr id="6" name="Down Arrow 5"/>
+          <p:cNvSpPr/>
+          <p:nvPr/>
+        </p:nvSpPr>
+        <p:spPr>
+          <a:xfrm rot="2536831">
+            <a:off x="2796657" y="4158782"/>
+            <a:ext cx="857256" cy="1000132"/>
+          </a:xfrm>
+          <a:prstGeom prst="downArrow">
+            <a:avLst/>
+          </a:prstGeom>
+        </p:spPr>
+        <p:style>
+          <a:lnRef idx="2">
+            <a:schemeClr val="accent1">
+              <a:shade val="50000"/>
+            </a:schemeClr>
+          </a:lnRef>
+          <a:fillRef idx="1">
+            <a:schemeClr val="accent1"/>
+          </a:fillRef>
+          <a:effectRef idx="0">
+            <a:schemeClr val="accent1"/>
+          </a:effectRef>
+          <a:fontRef idx="minor">
+            <a:schemeClr val="lt1"/>
+          </a:fontRef>
+        </p:style>
+        <p:txBody>
+          <a:bodyPr rtlCol="0" anchor="ctr"/>
+          <a:lstStyle/>
+          <a:p>
+            <a:pPr algn="ctr"/>
+            <a:endParaRPr lang="en-GB"/>
+          </a:p>
+        </p:txBody>
+      </p:sp>
+      <p:sp>
+        <p:nvSpPr>
+          <p:cNvPr id="8" name="Down Arrow 7"/>
+          <p:cNvSpPr/>
+          <p:nvPr/>
+        </p:nvSpPr>
+        <p:spPr>
+          <a:xfrm rot="19093518">
+            <a:off x="5081928" y="4158926"/>
+            <a:ext cx="857256" cy="1000132"/>
+          </a:xfrm>
+          <a:prstGeom prst="downArrow">
+            <a:avLst/>
+          </a:prstGeom>
+        </p:spPr>
+        <p:style>
+          <a:lnRef idx="2">
+            <a:schemeClr val="accent1">
+              <a:shade val="50000"/>
+            </a:schemeClr>
+          </a:lnRef>
+          <a:fillRef idx="1">
+            <a:schemeClr val="accent1"/>
+          </a:fillRef>
+          <a:effectRef idx="0">
+            <a:schemeClr val="accent1"/>
+          </a:effectRef>
+          <a:fontRef idx="minor">
+            <a:schemeClr val="lt1"/>
+          </a:fontRef>
+        </p:style>
+        <p:txBody>
+          <a:bodyPr rtlCol="0" anchor="ctr"/>
+          <a:lstStyle/>
+          <a:p>
+            <a:pPr algn="ctr"/>
+            <a:endParaRPr lang="en-GB"/>
+          </a:p>
+        </p:txBody>
+      </p:sp>
+      <p:sp>
+        <p:nvSpPr>
+          <p:cNvPr id="9" name="TextBox 8"/>
+          <p:cNvSpPr txBox="1"/>
+          <p:nvPr/>
+        </p:nvSpPr>
+        <p:spPr>
+          <a:xfrm>
+            <a:off x="4143372" y="4286256"/>
+            <a:ext cx="554960" cy="461665"/>
+          </a:xfrm>
+          <a:prstGeom prst="rect">
+            <a:avLst/>
+          </a:prstGeom>
+          <a:noFill/>
+        </p:spPr>
+        <p:txBody>
+          <a:bodyPr wrap="none" rtlCol="0">
+            <a:spAutoFit/>
+          </a:bodyPr>
+          <a:lstStyle/>
+          <a:p>
+            <a:r>
+              <a:rPr lang="en-GB" sz="2400" dirty="0" smtClean="0"/>
+              <a:t>OR</a:t>
+            </a:r>
+            <a:endParaRPr lang="en-GB" sz="2400" dirty="0"/>
+          </a:p>
+        </p:txBody>
+      </p:sp>
+      <p:sp>
+        <p:nvSpPr>
+          <p:cNvPr id="10" name="TextBox 9"/>
+          <p:cNvSpPr txBox="1"/>
+          <p:nvPr/>
+        </p:nvSpPr>
+        <p:spPr>
+          <a:xfrm>
+            <a:off x="785786" y="5214950"/>
+            <a:ext cx="2956515" cy="830997"/>
+          </a:xfrm>
+          <a:prstGeom prst="rect">
+            <a:avLst/>
+          </a:prstGeom>
+          <a:noFill/>
+        </p:spPr>
+        <p:txBody>
+          <a:bodyPr wrap="none" rtlCol="0">
+            <a:spAutoFit/>
+          </a:bodyPr>
+          <a:lstStyle/>
+          <a:p>
+            <a:r>
+              <a:rPr lang="en-GB" sz="2400" dirty="0" smtClean="0"/>
+              <a:t>Generate backbone &amp;</a:t>
+            </a:r>
+          </a:p>
+          <a:p>
+            <a:r>
+              <a:rPr lang="en-GB" sz="2400" dirty="0" smtClean="0"/>
+              <a:t>r</a:t>
+            </a:r>
+            <a:r>
+              <a:rPr lang="en-GB" sz="2400" dirty="0" smtClean="0"/>
+              <a:t>un in BB interpreter...</a:t>
+            </a:r>
+            <a:endParaRPr lang="en-GB" sz="2400" dirty="0"/>
+          </a:p>
+        </p:txBody>
+      </p:sp>
+      <p:sp>
+        <p:nvSpPr>
+          <p:cNvPr id="11" name="TextBox 10"/>
+          <p:cNvSpPr txBox="1"/>
+          <p:nvPr/>
+        </p:nvSpPr>
+        <p:spPr>
+          <a:xfrm>
+            <a:off x="4643438" y="5143512"/>
+            <a:ext cx="3500462" cy="461665"/>
+          </a:xfrm>
+          <a:prstGeom prst="rect">
+            <a:avLst/>
+          </a:prstGeom>
+          <a:noFill/>
+        </p:spPr>
+        <p:txBody>
+          <a:bodyPr wrap="square" rtlCol="0">
+            <a:spAutoFit/>
+          </a:bodyPr>
+          <a:lstStyle/>
+          <a:p>
+            <a:r>
+              <a:rPr lang="en-GB" sz="2400" dirty="0" smtClean="0"/>
+              <a:t>Generate Java wiring code</a:t>
+            </a:r>
+            <a:endParaRPr lang="en-GB" sz="2400" dirty="0"/>
           </a:p>
         </p:txBody>
       </p:sp>
@@ -6125,21 +12806,8 @@
           <a:p>
             <a:r>
               <a:rPr lang="en-GB" dirty="0" smtClean="0"/>
-              <a:t>Brief o</a:t>
-            </a:r>
-            <a:r>
-              <a:rPr lang="en-GB" dirty="0" smtClean="0"/>
-              <a:t>verview </a:t>
-            </a:r>
-            <a:r>
-              <a:rPr lang="en-GB" dirty="0" smtClean="0"/>
-              <a:t>of the formal </a:t>
-            </a:r>
-            <a:r>
-              <a:rPr lang="en-GB" dirty="0" smtClean="0"/>
-              <a:t>model structures</a:t>
-            </a:r>
-            <a:endParaRPr lang="en-GB" dirty="0" smtClean="0"/>
+              <a:t>Brief overview of the formal model structures</a:t>
+            </a:r>
           </a:p>
           <a:p>
             <a:endParaRPr lang="en-GB" dirty="0" smtClean="0"/>
@@ -6165,13 +12833,12 @@
             </a:r>
             <a:r>
               <a:rPr lang="en-GB" dirty="0" smtClean="0"/>
-              <a:t>, alphanumeric indices, factories, state </a:t>
-            </a:r>
-            <a:r>
-              <a:rPr lang="en-GB" dirty="0" smtClean="0"/>
-              <a:t>machines</a:t>
-            </a:r>
-            <a:endParaRPr lang="en-GB" dirty="0" smtClean="0"/>
+              <a:t>, </a:t>
+            </a:r>
+            <a:r>
+              <a:rPr lang="en-GB" dirty="0" smtClean="0"/>
+              <a:t>factories, state machines</a:t>
+            </a:r>
           </a:p>
           <a:p>
             <a:pPr lvl="1"/>
@@ -6231,43 +12898,110 @@
         </p:nvSpPr>
         <p:spPr/>
         <p:txBody>
+          <a:bodyPr/>
+          <a:lstStyle/>
+          <a:p>
+            <a:r>
+              <a:rPr lang="en-GB" dirty="0" smtClean="0"/>
+              <a:t>Other features</a:t>
+            </a:r>
+            <a:endParaRPr lang="en-GB" dirty="0"/>
+          </a:p>
+        </p:txBody>
+      </p:sp>
+      <p:sp>
+        <p:nvSpPr>
+          <p:cNvPr id="3" name="Content Placeholder 2"/>
+          <p:cNvSpPr>
+            <a:spLocks noGrp="1"/>
+          </p:cNvSpPr>
+          <p:nvPr>
+            <p:ph idx="1"/>
+          </p:nvPr>
+        </p:nvSpPr>
+        <p:spPr/>
+        <p:txBody>
           <a:bodyPr>
-            <a:normAutofit/>
+            <a:normAutofit lnSpcReduction="10000"/>
           </a:bodyPr>
           <a:lstStyle/>
           <a:p>
             <a:r>
               <a:rPr lang="en-GB" dirty="0" smtClean="0"/>
-              <a:t>Replacement for </a:t>
+              <a:t>Scales to very large models</a:t>
+            </a:r>
+          </a:p>
+          <a:p>
+            <a:pPr lvl="1"/>
+            <a:r>
+              <a:rPr lang="en-GB" dirty="0" smtClean="0"/>
+              <a:t>Diagrams are updated lazily</a:t>
+            </a:r>
+          </a:p>
+          <a:p>
+            <a:pPr lvl="1"/>
+            <a:r>
+              <a:rPr lang="en-GB" dirty="0" smtClean="0"/>
+              <a:t>Lessons learnt from UML tools</a:t>
+            </a:r>
+          </a:p>
+          <a:p>
+            <a:pPr lvl="1"/>
+            <a:r>
+              <a:rPr lang="en-GB" dirty="0" smtClean="0"/>
+              <a:t>Uses Eclipse UML2/EMF </a:t>
             </a:r>
             <a:r>
               <a:rPr lang="en-GB" dirty="0" err="1" smtClean="0"/>
-              <a:t>plugin</a:t>
-            </a:r>
-            <a:r>
-              <a:rPr lang="en-GB" dirty="0" smtClean="0"/>
-              <a:t> approach</a:t>
-            </a:r>
-            <a:endParaRPr lang="en-GB" dirty="0"/>
-          </a:p>
-        </p:txBody>
-      </p:sp>
-      <p:sp>
-        <p:nvSpPr>
-          <p:cNvPr id="3" name="Content Placeholder 2"/>
-          <p:cNvSpPr>
-            <a:spLocks noGrp="1"/>
-          </p:cNvSpPr>
-          <p:nvPr>
-            <p:ph idx="1"/>
-          </p:nvPr>
-        </p:nvSpPr>
-        <p:spPr/>
-        <p:txBody>
-          <a:bodyPr/>
-          <a:lstStyle/>
-          <a:p>
-            <a:endParaRPr lang="en-GB"/>
+              <a:t>metamodel</a:t>
+            </a:r>
+            <a:endParaRPr lang="en-GB" dirty="0" smtClean="0"/>
+          </a:p>
+          <a:p>
+            <a:pPr lvl="1"/>
+            <a:endParaRPr lang="en-GB" dirty="0" smtClean="0"/>
+          </a:p>
+          <a:p>
+            <a:r>
+              <a:rPr lang="en-GB" dirty="0" smtClean="0"/>
+              <a:t>Support top-down and bottom-up design approach</a:t>
+            </a:r>
+          </a:p>
+          <a:p>
+            <a:pPr lvl="1"/>
+            <a:r>
+              <a:rPr lang="en-GB" dirty="0" smtClean="0"/>
+              <a:t>Tolerant of errors in design phase</a:t>
+            </a:r>
+          </a:p>
+          <a:p>
+            <a:pPr lvl="1">
+              <a:buNone/>
+            </a:pPr>
+            <a:endParaRPr lang="en-GB" dirty="0" smtClean="0"/>
+          </a:p>
+          <a:p>
+            <a:r>
+              <a:rPr lang="en-GB" dirty="0" smtClean="0"/>
+              <a:t>Team edition</a:t>
+            </a:r>
+          </a:p>
+          <a:p>
+            <a:pPr lvl="1"/>
+            <a:r>
+              <a:rPr lang="en-GB" dirty="0" smtClean="0"/>
+              <a:t>Multiple developers working on same model concurrently</a:t>
+            </a:r>
+          </a:p>
+          <a:p>
+            <a:pPr lvl="1"/>
+            <a:r>
+              <a:rPr lang="en-GB" dirty="0" smtClean="0"/>
+              <a:t>Advanced object database</a:t>
+            </a:r>
+          </a:p>
+          <a:p>
+            <a:endParaRPr lang="en-GB" dirty="0" smtClean="0"/>
           </a:p>
         </p:txBody>
       </p:sp>
@@ -6296,6 +13030,267 @@
           <a:chExt cx="0" cy="0"/>
         </a:xfrm>
       </p:grpSpPr>
+      <p:pic>
+        <p:nvPicPr>
+          <p:cNvPr id="6" name="Picture 2" descr="C:\Users\andrew\Desktop\evolution.jpg"/>
+          <p:cNvPicPr>
+            <a:picLocks noChangeAspect="1" noChangeArrowheads="1"/>
+          </p:cNvPicPr>
+          <p:nvPr/>
+        </p:nvPicPr>
+        <p:blipFill>
+          <a:blip r:embed="rId2" cstate="print"/>
+          <a:srcRect/>
+          <a:stretch>
+            <a:fillRect/>
+          </a:stretch>
+        </p:blipFill>
+        <p:spPr bwMode="auto">
+          <a:xfrm>
+            <a:off x="-1" y="-17836"/>
+            <a:ext cx="9167781" cy="6875836"/>
+          </a:xfrm>
+          <a:prstGeom prst="rect">
+            <a:avLst/>
+          </a:prstGeom>
+          <a:noFill/>
+        </p:spPr>
+      </p:pic>
+      <p:sp>
+        <p:nvSpPr>
+          <p:cNvPr id="4" name="Title 3"/>
+          <p:cNvSpPr>
+            <a:spLocks noGrp="1"/>
+          </p:cNvSpPr>
+          <p:nvPr>
+            <p:ph type="title"/>
+          </p:nvPr>
+        </p:nvSpPr>
+        <p:spPr/>
+        <p:txBody>
+          <a:bodyPr/>
+          <a:lstStyle/>
+          <a:p>
+            <a:r>
+              <a:rPr lang="en-GB" dirty="0" smtClean="0"/>
+              <a:t>Future </a:t>
+            </a:r>
+            <a:r>
+              <a:rPr lang="en-GB" dirty="0" smtClean="0"/>
+              <a:t>Work on Evolve</a:t>
+            </a:r>
+            <a:r>
+              <a:rPr lang="en-GB" dirty="0" smtClean="0"/>
+              <a:t/>
+            </a:r>
+            <a:br>
+              <a:rPr lang="en-GB" dirty="0" smtClean="0"/>
+            </a:br>
+            <a:endParaRPr lang="en-GB" dirty="0"/>
+          </a:p>
+        </p:txBody>
+      </p:sp>
+      <p:sp>
+        <p:nvSpPr>
+          <p:cNvPr id="5" name="Text Placeholder 4"/>
+          <p:cNvSpPr>
+            <a:spLocks noGrp="1"/>
+          </p:cNvSpPr>
+          <p:nvPr>
+            <p:ph type="body" idx="1"/>
+          </p:nvPr>
+        </p:nvSpPr>
+        <p:spPr>
+          <a:xfrm>
+            <a:off x="500034" y="5072074"/>
+            <a:ext cx="7772400" cy="1509712"/>
+          </a:xfrm>
+        </p:spPr>
+        <p:txBody>
+          <a:bodyPr/>
+          <a:lstStyle/>
+          <a:p>
+            <a:r>
+              <a:rPr lang="en-GB" dirty="0" smtClean="0"/>
+              <a:t>Capabilities </a:t>
+            </a:r>
+            <a:r>
+              <a:rPr lang="en-GB" dirty="0" smtClean="0"/>
+              <a:t>and challenges</a:t>
+            </a:r>
+            <a:endParaRPr lang="en-GB" dirty="0"/>
+          </a:p>
+        </p:txBody>
+      </p:sp>
+    </p:spTree>
+  </p:cSld>
+  <p:clrMapOvr>
+    <a:masterClrMapping/>
+  </p:clrMapOvr>
+</p:sld>
+</file>
+
+<file path=ppt/slides/slide22.xml><?xml version="1.0" encoding="utf-8"?>
+<p:sld xmlns:a="http://schemas.openxmlformats.org/drawingml/2006/main" xmlns:r="http://schemas.openxmlformats.org/officeDocument/2006/relationships" xmlns:p="http://schemas.openxmlformats.org/presentationml/2006/main">
+  <p:cSld>
+    <p:spTree>
+      <p:nvGrpSpPr>
+        <p:cNvPr id="1" name=""/>
+        <p:cNvGrpSpPr/>
+        <p:nvPr/>
+      </p:nvGrpSpPr>
+      <p:grpSpPr>
+        <a:xfrm>
+          <a:off x="0" y="0"/>
+          <a:ext cx="0" cy="0"/>
+          <a:chOff x="0" y="0"/>
+          <a:chExt cx="0" cy="0"/>
+        </a:xfrm>
+      </p:grpSpPr>
+      <p:sp>
+        <p:nvSpPr>
+          <p:cNvPr id="4" name="Title 3"/>
+          <p:cNvSpPr>
+            <a:spLocks noGrp="1"/>
+          </p:cNvSpPr>
+          <p:nvPr>
+            <p:ph type="title"/>
+          </p:nvPr>
+        </p:nvSpPr>
+        <p:spPr/>
+        <p:txBody>
+          <a:bodyPr/>
+          <a:lstStyle/>
+          <a:p>
+            <a:r>
+              <a:rPr lang="en-GB" dirty="0" smtClean="0"/>
+              <a:t>Extensible feature diagrams</a:t>
+            </a:r>
+            <a:endParaRPr lang="en-GB" dirty="0"/>
+          </a:p>
+        </p:txBody>
+      </p:sp>
+      <p:sp>
+        <p:nvSpPr>
+          <p:cNvPr id="5" name="Content Placeholder 4"/>
+          <p:cNvSpPr>
+            <a:spLocks noGrp="1"/>
+          </p:cNvSpPr>
+          <p:nvPr>
+            <p:ph idx="1"/>
+          </p:nvPr>
+        </p:nvSpPr>
+        <p:spPr/>
+        <p:txBody>
+          <a:bodyPr/>
+          <a:lstStyle/>
+          <a:p>
+            <a:r>
+              <a:rPr lang="en-GB" dirty="0" smtClean="0"/>
+              <a:t>Used to define requirements</a:t>
+            </a:r>
+          </a:p>
+          <a:p>
+            <a:pPr lvl="1"/>
+            <a:r>
+              <a:rPr lang="en-GB" dirty="0" smtClean="0"/>
+              <a:t>Product line technique</a:t>
+            </a:r>
+          </a:p>
+          <a:p>
+            <a:pPr lvl="1"/>
+            <a:r>
+              <a:rPr lang="en-GB" dirty="0" smtClean="0"/>
+              <a:t>Resemblance and replacement to extend feature graph</a:t>
+            </a:r>
+            <a:endParaRPr lang="en-GB" dirty="0"/>
+          </a:p>
+        </p:txBody>
+      </p:sp>
+      <p:pic>
+        <p:nvPicPr>
+          <p:cNvPr id="7170" name="Picture 2" descr="C:\Users\andrew\Desktop\features.jpg"/>
+          <p:cNvPicPr>
+            <a:picLocks noChangeAspect="1" noChangeArrowheads="1"/>
+          </p:cNvPicPr>
+          <p:nvPr/>
+        </p:nvPicPr>
+        <p:blipFill>
+          <a:blip r:embed="rId3" cstate="print"/>
+          <a:srcRect/>
+          <a:stretch>
+            <a:fillRect/>
+          </a:stretch>
+        </p:blipFill>
+        <p:spPr bwMode="auto">
+          <a:xfrm>
+            <a:off x="2500298" y="3071810"/>
+            <a:ext cx="6394451" cy="2032000"/>
+          </a:xfrm>
+          <a:prstGeom prst="rect">
+            <a:avLst/>
+          </a:prstGeom>
+          <a:noFill/>
+        </p:spPr>
+      </p:pic>
+      <p:pic>
+        <p:nvPicPr>
+          <p:cNvPr id="7171" name="Picture 3"/>
+          <p:cNvPicPr>
+            <a:picLocks noChangeAspect="1" noChangeArrowheads="1"/>
+          </p:cNvPicPr>
+          <p:nvPr/>
+        </p:nvPicPr>
+        <p:blipFill>
+          <a:blip r:embed="rId4" cstate="print"/>
+          <a:srcRect/>
+          <a:stretch>
+            <a:fillRect/>
+          </a:stretch>
+        </p:blipFill>
+        <p:spPr bwMode="auto">
+          <a:xfrm>
+            <a:off x="0" y="5114925"/>
+            <a:ext cx="4848225" cy="1743075"/>
+          </a:xfrm>
+          <a:prstGeom prst="rect">
+            <a:avLst/>
+          </a:prstGeom>
+          <a:noFill/>
+          <a:ln w="9525">
+            <a:noFill/>
+            <a:miter lim="800000"/>
+            <a:headEnd/>
+            <a:tailEnd/>
+          </a:ln>
+          <a:effectLst/>
+        </p:spPr>
+      </p:pic>
+    </p:spTree>
+  </p:cSld>
+  <p:clrMapOvr>
+    <a:masterClrMapping/>
+  </p:clrMapOvr>
+</p:sld>
+</file>
+
+<file path=ppt/slides/slide23.xml><?xml version="1.0" encoding="utf-8"?>
+<p:sld xmlns:a="http://schemas.openxmlformats.org/drawingml/2006/main" xmlns:r="http://schemas.openxmlformats.org/officeDocument/2006/relationships" xmlns:p="http://schemas.openxmlformats.org/presentationml/2006/main">
+  <p:cSld>
+    <p:spTree>
+      <p:nvGrpSpPr>
+        <p:cNvPr id="1" name=""/>
+        <p:cNvGrpSpPr/>
+        <p:nvPr/>
+      </p:nvGrpSpPr>
+      <p:grpSpPr>
+        <a:xfrm>
+          <a:off x="0" y="0"/>
+          <a:ext cx="0" cy="0"/>
+          <a:chOff x="0" y="0"/>
+          <a:chExt cx="0" cy="0"/>
+        </a:xfrm>
+      </p:grpSpPr>
       <p:sp>
         <p:nvSpPr>
           <p:cNvPr id="2" name="Title 1"/>
@@ -6313,7 +13308,596 @@
           <a:p>
             <a:r>
               <a:rPr lang="en-GB" dirty="0" smtClean="0"/>
-              <a:t>Applying to Android</a:t>
+              <a:t>Extensible </a:t>
+            </a:r>
+            <a:r>
+              <a:rPr lang="en-GB" dirty="0" smtClean="0"/>
+              <a:t>protocols &amp; goals</a:t>
+            </a:r>
+            <a:endParaRPr lang="en-GB" dirty="0"/>
+          </a:p>
+        </p:txBody>
+      </p:sp>
+      <p:sp>
+        <p:nvSpPr>
+          <p:cNvPr id="3" name="Content Placeholder 2"/>
+          <p:cNvSpPr>
+            <a:spLocks noGrp="1"/>
+          </p:cNvSpPr>
+          <p:nvPr>
+            <p:ph idx="1"/>
+          </p:nvPr>
+        </p:nvSpPr>
+        <p:spPr/>
+        <p:txBody>
+          <a:bodyPr/>
+          <a:lstStyle/>
+          <a:p>
+            <a:r>
+              <a:rPr lang="en-GB" dirty="0" smtClean="0"/>
+              <a:t>Protocols based on </a:t>
+            </a:r>
+            <a:r>
+              <a:rPr lang="en-GB" dirty="0" smtClean="0"/>
+              <a:t>[</a:t>
+            </a:r>
+            <a:r>
+              <a:rPr lang="en-GB" dirty="0" err="1" smtClean="0"/>
+              <a:t>plasil</a:t>
+            </a:r>
+            <a:r>
+              <a:rPr lang="en-GB" dirty="0" smtClean="0"/>
+              <a:t>]</a:t>
+            </a:r>
+          </a:p>
+          <a:p>
+            <a:pPr lvl="1"/>
+            <a:r>
+              <a:rPr lang="en-GB" dirty="0" smtClean="0"/>
+              <a:t>Aim: allow extension to enforce semantic </a:t>
+            </a:r>
+            <a:r>
+              <a:rPr lang="en-GB" dirty="0" smtClean="0"/>
+              <a:t>guarantees</a:t>
+            </a:r>
+          </a:p>
+          <a:p>
+            <a:endParaRPr lang="en-GB" dirty="0" smtClean="0"/>
+          </a:p>
+          <a:p>
+            <a:r>
+              <a:rPr lang="en-GB" dirty="0" smtClean="0"/>
+              <a:t>Sequence diagram, ports are actors</a:t>
+            </a:r>
+          </a:p>
+          <a:p>
+            <a:pPr lvl="1"/>
+            <a:r>
+              <a:rPr lang="en-GB" dirty="0" smtClean="0"/>
+              <a:t>Currently convert to state </a:t>
+            </a:r>
+            <a:r>
+              <a:rPr lang="en-GB" dirty="0" smtClean="0"/>
+              <a:t>transition </a:t>
+            </a:r>
+            <a:r>
+              <a:rPr lang="en-GB" dirty="0" smtClean="0"/>
+              <a:t>system</a:t>
+            </a:r>
+          </a:p>
+          <a:p>
+            <a:pPr lvl="1"/>
+            <a:r>
+              <a:rPr lang="en-GB" dirty="0" smtClean="0"/>
+              <a:t>Analyse via LTSA [LTSA]</a:t>
+            </a:r>
+            <a:endParaRPr lang="en-GB" dirty="0" smtClean="0"/>
+          </a:p>
+          <a:p>
+            <a:pPr lvl="1"/>
+            <a:r>
+              <a:rPr lang="en-GB" dirty="0" smtClean="0"/>
+              <a:t>Find a </a:t>
+            </a:r>
+            <a:r>
+              <a:rPr lang="en-GB" dirty="0" smtClean="0"/>
+              <a:t>way to allow extension to </a:t>
+            </a:r>
+            <a:r>
+              <a:rPr lang="en-GB" dirty="0" smtClean="0"/>
+              <a:t>“extend”</a:t>
+            </a:r>
+          </a:p>
+          <a:p>
+            <a:pPr lvl="1"/>
+            <a:r>
+              <a:rPr lang="en-GB" dirty="0" smtClean="0"/>
+              <a:t>Automatically assemble sequence diagram of composites</a:t>
+            </a:r>
+            <a:endParaRPr lang="en-GB" dirty="0" smtClean="0"/>
+          </a:p>
+          <a:p>
+            <a:pPr lvl="1"/>
+            <a:endParaRPr lang="en-GB" dirty="0"/>
+          </a:p>
+        </p:txBody>
+      </p:sp>
+    </p:spTree>
+  </p:cSld>
+  <p:clrMapOvr>
+    <a:masterClrMapping/>
+  </p:clrMapOvr>
+</p:sld>
+</file>
+
+<file path=ppt/slides/slide24.xml><?xml version="1.0" encoding="utf-8"?>
+<p:sld xmlns:a="http://schemas.openxmlformats.org/drawingml/2006/main" xmlns:r="http://schemas.openxmlformats.org/officeDocument/2006/relationships" xmlns:p="http://schemas.openxmlformats.org/presentationml/2006/main">
+  <p:cSld>
+    <p:spTree>
+      <p:nvGrpSpPr>
+        <p:cNvPr id="1" name=""/>
+        <p:cNvGrpSpPr/>
+        <p:nvPr/>
+      </p:nvGrpSpPr>
+      <p:grpSpPr>
+        <a:xfrm>
+          <a:off x="0" y="0"/>
+          <a:ext cx="0" cy="0"/>
+          <a:chOff x="0" y="0"/>
+          <a:chExt cx="0" cy="0"/>
+        </a:xfrm>
+      </p:grpSpPr>
+      <p:sp>
+        <p:nvSpPr>
+          <p:cNvPr id="2" name="Title 1"/>
+          <p:cNvSpPr>
+            <a:spLocks noGrp="1"/>
+          </p:cNvSpPr>
+          <p:nvPr>
+            <p:ph type="title"/>
+          </p:nvPr>
+        </p:nvSpPr>
+        <p:spPr/>
+        <p:txBody>
+          <a:bodyPr/>
+          <a:lstStyle/>
+          <a:p>
+            <a:r>
+              <a:rPr lang="en-GB" dirty="0" smtClean="0"/>
+              <a:t>Extensible protocols (2)</a:t>
+            </a:r>
+            <a:endParaRPr lang="en-GB" dirty="0"/>
+          </a:p>
+        </p:txBody>
+      </p:sp>
+      <p:sp>
+        <p:nvSpPr>
+          <p:cNvPr id="3" name="Content Placeholder 2"/>
+          <p:cNvSpPr>
+            <a:spLocks noGrp="1"/>
+          </p:cNvSpPr>
+          <p:nvPr>
+            <p:ph idx="1"/>
+          </p:nvPr>
+        </p:nvSpPr>
+        <p:spPr/>
+        <p:txBody>
+          <a:bodyPr/>
+          <a:lstStyle/>
+          <a:p>
+            <a:endParaRPr lang="en-GB" dirty="0"/>
+          </a:p>
+        </p:txBody>
+      </p:sp>
+      <p:pic>
+        <p:nvPicPr>
+          <p:cNvPr id="9218" name="Picture 2"/>
+          <p:cNvPicPr>
+            <a:picLocks noChangeAspect="1" noChangeArrowheads="1"/>
+          </p:cNvPicPr>
+          <p:nvPr/>
+        </p:nvPicPr>
+        <p:blipFill>
+          <a:blip r:embed="rId3" cstate="print"/>
+          <a:srcRect/>
+          <a:stretch>
+            <a:fillRect/>
+          </a:stretch>
+        </p:blipFill>
+        <p:spPr bwMode="auto">
+          <a:xfrm>
+            <a:off x="142844" y="1643050"/>
+            <a:ext cx="8887401" cy="5214950"/>
+          </a:xfrm>
+          <a:prstGeom prst="rect">
+            <a:avLst/>
+          </a:prstGeom>
+          <a:noFill/>
+          <a:ln w="9525">
+            <a:noFill/>
+            <a:miter lim="800000"/>
+            <a:headEnd/>
+            <a:tailEnd/>
+          </a:ln>
+          <a:effectLst/>
+        </p:spPr>
+      </p:pic>
+    </p:spTree>
+  </p:cSld>
+  <p:clrMapOvr>
+    <a:masterClrMapping/>
+  </p:clrMapOvr>
+</p:sld>
+</file>
+
+<file path=ppt/slides/slide25.xml><?xml version="1.0" encoding="utf-8"?>
+<p:sld xmlns:a="http://schemas.openxmlformats.org/drawingml/2006/main" xmlns:r="http://schemas.openxmlformats.org/officeDocument/2006/relationships" xmlns:p="http://schemas.openxmlformats.org/presentationml/2006/main">
+  <p:cSld>
+    <p:spTree>
+      <p:nvGrpSpPr>
+        <p:cNvPr id="1" name=""/>
+        <p:cNvGrpSpPr/>
+        <p:nvPr/>
+      </p:nvGrpSpPr>
+      <p:grpSpPr>
+        <a:xfrm>
+          <a:off x="0" y="0"/>
+          <a:ext cx="0" cy="0"/>
+          <a:chOff x="0" y="0"/>
+          <a:chExt cx="0" cy="0"/>
+        </a:xfrm>
+      </p:grpSpPr>
+      <p:sp>
+        <p:nvSpPr>
+          <p:cNvPr id="2" name="Title 1"/>
+          <p:cNvSpPr>
+            <a:spLocks noGrp="1"/>
+          </p:cNvSpPr>
+          <p:nvPr>
+            <p:ph type="title"/>
+          </p:nvPr>
+        </p:nvSpPr>
+        <p:spPr/>
+        <p:txBody>
+          <a:bodyPr>
+            <a:normAutofit/>
+          </a:bodyPr>
+          <a:lstStyle/>
+          <a:p>
+            <a:r>
+              <a:rPr lang="en-GB" dirty="0" smtClean="0"/>
+              <a:t>Backwards compatibility</a:t>
+            </a:r>
+            <a:endParaRPr lang="en-GB" dirty="0"/>
+          </a:p>
+        </p:txBody>
+      </p:sp>
+      <p:sp>
+        <p:nvSpPr>
+          <p:cNvPr id="3" name="Content Placeholder 2"/>
+          <p:cNvSpPr>
+            <a:spLocks noGrp="1"/>
+          </p:cNvSpPr>
+          <p:nvPr>
+            <p:ph idx="1"/>
+          </p:nvPr>
+        </p:nvSpPr>
+        <p:spPr/>
+        <p:txBody>
+          <a:bodyPr/>
+          <a:lstStyle/>
+          <a:p>
+            <a:r>
+              <a:rPr lang="en-GB" dirty="0" smtClean="0"/>
+              <a:t>Reverse </a:t>
+            </a:r>
+            <a:r>
+              <a:rPr lang="en-GB" dirty="0" smtClean="0"/>
+              <a:t>dependencies</a:t>
+            </a:r>
+            <a:endParaRPr lang="en-GB" dirty="0" smtClean="0"/>
+          </a:p>
+          <a:p>
+            <a:pPr lvl="1"/>
+            <a:r>
+              <a:rPr lang="en-GB" dirty="0" smtClean="0"/>
+              <a:t>Compresses deltas</a:t>
+            </a:r>
+          </a:p>
+          <a:p>
+            <a:pPr lvl="1"/>
+            <a:r>
+              <a:rPr lang="en-GB" dirty="0" smtClean="0"/>
+              <a:t>Older systems are now deltas against newer system</a:t>
+            </a:r>
+          </a:p>
+        </p:txBody>
+      </p:sp>
+      <p:pic>
+        <p:nvPicPr>
+          <p:cNvPr id="10242" name="Picture 2" descr="C:\Users\andrew\Desktop\backwards.jpg"/>
+          <p:cNvPicPr>
+            <a:picLocks noChangeAspect="1" noChangeArrowheads="1"/>
+          </p:cNvPicPr>
+          <p:nvPr/>
+        </p:nvPicPr>
+        <p:blipFill>
+          <a:blip r:embed="rId3" cstate="print"/>
+          <a:srcRect/>
+          <a:stretch>
+            <a:fillRect/>
+          </a:stretch>
+        </p:blipFill>
+        <p:spPr bwMode="auto">
+          <a:xfrm>
+            <a:off x="-71470" y="3429000"/>
+            <a:ext cx="9322659" cy="2571768"/>
+          </a:xfrm>
+          <a:prstGeom prst="rect">
+            <a:avLst/>
+          </a:prstGeom>
+          <a:noFill/>
+        </p:spPr>
+      </p:pic>
+    </p:spTree>
+  </p:cSld>
+  <p:clrMapOvr>
+    <a:masterClrMapping/>
+  </p:clrMapOvr>
+  <p:timing>
+    <p:tnLst>
+      <p:par>
+        <p:cTn id="1" dur="indefinite" restart="never" nodeType="tmRoot"/>
+      </p:par>
+    </p:tnLst>
+  </p:timing>
+</p:sld>
+</file>
+
+<file path=ppt/slides/slide26.xml><?xml version="1.0" encoding="utf-8"?>
+<p:sld xmlns:a="http://schemas.openxmlformats.org/drawingml/2006/main" xmlns:r="http://schemas.openxmlformats.org/officeDocument/2006/relationships" xmlns:p="http://schemas.openxmlformats.org/presentationml/2006/main">
+  <p:cSld>
+    <p:spTree>
+      <p:nvGrpSpPr>
+        <p:cNvPr id="1" name=""/>
+        <p:cNvGrpSpPr/>
+        <p:nvPr/>
+      </p:nvGrpSpPr>
+      <p:grpSpPr>
+        <a:xfrm>
+          <a:off x="0" y="0"/>
+          <a:ext cx="0" cy="0"/>
+          <a:chOff x="0" y="0"/>
+          <a:chExt cx="0" cy="0"/>
+        </a:xfrm>
+      </p:grpSpPr>
+      <p:sp>
+        <p:nvSpPr>
+          <p:cNvPr id="2" name="Title 1"/>
+          <p:cNvSpPr>
+            <a:spLocks noGrp="1"/>
+          </p:cNvSpPr>
+          <p:nvPr>
+            <p:ph type="title"/>
+          </p:nvPr>
+        </p:nvSpPr>
+        <p:spPr/>
+        <p:txBody>
+          <a:bodyPr>
+            <a:normAutofit/>
+          </a:bodyPr>
+          <a:lstStyle/>
+          <a:p>
+            <a:r>
+              <a:rPr lang="en-GB" dirty="0" smtClean="0"/>
+              <a:t>Replacement for </a:t>
+            </a:r>
+            <a:r>
+              <a:rPr lang="en-GB" dirty="0" err="1" smtClean="0"/>
+              <a:t>plugin</a:t>
+            </a:r>
+            <a:r>
+              <a:rPr lang="en-GB" dirty="0" smtClean="0"/>
+              <a:t> approach</a:t>
+            </a:r>
+            <a:endParaRPr lang="en-GB" dirty="0"/>
+          </a:p>
+        </p:txBody>
+      </p:sp>
+      <p:sp>
+        <p:nvSpPr>
+          <p:cNvPr id="3" name="Content Placeholder 2"/>
+          <p:cNvSpPr>
+            <a:spLocks noGrp="1"/>
+          </p:cNvSpPr>
+          <p:nvPr>
+            <p:ph idx="1"/>
+          </p:nvPr>
+        </p:nvSpPr>
+        <p:spPr/>
+        <p:txBody>
+          <a:bodyPr/>
+          <a:lstStyle/>
+          <a:p>
+            <a:endParaRPr lang="en-GB"/>
+          </a:p>
+        </p:txBody>
+      </p:sp>
+    </p:spTree>
+  </p:cSld>
+  <p:clrMapOvr>
+    <a:masterClrMapping/>
+  </p:clrMapOvr>
+  <p:timing>
+    <p:tnLst>
+      <p:par>
+        <p:cTn id="1" dur="indefinite" restart="never" nodeType="tmRoot"/>
+      </p:par>
+    </p:tnLst>
+  </p:timing>
+</p:sld>
+</file>
+
+<file path=ppt/slides/slide27.xml><?xml version="1.0" encoding="utf-8"?>
+<p:sld xmlns:a="http://schemas.openxmlformats.org/drawingml/2006/main" xmlns:r="http://schemas.openxmlformats.org/officeDocument/2006/relationships" xmlns:p="http://schemas.openxmlformats.org/presentationml/2006/main">
+  <p:cSld>
+    <p:spTree>
+      <p:nvGrpSpPr>
+        <p:cNvPr id="1" name=""/>
+        <p:cNvGrpSpPr/>
+        <p:nvPr/>
+      </p:nvGrpSpPr>
+      <p:grpSpPr>
+        <a:xfrm>
+          <a:off x="0" y="0"/>
+          <a:ext cx="0" cy="0"/>
+          <a:chOff x="0" y="0"/>
+          <a:chExt cx="0" cy="0"/>
+        </a:xfrm>
+      </p:grpSpPr>
+      <p:sp>
+        <p:nvSpPr>
+          <p:cNvPr id="2" name="Title 1"/>
+          <p:cNvSpPr>
+            <a:spLocks noGrp="1"/>
+          </p:cNvSpPr>
+          <p:nvPr>
+            <p:ph type="title"/>
+          </p:nvPr>
+        </p:nvSpPr>
+        <p:spPr/>
+        <p:txBody>
+          <a:bodyPr/>
+          <a:lstStyle/>
+          <a:p>
+            <a:r>
+              <a:rPr lang="en-GB" dirty="0" smtClean="0"/>
+              <a:t>Some other areas...</a:t>
+            </a:r>
+            <a:endParaRPr lang="en-GB" dirty="0"/>
+          </a:p>
+        </p:txBody>
+      </p:sp>
+      <p:sp>
+        <p:nvSpPr>
+          <p:cNvPr id="3" name="Content Placeholder 2"/>
+          <p:cNvSpPr>
+            <a:spLocks noGrp="1"/>
+          </p:cNvSpPr>
+          <p:nvPr>
+            <p:ph idx="1"/>
+          </p:nvPr>
+        </p:nvSpPr>
+        <p:spPr/>
+        <p:txBody>
+          <a:bodyPr/>
+          <a:lstStyle/>
+          <a:p>
+            <a:r>
+              <a:rPr lang="en-GB" dirty="0" smtClean="0"/>
+              <a:t>Reengineering a legacy application</a:t>
+            </a:r>
+          </a:p>
+          <a:p>
+            <a:pPr lvl="1"/>
+            <a:r>
+              <a:rPr lang="en-GB" dirty="0" smtClean="0"/>
+              <a:t>Actually easier than it looks</a:t>
+            </a:r>
+          </a:p>
+          <a:p>
+            <a:pPr lvl="1"/>
+            <a:endParaRPr lang="en-GB" dirty="0" smtClean="0"/>
+          </a:p>
+          <a:p>
+            <a:r>
+              <a:rPr lang="en-GB" dirty="0" smtClean="0"/>
+              <a:t>Active components for concurrency</a:t>
+            </a:r>
+          </a:p>
+          <a:p>
+            <a:pPr lvl="1"/>
+            <a:r>
+              <a:rPr lang="en-GB" dirty="0" smtClean="0"/>
+              <a:t>ROOM actor model? [ref]</a:t>
+            </a:r>
+          </a:p>
+          <a:p>
+            <a:endParaRPr lang="en-GB" dirty="0" smtClean="0"/>
+          </a:p>
+          <a:p>
+            <a:r>
+              <a:rPr lang="en-GB" dirty="0" smtClean="0"/>
+              <a:t>Apply to different environments</a:t>
+            </a:r>
+          </a:p>
+          <a:p>
+            <a:pPr lvl="1"/>
+            <a:r>
+              <a:rPr lang="en-GB" dirty="0" smtClean="0"/>
+              <a:t>Android</a:t>
+            </a:r>
+          </a:p>
+          <a:p>
+            <a:pPr lvl="1"/>
+            <a:r>
+              <a:rPr lang="en-GB" dirty="0" smtClean="0"/>
+              <a:t>C#? C++?</a:t>
+            </a:r>
+          </a:p>
+          <a:p>
+            <a:pPr lvl="1"/>
+            <a:r>
+              <a:rPr lang="en-GB" dirty="0" smtClean="0"/>
+              <a:t>Hierarchical grid workflows</a:t>
+            </a:r>
+            <a:endParaRPr lang="en-GB" dirty="0"/>
+          </a:p>
+        </p:txBody>
+      </p:sp>
+    </p:spTree>
+  </p:cSld>
+  <p:clrMapOvr>
+    <a:masterClrMapping/>
+  </p:clrMapOvr>
+</p:sld>
+</file>
+
+<file path=ppt/slides/slide28.xml><?xml version="1.0" encoding="utf-8"?>
+<p:sld xmlns:a="http://schemas.openxmlformats.org/drawingml/2006/main" xmlns:r="http://schemas.openxmlformats.org/officeDocument/2006/relationships" xmlns:p="http://schemas.openxmlformats.org/presentationml/2006/main">
+  <p:cSld>
+    <p:spTree>
+      <p:nvGrpSpPr>
+        <p:cNvPr id="1" name=""/>
+        <p:cNvGrpSpPr/>
+        <p:nvPr/>
+      </p:nvGrpSpPr>
+      <p:grpSpPr>
+        <a:xfrm>
+          <a:off x="0" y="0"/>
+          <a:ext cx="0" cy="0"/>
+          <a:chOff x="0" y="0"/>
+          <a:chExt cx="0" cy="0"/>
+        </a:xfrm>
+      </p:grpSpPr>
+      <p:sp>
+        <p:nvSpPr>
+          <p:cNvPr id="2" name="Title 1"/>
+          <p:cNvSpPr>
+            <a:spLocks noGrp="1"/>
+          </p:cNvSpPr>
+          <p:nvPr>
+            <p:ph type="title"/>
+          </p:nvPr>
+        </p:nvSpPr>
+        <p:spPr/>
+        <p:txBody>
+          <a:bodyPr/>
+          <a:lstStyle/>
+          <a:p>
+            <a:r>
+              <a:rPr lang="en-GB" dirty="0" smtClean="0"/>
+              <a:t>References</a:t>
             </a:r>
             <a:endParaRPr lang="en-GB" dirty="0"/>
           </a:p>
@@ -6380,11 +13964,7 @@
           <a:p>
             <a:r>
               <a:rPr lang="en-GB" dirty="0" smtClean="0"/>
-              <a:t>Structures </a:t>
-            </a:r>
-            <a:r>
-              <a:rPr lang="en-GB" dirty="0" smtClean="0"/>
-              <a:t>of the</a:t>
+              <a:t>Structures of the</a:t>
             </a:r>
             <a:br>
               <a:rPr lang="en-GB" dirty="0" smtClean="0"/>
@@ -6464,7 +14044,6 @@
               <a:rPr lang="en-GB" dirty="0" smtClean="0"/>
               <a:t>Model is described in the Alloy logic language [MIT]</a:t>
             </a:r>
-            <a:endParaRPr lang="en-GB" dirty="0" smtClean="0"/>
           </a:p>
           <a:p>
             <a:r>
@@ -6779,11 +14358,7 @@
             </a:r>
             <a:r>
               <a:rPr lang="en-GB" sz="2800" b="1" dirty="0" smtClean="0"/>
-              <a:t>set Stratum</a:t>
-            </a:r>
-            <a:r>
-              <a:rPr lang="en-GB" sz="2800" b="1" dirty="0" smtClean="0"/>
-              <a:t>,</a:t>
+              <a:t>set Stratum,</a:t>
             </a:r>
           </a:p>
           <a:p>
@@ -6825,11 +14400,7 @@
           <a:p>
             <a:r>
               <a:rPr lang="en-GB" sz="2800" b="1" dirty="0" smtClean="0"/>
-              <a:t>	</a:t>
-            </a:r>
-            <a:r>
-              <a:rPr lang="en-GB" sz="2800" b="1" dirty="0" smtClean="0"/>
-              <a:t>...</a:t>
+              <a:t>	...</a:t>
             </a:r>
             <a:endParaRPr lang="en-GB" sz="2800" dirty="0"/>
           </a:p>
@@ -6892,14 +14463,14 @@
       </p:grpSpPr>
       <p:sp>
         <p:nvSpPr>
-          <p:cNvPr id="4" name="TextBox 3"/>
-          <p:cNvSpPr txBox="1"/>
+          <p:cNvPr id="9" name="Rectangle 8"/>
+          <p:cNvSpPr/>
           <p:nvPr/>
         </p:nvSpPr>
         <p:spPr>
           <a:xfrm>
-            <a:off x="0" y="4395811"/>
-            <a:ext cx="6429388" cy="2462213"/>
+            <a:off x="0" y="6286520"/>
+            <a:ext cx="2071670" cy="571480"/>
           </a:xfrm>
           <a:prstGeom prst="rect">
             <a:avLst/>
@@ -6907,127 +14478,32 @@
           <a:solidFill>
             <a:schemeClr val="bg1"/>
           </a:solidFill>
+          <a:ln>
+            <a:noFill/>
+          </a:ln>
         </p:spPr>
-        <p:txBody>
-          <a:bodyPr wrap="square" rtlCol="0">
-            <a:spAutoFit/>
-          </a:bodyPr>
-          <a:lstStyle/>
-          <a:p>
-            <a:r>
-              <a:rPr lang="en-GB" sz="2200" b="1" dirty="0" smtClean="0"/>
-              <a:t>abstract sig Element</a:t>
-            </a:r>
-          </a:p>
-          <a:p>
-            <a:r>
-              <a:rPr lang="en-GB" sz="2200" dirty="0" smtClean="0"/>
-              <a:t>{</a:t>
-            </a:r>
-          </a:p>
-          <a:p>
-            <a:r>
-              <a:rPr lang="en-GB" sz="2200" dirty="0" smtClean="0"/>
-              <a:t>	</a:t>
-            </a:r>
-            <a:r>
-              <a:rPr lang="en-GB" sz="2200" dirty="0" smtClean="0"/>
-              <a:t>home: </a:t>
-            </a:r>
-            <a:r>
-              <a:rPr lang="en-GB" sz="2200" b="1" dirty="0" smtClean="0"/>
-              <a:t>Stratum,</a:t>
-            </a:r>
-            <a:endParaRPr lang="en-GB" sz="2200" b="1" dirty="0" smtClean="0"/>
-          </a:p>
-          <a:p>
-            <a:r>
-              <a:rPr lang="en-GB" sz="2200" dirty="0" smtClean="0"/>
-              <a:t>	replaces</a:t>
-            </a:r>
-            <a:r>
-              <a:rPr lang="en-GB" sz="2200" dirty="0" smtClean="0"/>
-              <a:t>: </a:t>
-            </a:r>
-            <a:r>
-              <a:rPr lang="en-GB" sz="2200" b="1" dirty="0" smtClean="0"/>
-              <a:t>lone Element,</a:t>
-            </a:r>
-          </a:p>
-          <a:p>
-            <a:r>
-              <a:rPr lang="en-GB" sz="2200" dirty="0" smtClean="0"/>
-              <a:t>	resembles</a:t>
-            </a:r>
-            <a:r>
-              <a:rPr lang="en-GB" sz="2200" dirty="0" smtClean="0"/>
-              <a:t>: </a:t>
-            </a:r>
-            <a:r>
-              <a:rPr lang="en-GB" sz="2200" b="1" dirty="0" smtClean="0"/>
-              <a:t>set Element</a:t>
-            </a:r>
-            <a:r>
-              <a:rPr lang="en-GB" sz="2200" b="1" dirty="0" smtClean="0"/>
-              <a:t>,</a:t>
-            </a:r>
-            <a:endParaRPr lang="en-GB" sz="2200" dirty="0" smtClean="0"/>
-          </a:p>
-          <a:p>
-            <a:r>
-              <a:rPr lang="en-GB" sz="2200" dirty="0" smtClean="0"/>
-              <a:t>	</a:t>
-            </a:r>
-            <a:r>
-              <a:rPr lang="en-GB" sz="2200" dirty="0" err="1" smtClean="0"/>
-              <a:t>resembles_e</a:t>
-            </a:r>
-            <a:r>
-              <a:rPr lang="en-GB" sz="2200" dirty="0" smtClean="0"/>
-              <a:t>: Element -&gt; Stratum</a:t>
-            </a:r>
-            <a:r>
-              <a:rPr lang="en-GB" sz="2200" dirty="0" smtClean="0"/>
-              <a:t>,</a:t>
-            </a:r>
-          </a:p>
-          <a:p>
-            <a:r>
-              <a:rPr lang="en-GB" sz="2200" dirty="0" smtClean="0"/>
-              <a:t> </a:t>
-            </a:r>
-            <a:r>
-              <a:rPr lang="en-GB" sz="2200" b="1" dirty="0" smtClean="0"/>
-              <a:t>	</a:t>
-            </a:r>
-            <a:r>
-              <a:rPr lang="en-GB" sz="2200" b="1" dirty="0" smtClean="0"/>
-              <a:t>...</a:t>
-            </a:r>
-            <a:endParaRPr lang="en-GB" sz="2200" dirty="0"/>
-          </a:p>
-        </p:txBody>
-      </p:sp>
-      <p:sp>
-        <p:nvSpPr>
-          <p:cNvPr id="2" name="Title 1"/>
-          <p:cNvSpPr>
-            <a:spLocks noGrp="1"/>
-          </p:cNvSpPr>
-          <p:nvPr>
-            <p:ph type="title"/>
-          </p:nvPr>
-        </p:nvSpPr>
-        <p:spPr/>
-        <p:txBody>
-          <a:bodyPr/>
-          <a:lstStyle/>
-          <a:p>
-            <a:r>
-              <a:rPr lang="en-GB" dirty="0" smtClean="0"/>
-              <a:t>Elements and Resemblance</a:t>
-            </a:r>
-            <a:endParaRPr lang="en-GB" dirty="0"/>
+        <p:style>
+          <a:lnRef idx="2">
+            <a:schemeClr val="accent1">
+              <a:shade val="50000"/>
+            </a:schemeClr>
+          </a:lnRef>
+          <a:fillRef idx="1">
+            <a:schemeClr val="accent1"/>
+          </a:fillRef>
+          <a:effectRef idx="0">
+            <a:schemeClr val="accent1"/>
+          </a:effectRef>
+          <a:fontRef idx="minor">
+            <a:schemeClr val="lt1"/>
+          </a:fontRef>
+        </p:style>
+        <p:txBody>
+          <a:bodyPr rtlCol="0" anchor="ctr"/>
+          <a:lstStyle/>
+          <a:p>
+            <a:pPr algn="ctr"/>
+            <a:endParaRPr lang="en-GB"/>
           </a:p>
         </p:txBody>
       </p:sp>
@@ -7046,8 +14522,8 @@
         </p:blipFill>
         <p:spPr bwMode="auto">
           <a:xfrm>
-            <a:off x="3643305" y="1571612"/>
-            <a:ext cx="5347279" cy="3714776"/>
+            <a:off x="2571736" y="1571612"/>
+            <a:ext cx="6572296" cy="4214842"/>
           </a:xfrm>
           <a:prstGeom prst="rect">
             <a:avLst/>
@@ -7076,8 +14552,8 @@
         </p:blipFill>
         <p:spPr bwMode="auto">
           <a:xfrm>
-            <a:off x="3214678" y="1571612"/>
-            <a:ext cx="5929322" cy="3738686"/>
+            <a:off x="2500298" y="1571612"/>
+            <a:ext cx="6643702" cy="4286280"/>
           </a:xfrm>
           <a:prstGeom prst="rect">
             <a:avLst/>
@@ -7091,6 +14567,120 @@
           </a:ln>
         </p:spPr>
       </p:pic>
+      <p:sp>
+        <p:nvSpPr>
+          <p:cNvPr id="4" name="TextBox 3"/>
+          <p:cNvSpPr txBox="1"/>
+          <p:nvPr/>
+        </p:nvSpPr>
+        <p:spPr>
+          <a:xfrm>
+            <a:off x="0" y="4395811"/>
+            <a:ext cx="6429388" cy="2462213"/>
+          </a:xfrm>
+          <a:prstGeom prst="rect">
+            <a:avLst/>
+          </a:prstGeom>
+          <a:noFill/>
+        </p:spPr>
+        <p:txBody>
+          <a:bodyPr wrap="square" rtlCol="0">
+            <a:spAutoFit/>
+          </a:bodyPr>
+          <a:lstStyle/>
+          <a:p>
+            <a:r>
+              <a:rPr lang="en-GB" sz="2200" b="1" dirty="0" smtClean="0"/>
+              <a:t>abstract sig Element</a:t>
+            </a:r>
+          </a:p>
+          <a:p>
+            <a:r>
+              <a:rPr lang="en-GB" sz="2200" dirty="0" smtClean="0"/>
+              <a:t>{</a:t>
+            </a:r>
+          </a:p>
+          <a:p>
+            <a:r>
+              <a:rPr lang="en-GB" sz="2200" dirty="0" smtClean="0"/>
+              <a:t>	home: </a:t>
+            </a:r>
+            <a:r>
+              <a:rPr lang="en-GB" sz="2200" b="1" dirty="0" smtClean="0"/>
+              <a:t>Stratum,</a:t>
+            </a:r>
+          </a:p>
+          <a:p>
+            <a:r>
+              <a:rPr lang="en-GB" sz="2200" dirty="0" smtClean="0"/>
+              <a:t>	replaces: </a:t>
+            </a:r>
+            <a:r>
+              <a:rPr lang="en-GB" sz="2200" b="1" dirty="0" smtClean="0"/>
+              <a:t>lone Element,</a:t>
+            </a:r>
+          </a:p>
+          <a:p>
+            <a:r>
+              <a:rPr lang="en-GB" sz="2200" dirty="0" smtClean="0"/>
+              <a:t>	resembles: </a:t>
+            </a:r>
+            <a:r>
+              <a:rPr lang="en-GB" sz="2200" b="1" dirty="0" smtClean="0"/>
+              <a:t>set Element,</a:t>
+            </a:r>
+            <a:endParaRPr lang="en-GB" sz="2200" dirty="0" smtClean="0"/>
+          </a:p>
+          <a:p>
+            <a:r>
+              <a:rPr lang="en-GB" sz="2200" dirty="0" smtClean="0"/>
+              <a:t>	</a:t>
+            </a:r>
+            <a:r>
+              <a:rPr lang="en-GB" sz="2200" dirty="0" err="1" smtClean="0"/>
+              <a:t>resembles_e</a:t>
+            </a:r>
+            <a:r>
+              <a:rPr lang="en-GB" sz="2200" dirty="0" smtClean="0"/>
+              <a:t>: Element -&gt; Stratum,</a:t>
+            </a:r>
+          </a:p>
+          <a:p>
+            <a:r>
+              <a:rPr lang="en-GB" sz="2200" dirty="0" smtClean="0"/>
+              <a:t> </a:t>
+            </a:r>
+            <a:r>
+              <a:rPr lang="en-GB" sz="2200" b="1" dirty="0" smtClean="0"/>
+              <a:t>	...</a:t>
+            </a:r>
+            <a:endParaRPr lang="en-GB" sz="2200" dirty="0"/>
+          </a:p>
+        </p:txBody>
+      </p:sp>
+      <p:sp>
+        <p:nvSpPr>
+          <p:cNvPr id="2" name="Title 1"/>
+          <p:cNvSpPr>
+            <a:spLocks noGrp="1"/>
+          </p:cNvSpPr>
+          <p:nvPr>
+            <p:ph type="title"/>
+          </p:nvPr>
+        </p:nvSpPr>
+        <p:spPr/>
+        <p:txBody>
+          <a:bodyPr/>
+          <a:lstStyle/>
+          <a:p>
+            <a:r>
+              <a:rPr lang="en-GB" dirty="0" smtClean="0"/>
+              <a:t>Elements and Resemblance</a:t>
+            </a:r>
+            <a:endParaRPr lang="en-GB" dirty="0"/>
+          </a:p>
+        </p:txBody>
+      </p:sp>
     </p:spTree>
   </p:cSld>
   <p:clrMapOvr>
@@ -7117,7 +14707,7 @@
                             </p:stCondLst>
                             <p:childTnLst>
                               <p:par>
-                                <p:cTn id="5" presetID="10" presetClass="entr" presetSubtype="0" fill="hold" nodeType="clickEffect">
+                                <p:cTn id="5" presetID="2" presetClass="entr" presetSubtype="4" fill="hold" nodeType="clickEffect">
                                   <p:stCondLst>
                                     <p:cond delay="0"/>
                                   </p:stCondLst>
@@ -7140,14 +14730,52 @@
                                         <p:strVal val="visible"/>
                                       </p:to>
                                     </p:set>
-                                    <p:animEffect transition="in" filter="fade">
-                                      <p:cBhvr>
-                                        <p:cTn id="7" dur="2000"/>
+                                    <p:anim calcmode="lin" valueType="num">
+                                      <p:cBhvr additive="base">
+                                        <p:cTn id="7" dur="500" fill="hold"/>
                                         <p:tgtEl>
                                           <p:spTgt spid="7"/>
                                         </p:tgtEl>
+                                        <p:attrNameLst>
+                                          <p:attrName>ppt_x</p:attrName>
+                                        </p:attrNameLst>
                                       </p:cBhvr>
-                                    </p:animEffect>
+                                      <p:tavLst>
+                                        <p:tav tm="0">
+                                          <p:val>
+                                            <p:strVal val="#ppt_x"/>
+                                          </p:val>
+                                        </p:tav>
+                                        <p:tav tm="100000">
+                                          <p:val>
+                                            <p:strVal val="#ppt_x"/>
+                                          </p:val>
+                                        </p:tav>
+                                      </p:tavLst>
+                                    </p:anim>
+                                    <p:anim calcmode="lin" valueType="num">
+                                      <p:cBhvr additive="base">
+                                        <p:cTn id="8" dur="500" fill="hold"/>
+                                        <p:tgtEl>
+                                          <p:spTgt spid="7"/>
+                                        </p:tgtEl>
+                                        <p:attrNameLst>
+                                          <p:attrName>ppt_y</p:attrName>
+                                        </p:attrNameLst>
+                                      </p:cBhvr>
+                                      <p:tavLst>
+                                        <p:tav tm="0">
+                                          <p:val>
+                                            <p:strVal val="1+#ppt_h/2"/>
+                                          </p:val>
+                                        </p:tav>
+                                        <p:tav tm="100000">
+                                          <p:val>
+                                            <p:strVal val="#ppt_y"/>
+                                          </p:val>
+                                        </p:tav>
+                                      </p:tavLst>
+                                    </p:anim>
                                   </p:childTnLst>
                                 </p:cTn>
                               </p:par>
@@ -7245,26 +14873,17 @@
           <a:p>
             <a:r>
               <a:rPr lang="en-GB" sz="2200" b="1" dirty="0" smtClean="0"/>
-              <a:t>sig Component extends </a:t>
-            </a:r>
-            <a:r>
-              <a:rPr lang="en-GB" sz="2200" b="1" dirty="0" smtClean="0"/>
-              <a:t>Element </a:t>
+              <a:t>sig Component extends Element </a:t>
             </a:r>
             <a:r>
               <a:rPr lang="en-GB" sz="2200" dirty="0" smtClean="0"/>
               <a:t>{</a:t>
             </a:r>
-            <a:endParaRPr lang="en-GB" sz="2200" dirty="0" smtClean="0"/>
           </a:p>
           <a:p>
             <a:r>
               <a:rPr lang="en-GB" sz="2200" dirty="0" smtClean="0"/>
-              <a:t>	parts</a:t>
-            </a:r>
-            <a:r>
-              <a:rPr lang="en-GB" sz="2200" dirty="0" smtClean="0"/>
-              <a:t>: </a:t>
+              <a:t>	parts: </a:t>
             </a:r>
             <a:r>
               <a:rPr lang="en-GB" sz="2200" b="1" dirty="0" smtClean="0"/>
@@ -7274,11 +14893,7 @@
           <a:p>
             <a:r>
               <a:rPr lang="en-GB" sz="2200" dirty="0" smtClean="0"/>
-              <a:t>	ports</a:t>
-            </a:r>
-            <a:r>
-              <a:rPr lang="en-GB" sz="2200" dirty="0" smtClean="0"/>
-              <a:t>: </a:t>
+              <a:t>	ports: </a:t>
             </a:r>
             <a:r>
               <a:rPr lang="en-GB" sz="2200" b="1" dirty="0" smtClean="0"/>
@@ -7288,11 +14903,7 @@
           <a:p>
             <a:r>
               <a:rPr lang="en-GB" sz="2200" dirty="0" smtClean="0"/>
-              <a:t>	connectors</a:t>
-            </a:r>
-            <a:r>
-              <a:rPr lang="en-GB" sz="2200" dirty="0" smtClean="0"/>
-              <a:t>: </a:t>
+              <a:t>	connectors: </a:t>
             </a:r>
             <a:r>
               <a:rPr lang="en-GB" sz="2200" b="1" dirty="0" smtClean="0"/>
@@ -7302,11 +14913,7 @@
           <a:p>
             <a:r>
               <a:rPr lang="en-GB" sz="2200" dirty="0" smtClean="0"/>
-              <a:t>	attributes</a:t>
-            </a:r>
-            <a:r>
-              <a:rPr lang="en-GB" sz="2200" dirty="0" smtClean="0"/>
-              <a:t>: </a:t>
+              <a:t>	attributes: </a:t>
             </a:r>
             <a:r>
               <a:rPr lang="en-GB" sz="2200" b="1" dirty="0" smtClean="0"/>
@@ -7316,23 +14923,11 @@
           <a:p>
             <a:r>
               <a:rPr lang="en-GB" sz="2200" dirty="0" smtClean="0"/>
-              <a:t>	implementation</a:t>
-            </a:r>
-            <a:r>
-              <a:rPr lang="en-GB" sz="2200" dirty="0" smtClean="0"/>
-              <a:t>: </a:t>
+              <a:t>	implementation: </a:t>
             </a:r>
             <a:r>
               <a:rPr lang="en-GB" sz="2200" b="1" dirty="0" smtClean="0"/>
-              <a:t>lone </a:t>
-            </a:r>
-            <a:r>
-              <a:rPr lang="en-GB" sz="2200" b="1" dirty="0" smtClean="0"/>
-              <a:t>Implementation/Deltas</a:t>
-            </a:r>
-            <a:r>
-              <a:rPr lang="en-GB" sz="2200" b="1" dirty="0" smtClean="0"/>
-              <a:t>,</a:t>
+              <a:t>lone Implementation/Deltas,</a:t>
             </a:r>
           </a:p>
           <a:p>
@@ -7367,26 +14962,17 @@
           <a:p>
             <a:r>
               <a:rPr lang="en-GB" sz="2200" b="1" dirty="0" smtClean="0"/>
-              <a:t>sig Interface extends </a:t>
-            </a:r>
-            <a:r>
-              <a:rPr lang="en-GB" sz="2200" b="1" dirty="0" smtClean="0"/>
-              <a:t>Element </a:t>
+              <a:t>sig Interface extends Element </a:t>
             </a:r>
             <a:r>
               <a:rPr lang="en-GB" sz="2200" dirty="0" smtClean="0"/>
               <a:t>{</a:t>
             </a:r>
-            <a:endParaRPr lang="en-GB" sz="2200" dirty="0" smtClean="0"/>
           </a:p>
           <a:p>
             <a:r>
               <a:rPr lang="en-GB" sz="2200" dirty="0" smtClean="0"/>
-              <a:t>	operations</a:t>
-            </a:r>
-            <a:r>
-              <a:rPr lang="en-GB" sz="2200" dirty="0" smtClean="0"/>
-              <a:t>: </a:t>
+              <a:t>	operations: </a:t>
             </a:r>
             <a:r>
               <a:rPr lang="en-GB" sz="2200" b="1" dirty="0" smtClean="0"/>
@@ -7396,11 +14982,7 @@
           <a:p>
             <a:r>
               <a:rPr lang="en-GB" sz="2200" dirty="0" smtClean="0"/>
-              <a:t>	implementation</a:t>
-            </a:r>
-            <a:r>
-              <a:rPr lang="en-GB" sz="2200" dirty="0" smtClean="0"/>
-              <a:t>: </a:t>
+              <a:t>	implementation: </a:t>
             </a:r>
             <a:r>
               <a:rPr lang="en-GB" sz="2200" b="1" dirty="0" smtClean="0"/>
@@ -7547,6 +15129,13 @@
   <p:clrMapOvr>
     <a:masterClrMapping/>
   </p:clrMapOvr>
+  <p:timing>
+    <p:tnLst>
+      <p:par>
+        <p:cTn id="1" dur="indefinite" restart="never" nodeType="tmRoot"/>
+      </p:par>
+    </p:tnLst>
+  </p:timing>
 </p:sld>
 </file>
 
@@ -7607,7 +15196,15 @@
           <a:p>
             <a:r>
               <a:rPr lang="en-GB" dirty="0" smtClean="0"/>
-              <a:t>Ports of all composites have their interfaces inferred</a:t>
+              <a:t>Ports of </a:t>
+            </a:r>
+            <a:r>
+              <a:rPr lang="en-GB" dirty="0" smtClean="0"/>
+              <a:t>composites </a:t>
+            </a:r>
+            <a:r>
+              <a:rPr lang="en-GB" dirty="0" smtClean="0"/>
+              <a:t>have their interfaces inferred</a:t>
             </a:r>
           </a:p>
           <a:p>
@@ -7621,44 +15218,58 @@
             <a:pPr lvl="1"/>
             <a:r>
               <a:rPr lang="en-GB" dirty="0" smtClean="0"/>
-              <a:t>Exposes interfaces on </a:t>
-            </a:r>
-            <a:r>
-              <a:rPr lang="en-GB" dirty="0" smtClean="0"/>
-              <a:t>one port </a:t>
-            </a:r>
-            <a:r>
-              <a:rPr lang="en-GB" dirty="0" smtClean="0"/>
-              <a:t>back to </a:t>
-            </a:r>
-            <a:r>
-              <a:rPr lang="en-GB" dirty="0" smtClean="0"/>
-              <a:t>surface</a:t>
+              <a:t>Exposes interfaces on one port back to </a:t>
+            </a:r>
+            <a:r>
+              <a:rPr lang="en-GB" dirty="0" smtClean="0"/>
+              <a:t>“surface”</a:t>
             </a:r>
             <a:endParaRPr lang="en-GB" dirty="0" smtClean="0"/>
           </a:p>
-          <a:p>
-            <a:r>
-              <a:rPr lang="en-GB" dirty="0" smtClean="0"/>
-              <a:t>Why </a:t>
-            </a:r>
-            <a:r>
-              <a:rPr lang="en-GB" dirty="0" smtClean="0"/>
-              <a:t>do it</a:t>
-            </a:r>
-            <a:r>
-              <a:rPr lang="en-GB" dirty="0" smtClean="0"/>
-              <a:t>?</a:t>
-            </a:r>
-            <a:endParaRPr lang="en-GB" dirty="0" smtClean="0"/>
-          </a:p>
-        </p:txBody>
-      </p:sp>
+        </p:txBody>
+      </p:sp>
+      <p:pic>
+        <p:nvPicPr>
+          <p:cNvPr id="7" name="Picture 6"/>
+          <p:cNvPicPr/>
+          <p:nvPr/>
+        </p:nvPicPr>
+        <p:blipFill>
+          <a:blip r:embed="rId3" cstate="print"/>
+          <a:srcRect/>
+          <a:stretch>
+            <a:fillRect/>
+          </a:stretch>
+        </p:blipFill>
+        <p:spPr bwMode="auto">
+          <a:xfrm>
+            <a:off x="2214546" y="3286124"/>
+            <a:ext cx="6830164" cy="3429000"/>
+          </a:xfrm>
+          <a:prstGeom prst="rect">
+            <a:avLst/>
+          </a:prstGeom>
+          <a:noFill/>
+          <a:ln w="9525">
+            <a:noFill/>
+            <a:miter lim="800000"/>
+            <a:headEnd/>
+            <a:tailEnd/>
+          </a:ln>
+        </p:spPr>
+      </p:pic>
     </p:spTree>
   </p:cSld>
   <p:clrMapOvr>
     <a:masterClrMapping/>
   </p:clrMapOvr>
+  <p:timing>
+    <p:tnLst>
+      <p:par>
+        <p:cTn id="1" dur="indefinite" restart="never" nodeType="tmRoot"/>
+      </p:par>
+    </p:tnLst>
+  </p:timing>
 </p:sld>
 </file>
 

--- a/Academic Work/presentations/prague/Evolve - Advanced.pptx
+++ b/Academic Work/presentations/prague/Evolve - Advanced.pptx
@@ -1119,6 +1119,13 @@
         </dgm:presLayoutVars>
       </dgm:prSet>
       <dgm:spPr/>
+      <dgm:t>
+        <a:bodyPr/>
+        <a:lstStyle/>
+        <a:p>
+          <a:endParaRPr lang="en-GB"/>
+        </a:p>
+      </dgm:t>
     </dgm:pt>
     <dgm:pt modelId="{0E110773-D04A-4CAE-93C0-1D8F4573F109}" type="pres">
       <dgm:prSet presAssocID="{5168E9A8-A195-4C76-B015-F3431E1743B8}" presName="hierRoot1" presStyleCnt="0"/>
@@ -1154,6 +1161,13 @@
     <dgm:pt modelId="{32EED4AC-2572-49B7-A5E6-F60C8E0F41DA}" type="pres">
       <dgm:prSet presAssocID="{FF987B65-30DF-4311-9AB1-B7C3460CD950}" presName="Name10" presStyleLbl="parChTrans1D2" presStyleIdx="0" presStyleCnt="3"/>
       <dgm:spPr/>
+      <dgm:t>
+        <a:bodyPr/>
+        <a:lstStyle/>
+        <a:p>
+          <a:endParaRPr lang="en-GB"/>
+        </a:p>
+      </dgm:t>
     </dgm:pt>
     <dgm:pt modelId="{C11E4298-BDDA-4405-84E5-6D1697846265}" type="pres">
       <dgm:prSet presAssocID="{90BD477A-F3D2-48FB-8568-C0E74D0CB107}" presName="hierRoot2" presStyleCnt="0"/>
@@ -1189,6 +1203,13 @@
     <dgm:pt modelId="{E713E1F6-359C-4139-93E7-78C5DE0FBF10}" type="pres">
       <dgm:prSet presAssocID="{B2C81D0C-CF25-44FE-BE6F-97865317D0C1}" presName="Name10" presStyleLbl="parChTrans1D2" presStyleIdx="1" presStyleCnt="3"/>
       <dgm:spPr/>
+      <dgm:t>
+        <a:bodyPr/>
+        <a:lstStyle/>
+        <a:p>
+          <a:endParaRPr lang="en-GB"/>
+        </a:p>
+      </dgm:t>
     </dgm:pt>
     <dgm:pt modelId="{B5D1AD24-3F63-4841-B782-87C107C11109}" type="pres">
       <dgm:prSet presAssocID="{D1AEB541-3FAB-482A-A11F-E12439F0D395}" presName="hierRoot2" presStyleCnt="0"/>
@@ -1209,6 +1230,13 @@
         </dgm:presLayoutVars>
       </dgm:prSet>
       <dgm:spPr/>
+      <dgm:t>
+        <a:bodyPr/>
+        <a:lstStyle/>
+        <a:p>
+          <a:endParaRPr lang="en-GB"/>
+        </a:p>
+      </dgm:t>
     </dgm:pt>
     <dgm:pt modelId="{1898BC07-DBF5-42B5-B5DF-4E68CEC74F42}" type="pres">
       <dgm:prSet presAssocID="{D1AEB541-3FAB-482A-A11F-E12439F0D395}" presName="hierChild3" presStyleCnt="0"/>
@@ -1217,6 +1245,13 @@
     <dgm:pt modelId="{D8ABBB7D-A378-4E12-AEF0-D8368416D56B}" type="pres">
       <dgm:prSet presAssocID="{3286C7EE-EE19-4F76-8550-6C1D9933B3C8}" presName="Name10" presStyleLbl="parChTrans1D2" presStyleIdx="2" presStyleCnt="3"/>
       <dgm:spPr/>
+      <dgm:t>
+        <a:bodyPr/>
+        <a:lstStyle/>
+        <a:p>
+          <a:endParaRPr lang="en-GB"/>
+        </a:p>
+      </dgm:t>
     </dgm:pt>
     <dgm:pt modelId="{87AD439C-52B2-4792-BA05-BCE8011AF97E}" type="pres">
       <dgm:prSet presAssocID="{18AA767B-8F13-44D0-A5B7-B66587ED9509}" presName="hierRoot2" presStyleCnt="0"/>
@@ -1237,6 +1272,13 @@
         </dgm:presLayoutVars>
       </dgm:prSet>
       <dgm:spPr/>
+      <dgm:t>
+        <a:bodyPr/>
+        <a:lstStyle/>
+        <a:p>
+          <a:endParaRPr lang="en-GB"/>
+        </a:p>
+      </dgm:t>
     </dgm:pt>
     <dgm:pt modelId="{E0BAD5A8-E4BE-4F5D-BF05-6234B277C487}" type="pres">
       <dgm:prSet presAssocID="{18AA767B-8F13-44D0-A5B7-B66587ED9509}" presName="hierChild3" presStyleCnt="0"/>
@@ -1245,6 +1287,13 @@
     <dgm:pt modelId="{5F066E9E-C70C-4E62-A312-B5175E72F5A8}" type="pres">
       <dgm:prSet presAssocID="{2CC5732E-74DA-4DF2-ACFD-6025D06A4FFE}" presName="Name17" presStyleLbl="parChTrans1D3" presStyleIdx="0" presStyleCnt="2"/>
       <dgm:spPr/>
+      <dgm:t>
+        <a:bodyPr/>
+        <a:lstStyle/>
+        <a:p>
+          <a:endParaRPr lang="en-GB"/>
+        </a:p>
+      </dgm:t>
     </dgm:pt>
     <dgm:pt modelId="{BF4A9CC0-A520-451E-80CA-A55286AD7D5A}" type="pres">
       <dgm:prSet presAssocID="{E0268EA0-469D-4359-9C06-7817EBC37373}" presName="hierRoot3" presStyleCnt="0"/>
@@ -1265,6 +1314,13 @@
         </dgm:presLayoutVars>
       </dgm:prSet>
       <dgm:spPr/>
+      <dgm:t>
+        <a:bodyPr/>
+        <a:lstStyle/>
+        <a:p>
+          <a:endParaRPr lang="en-GB"/>
+        </a:p>
+      </dgm:t>
     </dgm:pt>
     <dgm:pt modelId="{01DC3A08-FC88-4342-B611-E51D54ABD4DB}" type="pres">
       <dgm:prSet presAssocID="{E0268EA0-469D-4359-9C06-7817EBC37373}" presName="hierChild4" presStyleCnt="0"/>
@@ -1273,6 +1329,13 @@
     <dgm:pt modelId="{7F8508EB-5D69-4D41-86D3-5BF950A2011F}" type="pres">
       <dgm:prSet presAssocID="{3A44D7EB-8233-4838-851F-F5823DFA55C5}" presName="Name17" presStyleLbl="parChTrans1D3" presStyleIdx="1" presStyleCnt="2"/>
       <dgm:spPr/>
+      <dgm:t>
+        <a:bodyPr/>
+        <a:lstStyle/>
+        <a:p>
+          <a:endParaRPr lang="en-GB"/>
+        </a:p>
+      </dgm:t>
     </dgm:pt>
     <dgm:pt modelId="{005C105F-F70E-4B12-A6F7-072C369815EF}" type="pres">
       <dgm:prSet presAssocID="{C0A597CB-F0C7-4F18-8A30-8FC905DE53CF}" presName="hierRoot3" presStyleCnt="0"/>
@@ -1293,6 +1356,13 @@
         </dgm:presLayoutVars>
       </dgm:prSet>
       <dgm:spPr/>
+      <dgm:t>
+        <a:bodyPr/>
+        <a:lstStyle/>
+        <a:p>
+          <a:endParaRPr lang="en-GB"/>
+        </a:p>
+      </dgm:t>
     </dgm:pt>
     <dgm:pt modelId="{6C072417-1294-45B8-AB6A-06473CF06A36}" type="pres">
       <dgm:prSet presAssocID="{C0A597CB-F0C7-4F18-8A30-8FC905DE53CF}" presName="hierChild4" presStyleCnt="0"/>
@@ -1312,8 +1382,8 @@
     <dgm:cxn modelId="{5003335B-661D-4048-AB79-4D65A866CB5A}" type="presOf" srcId="{FF987B65-30DF-4311-9AB1-B7C3460CD950}" destId="{32EED4AC-2572-49B7-A5E6-F60C8E0F41DA}" srcOrd="0" destOrd="0" presId="urn:microsoft.com/office/officeart/2005/8/layout/hierarchy1"/>
     <dgm:cxn modelId="{32DABAEC-BD83-4321-93FA-4492A63D3EB3}" type="presOf" srcId="{E0268EA0-469D-4359-9C06-7817EBC37373}" destId="{9C85BF28-C368-4982-9C48-6F4EEE3A77A4}" srcOrd="0" destOrd="0" presId="urn:microsoft.com/office/officeart/2005/8/layout/hierarchy1"/>
     <dgm:cxn modelId="{B231D615-253B-4C44-99E9-BE2281143268}" type="presOf" srcId="{3A44D7EB-8233-4838-851F-F5823DFA55C5}" destId="{7F8508EB-5D69-4D41-86D3-5BF950A2011F}" srcOrd="0" destOrd="0" presId="urn:microsoft.com/office/officeart/2005/8/layout/hierarchy1"/>
+    <dgm:cxn modelId="{635B37C7-F1F2-4F91-A9D8-750B8BAC1B22}" type="presOf" srcId="{C0A597CB-F0C7-4F18-8A30-8FC905DE53CF}" destId="{EC90F048-BC12-4DE9-9945-8C4CD46BE5FC}" srcOrd="0" destOrd="0" presId="urn:microsoft.com/office/officeart/2005/8/layout/hierarchy1"/>
     <dgm:cxn modelId="{4E06053E-62A1-4E7F-90C2-A3E56A536E71}" type="presOf" srcId="{2CC5732E-74DA-4DF2-ACFD-6025D06A4FFE}" destId="{5F066E9E-C70C-4E62-A312-B5175E72F5A8}" srcOrd="0" destOrd="0" presId="urn:microsoft.com/office/officeart/2005/8/layout/hierarchy1"/>
-    <dgm:cxn modelId="{635B37C7-F1F2-4F91-A9D8-750B8BAC1B22}" type="presOf" srcId="{C0A597CB-F0C7-4F18-8A30-8FC905DE53CF}" destId="{EC90F048-BC12-4DE9-9945-8C4CD46BE5FC}" srcOrd="0" destOrd="0" presId="urn:microsoft.com/office/officeart/2005/8/layout/hierarchy1"/>
     <dgm:cxn modelId="{1BFD953B-4158-4C8C-8C17-B5061ED794DD}" type="presOf" srcId="{90BD477A-F3D2-48FB-8568-C0E74D0CB107}" destId="{9432434E-B235-4797-99D3-187C044AB0C7}" srcOrd="0" destOrd="0" presId="urn:microsoft.com/office/officeart/2005/8/layout/hierarchy1"/>
     <dgm:cxn modelId="{FA9243E9-9D24-4126-BCD8-757919FADFA2}" srcId="{18AA767B-8F13-44D0-A5B7-B66587ED9509}" destId="{C0A597CB-F0C7-4F18-8A30-8FC905DE53CF}" srcOrd="1" destOrd="0" parTransId="{3A44D7EB-8233-4838-851F-F5823DFA55C5}" sibTransId="{DCB1FED4-3A57-4E7F-A9C9-173595ADB782}"/>
     <dgm:cxn modelId="{498AECEA-75E6-454F-931A-33CE95C703BD}" srcId="{5168E9A8-A195-4C76-B015-F3431E1743B8}" destId="{D1AEB541-3FAB-482A-A11F-E12439F0D395}" srcOrd="1" destOrd="0" parTransId="{B2C81D0C-CF25-44FE-BE6F-97865317D0C1}" sibTransId="{F4B067D1-C215-403A-8CAF-51C55EA1F17C}"/>
@@ -4317,7 +4387,7 @@
             <a:fld id="{CC899B31-23B7-41FA-A7A8-47EAF8E80A0A}" type="datetimeFigureOut">
               <a:rPr lang="en-US" smtClean="0"/>
               <a:pPr/>
-              <a:t>2/3/2011</a:t>
+              <a:t>2/8/2011</a:t>
             </a:fld>
             <a:endParaRPr lang="en-GB"/>
           </a:p>
@@ -4868,7 +4938,6 @@
               <a:rPr lang="en-GB" dirty="0" smtClean="0"/>
               <a:t>Full undo/redo</a:t>
             </a:r>
-            <a:endParaRPr lang="en-GB" dirty="0" smtClean="0"/>
           </a:p>
           <a:p>
             <a:endParaRPr lang="en-GB" dirty="0" smtClean="0"/>
@@ -5603,7 +5672,12 @@
             <p:ph type="sldImg"/>
           </p:nvPr>
         </p:nvSpPr>
-        <p:spPr/>
+        <p:spPr>
+          <a:xfrm>
+            <a:off x="1714500" y="142875"/>
+            <a:ext cx="5715000" cy="4286250"/>
+          </a:xfrm>
+        </p:spPr>
       </p:sp>
       <p:sp>
         <p:nvSpPr>
@@ -5624,7 +5698,15 @@
           <a:p>
             <a:r>
               <a:rPr lang="en-GB" dirty="0" smtClean="0"/>
-              <a:t>Protocols describe behaviour, provide a bound</a:t>
+              <a:t>Protocols describe behaviour, provide </a:t>
+            </a:r>
+            <a:r>
+              <a:rPr lang="en-GB" dirty="0" smtClean="0"/>
+              <a:t>an upper </a:t>
+            </a:r>
+            <a:r>
+              <a:rPr lang="en-GB" dirty="0" smtClean="0"/>
+              <a:t>bound</a:t>
             </a:r>
           </a:p>
           <a:p>
@@ -5950,11 +6032,7 @@
             </a:r>
             <a:r>
               <a:rPr lang="en-GB" baseline="0" dirty="0" smtClean="0"/>
-              <a:t> </a:t>
-            </a:r>
-            <a:r>
-              <a:rPr lang="en-GB" baseline="0" dirty="0" smtClean="0"/>
-              <a:t>age</a:t>
+              <a:t> age</a:t>
             </a:r>
           </a:p>
           <a:p>
@@ -5988,6 +6066,136 @@
               <a:rPr lang="en-GB" smtClean="0"/>
               <a:pPr/>
               <a:t>25</a:t>
+            </a:fld>
+            <a:endParaRPr lang="en-GB"/>
+          </a:p>
+        </p:txBody>
+      </p:sp>
+    </p:spTree>
+  </p:cSld>
+  <p:clrMapOvr>
+    <a:masterClrMapping/>
+  </p:clrMapOvr>
+</p:notes>
+</file>
+
+<file path=ppt/notesSlides/notesSlide21.xml><?xml version="1.0" encoding="utf-8"?>
+<p:notes xmlns:a="http://schemas.openxmlformats.org/drawingml/2006/main" xmlns:r="http://schemas.openxmlformats.org/officeDocument/2006/relationships" xmlns:p="http://schemas.openxmlformats.org/presentationml/2006/main">
+  <p:cSld>
+    <p:spTree>
+      <p:nvGrpSpPr>
+        <p:cNvPr id="1" name=""/>
+        <p:cNvGrpSpPr/>
+        <p:nvPr/>
+      </p:nvGrpSpPr>
+      <p:grpSpPr>
+        <a:xfrm>
+          <a:off x="0" y="0"/>
+          <a:ext cx="0" cy="0"/>
+          <a:chOff x="0" y="0"/>
+          <a:chExt cx="0" cy="0"/>
+        </a:xfrm>
+      </p:grpSpPr>
+      <p:sp>
+        <p:nvSpPr>
+          <p:cNvPr id="2" name="Slide Image Placeholder 1"/>
+          <p:cNvSpPr>
+            <a:spLocks noGrp="1" noRot="1" noChangeAspect="1"/>
+          </p:cNvSpPr>
+          <p:nvPr>
+            <p:ph type="sldImg"/>
+          </p:nvPr>
+        </p:nvSpPr>
+        <p:spPr>
+          <a:xfrm>
+            <a:off x="1714500" y="142875"/>
+            <a:ext cx="5715000" cy="4286250"/>
+          </a:xfrm>
+        </p:spPr>
+      </p:sp>
+      <p:sp>
+        <p:nvSpPr>
+          <p:cNvPr id="3" name="Notes Placeholder 2"/>
+          <p:cNvSpPr>
+            <a:spLocks noGrp="1"/>
+          </p:cNvSpPr>
+          <p:nvPr>
+            <p:ph type="body" idx="1"/>
+          </p:nvPr>
+        </p:nvSpPr>
+        <p:spPr/>
+        <p:txBody>
+          <a:bodyPr>
+            <a:normAutofit/>
+          </a:bodyPr>
+          <a:lstStyle/>
+          <a:p>
+            <a:r>
+              <a:rPr lang="en-GB" baseline="0" dirty="0" smtClean="0"/>
+              <a:t>+ user perspective: have a </a:t>
+            </a:r>
+            <a:r>
+              <a:rPr lang="en-GB" baseline="0" dirty="0" err="1" smtClean="0"/>
+              <a:t>gui</a:t>
+            </a:r>
+            <a:r>
+              <a:rPr lang="en-GB" baseline="0" dirty="0" smtClean="0"/>
+              <a:t> to download new extensions</a:t>
+            </a:r>
+          </a:p>
+          <a:p>
+            <a:r>
+              <a:rPr lang="en-GB" baseline="0" dirty="0" smtClean="0"/>
+              <a:t>+ developer perspective: have full evolve </a:t>
+            </a:r>
+            <a:r>
+              <a:rPr lang="en-GB" baseline="0" dirty="0" err="1" smtClean="0"/>
+              <a:t>modeling</a:t>
+            </a:r>
+            <a:r>
+              <a:rPr lang="en-GB" baseline="0" dirty="0" smtClean="0"/>
+              <a:t> environment to check/make new extensions</a:t>
+            </a:r>
+          </a:p>
+          <a:p>
+            <a:r>
+              <a:rPr lang="en-GB" baseline="0" dirty="0" smtClean="0"/>
+              <a:t>	-- a bit like eclipse </a:t>
+            </a:r>
+            <a:r>
+              <a:rPr lang="en-GB" baseline="0" dirty="0" err="1" smtClean="0"/>
+              <a:t>rcp</a:t>
+            </a:r>
+            <a:endParaRPr lang="en-GB" baseline="0" dirty="0" smtClean="0"/>
+          </a:p>
+          <a:p>
+            <a:r>
+              <a:rPr lang="en-GB" baseline="0" dirty="0" smtClean="0"/>
+              <a:t>+ licensing features</a:t>
+            </a:r>
+            <a:endParaRPr lang="en-GB" dirty="0"/>
+          </a:p>
+        </p:txBody>
+      </p:sp>
+      <p:sp>
+        <p:nvSpPr>
+          <p:cNvPr id="4" name="Slide Number Placeholder 3"/>
+          <p:cNvSpPr>
+            <a:spLocks noGrp="1"/>
+          </p:cNvSpPr>
+          <p:nvPr>
+            <p:ph type="sldNum" sz="quarter" idx="10"/>
+          </p:nvPr>
+        </p:nvSpPr>
+        <p:spPr/>
+        <p:txBody>
+          <a:bodyPr/>
+          <a:lstStyle/>
+          <a:p>
+            <a:fld id="{091399BD-5632-4612-98AC-0049671A5341}" type="slidenum">
+              <a:rPr lang="en-GB" smtClean="0"/>
+              <a:pPr/>
+              <a:t>26</a:t>
             </a:fld>
             <a:endParaRPr lang="en-GB"/>
           </a:p>
@@ -6796,11 +7004,7 @@
           <a:p>
             <a:r>
               <a:rPr lang="en-GB" dirty="0" smtClean="0"/>
-              <a:t>Context </a:t>
-            </a:r>
-            <a:r>
-              <a:rPr lang="en-GB" dirty="0" smtClean="0"/>
-              <a:t>is much</a:t>
+              <a:t>Context is much</a:t>
             </a:r>
             <a:r>
               <a:rPr lang="en-GB" baseline="0" dirty="0" smtClean="0"/>
@@ -6810,11 +7014,7 @@
           <a:p>
             <a:r>
               <a:rPr lang="en-GB" baseline="0" dirty="0" smtClean="0"/>
-              <a:t>Point out explicit </a:t>
-            </a:r>
-            <a:r>
-              <a:rPr lang="en-GB" baseline="0" dirty="0" smtClean="0"/>
-              <a:t>transitions</a:t>
+              <a:t>Point out explicit transitions</a:t>
             </a:r>
           </a:p>
           <a:p>
@@ -7213,7 +7413,7 @@
             <a:fld id="{80205730-B28B-4293-938B-A508842901A8}" type="datetimeFigureOut">
               <a:rPr lang="en-US" smtClean="0"/>
               <a:pPr/>
-              <a:t>2/3/2011</a:t>
+              <a:t>2/8/2011</a:t>
             </a:fld>
             <a:endParaRPr lang="en-GB"/>
           </a:p>
@@ -7398,7 +7598,7 @@
             <a:fld id="{80205730-B28B-4293-938B-A508842901A8}" type="datetimeFigureOut">
               <a:rPr lang="en-US" smtClean="0"/>
               <a:pPr/>
-              <a:t>2/3/2011</a:t>
+              <a:t>2/8/2011</a:t>
             </a:fld>
             <a:endParaRPr lang="en-GB"/>
           </a:p>
@@ -7795,7 +7995,7 @@
             <a:fld id="{80205730-B28B-4293-938B-A508842901A8}" type="datetimeFigureOut">
               <a:rPr lang="en-US" smtClean="0"/>
               <a:pPr/>
-              <a:t>2/3/2011</a:t>
+              <a:t>2/8/2011</a:t>
             </a:fld>
             <a:endParaRPr lang="en-GB"/>
           </a:p>
@@ -8069,7 +8269,7 @@
             <a:fld id="{80205730-B28B-4293-938B-A508842901A8}" type="datetimeFigureOut">
               <a:rPr lang="en-US" smtClean="0"/>
               <a:pPr/>
-              <a:t>2/3/2011</a:t>
+              <a:t>2/8/2011</a:t>
             </a:fld>
             <a:endParaRPr lang="en-GB"/>
           </a:p>
@@ -8457,7 +8657,7 @@
             <a:fld id="{80205730-B28B-4293-938B-A508842901A8}" type="datetimeFigureOut">
               <a:rPr lang="en-US" smtClean="0"/>
               <a:pPr/>
-              <a:t>2/3/2011</a:t>
+              <a:t>2/8/2011</a:t>
             </a:fld>
             <a:endParaRPr lang="en-GB"/>
           </a:p>
@@ -8617,7 +8817,7 @@
             <a:fld id="{80205730-B28B-4293-938B-A508842901A8}" type="datetimeFigureOut">
               <a:rPr lang="en-US" smtClean="0"/>
               <a:pPr/>
-              <a:t>2/3/2011</a:t>
+              <a:t>2/8/2011</a:t>
             </a:fld>
             <a:endParaRPr lang="en-GB"/>
           </a:p>
@@ -8717,7 +8917,7 @@
             <a:fld id="{80205730-B28B-4293-938B-A508842901A8}" type="datetimeFigureOut">
               <a:rPr lang="en-US" smtClean="0"/>
               <a:pPr/>
-              <a:t>2/3/2011</a:t>
+              <a:t>2/8/2011</a:t>
             </a:fld>
             <a:endParaRPr lang="en-GB"/>
           </a:p>
@@ -8988,7 +9188,7 @@
             <a:fld id="{80205730-B28B-4293-938B-A508842901A8}" type="datetimeFigureOut">
               <a:rPr lang="en-US" smtClean="0"/>
               <a:pPr/>
-              <a:t>2/3/2011</a:t>
+              <a:t>2/8/2011</a:t>
             </a:fld>
             <a:endParaRPr lang="en-GB"/>
           </a:p>
@@ -9286,7 +9486,7 @@
             <a:fld id="{80205730-B28B-4293-938B-A508842901A8}" type="datetimeFigureOut">
               <a:rPr lang="en-US" smtClean="0"/>
               <a:pPr/>
-              <a:t>2/3/2011</a:t>
+              <a:t>2/8/2011</a:t>
             </a:fld>
             <a:endParaRPr lang="en-GB"/>
           </a:p>
@@ -10466,8 +10666,8 @@
         </p:nvSpPr>
         <p:spPr>
           <a:xfrm>
-            <a:off x="214282" y="4929198"/>
-            <a:ext cx="2554610" cy="1200329"/>
+            <a:off x="214282" y="4786322"/>
+            <a:ext cx="2554610" cy="1477328"/>
           </a:xfrm>
           <a:prstGeom prst="rect">
             <a:avLst/>
@@ -10521,7 +10721,25 @@
                   <a:schemeClr val="bg1"/>
                 </a:solidFill>
               </a:rPr>
-              <a:t>Imperial College, London</a:t>
+              <a:t>Imperial College, </a:t>
+            </a:r>
+            <a:r>
+              <a:rPr lang="en-GB" b="1" dirty="0" smtClean="0">
+                <a:solidFill>
+                  <a:schemeClr val="bg1"/>
+                </a:solidFill>
+              </a:rPr>
+              <a:t>London</a:t>
+            </a:r>
+          </a:p>
+          <a:p>
+            <a:r>
+              <a:rPr lang="en-GB" b="1" dirty="0" smtClean="0">
+                <a:solidFill>
+                  <a:schemeClr val="bg1"/>
+                </a:solidFill>
+              </a:rPr>
+              <a:t>Feb 2010</a:t>
             </a:r>
             <a:endParaRPr lang="en-GB" b="1" dirty="0">
               <a:solidFill>
@@ -10615,19 +10833,11 @@
           <a:p>
             <a:r>
               <a:rPr lang="en-GB" dirty="0" smtClean="0"/>
-              <a:t>More </a:t>
-            </a:r>
-            <a:r>
-              <a:rPr lang="en-GB" dirty="0" smtClean="0"/>
-              <a:t>flexible &amp; general singleton approach [</a:t>
-            </a:r>
-            <a:r>
-              <a:rPr lang="en-GB" dirty="0" err="1" smtClean="0"/>
-              <a:t>Rumbaugh</a:t>
-            </a:r>
-            <a:r>
-              <a:rPr lang="en-GB" dirty="0" smtClean="0"/>
-              <a:t>]</a:t>
+              <a:t>More flexible &amp; general singleton approach [</a:t>
+            </a:r>
+            <a:r>
+              <a:rPr lang="en-GB" dirty="0" smtClean="0"/>
+              <a:t>Rum96]</a:t>
             </a:r>
             <a:endParaRPr lang="en-GB" dirty="0" smtClean="0"/>
           </a:p>
@@ -11067,8 +11277,13 @@
           <a:p>
             <a:r>
               <a:rPr lang="en-GB" dirty="0" smtClean="0"/>
-              <a:t>Components with lazily instantiated insides [DARWIN]</a:t>
-            </a:r>
+              <a:t>Components with lazily instantiated insides </a:t>
+            </a:r>
+            <a:r>
+              <a:rPr lang="en-GB" dirty="0" smtClean="0"/>
+              <a:t>[MDEK95]</a:t>
+            </a:r>
+            <a:endParaRPr lang="en-GB" dirty="0" smtClean="0"/>
           </a:p>
           <a:p>
             <a:pPr lvl="1"/>
@@ -11081,13 +11296,8 @@
             <a:pPr lvl="1"/>
             <a:r>
               <a:rPr lang="en-GB" dirty="0" smtClean="0"/>
-              <a:t>Can be nested </a:t>
-            </a:r>
-            <a:r>
-              <a:rPr lang="en-GB" dirty="0" smtClean="0"/>
-              <a:t>arbitrarily</a:t>
-            </a:r>
-            <a:endParaRPr lang="en-GB" dirty="0" smtClean="0"/>
+              <a:t>Can be nested arbitrarily</a:t>
+            </a:r>
           </a:p>
         </p:txBody>
       </p:sp>
@@ -11163,15 +11373,7 @@
           <a:p>
             <a:r>
               <a:rPr lang="en-GB" dirty="0" smtClean="0"/>
-              <a:t>Executable state </a:t>
-            </a:r>
-            <a:r>
-              <a:rPr lang="en-GB" dirty="0" smtClean="0"/>
-              <a:t>m</a:t>
-            </a:r>
-            <a:r>
-              <a:rPr lang="en-GB" dirty="0" smtClean="0"/>
-              <a:t>achines</a:t>
+              <a:t>Executable state machines</a:t>
             </a:r>
             <a:endParaRPr lang="en-GB" dirty="0"/>
           </a:p>
@@ -11201,13 +11403,8 @@
             <a:pPr lvl="1"/>
             <a:r>
               <a:rPr lang="en-GB" dirty="0" smtClean="0"/>
-              <a:t>Big </a:t>
-            </a:r>
-            <a:r>
-              <a:rPr lang="en-GB" dirty="0" smtClean="0"/>
-              <a:t>switch component</a:t>
-            </a:r>
-            <a:endParaRPr lang="en-GB" dirty="0" smtClean="0"/>
+              <a:t>Big switch component</a:t>
+            </a:r>
           </a:p>
           <a:p>
             <a:pPr lvl="1"/>
@@ -11312,15 +11509,7 @@
           <a:p>
             <a:r>
               <a:rPr lang="en-GB" dirty="0" smtClean="0"/>
-              <a:t>Executable s</a:t>
-            </a:r>
-            <a:r>
-              <a:rPr lang="en-GB" dirty="0" smtClean="0"/>
-              <a:t>tate </a:t>
-            </a:r>
-            <a:r>
-              <a:rPr lang="en-GB" dirty="0" smtClean="0"/>
-              <a:t>machines (2)</a:t>
+              <a:t>Executable state machines (2)</a:t>
             </a:r>
             <a:endParaRPr lang="en-GB" dirty="0"/>
           </a:p>
@@ -11398,11 +11587,7 @@
           <a:p>
             <a:r>
               <a:rPr lang="en-GB" dirty="0" smtClean="0"/>
-              <a:t>The Evolve </a:t>
-            </a:r>
-            <a:r>
-              <a:rPr lang="en-GB" dirty="0" smtClean="0"/>
-              <a:t>Toolset</a:t>
+              <a:t>The Evolve Toolset</a:t>
             </a:r>
             <a:endParaRPr lang="en-GB" dirty="0"/>
           </a:p>
@@ -11434,7 +11619,6 @@
               <a:rPr lang="en-GB" dirty="0" smtClean="0"/>
               <a:t>(+ current focus on Java)</a:t>
             </a:r>
-            <a:endParaRPr lang="en-GB" dirty="0" smtClean="0"/>
           </a:p>
           <a:p>
             <a:endParaRPr lang="en-GB" dirty="0" smtClean="0"/>
@@ -12699,11 +12883,7 @@
           <a:p>
             <a:r>
               <a:rPr lang="en-GB" sz="2400" dirty="0" smtClean="0"/>
-              <a:t>r</a:t>
-            </a:r>
-            <a:r>
-              <a:rPr lang="en-GB" sz="2400" dirty="0" smtClean="0"/>
-              <a:t>un in BB interpreter...</a:t>
+              <a:t>run in BB interpreter...</a:t>
             </a:r>
             <a:endParaRPr lang="en-GB" sz="2400" dirty="0"/>
           </a:p>
@@ -12833,11 +13013,7 @@
             </a:r>
             <a:r>
               <a:rPr lang="en-GB" dirty="0" smtClean="0"/>
-              <a:t>, </a:t>
-            </a:r>
-            <a:r>
-              <a:rPr lang="en-GB" dirty="0" smtClean="0"/>
-              <a:t>factories, state machines</a:t>
+              <a:t>, factories, state machines</a:t>
             </a:r>
           </a:p>
           <a:p>
@@ -12954,6 +13130,10 @@
             <a:r>
               <a:rPr lang="en-GB" dirty="0" err="1" smtClean="0"/>
               <a:t>metamodel</a:t>
+            </a:r>
+            <a:r>
+              <a:rPr lang="en-GB" dirty="0" smtClean="0"/>
+              <a:t> </a:t>
             </a:r>
             <a:endParaRPr lang="en-GB" dirty="0" smtClean="0"/>
           </a:p>
@@ -13073,15 +13253,7 @@
           <a:p>
             <a:r>
               <a:rPr lang="en-GB" dirty="0" smtClean="0"/>
-              <a:t>Future </a:t>
-            </a:r>
-            <a:r>
-              <a:rPr lang="en-GB" dirty="0" smtClean="0"/>
-              <a:t>Work on Evolve</a:t>
-            </a:r>
-            <a:r>
-              <a:rPr lang="en-GB" dirty="0" smtClean="0"/>
-              <a:t/>
+              <a:t>Future Work on Evolve</a:t>
             </a:r>
             <a:br>
               <a:rPr lang="en-GB" dirty="0" smtClean="0"/>
@@ -13112,11 +13284,7 @@
           <a:p>
             <a:r>
               <a:rPr lang="en-GB" dirty="0" smtClean="0"/>
-              <a:t>Capabilities </a:t>
-            </a:r>
-            <a:r>
-              <a:rPr lang="en-GB" dirty="0" smtClean="0"/>
-              <a:t>and challenges</a:t>
+              <a:t>Capabilities and challenges</a:t>
             </a:r>
             <a:endParaRPr lang="en-GB" dirty="0"/>
           </a:p>
@@ -13308,11 +13476,7 @@
           <a:p>
             <a:r>
               <a:rPr lang="en-GB" dirty="0" smtClean="0"/>
-              <a:t>Extensible </a:t>
-            </a:r>
-            <a:r>
-              <a:rPr lang="en-GB" dirty="0" smtClean="0"/>
-              <a:t>protocols &amp; goals</a:t>
+              <a:t>Extensible protocols &amp; goals</a:t>
             </a:r>
             <a:endParaRPr lang="en-GB" dirty="0"/>
           </a:p>
@@ -13335,30 +13499,27 @@
           <a:p>
             <a:r>
               <a:rPr lang="en-GB" dirty="0" smtClean="0"/>
-              <a:t>Protocols based on </a:t>
-            </a:r>
-            <a:r>
-              <a:rPr lang="en-GB" dirty="0" smtClean="0"/>
-              <a:t>[</a:t>
+              <a:t>Based </a:t>
+            </a:r>
+            <a:r>
+              <a:rPr lang="en-GB" dirty="0" smtClean="0"/>
+              <a:t>on </a:t>
             </a:r>
             <a:r>
               <a:rPr lang="en-GB" dirty="0" err="1" smtClean="0"/>
-              <a:t>plasil</a:t>
-            </a:r>
-            <a:r>
-              <a:rPr lang="en-GB" dirty="0" smtClean="0"/>
-              <a:t>]</a:t>
-            </a:r>
+              <a:t>behavior</a:t>
+            </a:r>
+            <a:r>
+              <a:rPr lang="en-GB" dirty="0" smtClean="0"/>
+              <a:t> protocols for components [PV02]</a:t>
+            </a:r>
+            <a:endParaRPr lang="en-GB" dirty="0" smtClean="0"/>
           </a:p>
           <a:p>
             <a:pPr lvl="1"/>
             <a:r>
               <a:rPr lang="en-GB" dirty="0" smtClean="0"/>
-              <a:t>Aim: allow extension to enforce semantic </a:t>
-            </a:r>
-            <a:r>
-              <a:rPr lang="en-GB" dirty="0" smtClean="0"/>
-              <a:t>guarantees</a:t>
+              <a:t>Aim: allow extension to enforce semantic guarantees</a:t>
             </a:r>
           </a:p>
           <a:p>
@@ -13374,11 +13535,15 @@
             <a:pPr lvl="1"/>
             <a:r>
               <a:rPr lang="en-GB" dirty="0" smtClean="0"/>
-              <a:t>Currently convert to state </a:t>
-            </a:r>
-            <a:r>
-              <a:rPr lang="en-GB" dirty="0" smtClean="0"/>
-              <a:t>transition </a:t>
+              <a:t>Currently convert to </a:t>
+            </a:r>
+            <a:r>
+              <a:rPr lang="en-GB" dirty="0" err="1" smtClean="0"/>
+              <a:t>labeled</a:t>
+            </a:r>
+            <a:r>
+              <a:rPr lang="en-GB" dirty="0" smtClean="0"/>
+              <a:t> transition </a:t>
             </a:r>
             <a:r>
               <a:rPr lang="en-GB" dirty="0" smtClean="0"/>
@@ -13389,7 +13554,11 @@
             <a:pPr lvl="1"/>
             <a:r>
               <a:rPr lang="en-GB" dirty="0" smtClean="0"/>
-              <a:t>Analyse via LTSA [LTSA]</a:t>
+              <a:t>Analyse via </a:t>
+            </a:r>
+            <a:r>
+              <a:rPr lang="en-GB" dirty="0" smtClean="0"/>
+              <a:t>LTSA [MK06]</a:t>
             </a:r>
             <a:endParaRPr lang="en-GB" dirty="0" smtClean="0"/>
           </a:p>
@@ -13397,15 +13566,7 @@
             <a:pPr lvl="1"/>
             <a:r>
               <a:rPr lang="en-GB" dirty="0" smtClean="0"/>
-              <a:t>Find a </a:t>
-            </a:r>
-            <a:r>
-              <a:rPr lang="en-GB" dirty="0" smtClean="0"/>
-              <a:t>way to allow extension to </a:t>
-            </a:r>
-            <a:r>
-              <a:rPr lang="en-GB" dirty="0" smtClean="0"/>
-              <a:t>“extend”</a:t>
+              <a:t>Find a way to allow extension to “extend”</a:t>
             </a:r>
           </a:p>
           <a:p>
@@ -13414,7 +13575,6 @@
               <a:rPr lang="en-GB" dirty="0" smtClean="0"/>
               <a:t>Automatically assemble sequence diagram of composites</a:t>
             </a:r>
-            <a:endParaRPr lang="en-GB" dirty="0" smtClean="0"/>
           </a:p>
           <a:p>
             <a:pPr lvl="1"/>
@@ -13589,13 +13749,8 @@
           <a:p>
             <a:r>
               <a:rPr lang="en-GB" dirty="0" smtClean="0"/>
-              <a:t>Reverse </a:t>
-            </a:r>
-            <a:r>
-              <a:rPr lang="en-GB" dirty="0" smtClean="0"/>
-              <a:t>dependencies</a:t>
-            </a:r>
-            <a:endParaRPr lang="en-GB" dirty="0" smtClean="0"/>
+              <a:t>Reverse dependencies</a:t>
+            </a:r>
           </a:p>
           <a:p>
             <a:pPr lvl="1"/>
@@ -13698,7 +13853,11 @@
             </a:r>
             <a:r>
               <a:rPr lang="en-GB" dirty="0" smtClean="0"/>
-              <a:t> approach</a:t>
+              <a:t> </a:t>
+            </a:r>
+            <a:r>
+              <a:rPr lang="en-GB" dirty="0" smtClean="0"/>
+              <a:t>architecture</a:t>
             </a:r>
             <a:endParaRPr lang="en-GB" dirty="0"/>
           </a:p>
@@ -13719,7 +13878,342 @@
           <a:bodyPr/>
           <a:lstStyle/>
           <a:p>
+            <a:r>
+              <a:rPr lang="en-GB" dirty="0" smtClean="0"/>
+              <a:t>Best of both worlds...</a:t>
+            </a:r>
+            <a:endParaRPr lang="en-GB" dirty="0"/>
+          </a:p>
+        </p:txBody>
+      </p:sp>
+      <p:sp>
+        <p:nvSpPr>
+          <p:cNvPr id="4" name="Smiley Face 3"/>
+          <p:cNvSpPr/>
+          <p:nvPr/>
+        </p:nvSpPr>
+        <p:spPr>
+          <a:xfrm>
+            <a:off x="1214414" y="2928934"/>
+            <a:ext cx="857256" cy="857256"/>
+          </a:xfrm>
+          <a:prstGeom prst="smileyFace">
+            <a:avLst/>
+          </a:prstGeom>
+          <a:noFill/>
+        </p:spPr>
+        <p:style>
+          <a:lnRef idx="2">
+            <a:schemeClr val="accent1">
+              <a:shade val="50000"/>
+            </a:schemeClr>
+          </a:lnRef>
+          <a:fillRef idx="1">
+            <a:schemeClr val="accent1"/>
+          </a:fillRef>
+          <a:effectRef idx="0">
+            <a:schemeClr val="accent1"/>
+          </a:effectRef>
+          <a:fontRef idx="minor">
+            <a:schemeClr val="lt1"/>
+          </a:fontRef>
+        </p:style>
+        <p:txBody>
+          <a:bodyPr rtlCol="0" anchor="ctr"/>
+          <a:lstStyle/>
+          <a:p>
+            <a:pPr algn="ctr"/>
             <a:endParaRPr lang="en-GB"/>
+          </a:p>
+        </p:txBody>
+      </p:sp>
+      <p:sp>
+        <p:nvSpPr>
+          <p:cNvPr id="5" name="Flowchart: Multidocument 4"/>
+          <p:cNvSpPr/>
+          <p:nvPr/>
+        </p:nvSpPr>
+        <p:spPr>
+          <a:xfrm>
+            <a:off x="3643306" y="2857496"/>
+            <a:ext cx="1571636" cy="1285884"/>
+          </a:xfrm>
+          <a:prstGeom prst="flowChartMultidocument">
+            <a:avLst/>
+          </a:prstGeom>
+        </p:spPr>
+        <p:style>
+          <a:lnRef idx="2">
+            <a:schemeClr val="accent1">
+              <a:shade val="50000"/>
+            </a:schemeClr>
+          </a:lnRef>
+          <a:fillRef idx="1">
+            <a:schemeClr val="accent1"/>
+          </a:fillRef>
+          <a:effectRef idx="0">
+            <a:schemeClr val="accent1"/>
+          </a:effectRef>
+          <a:fontRef idx="minor">
+            <a:schemeClr val="lt1"/>
+          </a:fontRef>
+        </p:style>
+        <p:txBody>
+          <a:bodyPr rtlCol="0" anchor="ctr"/>
+          <a:lstStyle/>
+          <a:p>
+            <a:pPr algn="ctr"/>
+            <a:r>
+              <a:rPr lang="en-GB" dirty="0" smtClean="0"/>
+              <a:t>application</a:t>
+            </a:r>
+            <a:endParaRPr lang="en-GB" dirty="0"/>
+          </a:p>
+        </p:txBody>
+      </p:sp>
+      <p:sp>
+        <p:nvSpPr>
+          <p:cNvPr id="7" name="Smiley Face 6"/>
+          <p:cNvSpPr/>
+          <p:nvPr/>
+        </p:nvSpPr>
+        <p:spPr>
+          <a:xfrm>
+            <a:off x="6715140" y="3000372"/>
+            <a:ext cx="857256" cy="857256"/>
+          </a:xfrm>
+          <a:prstGeom prst="smileyFace">
+            <a:avLst/>
+          </a:prstGeom>
+          <a:noFill/>
+        </p:spPr>
+        <p:style>
+          <a:lnRef idx="2">
+            <a:schemeClr val="accent1">
+              <a:shade val="50000"/>
+            </a:schemeClr>
+          </a:lnRef>
+          <a:fillRef idx="1">
+            <a:schemeClr val="accent1"/>
+          </a:fillRef>
+          <a:effectRef idx="0">
+            <a:schemeClr val="accent1"/>
+          </a:effectRef>
+          <a:fontRef idx="minor">
+            <a:schemeClr val="lt1"/>
+          </a:fontRef>
+        </p:style>
+        <p:txBody>
+          <a:bodyPr rtlCol="0" anchor="ctr"/>
+          <a:lstStyle/>
+          <a:p>
+            <a:pPr algn="ctr"/>
+            <a:endParaRPr lang="en-GB"/>
+          </a:p>
+        </p:txBody>
+      </p:sp>
+      <p:pic>
+        <p:nvPicPr>
+          <p:cNvPr id="1026" name="Picture 2" descr="C:\Users\andrew\Desktop\store.jpg"/>
+          <p:cNvPicPr>
+            <a:picLocks noChangeAspect="1" noChangeArrowheads="1"/>
+          </p:cNvPicPr>
+          <p:nvPr/>
+        </p:nvPicPr>
+        <p:blipFill>
+          <a:blip r:embed="rId3" cstate="print"/>
+          <a:srcRect/>
+          <a:stretch>
+            <a:fillRect/>
+          </a:stretch>
+        </p:blipFill>
+        <p:spPr bwMode="auto">
+          <a:xfrm>
+            <a:off x="928662" y="4286256"/>
+            <a:ext cx="1673211" cy="1753205"/>
+          </a:xfrm>
+          <a:prstGeom prst="rect">
+            <a:avLst/>
+          </a:prstGeom>
+          <a:noFill/>
+        </p:spPr>
+      </p:pic>
+      <p:pic>
+        <p:nvPicPr>
+          <p:cNvPr id="9" name="Picture 3"/>
+          <p:cNvPicPr>
+            <a:picLocks noChangeAspect="1" noChangeArrowheads="1"/>
+          </p:cNvPicPr>
+          <p:nvPr/>
+        </p:nvPicPr>
+        <p:blipFill>
+          <a:blip r:embed="rId4" cstate="print"/>
+          <a:srcRect/>
+          <a:stretch>
+            <a:fillRect/>
+          </a:stretch>
+        </p:blipFill>
+        <p:spPr bwMode="auto">
+          <a:xfrm>
+            <a:off x="6000760" y="4357694"/>
+            <a:ext cx="2095515" cy="1571636"/>
+          </a:xfrm>
+          <a:prstGeom prst="rect">
+            <a:avLst/>
+          </a:prstGeom>
+          <a:noFill/>
+          <a:ln w="9525">
+            <a:noFill/>
+            <a:miter lim="800000"/>
+            <a:headEnd/>
+            <a:tailEnd/>
+          </a:ln>
+          <a:effectLst/>
+        </p:spPr>
+      </p:pic>
+      <p:sp>
+        <p:nvSpPr>
+          <p:cNvPr id="10" name="Right Arrow 9"/>
+          <p:cNvSpPr/>
+          <p:nvPr/>
+        </p:nvSpPr>
+        <p:spPr>
+          <a:xfrm>
+            <a:off x="2571736" y="3214686"/>
+            <a:ext cx="714380" cy="642942"/>
+          </a:xfrm>
+          <a:prstGeom prst="rightArrow">
+            <a:avLst/>
+          </a:prstGeom>
+          <a:solidFill>
+            <a:schemeClr val="bg2"/>
+          </a:solidFill>
+        </p:spPr>
+        <p:style>
+          <a:lnRef idx="2">
+            <a:schemeClr val="accent1">
+              <a:shade val="50000"/>
+            </a:schemeClr>
+          </a:lnRef>
+          <a:fillRef idx="1">
+            <a:schemeClr val="accent1"/>
+          </a:fillRef>
+          <a:effectRef idx="0">
+            <a:schemeClr val="accent1"/>
+          </a:effectRef>
+          <a:fontRef idx="minor">
+            <a:schemeClr val="lt1"/>
+          </a:fontRef>
+        </p:style>
+        <p:txBody>
+          <a:bodyPr rtlCol="0" anchor="ctr"/>
+          <a:lstStyle/>
+          <a:p>
+            <a:pPr algn="ctr"/>
+            <a:endParaRPr lang="en-GB"/>
+          </a:p>
+        </p:txBody>
+      </p:sp>
+      <p:sp>
+        <p:nvSpPr>
+          <p:cNvPr id="12" name="Right Arrow 11"/>
+          <p:cNvSpPr/>
+          <p:nvPr/>
+        </p:nvSpPr>
+        <p:spPr>
+          <a:xfrm rot="10800000">
+            <a:off x="5572132" y="3214686"/>
+            <a:ext cx="714380" cy="642942"/>
+          </a:xfrm>
+          <a:prstGeom prst="rightArrow">
+            <a:avLst/>
+          </a:prstGeom>
+          <a:solidFill>
+            <a:schemeClr val="bg2"/>
+          </a:solidFill>
+        </p:spPr>
+        <p:style>
+          <a:lnRef idx="2">
+            <a:schemeClr val="accent1">
+              <a:shade val="50000"/>
+            </a:schemeClr>
+          </a:lnRef>
+          <a:fillRef idx="1">
+            <a:schemeClr val="accent1"/>
+          </a:fillRef>
+          <a:effectRef idx="0">
+            <a:schemeClr val="accent1"/>
+          </a:effectRef>
+          <a:fontRef idx="minor">
+            <a:schemeClr val="lt1"/>
+          </a:fontRef>
+        </p:style>
+        <p:txBody>
+          <a:bodyPr rtlCol="0" anchor="ctr"/>
+          <a:lstStyle/>
+          <a:p>
+            <a:pPr algn="ctr"/>
+            <a:endParaRPr lang="en-GB"/>
+          </a:p>
+        </p:txBody>
+      </p:sp>
+      <p:sp>
+        <p:nvSpPr>
+          <p:cNvPr id="13" name="TextBox 12"/>
+          <p:cNvSpPr txBox="1"/>
+          <p:nvPr/>
+        </p:nvSpPr>
+        <p:spPr>
+          <a:xfrm>
+            <a:off x="6643702" y="2379202"/>
+            <a:ext cx="1151084" cy="369332"/>
+          </a:xfrm>
+          <a:prstGeom prst="rect">
+            <a:avLst/>
+          </a:prstGeom>
+          <a:noFill/>
+        </p:spPr>
+        <p:txBody>
+          <a:bodyPr wrap="none" rtlCol="0">
+            <a:spAutoFit/>
+          </a:bodyPr>
+          <a:lstStyle/>
+          <a:p>
+            <a:r>
+              <a:rPr lang="en-GB" u="sng" dirty="0" smtClean="0"/>
+              <a:t>Developer</a:t>
+            </a:r>
+            <a:endParaRPr lang="en-GB" u="sng" dirty="0"/>
+          </a:p>
+        </p:txBody>
+      </p:sp>
+      <p:sp>
+        <p:nvSpPr>
+          <p:cNvPr id="14" name="TextBox 13"/>
+          <p:cNvSpPr txBox="1"/>
+          <p:nvPr/>
+        </p:nvSpPr>
+        <p:spPr>
+          <a:xfrm>
+            <a:off x="1214414" y="2357430"/>
+            <a:ext cx="617477" cy="369332"/>
+          </a:xfrm>
+          <a:prstGeom prst="rect">
+            <a:avLst/>
+          </a:prstGeom>
+          <a:noFill/>
+        </p:spPr>
+        <p:txBody>
+          <a:bodyPr wrap="none" rtlCol="0">
+            <a:spAutoFit/>
+          </a:bodyPr>
+          <a:lstStyle/>
+          <a:p>
+            <a:r>
+              <a:rPr lang="en-GB" u="sng" dirty="0" smtClean="0"/>
+              <a:t>User</a:t>
+            </a:r>
+            <a:endParaRPr lang="en-GB" u="sng" dirty="0"/>
           </a:p>
         </p:txBody>
       </p:sp>
@@ -13819,8 +14313,13 @@
             <a:pPr lvl="1"/>
             <a:r>
               <a:rPr lang="en-GB" dirty="0" smtClean="0"/>
-              <a:t>ROOM actor model? [ref]</a:t>
-            </a:r>
+              <a:t>ROOM actor model? </a:t>
+            </a:r>
+            <a:r>
+              <a:rPr lang="en-GB" dirty="0" smtClean="0"/>
+              <a:t>[SGW94]</a:t>
+            </a:r>
+            <a:endParaRPr lang="en-GB" dirty="0" smtClean="0"/>
           </a:p>
           <a:p>
             <a:endParaRPr lang="en-GB" dirty="0" smtClean="0"/>
@@ -13882,6 +14381,52 @@
       </p:grpSpPr>
       <p:sp>
         <p:nvSpPr>
+          <p:cNvPr id="4" name="Rectangle 3"/>
+          <p:cNvSpPr/>
+          <p:nvPr/>
+        </p:nvSpPr>
+        <p:spPr>
+          <a:xfrm>
+            <a:off x="0" y="5929330"/>
+            <a:ext cx="3000364" cy="928694"/>
+          </a:xfrm>
+          <a:prstGeom prst="rect">
+            <a:avLst/>
+          </a:prstGeom>
+          <a:solidFill>
+            <a:schemeClr val="bg1"/>
+          </a:solidFill>
+          <a:ln>
+            <a:noFill/>
+          </a:ln>
+        </p:spPr>
+        <p:style>
+          <a:lnRef idx="2">
+            <a:schemeClr val="accent1">
+              <a:shade val="50000"/>
+            </a:schemeClr>
+          </a:lnRef>
+          <a:fillRef idx="1">
+            <a:schemeClr val="accent1"/>
+          </a:fillRef>
+          <a:effectRef idx="0">
+            <a:schemeClr val="accent1"/>
+          </a:effectRef>
+          <a:fontRef idx="minor">
+            <a:schemeClr val="lt1"/>
+          </a:fontRef>
+        </p:style>
+        <p:txBody>
+          <a:bodyPr rtlCol="0" anchor="ctr"/>
+          <a:lstStyle/>
+          <a:p>
+            <a:pPr algn="ctr"/>
+            <a:endParaRPr lang="en-GB"/>
+          </a:p>
+        </p:txBody>
+      </p:sp>
+      <p:sp>
+        <p:nvSpPr>
           <p:cNvPr id="2" name="Title 1"/>
           <p:cNvSpPr>
             <a:spLocks noGrp="1"/>
@@ -13913,12 +14458,352 @@
             <p:ph idx="1"/>
           </p:nvPr>
         </p:nvSpPr>
-        <p:spPr/>
-        <p:txBody>
-          <a:bodyPr/>
-          <a:lstStyle/>
-          <a:p>
-            <a:endParaRPr lang="en-GB"/>
+        <p:spPr>
+          <a:xfrm>
+            <a:off x="457200" y="1500174"/>
+            <a:ext cx="8229600" cy="5357826"/>
+          </a:xfrm>
+        </p:spPr>
+        <p:txBody>
+          <a:bodyPr>
+            <a:normAutofit fontScale="62500" lnSpcReduction="20000"/>
+          </a:bodyPr>
+          <a:lstStyle/>
+          <a:p>
+            <a:r>
+              <a:rPr lang="en-GB" dirty="0" smtClean="0"/>
+              <a:t>Jac02</a:t>
+            </a:r>
+            <a:br>
+              <a:rPr lang="en-GB" dirty="0" smtClean="0"/>
+            </a:br>
+            <a:r>
+              <a:rPr lang="en-GB" dirty="0" smtClean="0"/>
+              <a:t>Jackson</a:t>
+            </a:r>
+            <a:r>
+              <a:rPr lang="en-GB" dirty="0" smtClean="0"/>
+              <a:t>, D.</a:t>
+            </a:r>
+            <a:br>
+              <a:rPr lang="en-GB" dirty="0" smtClean="0"/>
+            </a:br>
+            <a:r>
+              <a:rPr lang="en-GB" dirty="0" smtClean="0"/>
+              <a:t>Alloy: A Lightweight Object Modelling Notation</a:t>
+            </a:r>
+            <a:br>
+              <a:rPr lang="en-GB" dirty="0" smtClean="0"/>
+            </a:br>
+            <a:r>
+              <a:rPr lang="en-GB" i="1" dirty="0" smtClean="0"/>
+              <a:t>ACM Transactions on Software Engineering and Methodology (TOSEM), ACM Press, </a:t>
+            </a:r>
+            <a:r>
+              <a:rPr lang="en-GB" b="1" dirty="0" smtClean="0"/>
+              <a:t>2002</a:t>
+            </a:r>
+            <a:r>
+              <a:rPr lang="en-GB" i="1" dirty="0" smtClean="0"/>
+              <a:t>, 11</a:t>
+            </a:r>
+            <a:r>
+              <a:rPr lang="en-GB" dirty="0" smtClean="0"/>
+              <a:t>, 256-290 </a:t>
+            </a:r>
+            <a:endParaRPr lang="en-GB" dirty="0" smtClean="0"/>
+          </a:p>
+          <a:p>
+            <a:r>
+              <a:rPr lang="en-GB" dirty="0" smtClean="0"/>
+              <a:t>Rum96</a:t>
+            </a:r>
+            <a:br>
+              <a:rPr lang="en-GB" dirty="0" smtClean="0"/>
+            </a:br>
+            <a:r>
+              <a:rPr lang="en-GB" dirty="0" err="1" smtClean="0"/>
+              <a:t>Rumbaugh</a:t>
+            </a:r>
+            <a:r>
+              <a:rPr lang="en-GB" dirty="0" smtClean="0"/>
+              <a:t>, J.</a:t>
+            </a:r>
+            <a:br>
+              <a:rPr lang="en-GB" dirty="0" smtClean="0"/>
+            </a:br>
+            <a:r>
+              <a:rPr lang="en-GB" dirty="0" smtClean="0"/>
+              <a:t>OMT Insights: Perspectives on </a:t>
+            </a:r>
+            <a:r>
+              <a:rPr lang="en-GB" dirty="0" err="1" smtClean="0"/>
+              <a:t>Modeling</a:t>
+            </a:r>
+            <a:r>
+              <a:rPr lang="en-GB" dirty="0" smtClean="0"/>
+              <a:t/>
+            </a:r>
+            <a:br>
+              <a:rPr lang="en-GB" dirty="0" smtClean="0"/>
+            </a:br>
+            <a:r>
+              <a:rPr lang="en-GB" dirty="0" smtClean="0"/>
+              <a:t>Journal </a:t>
+            </a:r>
+            <a:r>
+              <a:rPr lang="en-GB" dirty="0" smtClean="0"/>
+              <a:t>of Object-Oriented </a:t>
+            </a:r>
+            <a:r>
+              <a:rPr lang="en-GB" dirty="0" smtClean="0"/>
+              <a:t>Programming, </a:t>
+            </a:r>
+            <a:r>
+              <a:rPr lang="en-GB" i="1" dirty="0" smtClean="0"/>
+              <a:t>Cambridge </a:t>
+            </a:r>
+            <a:r>
+              <a:rPr lang="en-GB" i="1" dirty="0" smtClean="0"/>
+              <a:t>University Press, </a:t>
+            </a:r>
+            <a:r>
+              <a:rPr lang="en-GB" b="1" dirty="0" smtClean="0"/>
+              <a:t>1996</a:t>
+            </a:r>
+            <a:r>
+              <a:rPr lang="en-GB" dirty="0" smtClean="0"/>
+              <a:t>, 123 </a:t>
+            </a:r>
+            <a:endParaRPr lang="en-GB" dirty="0" smtClean="0"/>
+          </a:p>
+          <a:p>
+            <a:r>
+              <a:rPr lang="en-GB" dirty="0" smtClean="0"/>
+              <a:t>MDEK9</a:t>
+            </a:r>
+            <a:br>
+              <a:rPr lang="en-GB" dirty="0" smtClean="0"/>
+            </a:br>
+            <a:r>
+              <a:rPr lang="en-GB" dirty="0" smtClean="0"/>
+              <a:t>Magee</a:t>
+            </a:r>
+            <a:r>
+              <a:rPr lang="en-GB" dirty="0" smtClean="0"/>
+              <a:t>, J.; </a:t>
+            </a:r>
+            <a:r>
+              <a:rPr lang="en-GB" dirty="0" err="1" smtClean="0"/>
+              <a:t>Dulay</a:t>
+            </a:r>
+            <a:r>
+              <a:rPr lang="en-GB" dirty="0" smtClean="0"/>
+              <a:t>, N.; </a:t>
+            </a:r>
+            <a:r>
+              <a:rPr lang="en-GB" dirty="0" err="1" smtClean="0"/>
+              <a:t>Eisenbach</a:t>
+            </a:r>
+            <a:r>
+              <a:rPr lang="en-GB" dirty="0" smtClean="0"/>
+              <a:t>, S. &amp; Kramer, J.</a:t>
+            </a:r>
+            <a:br>
+              <a:rPr lang="en-GB" dirty="0" smtClean="0"/>
+            </a:br>
+            <a:r>
+              <a:rPr lang="en-GB" dirty="0" smtClean="0"/>
+              <a:t>Specifying </a:t>
+            </a:r>
+            <a:r>
+              <a:rPr lang="en-GB" dirty="0" smtClean="0"/>
+              <a:t>Distributed Software Architectures</a:t>
+            </a:r>
+            <a:br>
+              <a:rPr lang="en-GB" dirty="0" smtClean="0"/>
+            </a:br>
+            <a:r>
+              <a:rPr lang="en-GB" i="1" dirty="0" err="1" smtClean="0"/>
+              <a:t>Esec</a:t>
+            </a:r>
+            <a:r>
+              <a:rPr lang="en-GB" i="1" dirty="0" smtClean="0"/>
+              <a:t>, </a:t>
+            </a:r>
+            <a:r>
+              <a:rPr lang="en-GB" b="1" dirty="0" smtClean="0"/>
+              <a:t>1995</a:t>
+            </a:r>
+            <a:r>
+              <a:rPr lang="en-GB" i="1" dirty="0" smtClean="0"/>
+              <a:t>, 989</a:t>
+            </a:r>
+            <a:r>
+              <a:rPr lang="en-GB" dirty="0" smtClean="0"/>
+              <a:t>, 137-153 </a:t>
+            </a:r>
+            <a:endParaRPr lang="en-GB" dirty="0" smtClean="0"/>
+          </a:p>
+          <a:p>
+            <a:r>
+              <a:rPr lang="en-GB" dirty="0" smtClean="0"/>
+              <a:t>MK06</a:t>
+            </a:r>
+            <a:br>
+              <a:rPr lang="en-GB" dirty="0" smtClean="0"/>
+            </a:br>
+            <a:r>
+              <a:rPr lang="en-GB" dirty="0" smtClean="0"/>
+              <a:t>Concurrency </a:t>
+            </a:r>
+            <a:r>
+              <a:rPr lang="en-GB" dirty="0" smtClean="0"/>
+              <a:t>(State Models and Java Programs)</a:t>
+            </a:r>
+            <a:br>
+              <a:rPr lang="en-GB" dirty="0" smtClean="0"/>
+            </a:br>
+            <a:r>
+              <a:rPr lang="en-GB" dirty="0" smtClean="0"/>
+              <a:t>Magee</a:t>
+            </a:r>
+            <a:r>
+              <a:rPr lang="en-GB" dirty="0" smtClean="0"/>
+              <a:t>, J. &amp; Kramer, J.</a:t>
+            </a:r>
+            <a:br>
+              <a:rPr lang="en-GB" dirty="0" smtClean="0"/>
+            </a:br>
+            <a:r>
+              <a:rPr lang="en-GB" i="1" dirty="0" smtClean="0"/>
+              <a:t>John </a:t>
+            </a:r>
+            <a:r>
+              <a:rPr lang="en-GB" i="1" dirty="0" smtClean="0"/>
+              <a:t>Wiley and Sons Ltd, </a:t>
+            </a:r>
+            <a:r>
+              <a:rPr lang="en-GB" b="1" dirty="0" smtClean="0"/>
+              <a:t>2006</a:t>
+            </a:r>
+            <a:endParaRPr lang="en-GB" dirty="0" smtClean="0"/>
+          </a:p>
+          <a:p>
+            <a:r>
+              <a:rPr lang="en-GB" dirty="0" smtClean="0"/>
+              <a:t>PV02</a:t>
+            </a:r>
+            <a:br>
+              <a:rPr lang="en-GB" dirty="0" smtClean="0"/>
+            </a:br>
+            <a:r>
+              <a:rPr lang="en-GB" dirty="0" err="1" smtClean="0"/>
+              <a:t>Behavior</a:t>
+            </a:r>
+            <a:r>
+              <a:rPr lang="en-GB" dirty="0" smtClean="0"/>
+              <a:t> </a:t>
+            </a:r>
+            <a:r>
+              <a:rPr lang="en-GB" dirty="0" smtClean="0"/>
+              <a:t>Protocols for Software Components </a:t>
+            </a:r>
+            <a:br>
+              <a:rPr lang="en-GB" dirty="0" smtClean="0"/>
+            </a:br>
+            <a:r>
+              <a:rPr lang="en-GB" dirty="0" err="1" smtClean="0"/>
+              <a:t>Plasil</a:t>
+            </a:r>
+            <a:r>
+              <a:rPr lang="en-GB" dirty="0" smtClean="0"/>
+              <a:t>, F. &amp; </a:t>
+            </a:r>
+            <a:r>
+              <a:rPr lang="en-GB" dirty="0" err="1" smtClean="0"/>
+              <a:t>Visnovsky</a:t>
+            </a:r>
+            <a:r>
+              <a:rPr lang="en-GB" dirty="0" smtClean="0"/>
+              <a:t>, </a:t>
+            </a:r>
+            <a:r>
+              <a:rPr lang="en-GB" dirty="0" smtClean="0"/>
+              <a:t>S.</a:t>
+            </a:r>
+            <a:br>
+              <a:rPr lang="en-GB" dirty="0" smtClean="0"/>
+            </a:br>
+            <a:r>
+              <a:rPr lang="en-GB" i="1" dirty="0" smtClean="0"/>
+              <a:t>IEEE </a:t>
+            </a:r>
+            <a:r>
+              <a:rPr lang="en-GB" i="1" dirty="0" smtClean="0"/>
+              <a:t>Transactions on Software Engineering, IEEE Press, </a:t>
+            </a:r>
+            <a:r>
+              <a:rPr lang="en-GB" b="1" dirty="0" smtClean="0"/>
+              <a:t>2002</a:t>
+            </a:r>
+            <a:endParaRPr lang="en-GB" dirty="0" smtClean="0"/>
+          </a:p>
+          <a:p>
+            <a:r>
+              <a:rPr lang="en-GB" dirty="0" smtClean="0"/>
+              <a:t>SGW94</a:t>
+            </a:r>
+            <a:br>
+              <a:rPr lang="en-GB" dirty="0" smtClean="0"/>
+            </a:br>
+            <a:r>
+              <a:rPr lang="en-GB" dirty="0" smtClean="0"/>
+              <a:t>Real-Time Object-Oriented </a:t>
+            </a:r>
+            <a:r>
+              <a:rPr lang="en-GB" dirty="0" err="1" smtClean="0"/>
+              <a:t>Modeling</a:t>
+            </a:r>
+            <a:r>
+              <a:rPr lang="en-GB" dirty="0" smtClean="0"/>
+              <a:t/>
+            </a:r>
+            <a:br>
+              <a:rPr lang="en-GB" dirty="0" smtClean="0"/>
+            </a:br>
+            <a:r>
+              <a:rPr lang="en-GB" dirty="0" err="1" smtClean="0"/>
+              <a:t>Selic</a:t>
+            </a:r>
+            <a:r>
+              <a:rPr lang="en-GB" dirty="0" smtClean="0"/>
+              <a:t>, B.; </a:t>
+            </a:r>
+            <a:r>
+              <a:rPr lang="en-GB" dirty="0" err="1" smtClean="0"/>
+              <a:t>Gullekson</a:t>
+            </a:r>
+            <a:r>
+              <a:rPr lang="en-GB" dirty="0" smtClean="0"/>
+              <a:t>, G. &amp; Ward, P.</a:t>
+            </a:r>
+            <a:br>
+              <a:rPr lang="en-GB" dirty="0" smtClean="0"/>
+            </a:br>
+            <a:r>
+              <a:rPr lang="en-GB" i="1" dirty="0" smtClean="0"/>
+              <a:t>John </a:t>
+            </a:r>
+            <a:r>
+              <a:rPr lang="en-GB" i="1" dirty="0" smtClean="0"/>
+              <a:t>Wiley &amp; Sons, </a:t>
+            </a:r>
+            <a:r>
+              <a:rPr lang="en-GB" b="1" dirty="0" smtClean="0"/>
+              <a:t>1994</a:t>
+            </a:r>
+            <a:endParaRPr lang="en-GB" dirty="0"/>
           </a:p>
         </p:txBody>
       </p:sp>
@@ -14042,8 +14927,13 @@
           <a:p>
             <a:r>
               <a:rPr lang="en-GB" dirty="0" smtClean="0"/>
-              <a:t>Model is described in the Alloy logic language [MIT]</a:t>
-            </a:r>
+              <a:t>Model is described in the Alloy logic language </a:t>
+            </a:r>
+            <a:r>
+              <a:rPr lang="en-GB" dirty="0" smtClean="0"/>
+              <a:t>[Jac02]</a:t>
+            </a:r>
+            <a:endParaRPr lang="en-GB" dirty="0" smtClean="0"/>
           </a:p>
           <a:p>
             <a:r>
@@ -15196,15 +16086,7 @@
           <a:p>
             <a:r>
               <a:rPr lang="en-GB" dirty="0" smtClean="0"/>
-              <a:t>Ports of </a:t>
-            </a:r>
-            <a:r>
-              <a:rPr lang="en-GB" dirty="0" smtClean="0"/>
-              <a:t>composites </a:t>
-            </a:r>
-            <a:r>
-              <a:rPr lang="en-GB" dirty="0" smtClean="0"/>
-              <a:t>have their interfaces inferred</a:t>
+              <a:t>Ports of composites have their interfaces inferred</a:t>
             </a:r>
           </a:p>
           <a:p>
@@ -15218,13 +16100,8 @@
             <a:pPr lvl="1"/>
             <a:r>
               <a:rPr lang="en-GB" dirty="0" smtClean="0"/>
-              <a:t>Exposes interfaces on one port back to </a:t>
-            </a:r>
-            <a:r>
-              <a:rPr lang="en-GB" dirty="0" smtClean="0"/>
-              <a:t>“surface”</a:t>
-            </a:r>
-            <a:endParaRPr lang="en-GB" dirty="0" smtClean="0"/>
+              <a:t>Exposes interfaces on one port back to “surface”</a:t>
+            </a:r>
           </a:p>
         </p:txBody>
       </p:sp>
